--- a/document/Zinzara(1차)종합설계_제안서.pptx
+++ b/document/Zinzara(1차)종합설계_제안서.pptx
@@ -5,7 +5,7 @@
     <p:sldMasterId id="2147483648" r:id="rId1"/>
   </p:sldMasterIdLst>
   <p:notesMasterIdLst>
-    <p:notesMasterId r:id="rId16"/>
+    <p:notesMasterId r:id="rId17"/>
   </p:notesMasterIdLst>
   <p:sldIdLst>
     <p:sldId id="256" r:id="rId2"/>
@@ -15,13 +15,14 @@
     <p:sldId id="260" r:id="rId6"/>
     <p:sldId id="261" r:id="rId7"/>
     <p:sldId id="262" r:id="rId8"/>
-    <p:sldId id="263" r:id="rId9"/>
-    <p:sldId id="264" r:id="rId10"/>
-    <p:sldId id="265" r:id="rId11"/>
-    <p:sldId id="270" r:id="rId12"/>
-    <p:sldId id="267" r:id="rId13"/>
-    <p:sldId id="268" r:id="rId14"/>
-    <p:sldId id="269" r:id="rId15"/>
+    <p:sldId id="271" r:id="rId9"/>
+    <p:sldId id="263" r:id="rId10"/>
+    <p:sldId id="264" r:id="rId11"/>
+    <p:sldId id="265" r:id="rId12"/>
+    <p:sldId id="270" r:id="rId13"/>
+    <p:sldId id="267" r:id="rId14"/>
+    <p:sldId id="268" r:id="rId15"/>
+    <p:sldId id="269" r:id="rId16"/>
   </p:sldIdLst>
   <p:sldSz cx="12192000" cy="6858000"/>
   <p:notesSz cx="6858000" cy="9144000"/>
@@ -120,6 +121,11 @@
       </a:defRPr>
     </a:lvl9pPr>
   </p:defaultTextStyle>
+  <p:extLst>
+    <p:ext uri="{EFAFB233-063F-42B5-8137-9DF3F51BA10A}">
+      <p15:sldGuideLst xmlns:p15="http://schemas.microsoft.com/office/powerpoint/2012/main"/>
+    </p:ext>
+  </p:extLst>
 </p:presentation>
 </file>
 
@@ -3926,7 +3932,7 @@
           <a:p>
             <a:fld id="{11DE9305-D30F-4D20-B176-D789201F1D9D}" type="datetimeFigureOut">
               <a:rPr lang="ko-KR" altLang="en-US" smtClean="0"/>
-              <a:t>2021-12-19</a:t>
+              <a:t>2021-12-31</a:t>
             </a:fld>
             <a:endParaRPr lang="ko-KR" altLang="en-US"/>
           </a:p>
@@ -4435,6 +4441,90 @@
     </p:spTree>
     <p:extLst>
       <p:ext uri="{BB962C8B-B14F-4D97-AF65-F5344CB8AC3E}">
+        <p14:creationId xmlns:p14="http://schemas.microsoft.com/office/powerpoint/2010/main" val="166389973"/>
+      </p:ext>
+    </p:extLst>
+  </p:cSld>
+  <p:clrMapOvr>
+    <a:masterClrMapping/>
+  </p:clrMapOvr>
+</p:notes>
+</file>
+
+<file path=ppt/notesSlides/notesSlide4.xml><?xml version="1.0" encoding="utf-8"?>
+<p:notes xmlns:a="http://schemas.openxmlformats.org/drawingml/2006/main" xmlns:r="http://schemas.openxmlformats.org/officeDocument/2006/relationships" xmlns:p="http://schemas.openxmlformats.org/presentationml/2006/main">
+  <p:cSld>
+    <p:spTree>
+      <p:nvGrpSpPr>
+        <p:cNvPr id="1" name=""/>
+        <p:cNvGrpSpPr/>
+        <p:nvPr/>
+      </p:nvGrpSpPr>
+      <p:grpSpPr>
+        <a:xfrm>
+          <a:off x="0" y="0"/>
+          <a:ext cx="0" cy="0"/>
+          <a:chOff x="0" y="0"/>
+          <a:chExt cx="0" cy="0"/>
+        </a:xfrm>
+      </p:grpSpPr>
+      <p:sp>
+        <p:nvSpPr>
+          <p:cNvPr id="2" name="슬라이드 이미지 개체 틀 1"/>
+          <p:cNvSpPr>
+            <a:spLocks noGrp="1" noRot="1" noChangeAspect="1"/>
+          </p:cNvSpPr>
+          <p:nvPr>
+            <p:ph type="sldImg"/>
+          </p:nvPr>
+        </p:nvSpPr>
+        <p:spPr/>
+      </p:sp>
+      <p:sp>
+        <p:nvSpPr>
+          <p:cNvPr id="3" name="슬라이드 노트 개체 틀 2"/>
+          <p:cNvSpPr>
+            <a:spLocks noGrp="1"/>
+          </p:cNvSpPr>
+          <p:nvPr>
+            <p:ph type="body" idx="1"/>
+          </p:nvPr>
+        </p:nvSpPr>
+        <p:spPr/>
+        <p:txBody>
+          <a:bodyPr/>
+          <a:lstStyle/>
+          <a:p>
+            <a:endParaRPr lang="ko-KR" altLang="en-US" dirty="0"/>
+          </a:p>
+        </p:txBody>
+      </p:sp>
+      <p:sp>
+        <p:nvSpPr>
+          <p:cNvPr id="4" name="슬라이드 번호 개체 틀 3"/>
+          <p:cNvSpPr>
+            <a:spLocks noGrp="1"/>
+          </p:cNvSpPr>
+          <p:nvPr>
+            <p:ph type="sldNum" sz="quarter" idx="5"/>
+          </p:nvPr>
+        </p:nvSpPr>
+        <p:spPr/>
+        <p:txBody>
+          <a:bodyPr/>
+          <a:lstStyle/>
+          <a:p>
+            <a:fld id="{170D734A-4AC4-421A-99A3-53117CB132C9}" type="slidenum">
+              <a:rPr lang="ko-KR" altLang="en-US" smtClean="0"/>
+              <a:t>9</a:t>
+            </a:fld>
+            <a:endParaRPr lang="ko-KR" altLang="en-US"/>
+          </a:p>
+        </p:txBody>
+      </p:sp>
+    </p:spTree>
+    <p:extLst>
+      <p:ext uri="{BB962C8B-B14F-4D97-AF65-F5344CB8AC3E}">
         <p14:creationId xmlns:p14="http://schemas.microsoft.com/office/powerpoint/2010/main" val="2279285550"/>
       </p:ext>
     </p:extLst>
@@ -4592,7 +4682,7 @@
           <a:p>
             <a:fld id="{EF6173CE-A2A0-4AB7-819F-1C6B3512C8F3}" type="datetimeFigureOut">
               <a:rPr lang="ko-KR" altLang="en-US" smtClean="0"/>
-              <a:t>2021-12-19</a:t>
+              <a:t>2021-12-31</a:t>
             </a:fld>
             <a:endParaRPr lang="ko-KR" altLang="en-US"/>
           </a:p>
@@ -4790,7 +4880,7 @@
           <a:p>
             <a:fld id="{EF6173CE-A2A0-4AB7-819F-1C6B3512C8F3}" type="datetimeFigureOut">
               <a:rPr lang="ko-KR" altLang="en-US" smtClean="0"/>
-              <a:t>2021-12-19</a:t>
+              <a:t>2021-12-31</a:t>
             </a:fld>
             <a:endParaRPr lang="ko-KR" altLang="en-US"/>
           </a:p>
@@ -4998,7 +5088,7 @@
           <a:p>
             <a:fld id="{EF6173CE-A2A0-4AB7-819F-1C6B3512C8F3}" type="datetimeFigureOut">
               <a:rPr lang="ko-KR" altLang="en-US" smtClean="0"/>
-              <a:t>2021-12-19</a:t>
+              <a:t>2021-12-31</a:t>
             </a:fld>
             <a:endParaRPr lang="ko-KR" altLang="en-US"/>
           </a:p>
@@ -5196,7 +5286,7 @@
           <a:p>
             <a:fld id="{EF6173CE-A2A0-4AB7-819F-1C6B3512C8F3}" type="datetimeFigureOut">
               <a:rPr lang="ko-KR" altLang="en-US" smtClean="0"/>
-              <a:t>2021-12-19</a:t>
+              <a:t>2021-12-31</a:t>
             </a:fld>
             <a:endParaRPr lang="ko-KR" altLang="en-US"/>
           </a:p>
@@ -5471,7 +5561,7 @@
           <a:p>
             <a:fld id="{EF6173CE-A2A0-4AB7-819F-1C6B3512C8F3}" type="datetimeFigureOut">
               <a:rPr lang="ko-KR" altLang="en-US" smtClean="0"/>
-              <a:t>2021-12-19</a:t>
+              <a:t>2021-12-31</a:t>
             </a:fld>
             <a:endParaRPr lang="ko-KR" altLang="en-US"/>
           </a:p>
@@ -5736,7 +5826,7 @@
           <a:p>
             <a:fld id="{EF6173CE-A2A0-4AB7-819F-1C6B3512C8F3}" type="datetimeFigureOut">
               <a:rPr lang="ko-KR" altLang="en-US" smtClean="0"/>
-              <a:t>2021-12-19</a:t>
+              <a:t>2021-12-31</a:t>
             </a:fld>
             <a:endParaRPr lang="ko-KR" altLang="en-US"/>
           </a:p>
@@ -6148,7 +6238,7 @@
           <a:p>
             <a:fld id="{EF6173CE-A2A0-4AB7-819F-1C6B3512C8F3}" type="datetimeFigureOut">
               <a:rPr lang="ko-KR" altLang="en-US" smtClean="0"/>
-              <a:t>2021-12-19</a:t>
+              <a:t>2021-12-31</a:t>
             </a:fld>
             <a:endParaRPr lang="ko-KR" altLang="en-US"/>
           </a:p>
@@ -6289,7 +6379,7 @@
           <a:p>
             <a:fld id="{EF6173CE-A2A0-4AB7-819F-1C6B3512C8F3}" type="datetimeFigureOut">
               <a:rPr lang="ko-KR" altLang="en-US" smtClean="0"/>
-              <a:t>2021-12-19</a:t>
+              <a:t>2021-12-31</a:t>
             </a:fld>
             <a:endParaRPr lang="ko-KR" altLang="en-US"/>
           </a:p>
@@ -6402,7 +6492,7 @@
           <a:p>
             <a:fld id="{EF6173CE-A2A0-4AB7-819F-1C6B3512C8F3}" type="datetimeFigureOut">
               <a:rPr lang="ko-KR" altLang="en-US" smtClean="0"/>
-              <a:t>2021-12-19</a:t>
+              <a:t>2021-12-31</a:t>
             </a:fld>
             <a:endParaRPr lang="ko-KR" altLang="en-US"/>
           </a:p>
@@ -6713,7 +6803,7 @@
           <a:p>
             <a:fld id="{EF6173CE-A2A0-4AB7-819F-1C6B3512C8F3}" type="datetimeFigureOut">
               <a:rPr lang="ko-KR" altLang="en-US" smtClean="0"/>
-              <a:t>2021-12-19</a:t>
+              <a:t>2021-12-31</a:t>
             </a:fld>
             <a:endParaRPr lang="ko-KR" altLang="en-US"/>
           </a:p>
@@ -7001,7 +7091,7 @@
           <a:p>
             <a:fld id="{EF6173CE-A2A0-4AB7-819F-1C6B3512C8F3}" type="datetimeFigureOut">
               <a:rPr lang="ko-KR" altLang="en-US" smtClean="0"/>
-              <a:t>2021-12-19</a:t>
+              <a:t>2021-12-31</a:t>
             </a:fld>
             <a:endParaRPr lang="ko-KR" altLang="en-US"/>
           </a:p>
@@ -7242,7 +7332,7 @@
           <a:p>
             <a:fld id="{EF6173CE-A2A0-4AB7-819F-1C6B3512C8F3}" type="datetimeFigureOut">
               <a:rPr lang="ko-KR" altLang="en-US" smtClean="0"/>
-              <a:t>2021-12-19</a:t>
+              <a:t>2021-12-31</a:t>
             </a:fld>
             <a:endParaRPr lang="ko-KR" altLang="en-US"/>
           </a:p>
@@ -7786,8 +7876,40 @@
                 <a:ea typeface="+mj-ea"/>
                 <a:cs typeface="+mj-cs"/>
               </a:rPr>
-              <a:t>스마트 스피커</a:t>
+              <a:t>모션 인식 </a:t>
             </a:r>
+            <a:r>
+              <a:rPr lang="ko-KR" altLang="en-US" sz="5000" dirty="0">
+                <a:solidFill>
+                  <a:srgbClr val="FFFFFF"/>
+                </a:solidFill>
+              </a:rPr>
+              <a:t>홈 </a:t>
+            </a:r>
+            <a:r>
+              <a:rPr lang="en-US" altLang="ko-KR" sz="5000" dirty="0">
+                <a:solidFill>
+                  <a:srgbClr val="FFFFFF"/>
+                </a:solidFill>
+              </a:rPr>
+              <a:t>IOT </a:t>
+            </a:r>
+            <a:r>
+              <a:rPr lang="ko-KR" altLang="en-US" sz="5000" dirty="0">
+                <a:solidFill>
+                  <a:srgbClr val="FFFFFF"/>
+                </a:solidFill>
+              </a:rPr>
+              <a:t>앱</a:t>
+            </a:r>
+            <a:endParaRPr lang="ko-KR" altLang="en-US" sz="5000" kern="1200" dirty="0">
+              <a:solidFill>
+                <a:srgbClr val="FFFFFF"/>
+              </a:solidFill>
+              <a:latin typeface="+mj-lt"/>
+              <a:ea typeface="+mj-ea"/>
+              <a:cs typeface="+mj-cs"/>
+            </a:endParaRPr>
           </a:p>
         </p:txBody>
       </p:sp>
@@ -8782,6 +8904,369 @@
           <a:chExt cx="0" cy="0"/>
         </a:xfrm>
       </p:grpSpPr>
+      <p:sp>
+        <p:nvSpPr>
+          <p:cNvPr id="11" name="Rectangle 10">
+            <a:extLst>
+              <a:ext uri="{FF2B5EF4-FFF2-40B4-BE49-F238E27FC236}">
+                <a16:creationId xmlns:a16="http://schemas.microsoft.com/office/drawing/2014/main" id="{95023A33-56DF-491A-AC86-C91A560AE75A}"/>
+              </a:ext>
+              <a:ext uri="{C183D7F6-B498-43B3-948B-1728B52AA6E4}">
+                <adec:decorative xmlns:adec="http://schemas.microsoft.com/office/drawing/2017/decorative" val="1"/>
+              </a:ext>
+            </a:extLst>
+          </p:cNvPr>
+          <p:cNvSpPr>
+            <a:spLocks noGrp="1" noRot="1" noChangeAspect="1" noMove="1" noResize="1" noEditPoints="1" noAdjustHandles="1" noChangeArrowheads="1" noChangeShapeType="1" noTextEdit="1"/>
+          </p:cNvSpPr>
+          <p:nvPr>
+            <p:extLst>
+              <p:ext uri="{386F3935-93C4-4BCD-93E2-E3B085C9AB24}">
+                <p16:designElem xmlns:p16="http://schemas.microsoft.com/office/powerpoint/2015/main" val="1"/>
+              </p:ext>
+            </p:extLst>
+          </p:nvPr>
+        </p:nvSpPr>
+        <p:spPr>
+          <a:xfrm>
+            <a:off x="0" y="0"/>
+            <a:ext cx="12192000" cy="2654490"/>
+          </a:xfrm>
+          <a:prstGeom prst="rect">
+            <a:avLst/>
+          </a:prstGeom>
+          <a:solidFill>
+            <a:schemeClr val="tx1">
+              <a:lumMod val="75000"/>
+              <a:lumOff val="25000"/>
+            </a:schemeClr>
+          </a:solidFill>
+          <a:ln>
+            <a:noFill/>
+          </a:ln>
+        </p:spPr>
+        <p:style>
+          <a:lnRef idx="2">
+            <a:schemeClr val="accent1">
+              <a:shade val="50000"/>
+            </a:schemeClr>
+          </a:lnRef>
+          <a:fillRef idx="1">
+            <a:schemeClr val="accent1"/>
+          </a:fillRef>
+          <a:effectRef idx="0">
+            <a:schemeClr val="accent1"/>
+          </a:effectRef>
+          <a:fontRef idx="minor">
+            <a:schemeClr val="lt1"/>
+          </a:fontRef>
+        </p:style>
+        <p:txBody>
+          <a:bodyPr rtlCol="0" anchor="ctr"/>
+          <a:lstStyle/>
+          <a:p>
+            <a:pPr algn="ctr"/>
+            <a:endParaRPr lang="en-US"/>
+          </a:p>
+        </p:txBody>
+      </p:sp>
+      <p:sp>
+        <p:nvSpPr>
+          <p:cNvPr id="2" name="제목 1">
+            <a:extLst>
+              <a:ext uri="{FF2B5EF4-FFF2-40B4-BE49-F238E27FC236}">
+                <a16:creationId xmlns:a16="http://schemas.microsoft.com/office/drawing/2014/main" id="{89D6095A-447A-4689-A5A2-88EEF163B1C6}"/>
+              </a:ext>
+            </a:extLst>
+          </p:cNvPr>
+          <p:cNvSpPr>
+            <a:spLocks noGrp="1"/>
+          </p:cNvSpPr>
+          <p:nvPr>
+            <p:ph type="title"/>
+          </p:nvPr>
+        </p:nvSpPr>
+        <p:spPr>
+          <a:xfrm>
+            <a:off x="586935" y="499377"/>
+            <a:ext cx="11017892" cy="1197864"/>
+          </a:xfrm>
+        </p:spPr>
+        <p:txBody>
+          <a:bodyPr vert="horz" lIns="91440" tIns="45720" rIns="91440" bIns="45720" rtlCol="0" anchor="b">
+            <a:normAutofit fontScale="90000"/>
+          </a:bodyPr>
+          <a:lstStyle/>
+          <a:p>
+            <a:pPr algn="ctr" latinLnBrk="0"/>
+            <a:r>
+              <a:rPr lang="ko-KR" altLang="en-US" sz="5300" dirty="0">
+                <a:solidFill>
+                  <a:schemeClr val="bg1"/>
+                </a:solidFill>
+              </a:rPr>
+              <a:t>개발 환경 및 개발 방법</a:t>
+            </a:r>
+            <a:r>
+              <a:rPr lang="en-US" altLang="ko-KR" dirty="0">
+                <a:solidFill>
+                  <a:schemeClr val="bg1"/>
+                </a:solidFill>
+              </a:rPr>
+              <a:t>(</a:t>
+            </a:r>
+            <a:r>
+              <a:rPr lang="ko-KR" altLang="en-US" dirty="0">
+                <a:solidFill>
+                  <a:schemeClr val="bg1"/>
+                </a:solidFill>
+              </a:rPr>
+              <a:t>어플리케이션 개발</a:t>
+            </a:r>
+            <a:r>
+              <a:rPr lang="en-US" altLang="ko-KR" dirty="0">
+                <a:solidFill>
+                  <a:schemeClr val="bg1"/>
+                </a:solidFill>
+              </a:rPr>
+              <a:t>)</a:t>
+            </a:r>
+          </a:p>
+        </p:txBody>
+      </p:sp>
+      <p:pic>
+        <p:nvPicPr>
+          <p:cNvPr id="5" name="Google Shape;135;p13">
+            <a:extLst>
+              <a:ext uri="{FF2B5EF4-FFF2-40B4-BE49-F238E27FC236}">
+                <a16:creationId xmlns:a16="http://schemas.microsoft.com/office/drawing/2014/main" id="{8FBA9694-C872-4727-BF45-F992E2763FCF}"/>
+              </a:ext>
+            </a:extLst>
+          </p:cNvPr>
+          <p:cNvPicPr preferRelativeResize="0"/>
+          <p:nvPr/>
+        </p:nvPicPr>
+        <p:blipFill>
+          <a:blip r:embed="rId2"/>
+          <a:stretch>
+            <a:fillRect/>
+          </a:stretch>
+        </p:blipFill>
+        <p:spPr>
+          <a:xfrm>
+            <a:off x="586935" y="2975212"/>
+            <a:ext cx="3272687" cy="3272687"/>
+          </a:xfrm>
+          <a:prstGeom prst="rect">
+            <a:avLst/>
+          </a:prstGeom>
+          <a:noFill/>
+        </p:spPr>
+      </p:pic>
+      <p:pic>
+        <p:nvPicPr>
+          <p:cNvPr id="4" name="Google Shape;134;p13">
+            <a:extLst>
+              <a:ext uri="{FF2B5EF4-FFF2-40B4-BE49-F238E27FC236}">
+                <a16:creationId xmlns:a16="http://schemas.microsoft.com/office/drawing/2014/main" id="{265DD0B9-534B-4955-9174-53AE0E4657A6}"/>
+              </a:ext>
+            </a:extLst>
+          </p:cNvPr>
+          <p:cNvPicPr preferRelativeResize="0"/>
+          <p:nvPr/>
+        </p:nvPicPr>
+        <p:blipFill>
+          <a:blip r:embed="rId3"/>
+          <a:stretch>
+            <a:fillRect/>
+          </a:stretch>
+        </p:blipFill>
+        <p:spPr>
+          <a:xfrm>
+            <a:off x="4458132" y="2975212"/>
+            <a:ext cx="3272687" cy="3272687"/>
+          </a:xfrm>
+          <a:prstGeom prst="rect">
+            <a:avLst/>
+          </a:prstGeom>
+          <a:noFill/>
+        </p:spPr>
+      </p:pic>
+      <p:pic>
+        <p:nvPicPr>
+          <p:cNvPr id="6" name="Google Shape;136;p13">
+            <a:extLst>
+              <a:ext uri="{FF2B5EF4-FFF2-40B4-BE49-F238E27FC236}">
+                <a16:creationId xmlns:a16="http://schemas.microsoft.com/office/drawing/2014/main" id="{2F6C9417-C0DC-453B-8A38-E8B0AF9CB8C1}"/>
+              </a:ext>
+            </a:extLst>
+          </p:cNvPr>
+          <p:cNvPicPr preferRelativeResize="0"/>
+          <p:nvPr/>
+        </p:nvPicPr>
+        <p:blipFill>
+          <a:blip r:embed="rId4"/>
+          <a:stretch>
+            <a:fillRect/>
+          </a:stretch>
+        </p:blipFill>
+        <p:spPr>
+          <a:xfrm>
+            <a:off x="8332140" y="2975212"/>
+            <a:ext cx="3272687" cy="3272687"/>
+          </a:xfrm>
+          <a:prstGeom prst="rect">
+            <a:avLst/>
+          </a:prstGeom>
+          <a:noFill/>
+        </p:spPr>
+      </p:pic>
+      <p:sp>
+        <p:nvSpPr>
+          <p:cNvPr id="8" name="TextBox 7">
+            <a:extLst>
+              <a:ext uri="{FF2B5EF4-FFF2-40B4-BE49-F238E27FC236}">
+                <a16:creationId xmlns:a16="http://schemas.microsoft.com/office/drawing/2014/main" id="{6ABA2D5B-924E-4451-B70A-53806C2E8DE1}"/>
+              </a:ext>
+            </a:extLst>
+          </p:cNvPr>
+          <p:cNvSpPr txBox="1"/>
+          <p:nvPr/>
+        </p:nvSpPr>
+        <p:spPr>
+          <a:xfrm>
+            <a:off x="1800733" y="6308523"/>
+            <a:ext cx="845089" cy="369332"/>
+          </a:xfrm>
+          <a:prstGeom prst="rect">
+            <a:avLst/>
+          </a:prstGeom>
+          <a:noFill/>
+        </p:spPr>
+        <p:txBody>
+          <a:bodyPr wrap="square" rtlCol="0">
+            <a:spAutoFit/>
+          </a:bodyPr>
+          <a:lstStyle/>
+          <a:p>
+            <a:r>
+              <a:rPr lang="en-US" altLang="ko-KR" dirty="0"/>
+              <a:t>Kotlin</a:t>
+            </a:r>
+            <a:endParaRPr lang="ko-KR" altLang="en-US" dirty="0"/>
+          </a:p>
+        </p:txBody>
+      </p:sp>
+      <p:sp>
+        <p:nvSpPr>
+          <p:cNvPr id="9" name="TextBox 8">
+            <a:extLst>
+              <a:ext uri="{FF2B5EF4-FFF2-40B4-BE49-F238E27FC236}">
+                <a16:creationId xmlns:a16="http://schemas.microsoft.com/office/drawing/2014/main" id="{E6FD17EC-56E2-4BB9-B5C2-B19353D6B8DB}"/>
+              </a:ext>
+            </a:extLst>
+          </p:cNvPr>
+          <p:cNvSpPr txBox="1"/>
+          <p:nvPr/>
+        </p:nvSpPr>
+        <p:spPr>
+          <a:xfrm>
+            <a:off x="5203646" y="6308523"/>
+            <a:ext cx="1781657" cy="369332"/>
+          </a:xfrm>
+          <a:prstGeom prst="rect">
+            <a:avLst/>
+          </a:prstGeom>
+          <a:noFill/>
+        </p:spPr>
+        <p:txBody>
+          <a:bodyPr wrap="square" rtlCol="0">
+            <a:spAutoFit/>
+          </a:bodyPr>
+          <a:lstStyle/>
+          <a:p>
+            <a:r>
+              <a:rPr lang="en-US" altLang="ko-KR" dirty="0"/>
+              <a:t>Android Studio</a:t>
+            </a:r>
+            <a:endParaRPr lang="ko-KR" altLang="en-US" dirty="0"/>
+          </a:p>
+        </p:txBody>
+      </p:sp>
+      <p:sp>
+        <p:nvSpPr>
+          <p:cNvPr id="10" name="TextBox 9">
+            <a:extLst>
+              <a:ext uri="{FF2B5EF4-FFF2-40B4-BE49-F238E27FC236}">
+                <a16:creationId xmlns:a16="http://schemas.microsoft.com/office/drawing/2014/main" id="{889E1D5D-F78D-457E-A4CA-F7C496B86DD8}"/>
+              </a:ext>
+            </a:extLst>
+          </p:cNvPr>
+          <p:cNvSpPr txBox="1"/>
+          <p:nvPr/>
+        </p:nvSpPr>
+        <p:spPr>
+          <a:xfrm>
+            <a:off x="9288441" y="6308523"/>
+            <a:ext cx="1360083" cy="1200329"/>
+          </a:xfrm>
+          <a:prstGeom prst="rect">
+            <a:avLst/>
+          </a:prstGeom>
+          <a:noFill/>
+        </p:spPr>
+        <p:txBody>
+          <a:bodyPr wrap="square" rtlCol="0">
+            <a:spAutoFit/>
+          </a:bodyPr>
+          <a:lstStyle/>
+          <a:p>
+            <a:r>
+              <a:rPr lang="en-US" altLang="ko-KR" dirty="0"/>
+              <a:t>CSR(CLOVA Speech Recognition)</a:t>
+            </a:r>
+            <a:endParaRPr lang="ko-KR" altLang="en-US" dirty="0"/>
+          </a:p>
+        </p:txBody>
+      </p:sp>
+    </p:spTree>
+    <p:extLst>
+      <p:ext uri="{BB962C8B-B14F-4D97-AF65-F5344CB8AC3E}">
+        <p14:creationId xmlns:p14="http://schemas.microsoft.com/office/powerpoint/2010/main" val="2969419807"/>
+      </p:ext>
+    </p:extLst>
+  </p:cSld>
+  <p:clrMapOvr>
+    <a:masterClrMapping/>
+  </p:clrMapOvr>
+</p:sld>
+</file>
+
+<file path=ppt/slides/slide11.xml><?xml version="1.0" encoding="utf-8"?>
+<p:sld xmlns:a="http://schemas.openxmlformats.org/drawingml/2006/main" xmlns:r="http://schemas.openxmlformats.org/officeDocument/2006/relationships" xmlns:p="http://schemas.openxmlformats.org/presentationml/2006/main">
+  <p:cSld>
+    <p:bg>
+      <p:bgPr>
+        <a:solidFill>
+          <a:schemeClr val="bg1"/>
+        </a:solidFill>
+        <a:effectLst/>
+      </p:bgPr>
+    </p:bg>
+    <p:spTree>
+      <p:nvGrpSpPr>
+        <p:cNvPr id="1" name=""/>
+        <p:cNvGrpSpPr/>
+        <p:nvPr/>
+      </p:nvGrpSpPr>
+      <p:grpSpPr>
+        <a:xfrm>
+          <a:off x="0" y="0"/>
+          <a:ext cx="0" cy="0"/>
+          <a:chOff x="0" y="0"/>
+          <a:chExt cx="0" cy="0"/>
+        </a:xfrm>
+      </p:grpSpPr>
       <p:cxnSp>
         <p:nvCxnSpPr>
           <p:cNvPr id="21" name="Straight Connector 17">
@@ -9071,7 +9556,7 @@
             <p:ph idx="1"/>
             <p:extLst>
               <p:ext uri="{D42A27DB-BD31-4B8C-83A1-F6EECF244321}">
-                <p14:modId xmlns:p14="http://schemas.microsoft.com/office/powerpoint/2010/main" val="1426317804"/>
+                <p14:modId xmlns:p14="http://schemas.microsoft.com/office/powerpoint/2010/main" val="2694348906"/>
               </p:ext>
             </p:extLst>
           </p:nvPr>
@@ -9613,7 +10098,15 @@
                             <a:schemeClr val="tx1"/>
                           </a:solidFill>
                         </a:rPr>
-                        <a:t>CLOVA API</a:t>
+                        <a:t>CSR</a:t>
+                      </a:r>
+                      <a:r>
+                        <a:rPr lang="en-US" altLang="ko-KR" sz="1200" cap="none" spc="0" dirty="0">
+                          <a:solidFill>
+                            <a:schemeClr val="tx1"/>
+                          </a:solidFill>
+                        </a:rPr>
+                        <a:t>(CLOVA Speech Recognition)</a:t>
                       </a:r>
                       <a:r>
                         <a:rPr lang="ko-KR" altLang="en-US" sz="1500" cap="none" spc="0" dirty="0">
@@ -9621,26 +10114,7 @@
                             <a:schemeClr val="tx1"/>
                           </a:solidFill>
                         </a:rPr>
-                        <a:t>를 이용해 </a:t>
-                      </a:r>
-                      <a:endParaRPr lang="en-US" altLang="ko-KR" sz="1500" cap="none" spc="0" dirty="0">
-                        <a:solidFill>
-                          <a:schemeClr val="tx1"/>
-                        </a:solidFill>
-                      </a:endParaRPr>
-                    </a:p>
-                    <a:p>
-                      <a:pPr marL="0" indent="0" latinLnBrk="1">
-                        <a:buFontTx/>
-                        <a:buNone/>
-                      </a:pPr>
-                      <a:r>
-                        <a:rPr lang="ko-KR" altLang="en-US" sz="1500" cap="none" spc="0" dirty="0">
-                          <a:solidFill>
-                            <a:schemeClr val="tx1"/>
-                          </a:solidFill>
-                        </a:rPr>
-                        <a:t>    스마트 스피커 기능 구현</a:t>
+                        <a:t>이용해 스마트 스피커 기능 구현</a:t>
                       </a:r>
                       <a:endParaRPr lang="en-US" altLang="ko-KR" sz="1500" cap="none" spc="0" dirty="0">
                         <a:solidFill>
@@ -10075,7 +10549,7 @@
 </p:sld>
 </file>
 
-<file path=ppt/slides/slide11.xml><?xml version="1.0" encoding="utf-8"?>
+<file path=ppt/slides/slide12.xml><?xml version="1.0" encoding="utf-8"?>
 <p:sld xmlns:a="http://schemas.openxmlformats.org/drawingml/2006/main" xmlns:r="http://schemas.openxmlformats.org/officeDocument/2006/relationships" xmlns:p="http://schemas.openxmlformats.org/presentationml/2006/main">
   <p:cSld>
     <p:bg>
@@ -13922,7 +14396,7 @@
 </p:sld>
 </file>
 
-<file path=ppt/slides/slide12.xml><?xml version="1.0" encoding="utf-8"?>
+<file path=ppt/slides/slide13.xml><?xml version="1.0" encoding="utf-8"?>
 <p:sld xmlns:a="http://schemas.openxmlformats.org/drawingml/2006/main" xmlns:r="http://schemas.openxmlformats.org/officeDocument/2006/relationships" xmlns:p="http://schemas.openxmlformats.org/presentationml/2006/main">
   <p:cSld>
     <p:bg>
@@ -14655,7 +15129,7 @@
 </p:sld>
 </file>
 
-<file path=ppt/slides/slide13.xml><?xml version="1.0" encoding="utf-8"?>
+<file path=ppt/slides/slide14.xml><?xml version="1.0" encoding="utf-8"?>
 <p:sld xmlns:a="http://schemas.openxmlformats.org/drawingml/2006/main" xmlns:r="http://schemas.openxmlformats.org/officeDocument/2006/relationships" xmlns:p="http://schemas.openxmlformats.org/presentationml/2006/main">
   <p:cSld>
     <p:bg>
@@ -14984,7 +15458,7 @@
 </p:sld>
 </file>
 
-<file path=ppt/slides/slide14.xml><?xml version="1.0" encoding="utf-8"?>
+<file path=ppt/slides/slide15.xml><?xml version="1.0" encoding="utf-8"?>
 <p:sld xmlns:a="http://schemas.openxmlformats.org/drawingml/2006/main" xmlns:r="http://schemas.openxmlformats.org/officeDocument/2006/relationships" xmlns:p="http://schemas.openxmlformats.org/presentationml/2006/main">
   <p:cSld>
     <p:bg>
@@ -15799,7 +16273,7 @@
             <p:ph idx="1"/>
             <p:extLst>
               <p:ext uri="{D42A27DB-BD31-4B8C-83A1-F6EECF244321}">
-                <p14:modId xmlns:p14="http://schemas.microsoft.com/office/powerpoint/2010/main" val="1580774589"/>
+                <p14:modId xmlns:p14="http://schemas.microsoft.com/office/powerpoint/2010/main" val="2086107537"/>
               </p:ext>
             </p:extLst>
           </p:nvPr>
@@ -16943,8 +17417,8 @@
         </p:nvSpPr>
         <p:spPr>
           <a:xfrm>
-            <a:off x="4709160" y="640081"/>
-            <a:ext cx="7482840" cy="5257800"/>
+            <a:off x="4709160" y="0"/>
+            <a:ext cx="7482840" cy="6858000"/>
           </a:xfrm>
           <a:prstGeom prst="rect">
             <a:avLst/>
@@ -16952,7 +17426,7 @@
         </p:spPr>
         <p:txBody>
           <a:bodyPr vert="horz" lIns="91440" tIns="45720" rIns="91440" bIns="45720" rtlCol="0" anchor="ctr">
-            <a:normAutofit lnSpcReduction="10000"/>
+            <a:normAutofit/>
           </a:bodyPr>
           <a:lstStyle>
             <a:lvl1pPr marL="228600" indent="-228600" algn="l" defTabSz="914400" rtl="0" eaLnBrk="1" latinLnBrk="1" hangingPunct="1">
@@ -17144,14 +17618,14 @@
             </a:pPr>
             <a:r>
               <a:rPr lang="ko-KR" altLang="en-US" sz="2200" dirty="0">
-                <a:latin typeface="HY엽서M" panose="02030600000101010101" pitchFamily="18" charset="-127"/>
-                <a:ea typeface="HY엽서M" panose="02030600000101010101" pitchFamily="18" charset="-127"/>
+                <a:latin typeface="굴림" panose="020B0600000101010101" pitchFamily="50" charset="-127"/>
+                <a:ea typeface="굴림" panose="020B0600000101010101" pitchFamily="50" charset="-127"/>
               </a:rPr>
               <a:t>생활에 편리함을 제공하는 스마트 스피커는 정확하게 발음하기 어려운 사람들의 사용이 어려움</a:t>
             </a:r>
             <a:endParaRPr lang="en-US" altLang="ko-KR" sz="2200" dirty="0">
-              <a:latin typeface="HY엽서M" panose="02030600000101010101" pitchFamily="18" charset="-127"/>
-              <a:ea typeface="HY엽서M" panose="02030600000101010101" pitchFamily="18" charset="-127"/>
+              <a:latin typeface="굴림" panose="020B0600000101010101" pitchFamily="50" charset="-127"/>
+              <a:ea typeface="굴림" panose="020B0600000101010101" pitchFamily="50" charset="-127"/>
             </a:endParaRPr>
           </a:p>
           <a:p>
@@ -17175,21 +17649,21 @@
             </a:pPr>
             <a:r>
               <a:rPr lang="en-US" altLang="ko-KR" sz="2200" dirty="0">
-                <a:latin typeface="HY엽서M" panose="02030600000101010101" pitchFamily="18" charset="-127"/>
-                <a:ea typeface="HY엽서M" panose="02030600000101010101" pitchFamily="18" charset="-127"/>
+                <a:latin typeface="굴림" panose="020B0600000101010101" pitchFamily="50" charset="-127"/>
+                <a:ea typeface="굴림" panose="020B0600000101010101" pitchFamily="50" charset="-127"/>
               </a:rPr>
               <a:t>1. </a:t>
             </a:r>
             <a:r>
               <a:rPr lang="ko-KR" altLang="en-US" sz="2200" dirty="0">
-                <a:latin typeface="HY엽서M" panose="02030600000101010101" pitchFamily="18" charset="-127"/>
-                <a:ea typeface="HY엽서M" panose="02030600000101010101" pitchFamily="18" charset="-127"/>
+                <a:latin typeface="굴림" panose="020B0600000101010101" pitchFamily="50" charset="-127"/>
+                <a:ea typeface="굴림" panose="020B0600000101010101" pitchFamily="50" charset="-127"/>
               </a:rPr>
               <a:t>손가락 모션을 특정 명령어로 변환하는 모델을 개발</a:t>
             </a:r>
             <a:endParaRPr lang="en-US" altLang="ko-KR" sz="2200" dirty="0">
-              <a:latin typeface="HY엽서M" panose="02030600000101010101" pitchFamily="18" charset="-127"/>
-              <a:ea typeface="HY엽서M" panose="02030600000101010101" pitchFamily="18" charset="-127"/>
+              <a:latin typeface="굴림" panose="020B0600000101010101" pitchFamily="50" charset="-127"/>
+              <a:ea typeface="굴림" panose="020B0600000101010101" pitchFamily="50" charset="-127"/>
             </a:endParaRPr>
           </a:p>
           <a:p>
@@ -17198,21 +17672,21 @@
             </a:pPr>
             <a:r>
               <a:rPr lang="en-US" altLang="ko-KR" sz="2200" dirty="0">
-                <a:latin typeface="HY엽서M" panose="02030600000101010101" pitchFamily="18" charset="-127"/>
-                <a:ea typeface="HY엽서M" panose="02030600000101010101" pitchFamily="18" charset="-127"/>
+                <a:latin typeface="굴림" panose="020B0600000101010101" pitchFamily="50" charset="-127"/>
+                <a:ea typeface="굴림" panose="020B0600000101010101" pitchFamily="50" charset="-127"/>
               </a:rPr>
               <a:t>2. </a:t>
             </a:r>
             <a:r>
               <a:rPr lang="ko-KR" altLang="en-US" sz="2200" dirty="0">
-                <a:latin typeface="HY엽서M" panose="02030600000101010101" pitchFamily="18" charset="-127"/>
-                <a:ea typeface="HY엽서M" panose="02030600000101010101" pitchFamily="18" charset="-127"/>
+                <a:latin typeface="굴림" panose="020B0600000101010101" pitchFamily="50" charset="-127"/>
+                <a:ea typeface="굴림" panose="020B0600000101010101" pitchFamily="50" charset="-127"/>
               </a:rPr>
               <a:t>해당 모델에서 인식한 명령으로 기기를 제어하는 어플리케이션 개발</a:t>
             </a:r>
             <a:endParaRPr lang="en-US" altLang="ko-KR" sz="2200" dirty="0">
-              <a:latin typeface="HY엽서M" panose="02030600000101010101" pitchFamily="18" charset="-127"/>
-              <a:ea typeface="HY엽서M" panose="02030600000101010101" pitchFamily="18" charset="-127"/>
+              <a:latin typeface="굴림" panose="020B0600000101010101" pitchFamily="50" charset="-127"/>
+              <a:ea typeface="굴림" panose="020B0600000101010101" pitchFamily="50" charset="-127"/>
             </a:endParaRPr>
           </a:p>
           <a:p>
@@ -17241,14 +17715,14 @@
             </a:pPr>
             <a:r>
               <a:rPr lang="ko-KR" altLang="en-US" sz="2400" dirty="0">
-                <a:latin typeface="HY엽서M" panose="02030600000101010101" pitchFamily="18" charset="-127"/>
-                <a:ea typeface="HY엽서M" panose="02030600000101010101" pitchFamily="18" charset="-127"/>
+                <a:latin typeface="굴림" panose="020B0600000101010101" pitchFamily="50" charset="-127"/>
+                <a:ea typeface="굴림" panose="020B0600000101010101" pitchFamily="50" charset="-127"/>
               </a:rPr>
               <a:t>발음이 좋지 않은 뇌졸중 환자들도 쉽게 스마트 홈 서비스를 사용할 수 있음</a:t>
             </a:r>
             <a:endParaRPr lang="en-US" altLang="ko-KR" sz="2400" dirty="0">
-              <a:latin typeface="HY엽서M" panose="02030600000101010101" pitchFamily="18" charset="-127"/>
-              <a:ea typeface="HY엽서M" panose="02030600000101010101" pitchFamily="18" charset="-127"/>
+              <a:latin typeface="굴림" panose="020B0600000101010101" pitchFamily="50" charset="-127"/>
+              <a:ea typeface="굴림" panose="020B0600000101010101" pitchFamily="50" charset="-127"/>
             </a:endParaRPr>
           </a:p>
           <a:p>
@@ -18665,6 +19139,53 @@
           </a:p>
         </p:txBody>
       </p:sp>
+      <p:sp>
+        <p:nvSpPr>
+          <p:cNvPr id="3" name="직사각형 2">
+            <a:extLst>
+              <a:ext uri="{FF2B5EF4-FFF2-40B4-BE49-F238E27FC236}">
+                <a16:creationId xmlns:a16="http://schemas.microsoft.com/office/drawing/2014/main" id="{9E30B2F3-BC9C-40D7-88A3-74D4D92EDB67}"/>
+              </a:ext>
+            </a:extLst>
+          </p:cNvPr>
+          <p:cNvSpPr/>
+          <p:nvPr/>
+        </p:nvSpPr>
+        <p:spPr>
+          <a:xfrm>
+            <a:off x="7879278" y="2772888"/>
+            <a:ext cx="1068779" cy="552203"/>
+          </a:xfrm>
+          <a:prstGeom prst="rect">
+            <a:avLst/>
+          </a:prstGeom>
+        </p:spPr>
+        <p:style>
+          <a:lnRef idx="2">
+            <a:schemeClr val="dk1"/>
+          </a:lnRef>
+          <a:fillRef idx="1">
+            <a:schemeClr val="lt1"/>
+          </a:fillRef>
+          <a:effectRef idx="0">
+            <a:schemeClr val="dk1"/>
+          </a:effectRef>
+          <a:fontRef idx="minor">
+            <a:schemeClr val="dk1"/>
+          </a:fontRef>
+        </p:style>
+        <p:txBody>
+          <a:bodyPr rtlCol="0" anchor="ctr"/>
+          <a:lstStyle/>
+          <a:p>
+            <a:pPr algn="ctr"/>
+            <a:r>
+              <a:rPr lang="ko-KR" altLang="en-US" sz="1300" dirty="0"/>
+              <a:t>명령어 실행</a:t>
+            </a:r>
+          </a:p>
+        </p:txBody>
+      </p:sp>
     </p:spTree>
     <p:extLst>
       <p:ext uri="{BB962C8B-B14F-4D97-AF65-F5344CB8AC3E}">
@@ -18679,6 +19200,1556 @@
 </file>
 
 <file path=ppt/slides/slide8.xml><?xml version="1.0" encoding="utf-8"?>
+<p:sld xmlns:a="http://schemas.openxmlformats.org/drawingml/2006/main" xmlns:r="http://schemas.openxmlformats.org/officeDocument/2006/relationships" xmlns:p="http://schemas.openxmlformats.org/presentationml/2006/main">
+  <p:cSld>
+    <p:bg>
+      <p:bgPr>
+        <a:solidFill>
+          <a:schemeClr val="bg1"/>
+        </a:solidFill>
+        <a:effectLst/>
+      </p:bgPr>
+    </p:bg>
+    <p:spTree>
+      <p:nvGrpSpPr>
+        <p:cNvPr id="1" name=""/>
+        <p:cNvGrpSpPr/>
+        <p:nvPr/>
+      </p:nvGrpSpPr>
+      <p:grpSpPr>
+        <a:xfrm>
+          <a:off x="0" y="0"/>
+          <a:ext cx="0" cy="0"/>
+          <a:chOff x="0" y="0"/>
+          <a:chExt cx="0" cy="0"/>
+        </a:xfrm>
+      </p:grpSpPr>
+      <p:sp useBgFill="1">
+        <p:nvSpPr>
+          <p:cNvPr id="8" name="Rectangle 7">
+            <a:extLst>
+              <a:ext uri="{FF2B5EF4-FFF2-40B4-BE49-F238E27FC236}">
+                <a16:creationId xmlns:a16="http://schemas.microsoft.com/office/drawing/2014/main" id="{C7FA33FF-088D-4F16-95A2-2C64D353DEA8}"/>
+              </a:ext>
+              <a:ext uri="{C183D7F6-B498-43B3-948B-1728B52AA6E4}">
+                <adec:decorative xmlns:adec="http://schemas.microsoft.com/office/drawing/2017/decorative" val="1"/>
+              </a:ext>
+            </a:extLst>
+          </p:cNvPr>
+          <p:cNvSpPr>
+            <a:spLocks noGrp="1" noRot="1" noChangeAspect="1" noMove="1" noResize="1" noEditPoints="1" noAdjustHandles="1" noChangeArrowheads="1" noChangeShapeType="1" noTextEdit="1"/>
+          </p:cNvSpPr>
+          <p:nvPr>
+            <p:extLst>
+              <p:ext uri="{386F3935-93C4-4BCD-93E2-E3B085C9AB24}">
+                <p16:designElem xmlns:p16="http://schemas.microsoft.com/office/powerpoint/2015/main" val="1"/>
+              </p:ext>
+            </p:extLst>
+          </p:nvPr>
+        </p:nvSpPr>
+        <p:spPr>
+          <a:xfrm>
+            <a:off x="1524" y="0"/>
+            <a:ext cx="12188952" cy="6858000"/>
+          </a:xfrm>
+          <a:prstGeom prst="rect">
+            <a:avLst/>
+          </a:prstGeom>
+          <a:ln>
+            <a:noFill/>
+          </a:ln>
+        </p:spPr>
+        <p:style>
+          <a:lnRef idx="2">
+            <a:schemeClr val="accent1">
+              <a:shade val="50000"/>
+            </a:schemeClr>
+          </a:lnRef>
+          <a:fillRef idx="1">
+            <a:schemeClr val="accent1"/>
+          </a:fillRef>
+          <a:effectRef idx="0">
+            <a:schemeClr val="accent1"/>
+          </a:effectRef>
+          <a:fontRef idx="minor">
+            <a:schemeClr val="lt1"/>
+          </a:fontRef>
+        </p:style>
+        <p:txBody>
+          <a:bodyPr rtlCol="0" anchor="ctr"/>
+          <a:lstStyle/>
+          <a:p>
+            <a:pPr marL="0" marR="0" lvl="0" indent="0" algn="ctr" defTabSz="914400" rtl="0" eaLnBrk="1" fontAlgn="auto" latinLnBrk="0" hangingPunct="1">
+              <a:lnSpc>
+                <a:spcPct val="100000"/>
+              </a:lnSpc>
+              <a:spcBef>
+                <a:spcPts val="0"/>
+              </a:spcBef>
+              <a:spcAft>
+                <a:spcPts val="0"/>
+              </a:spcAft>
+              <a:buClrTx/>
+              <a:buSzTx/>
+              <a:buFontTx/>
+              <a:buNone/>
+              <a:tabLst/>
+              <a:defRPr/>
+            </a:pPr>
+            <a:endParaRPr kumimoji="0" lang="en-US" sz="1800" b="0" i="0" u="none" strike="noStrike" kern="1200" cap="none" spc="0" normalizeH="0" baseline="0" noProof="0">
+              <a:ln>
+                <a:noFill/>
+              </a:ln>
+              <a:solidFill>
+                <a:prstClr val="white"/>
+              </a:solidFill>
+              <a:effectLst/>
+              <a:uLnTx/>
+              <a:uFillTx/>
+              <a:latin typeface="Calibri" panose="020F0502020204030204"/>
+              <a:ea typeface="+mn-ea"/>
+              <a:cs typeface="+mn-cs"/>
+            </a:endParaRPr>
+          </a:p>
+        </p:txBody>
+      </p:sp>
+      <p:sp>
+        <p:nvSpPr>
+          <p:cNvPr id="10" name="Rectangle 9">
+            <a:extLst>
+              <a:ext uri="{FF2B5EF4-FFF2-40B4-BE49-F238E27FC236}">
+                <a16:creationId xmlns:a16="http://schemas.microsoft.com/office/drawing/2014/main" id="{A376EFB1-01CF-419F-ABF1-2AF02BBFCBD1}"/>
+              </a:ext>
+              <a:ext uri="{C183D7F6-B498-43B3-948B-1728B52AA6E4}">
+                <adec:decorative xmlns:adec="http://schemas.microsoft.com/office/drawing/2017/decorative" val="1"/>
+              </a:ext>
+            </a:extLst>
+          </p:cNvPr>
+          <p:cNvSpPr>
+            <a:spLocks noGrp="1" noRot="1" noChangeAspect="1" noMove="1" noResize="1" noEditPoints="1" noAdjustHandles="1" noChangeArrowheads="1" noChangeShapeType="1" noTextEdit="1"/>
+          </p:cNvSpPr>
+          <p:nvPr>
+            <p:extLst>
+              <p:ext uri="{386F3935-93C4-4BCD-93E2-E3B085C9AB24}">
+                <p16:designElem xmlns:p16="http://schemas.microsoft.com/office/powerpoint/2015/main" val="1"/>
+              </p:ext>
+            </p:extLst>
+          </p:nvPr>
+        </p:nvSpPr>
+        <p:spPr>
+          <a:xfrm>
+            <a:off x="0" y="0"/>
+            <a:ext cx="4709160" cy="6858000"/>
+          </a:xfrm>
+          <a:prstGeom prst="rect">
+            <a:avLst/>
+          </a:prstGeom>
+          <a:solidFill>
+            <a:schemeClr val="tx1">
+              <a:alpha val="81000"/>
+            </a:schemeClr>
+          </a:solidFill>
+          <a:ln>
+            <a:noFill/>
+          </a:ln>
+        </p:spPr>
+        <p:style>
+          <a:lnRef idx="2">
+            <a:schemeClr val="accent1">
+              <a:shade val="50000"/>
+            </a:schemeClr>
+          </a:lnRef>
+          <a:fillRef idx="1">
+            <a:schemeClr val="accent1"/>
+          </a:fillRef>
+          <a:effectRef idx="0">
+            <a:schemeClr val="accent1"/>
+          </a:effectRef>
+          <a:fontRef idx="minor">
+            <a:schemeClr val="lt1"/>
+          </a:fontRef>
+        </p:style>
+        <p:txBody>
+          <a:bodyPr rtlCol="0" anchor="ctr"/>
+          <a:lstStyle/>
+          <a:p>
+            <a:pPr marL="0" marR="0" lvl="0" indent="0" algn="ctr" defTabSz="914400" rtl="0" eaLnBrk="1" fontAlgn="auto" latinLnBrk="0" hangingPunct="1">
+              <a:lnSpc>
+                <a:spcPct val="100000"/>
+              </a:lnSpc>
+              <a:spcBef>
+                <a:spcPts val="0"/>
+              </a:spcBef>
+              <a:spcAft>
+                <a:spcPts val="0"/>
+              </a:spcAft>
+              <a:buClrTx/>
+              <a:buSzTx/>
+              <a:buFontTx/>
+              <a:buNone/>
+              <a:tabLst/>
+              <a:defRPr/>
+            </a:pPr>
+            <a:endParaRPr kumimoji="0" lang="en-US" sz="1800" b="0" i="0" u="none" strike="noStrike" kern="1200" cap="none" spc="0" normalizeH="0" baseline="0" noProof="0">
+              <a:ln>
+                <a:noFill/>
+              </a:ln>
+              <a:solidFill>
+                <a:prstClr val="white"/>
+              </a:solidFill>
+              <a:effectLst/>
+              <a:uLnTx/>
+              <a:uFillTx/>
+              <a:latin typeface="Calibri" panose="020F0502020204030204"/>
+              <a:ea typeface="+mn-ea"/>
+              <a:cs typeface="+mn-cs"/>
+            </a:endParaRPr>
+          </a:p>
+        </p:txBody>
+      </p:sp>
+      <p:sp>
+        <p:nvSpPr>
+          <p:cNvPr id="12" name="Freeform: Shape 11">
+            <a:extLst>
+              <a:ext uri="{FF2B5EF4-FFF2-40B4-BE49-F238E27FC236}">
+                <a16:creationId xmlns:a16="http://schemas.microsoft.com/office/drawing/2014/main" id="{FF9DEA15-78BD-4750-AA18-B9F28A6D5AB8}"/>
+              </a:ext>
+              <a:ext uri="{C183D7F6-B498-43B3-948B-1728B52AA6E4}">
+                <adec:decorative xmlns:adec="http://schemas.microsoft.com/office/drawing/2017/decorative" val="1"/>
+              </a:ext>
+            </a:extLst>
+          </p:cNvPr>
+          <p:cNvSpPr>
+            <a:spLocks noGrp="1" noRot="1" noChangeAspect="1" noMove="1" noResize="1" noEditPoints="1" noAdjustHandles="1" noChangeArrowheads="1" noChangeShapeType="1" noTextEdit="1"/>
+          </p:cNvSpPr>
+          <p:nvPr>
+            <p:extLst>
+              <p:ext uri="{386F3935-93C4-4BCD-93E2-E3B085C9AB24}">
+                <p16:designElem xmlns:p16="http://schemas.microsoft.com/office/powerpoint/2015/main" val="1"/>
+              </p:ext>
+            </p:extLst>
+          </p:nvPr>
+        </p:nvSpPr>
+        <p:spPr>
+          <a:xfrm>
+            <a:off x="0" y="0"/>
+            <a:ext cx="3284331" cy="6858000"/>
+          </a:xfrm>
+          <a:custGeom>
+            <a:avLst/>
+            <a:gdLst>
+              <a:gd name="connsiteX0" fmla="*/ 0 w 4319042"/>
+              <a:gd name="connsiteY0" fmla="*/ 0 h 6858000"/>
+              <a:gd name="connsiteX1" fmla="*/ 1142888 w 4319042"/>
+              <a:gd name="connsiteY1" fmla="*/ 0 h 6858000"/>
+              <a:gd name="connsiteX2" fmla="*/ 4319042 w 4319042"/>
+              <a:gd name="connsiteY2" fmla="*/ 6858000 h 6858000"/>
+              <a:gd name="connsiteX3" fmla="*/ 0 w 4319042"/>
+              <a:gd name="connsiteY3" fmla="*/ 6858000 h 6858000"/>
+            </a:gdLst>
+            <a:ahLst/>
+            <a:cxnLst>
+              <a:cxn ang="0">
+                <a:pos x="connsiteX0" y="connsiteY0"/>
+              </a:cxn>
+              <a:cxn ang="0">
+                <a:pos x="connsiteX1" y="connsiteY1"/>
+              </a:cxn>
+              <a:cxn ang="0">
+                <a:pos x="connsiteX2" y="connsiteY2"/>
+              </a:cxn>
+              <a:cxn ang="0">
+                <a:pos x="connsiteX3" y="connsiteY3"/>
+              </a:cxn>
+            </a:cxnLst>
+            <a:rect l="l" t="t" r="r" b="b"/>
+            <a:pathLst>
+              <a:path w="4319042" h="6858000">
+                <a:moveTo>
+                  <a:pt x="0" y="0"/>
+                </a:moveTo>
+                <a:lnTo>
+                  <a:pt x="1142888" y="0"/>
+                </a:lnTo>
+                <a:lnTo>
+                  <a:pt x="4319042" y="6858000"/>
+                </a:lnTo>
+                <a:lnTo>
+                  <a:pt x="0" y="6858000"/>
+                </a:lnTo>
+                <a:close/>
+              </a:path>
+            </a:pathLst>
+          </a:custGeom>
+          <a:solidFill>
+            <a:schemeClr val="tx1">
+              <a:alpha val="35000"/>
+            </a:schemeClr>
+          </a:solidFill>
+          <a:ln>
+            <a:noFill/>
+          </a:ln>
+        </p:spPr>
+        <p:style>
+          <a:lnRef idx="2">
+            <a:schemeClr val="accent1">
+              <a:shade val="50000"/>
+            </a:schemeClr>
+          </a:lnRef>
+          <a:fillRef idx="1">
+            <a:schemeClr val="accent1"/>
+          </a:fillRef>
+          <a:effectRef idx="0">
+            <a:schemeClr val="accent1"/>
+          </a:effectRef>
+          <a:fontRef idx="minor">
+            <a:schemeClr val="lt1"/>
+          </a:fontRef>
+        </p:style>
+        <p:txBody>
+          <a:bodyPr wrap="square" rtlCol="0" anchor="ctr">
+            <a:noAutofit/>
+          </a:bodyPr>
+          <a:lstStyle/>
+          <a:p>
+            <a:pPr marL="0" marR="0" lvl="0" indent="0" algn="ctr" defTabSz="914400" rtl="0" eaLnBrk="1" fontAlgn="auto" latinLnBrk="0" hangingPunct="1">
+              <a:lnSpc>
+                <a:spcPct val="100000"/>
+              </a:lnSpc>
+              <a:spcBef>
+                <a:spcPts val="0"/>
+              </a:spcBef>
+              <a:spcAft>
+                <a:spcPts val="0"/>
+              </a:spcAft>
+              <a:buClrTx/>
+              <a:buSzTx/>
+              <a:buFontTx/>
+              <a:buNone/>
+              <a:tabLst/>
+              <a:defRPr/>
+            </a:pPr>
+            <a:endParaRPr kumimoji="0" lang="en-US" sz="1800" b="0" i="0" u="none" strike="noStrike" kern="1200" cap="none" spc="0" normalizeH="0" baseline="0" noProof="0">
+              <a:ln>
+                <a:noFill/>
+              </a:ln>
+              <a:solidFill>
+                <a:prstClr val="white"/>
+              </a:solidFill>
+              <a:effectLst/>
+              <a:uLnTx/>
+              <a:uFillTx/>
+              <a:latin typeface="Calibri" panose="020F0502020204030204"/>
+              <a:ea typeface="+mn-ea"/>
+              <a:cs typeface="+mn-cs"/>
+            </a:endParaRPr>
+          </a:p>
+        </p:txBody>
+      </p:sp>
+      <p:sp>
+        <p:nvSpPr>
+          <p:cNvPr id="2" name="제목 1">
+            <a:extLst>
+              <a:ext uri="{FF2B5EF4-FFF2-40B4-BE49-F238E27FC236}">
+                <a16:creationId xmlns:a16="http://schemas.microsoft.com/office/drawing/2014/main" id="{97D2B83D-B996-4F16-B2FB-403856C578C5}"/>
+              </a:ext>
+            </a:extLst>
+          </p:cNvPr>
+          <p:cNvSpPr>
+            <a:spLocks noGrp="1"/>
+          </p:cNvSpPr>
+          <p:nvPr>
+            <p:ph type="title"/>
+          </p:nvPr>
+        </p:nvSpPr>
+        <p:spPr>
+          <a:xfrm>
+            <a:off x="0" y="640080"/>
+            <a:ext cx="4709160" cy="5257800"/>
+          </a:xfrm>
+        </p:spPr>
+        <p:txBody>
+          <a:bodyPr>
+            <a:normAutofit/>
+          </a:bodyPr>
+          <a:lstStyle/>
+          <a:p>
+            <a:r>
+              <a:rPr lang="ko-KR" altLang="en-US" sz="4600" dirty="0">
+                <a:solidFill>
+                  <a:schemeClr val="bg1"/>
+                </a:solidFill>
+              </a:rPr>
+              <a:t>제스처 명령어 및</a:t>
+            </a:r>
+            <a:br>
+              <a:rPr lang="en-US" altLang="ko-KR" sz="4600" dirty="0">
+                <a:solidFill>
+                  <a:schemeClr val="bg1"/>
+                </a:solidFill>
+              </a:rPr>
+            </a:br>
+            <a:r>
+              <a:rPr lang="ko-KR" altLang="en-US" sz="4600" dirty="0">
+                <a:solidFill>
+                  <a:schemeClr val="bg1"/>
+                </a:solidFill>
+              </a:rPr>
+              <a:t>사용 기기</a:t>
+            </a:r>
+          </a:p>
+        </p:txBody>
+      </p:sp>
+      <p:sp>
+        <p:nvSpPr>
+          <p:cNvPr id="3" name="직사각형 2">
+            <a:extLst>
+              <a:ext uri="{FF2B5EF4-FFF2-40B4-BE49-F238E27FC236}">
+                <a16:creationId xmlns:a16="http://schemas.microsoft.com/office/drawing/2014/main" id="{E21153CB-B223-48F8-B305-82248AA1927D}"/>
+              </a:ext>
+            </a:extLst>
+          </p:cNvPr>
+          <p:cNvSpPr/>
+          <p:nvPr/>
+        </p:nvSpPr>
+        <p:spPr>
+          <a:xfrm>
+            <a:off x="4864028" y="136173"/>
+            <a:ext cx="3474447" cy="558140"/>
+          </a:xfrm>
+          <a:prstGeom prst="rect">
+            <a:avLst/>
+          </a:prstGeom>
+        </p:spPr>
+        <p:style>
+          <a:lnRef idx="1">
+            <a:schemeClr val="dk1"/>
+          </a:lnRef>
+          <a:fillRef idx="2">
+            <a:schemeClr val="dk1"/>
+          </a:fillRef>
+          <a:effectRef idx="1">
+            <a:schemeClr val="dk1"/>
+          </a:effectRef>
+          <a:fontRef idx="minor">
+            <a:schemeClr val="dk1"/>
+          </a:fontRef>
+        </p:style>
+        <p:txBody>
+          <a:bodyPr rtlCol="0" anchor="ctr"/>
+          <a:lstStyle/>
+          <a:p>
+            <a:pPr algn="ctr"/>
+            <a:r>
+              <a:rPr lang="ko-KR" altLang="en-US" b="1" dirty="0"/>
+              <a:t>디바이스에게 명령을 내릴 경우</a:t>
+            </a:r>
+          </a:p>
+        </p:txBody>
+      </p:sp>
+      <p:pic>
+        <p:nvPicPr>
+          <p:cNvPr id="5" name="그림 4">
+            <a:extLst>
+              <a:ext uri="{FF2B5EF4-FFF2-40B4-BE49-F238E27FC236}">
+                <a16:creationId xmlns:a16="http://schemas.microsoft.com/office/drawing/2014/main" id="{60B623CE-10D4-473E-94E9-BDC4561394B3}"/>
+              </a:ext>
+            </a:extLst>
+          </p:cNvPr>
+          <p:cNvPicPr>
+            <a:picLocks noChangeAspect="1"/>
+          </p:cNvPicPr>
+          <p:nvPr/>
+        </p:nvPicPr>
+        <p:blipFill>
+          <a:blip r:embed="rId3">
+            <a:extLst>
+              <a:ext uri="{28A0092B-C50C-407E-A947-70E740481C1C}">
+                <a14:useLocalDpi xmlns:a14="http://schemas.microsoft.com/office/drawing/2010/main" val="0"/>
+              </a:ext>
+            </a:extLst>
+          </a:blip>
+          <a:stretch>
+            <a:fillRect/>
+          </a:stretch>
+        </p:blipFill>
+        <p:spPr>
+          <a:xfrm>
+            <a:off x="4891133" y="1437791"/>
+            <a:ext cx="625481" cy="971621"/>
+          </a:xfrm>
+          <a:prstGeom prst="rect">
+            <a:avLst/>
+          </a:prstGeom>
+        </p:spPr>
+      </p:pic>
+      <p:pic>
+        <p:nvPicPr>
+          <p:cNvPr id="7" name="그림 6">
+            <a:extLst>
+              <a:ext uri="{FF2B5EF4-FFF2-40B4-BE49-F238E27FC236}">
+                <a16:creationId xmlns:a16="http://schemas.microsoft.com/office/drawing/2014/main" id="{D45FB364-257C-4FB9-B955-5D986D24A00C}"/>
+              </a:ext>
+            </a:extLst>
+          </p:cNvPr>
+          <p:cNvPicPr>
+            <a:picLocks noChangeAspect="1"/>
+          </p:cNvPicPr>
+          <p:nvPr/>
+        </p:nvPicPr>
+        <p:blipFill>
+          <a:blip r:embed="rId4">
+            <a:extLst>
+              <a:ext uri="{28A0092B-C50C-407E-A947-70E740481C1C}">
+                <a14:useLocalDpi xmlns:a14="http://schemas.microsoft.com/office/drawing/2010/main" val="0"/>
+              </a:ext>
+            </a:extLst>
+          </a:blip>
+          <a:stretch>
+            <a:fillRect/>
+          </a:stretch>
+        </p:blipFill>
+        <p:spPr>
+          <a:xfrm>
+            <a:off x="5574062" y="1437791"/>
+            <a:ext cx="559604" cy="971620"/>
+          </a:xfrm>
+          <a:prstGeom prst="rect">
+            <a:avLst/>
+          </a:prstGeom>
+        </p:spPr>
+      </p:pic>
+      <p:pic>
+        <p:nvPicPr>
+          <p:cNvPr id="11" name="그림 10">
+            <a:extLst>
+              <a:ext uri="{FF2B5EF4-FFF2-40B4-BE49-F238E27FC236}">
+                <a16:creationId xmlns:a16="http://schemas.microsoft.com/office/drawing/2014/main" id="{7DA2BE55-BB7B-4DAE-9F33-A6B395EBFD3C}"/>
+              </a:ext>
+            </a:extLst>
+          </p:cNvPr>
+          <p:cNvPicPr>
+            <a:picLocks noChangeAspect="1"/>
+          </p:cNvPicPr>
+          <p:nvPr/>
+        </p:nvPicPr>
+        <p:blipFill>
+          <a:blip r:embed="rId5">
+            <a:extLst>
+              <a:ext uri="{28A0092B-C50C-407E-A947-70E740481C1C}">
+                <a14:useLocalDpi xmlns:a14="http://schemas.microsoft.com/office/drawing/2010/main" val="0"/>
+              </a:ext>
+            </a:extLst>
+          </a:blip>
+          <a:stretch>
+            <a:fillRect/>
+          </a:stretch>
+        </p:blipFill>
+        <p:spPr>
+          <a:xfrm>
+            <a:off x="6201925" y="1437791"/>
+            <a:ext cx="539131" cy="971621"/>
+          </a:xfrm>
+          <a:prstGeom prst="rect">
+            <a:avLst/>
+          </a:prstGeom>
+        </p:spPr>
+      </p:pic>
+      <p:pic>
+        <p:nvPicPr>
+          <p:cNvPr id="14" name="그림 13">
+            <a:extLst>
+              <a:ext uri="{FF2B5EF4-FFF2-40B4-BE49-F238E27FC236}">
+                <a16:creationId xmlns:a16="http://schemas.microsoft.com/office/drawing/2014/main" id="{F6D0B258-C2F1-429F-BB63-BD363D217F8C}"/>
+              </a:ext>
+            </a:extLst>
+          </p:cNvPr>
+          <p:cNvPicPr>
+            <a:picLocks noChangeAspect="1"/>
+          </p:cNvPicPr>
+          <p:nvPr/>
+        </p:nvPicPr>
+        <p:blipFill>
+          <a:blip r:embed="rId6">
+            <a:extLst>
+              <a:ext uri="{28A0092B-C50C-407E-A947-70E740481C1C}">
+                <a14:useLocalDpi xmlns:a14="http://schemas.microsoft.com/office/drawing/2010/main" val="0"/>
+              </a:ext>
+            </a:extLst>
+          </a:blip>
+          <a:stretch>
+            <a:fillRect/>
+          </a:stretch>
+        </p:blipFill>
+        <p:spPr>
+          <a:xfrm>
+            <a:off x="6774272" y="1384352"/>
+            <a:ext cx="766127" cy="1039744"/>
+          </a:xfrm>
+          <a:prstGeom prst="rect">
+            <a:avLst/>
+          </a:prstGeom>
+        </p:spPr>
+      </p:pic>
+      <p:pic>
+        <p:nvPicPr>
+          <p:cNvPr id="16" name="그림 15">
+            <a:extLst>
+              <a:ext uri="{FF2B5EF4-FFF2-40B4-BE49-F238E27FC236}">
+                <a16:creationId xmlns:a16="http://schemas.microsoft.com/office/drawing/2014/main" id="{90AF4E60-73E5-4BF0-94BE-5F47726181F9}"/>
+              </a:ext>
+            </a:extLst>
+          </p:cNvPr>
+          <p:cNvPicPr>
+            <a:picLocks noChangeAspect="1"/>
+          </p:cNvPicPr>
+          <p:nvPr/>
+        </p:nvPicPr>
+        <p:blipFill>
+          <a:blip r:embed="rId7">
+            <a:extLst>
+              <a:ext uri="{28A0092B-C50C-407E-A947-70E740481C1C}">
+                <a14:useLocalDpi xmlns:a14="http://schemas.microsoft.com/office/drawing/2010/main" val="0"/>
+              </a:ext>
+            </a:extLst>
+          </a:blip>
+          <a:stretch>
+            <a:fillRect/>
+          </a:stretch>
+        </p:blipFill>
+        <p:spPr>
+          <a:xfrm>
+            <a:off x="7526540" y="1368669"/>
+            <a:ext cx="922354" cy="1039744"/>
+          </a:xfrm>
+          <a:prstGeom prst="rect">
+            <a:avLst/>
+          </a:prstGeom>
+        </p:spPr>
+      </p:pic>
+      <p:pic>
+        <p:nvPicPr>
+          <p:cNvPr id="18" name="그림 17">
+            <a:extLst>
+              <a:ext uri="{FF2B5EF4-FFF2-40B4-BE49-F238E27FC236}">
+                <a16:creationId xmlns:a16="http://schemas.microsoft.com/office/drawing/2014/main" id="{27B7F232-3CF3-4C9E-91D3-98197A404041}"/>
+              </a:ext>
+            </a:extLst>
+          </p:cNvPr>
+          <p:cNvPicPr>
+            <a:picLocks noChangeAspect="1"/>
+          </p:cNvPicPr>
+          <p:nvPr/>
+        </p:nvPicPr>
+        <p:blipFill>
+          <a:blip r:embed="rId8">
+            <a:extLst>
+              <a:ext uri="{28A0092B-C50C-407E-A947-70E740481C1C}">
+                <a14:useLocalDpi xmlns:a14="http://schemas.microsoft.com/office/drawing/2010/main" val="0"/>
+              </a:ext>
+            </a:extLst>
+          </a:blip>
+          <a:stretch>
+            <a:fillRect/>
+          </a:stretch>
+        </p:blipFill>
+        <p:spPr>
+          <a:xfrm>
+            <a:off x="9717213" y="1159206"/>
+            <a:ext cx="548774" cy="658529"/>
+          </a:xfrm>
+          <a:prstGeom prst="rect">
+            <a:avLst/>
+          </a:prstGeom>
+        </p:spPr>
+      </p:pic>
+      <p:pic>
+        <p:nvPicPr>
+          <p:cNvPr id="20" name="그림 19">
+            <a:extLst>
+              <a:ext uri="{FF2B5EF4-FFF2-40B4-BE49-F238E27FC236}">
+                <a16:creationId xmlns:a16="http://schemas.microsoft.com/office/drawing/2014/main" id="{CF76A3DC-725D-4048-8681-0B93F49D89A7}"/>
+              </a:ext>
+            </a:extLst>
+          </p:cNvPr>
+          <p:cNvPicPr>
+            <a:picLocks noChangeAspect="1"/>
+          </p:cNvPicPr>
+          <p:nvPr/>
+        </p:nvPicPr>
+        <p:blipFill>
+          <a:blip r:embed="rId7">
+            <a:extLst>
+              <a:ext uri="{28A0092B-C50C-407E-A947-70E740481C1C}">
+                <a14:useLocalDpi xmlns:a14="http://schemas.microsoft.com/office/drawing/2010/main" val="0"/>
+              </a:ext>
+            </a:extLst>
+          </a:blip>
+          <a:stretch>
+            <a:fillRect/>
+          </a:stretch>
+        </p:blipFill>
+        <p:spPr>
+          <a:xfrm>
+            <a:off x="9717214" y="1735039"/>
+            <a:ext cx="584180" cy="658530"/>
+          </a:xfrm>
+          <a:prstGeom prst="rect">
+            <a:avLst/>
+          </a:prstGeom>
+        </p:spPr>
+      </p:pic>
+      <p:sp>
+        <p:nvSpPr>
+          <p:cNvPr id="21" name="TextBox 20">
+            <a:extLst>
+              <a:ext uri="{FF2B5EF4-FFF2-40B4-BE49-F238E27FC236}">
+                <a16:creationId xmlns:a16="http://schemas.microsoft.com/office/drawing/2014/main" id="{E796980B-E4F6-4C4A-8259-34FE5E11B42B}"/>
+              </a:ext>
+            </a:extLst>
+          </p:cNvPr>
+          <p:cNvSpPr txBox="1"/>
+          <p:nvPr/>
+        </p:nvSpPr>
+        <p:spPr>
+          <a:xfrm>
+            <a:off x="4875296" y="806049"/>
+            <a:ext cx="2440658" cy="369332"/>
+          </a:xfrm>
+          <a:prstGeom prst="rect">
+            <a:avLst/>
+          </a:prstGeom>
+          <a:noFill/>
+        </p:spPr>
+        <p:txBody>
+          <a:bodyPr wrap="square" rtlCol="0">
+            <a:spAutoFit/>
+          </a:bodyPr>
+          <a:lstStyle/>
+          <a:p>
+            <a:r>
+              <a:rPr lang="en-US" altLang="ko-KR" dirty="0"/>
+              <a:t>1. </a:t>
+            </a:r>
+            <a:r>
+              <a:rPr lang="ko-KR" altLang="en-US" dirty="0"/>
+              <a:t>디바이스 번호 인식</a:t>
+            </a:r>
+          </a:p>
+        </p:txBody>
+      </p:sp>
+      <p:sp>
+        <p:nvSpPr>
+          <p:cNvPr id="22" name="TextBox 21">
+            <a:extLst>
+              <a:ext uri="{FF2B5EF4-FFF2-40B4-BE49-F238E27FC236}">
+                <a16:creationId xmlns:a16="http://schemas.microsoft.com/office/drawing/2014/main" id="{5083DD7C-BE01-45CA-86F3-4225CAFC861A}"/>
+              </a:ext>
+            </a:extLst>
+          </p:cNvPr>
+          <p:cNvSpPr txBox="1"/>
+          <p:nvPr/>
+        </p:nvSpPr>
+        <p:spPr>
+          <a:xfrm>
+            <a:off x="9713863" y="810188"/>
+            <a:ext cx="2476476" cy="369332"/>
+          </a:xfrm>
+          <a:prstGeom prst="rect">
+            <a:avLst/>
+          </a:prstGeom>
+          <a:noFill/>
+        </p:spPr>
+        <p:txBody>
+          <a:bodyPr wrap="square" rtlCol="0">
+            <a:spAutoFit/>
+          </a:bodyPr>
+          <a:lstStyle/>
+          <a:p>
+            <a:r>
+              <a:rPr lang="en-US" altLang="ko-KR" dirty="0"/>
+              <a:t>2. </a:t>
+            </a:r>
+            <a:r>
+              <a:rPr lang="ko-KR" altLang="en-US" dirty="0"/>
+              <a:t>명령어 전달</a:t>
+            </a:r>
+          </a:p>
+        </p:txBody>
+      </p:sp>
+      <p:cxnSp>
+        <p:nvCxnSpPr>
+          <p:cNvPr id="24" name="직선 화살표 연결선 23">
+            <a:extLst>
+              <a:ext uri="{FF2B5EF4-FFF2-40B4-BE49-F238E27FC236}">
+                <a16:creationId xmlns:a16="http://schemas.microsoft.com/office/drawing/2014/main" id="{9B0250E4-4DD1-4758-8428-45F6AFDEEBA7}"/>
+              </a:ext>
+            </a:extLst>
+          </p:cNvPr>
+          <p:cNvCxnSpPr>
+            <a:cxnSpLocks/>
+            <a:endCxn id="18" idx="1"/>
+          </p:cNvCxnSpPr>
+          <p:nvPr/>
+        </p:nvCxnSpPr>
+        <p:spPr>
+          <a:xfrm flipV="1">
+            <a:off x="8448894" y="1488471"/>
+            <a:ext cx="1268319" cy="209570"/>
+          </a:xfrm>
+          <a:prstGeom prst="straightConnector1">
+            <a:avLst/>
+          </a:prstGeom>
+          <a:ln>
+            <a:tailEnd type="triangle"/>
+          </a:ln>
+        </p:spPr>
+        <p:style>
+          <a:lnRef idx="3">
+            <a:schemeClr val="dk1"/>
+          </a:lnRef>
+          <a:fillRef idx="0">
+            <a:schemeClr val="dk1"/>
+          </a:fillRef>
+          <a:effectRef idx="2">
+            <a:schemeClr val="dk1"/>
+          </a:effectRef>
+          <a:fontRef idx="minor">
+            <a:schemeClr val="tx1"/>
+          </a:fontRef>
+        </p:style>
+      </p:cxnSp>
+      <p:cxnSp>
+        <p:nvCxnSpPr>
+          <p:cNvPr id="26" name="직선 화살표 연결선 25">
+            <a:extLst>
+              <a:ext uri="{FF2B5EF4-FFF2-40B4-BE49-F238E27FC236}">
+                <a16:creationId xmlns:a16="http://schemas.microsoft.com/office/drawing/2014/main" id="{644DCB09-7AF4-4825-B76C-543F8D347FA9}"/>
+              </a:ext>
+            </a:extLst>
+          </p:cNvPr>
+          <p:cNvCxnSpPr>
+            <a:cxnSpLocks/>
+            <a:endCxn id="20" idx="1"/>
+          </p:cNvCxnSpPr>
+          <p:nvPr/>
+        </p:nvCxnSpPr>
+        <p:spPr>
+          <a:xfrm>
+            <a:off x="8448894" y="1698041"/>
+            <a:ext cx="1268320" cy="366263"/>
+          </a:xfrm>
+          <a:prstGeom prst="straightConnector1">
+            <a:avLst/>
+          </a:prstGeom>
+          <a:ln>
+            <a:tailEnd type="triangle"/>
+          </a:ln>
+        </p:spPr>
+        <p:style>
+          <a:lnRef idx="3">
+            <a:schemeClr val="dk1"/>
+          </a:lnRef>
+          <a:fillRef idx="0">
+            <a:schemeClr val="dk1"/>
+          </a:fillRef>
+          <a:effectRef idx="2">
+            <a:schemeClr val="dk1"/>
+          </a:effectRef>
+          <a:fontRef idx="minor">
+            <a:schemeClr val="tx1"/>
+          </a:fontRef>
+        </p:style>
+      </p:cxnSp>
+      <p:pic>
+        <p:nvPicPr>
+          <p:cNvPr id="30" name="그림 29">
+            <a:extLst>
+              <a:ext uri="{FF2B5EF4-FFF2-40B4-BE49-F238E27FC236}">
+                <a16:creationId xmlns:a16="http://schemas.microsoft.com/office/drawing/2014/main" id="{95839E08-CAEE-4E40-A82D-77D435570E4D}"/>
+              </a:ext>
+            </a:extLst>
+          </p:cNvPr>
+          <p:cNvPicPr>
+            <a:picLocks noChangeAspect="1"/>
+          </p:cNvPicPr>
+          <p:nvPr/>
+        </p:nvPicPr>
+        <p:blipFill>
+          <a:blip r:embed="rId9">
+            <a:extLst>
+              <a:ext uri="{28A0092B-C50C-407E-A947-70E740481C1C}">
+                <a14:useLocalDpi xmlns:a14="http://schemas.microsoft.com/office/drawing/2010/main" val="0"/>
+              </a:ext>
+            </a:extLst>
+          </a:blip>
+          <a:stretch>
+            <a:fillRect/>
+          </a:stretch>
+        </p:blipFill>
+        <p:spPr>
+          <a:xfrm>
+            <a:off x="9717214" y="2406711"/>
+            <a:ext cx="613425" cy="562691"/>
+          </a:xfrm>
+          <a:prstGeom prst="rect">
+            <a:avLst/>
+          </a:prstGeom>
+        </p:spPr>
+      </p:pic>
+      <p:cxnSp>
+        <p:nvCxnSpPr>
+          <p:cNvPr id="32" name="직선 화살표 연결선 31">
+            <a:extLst>
+              <a:ext uri="{FF2B5EF4-FFF2-40B4-BE49-F238E27FC236}">
+                <a16:creationId xmlns:a16="http://schemas.microsoft.com/office/drawing/2014/main" id="{1AEB1F58-F2DA-4182-AB19-7CC6A0D8EB0B}"/>
+              </a:ext>
+            </a:extLst>
+          </p:cNvPr>
+          <p:cNvCxnSpPr>
+            <a:cxnSpLocks/>
+            <a:endCxn id="30" idx="1"/>
+          </p:cNvCxnSpPr>
+          <p:nvPr/>
+        </p:nvCxnSpPr>
+        <p:spPr>
+          <a:xfrm>
+            <a:off x="8448894" y="1698041"/>
+            <a:ext cx="1268320" cy="990016"/>
+          </a:xfrm>
+          <a:prstGeom prst="straightConnector1">
+            <a:avLst/>
+          </a:prstGeom>
+          <a:ln>
+            <a:tailEnd type="triangle"/>
+          </a:ln>
+        </p:spPr>
+        <p:style>
+          <a:lnRef idx="3">
+            <a:schemeClr val="dk1"/>
+          </a:lnRef>
+          <a:fillRef idx="0">
+            <a:schemeClr val="dk1"/>
+          </a:fillRef>
+          <a:effectRef idx="2">
+            <a:schemeClr val="dk1"/>
+          </a:effectRef>
+          <a:fontRef idx="minor">
+            <a:schemeClr val="tx1"/>
+          </a:fontRef>
+        </p:style>
+      </p:cxnSp>
+      <p:cxnSp>
+        <p:nvCxnSpPr>
+          <p:cNvPr id="34" name="직선 화살표 연결선 33">
+            <a:extLst>
+              <a:ext uri="{FF2B5EF4-FFF2-40B4-BE49-F238E27FC236}">
+                <a16:creationId xmlns:a16="http://schemas.microsoft.com/office/drawing/2014/main" id="{E463E080-0714-45B6-A5DE-12EC8FBD00BE}"/>
+              </a:ext>
+            </a:extLst>
+          </p:cNvPr>
+          <p:cNvCxnSpPr>
+            <a:cxnSpLocks/>
+          </p:cNvCxnSpPr>
+          <p:nvPr/>
+        </p:nvCxnSpPr>
+        <p:spPr>
+          <a:xfrm flipV="1">
+            <a:off x="9849271" y="2545722"/>
+            <a:ext cx="0" cy="142335"/>
+          </a:xfrm>
+          <a:prstGeom prst="straightConnector1">
+            <a:avLst/>
+          </a:prstGeom>
+          <a:ln>
+            <a:tailEnd type="triangle"/>
+          </a:ln>
+        </p:spPr>
+        <p:style>
+          <a:lnRef idx="1">
+            <a:schemeClr val="dk1"/>
+          </a:lnRef>
+          <a:fillRef idx="0">
+            <a:schemeClr val="dk1"/>
+          </a:fillRef>
+          <a:effectRef idx="0">
+            <a:schemeClr val="dk1"/>
+          </a:effectRef>
+          <a:fontRef idx="minor">
+            <a:schemeClr val="tx1"/>
+          </a:fontRef>
+        </p:style>
+      </p:cxnSp>
+      <p:cxnSp>
+        <p:nvCxnSpPr>
+          <p:cNvPr id="37" name="직선 화살표 연결선 36">
+            <a:extLst>
+              <a:ext uri="{FF2B5EF4-FFF2-40B4-BE49-F238E27FC236}">
+                <a16:creationId xmlns:a16="http://schemas.microsoft.com/office/drawing/2014/main" id="{17ECEC12-F339-4544-A0E6-07E0D6BC752D}"/>
+              </a:ext>
+            </a:extLst>
+          </p:cNvPr>
+          <p:cNvCxnSpPr>
+            <a:cxnSpLocks/>
+          </p:cNvCxnSpPr>
+          <p:nvPr/>
+        </p:nvCxnSpPr>
+        <p:spPr>
+          <a:xfrm>
+            <a:off x="9768013" y="2545722"/>
+            <a:ext cx="0" cy="142335"/>
+          </a:xfrm>
+          <a:prstGeom prst="straightConnector1">
+            <a:avLst/>
+          </a:prstGeom>
+          <a:ln>
+            <a:tailEnd type="triangle"/>
+          </a:ln>
+        </p:spPr>
+        <p:style>
+          <a:lnRef idx="1">
+            <a:schemeClr val="dk1"/>
+          </a:lnRef>
+          <a:fillRef idx="0">
+            <a:schemeClr val="dk1"/>
+          </a:fillRef>
+          <a:effectRef idx="0">
+            <a:schemeClr val="dk1"/>
+          </a:effectRef>
+          <a:fontRef idx="minor">
+            <a:schemeClr val="tx1"/>
+          </a:fontRef>
+        </p:style>
+      </p:cxnSp>
+      <p:sp>
+        <p:nvSpPr>
+          <p:cNvPr id="43" name="TextBox 42">
+            <a:extLst>
+              <a:ext uri="{FF2B5EF4-FFF2-40B4-BE49-F238E27FC236}">
+                <a16:creationId xmlns:a16="http://schemas.microsoft.com/office/drawing/2014/main" id="{C907AD58-606B-4CA6-9570-EAA64C0AB2EA}"/>
+              </a:ext>
+            </a:extLst>
+          </p:cNvPr>
+          <p:cNvSpPr txBox="1"/>
+          <p:nvPr/>
+        </p:nvSpPr>
+        <p:spPr>
+          <a:xfrm>
+            <a:off x="10326626" y="1257166"/>
+            <a:ext cx="1250950" cy="369332"/>
+          </a:xfrm>
+          <a:prstGeom prst="rect">
+            <a:avLst/>
+          </a:prstGeom>
+          <a:noFill/>
+        </p:spPr>
+        <p:txBody>
+          <a:bodyPr wrap="square" rtlCol="0">
+            <a:spAutoFit/>
+          </a:bodyPr>
+          <a:lstStyle/>
+          <a:p>
+            <a:r>
+              <a:rPr lang="ko-KR" altLang="en-US" dirty="0"/>
+              <a:t>전원 끄기</a:t>
+            </a:r>
+          </a:p>
+        </p:txBody>
+      </p:sp>
+      <p:sp>
+        <p:nvSpPr>
+          <p:cNvPr id="44" name="TextBox 43">
+            <a:extLst>
+              <a:ext uri="{FF2B5EF4-FFF2-40B4-BE49-F238E27FC236}">
+                <a16:creationId xmlns:a16="http://schemas.microsoft.com/office/drawing/2014/main" id="{EAD7BE3B-E0A4-4B8D-A29C-5DA026DAAEBC}"/>
+              </a:ext>
+            </a:extLst>
+          </p:cNvPr>
+          <p:cNvSpPr txBox="1"/>
+          <p:nvPr/>
+        </p:nvSpPr>
+        <p:spPr>
+          <a:xfrm>
+            <a:off x="10328370" y="1817735"/>
+            <a:ext cx="1250950" cy="369332"/>
+          </a:xfrm>
+          <a:prstGeom prst="rect">
+            <a:avLst/>
+          </a:prstGeom>
+          <a:noFill/>
+        </p:spPr>
+        <p:txBody>
+          <a:bodyPr wrap="square" rtlCol="0">
+            <a:spAutoFit/>
+          </a:bodyPr>
+          <a:lstStyle/>
+          <a:p>
+            <a:r>
+              <a:rPr lang="ko-KR" altLang="en-US" dirty="0"/>
+              <a:t>전원 켜기</a:t>
+            </a:r>
+          </a:p>
+        </p:txBody>
+      </p:sp>
+      <p:sp>
+        <p:nvSpPr>
+          <p:cNvPr id="45" name="TextBox 44">
+            <a:extLst>
+              <a:ext uri="{FF2B5EF4-FFF2-40B4-BE49-F238E27FC236}">
+                <a16:creationId xmlns:a16="http://schemas.microsoft.com/office/drawing/2014/main" id="{F98D8950-A29D-49A2-A930-2C799C27A0D6}"/>
+              </a:ext>
+            </a:extLst>
+          </p:cNvPr>
+          <p:cNvSpPr txBox="1"/>
+          <p:nvPr/>
+        </p:nvSpPr>
+        <p:spPr>
+          <a:xfrm>
+            <a:off x="10305117" y="2455306"/>
+            <a:ext cx="1889081" cy="323165"/>
+          </a:xfrm>
+          <a:prstGeom prst="rect">
+            <a:avLst/>
+          </a:prstGeom>
+          <a:noFill/>
+        </p:spPr>
+        <p:txBody>
+          <a:bodyPr wrap="square" rtlCol="0">
+            <a:spAutoFit/>
+          </a:bodyPr>
+          <a:lstStyle/>
+          <a:p>
+            <a:r>
+              <a:rPr lang="ko-KR" altLang="en-US" sz="1500" dirty="0"/>
+              <a:t>밝기 올리기</a:t>
+            </a:r>
+            <a:r>
+              <a:rPr lang="en-US" altLang="ko-KR" sz="1500" dirty="0"/>
+              <a:t>/</a:t>
+            </a:r>
+            <a:r>
+              <a:rPr lang="ko-KR" altLang="en-US" sz="1500" dirty="0"/>
+              <a:t>내리기</a:t>
+            </a:r>
+          </a:p>
+        </p:txBody>
+      </p:sp>
+      <p:sp>
+        <p:nvSpPr>
+          <p:cNvPr id="46" name="직사각형 45">
+            <a:extLst>
+              <a:ext uri="{FF2B5EF4-FFF2-40B4-BE49-F238E27FC236}">
+                <a16:creationId xmlns:a16="http://schemas.microsoft.com/office/drawing/2014/main" id="{DA385A52-09E9-480A-A6CD-A0AE2DF1E2FF}"/>
+              </a:ext>
+            </a:extLst>
+          </p:cNvPr>
+          <p:cNvSpPr/>
+          <p:nvPr/>
+        </p:nvSpPr>
+        <p:spPr>
+          <a:xfrm>
+            <a:off x="4891133" y="3195092"/>
+            <a:ext cx="4221117" cy="558140"/>
+          </a:xfrm>
+          <a:prstGeom prst="rect">
+            <a:avLst/>
+          </a:prstGeom>
+        </p:spPr>
+        <p:style>
+          <a:lnRef idx="1">
+            <a:schemeClr val="dk1"/>
+          </a:lnRef>
+          <a:fillRef idx="2">
+            <a:schemeClr val="dk1"/>
+          </a:fillRef>
+          <a:effectRef idx="1">
+            <a:schemeClr val="dk1"/>
+          </a:effectRef>
+          <a:fontRef idx="minor">
+            <a:schemeClr val="dk1"/>
+          </a:fontRef>
+        </p:style>
+        <p:txBody>
+          <a:bodyPr rtlCol="0" anchor="ctr"/>
+          <a:lstStyle/>
+          <a:p>
+            <a:pPr algn="ctr"/>
+            <a:r>
+              <a:rPr lang="ko-KR" altLang="en-US" b="1" dirty="0"/>
+              <a:t>디바이스에게 명령을 내리지 않을 경우</a:t>
+            </a:r>
+          </a:p>
+        </p:txBody>
+      </p:sp>
+      <p:pic>
+        <p:nvPicPr>
+          <p:cNvPr id="49" name="그림 48">
+            <a:extLst>
+              <a:ext uri="{FF2B5EF4-FFF2-40B4-BE49-F238E27FC236}">
+                <a16:creationId xmlns:a16="http://schemas.microsoft.com/office/drawing/2014/main" id="{E47F1B54-FB4B-4E28-9A3B-B6B467051B75}"/>
+              </a:ext>
+            </a:extLst>
+          </p:cNvPr>
+          <p:cNvPicPr>
+            <a:picLocks noChangeAspect="1"/>
+          </p:cNvPicPr>
+          <p:nvPr/>
+        </p:nvPicPr>
+        <p:blipFill>
+          <a:blip r:embed="rId10">
+            <a:extLst>
+              <a:ext uri="{28A0092B-C50C-407E-A947-70E740481C1C}">
+                <a14:useLocalDpi xmlns:a14="http://schemas.microsoft.com/office/drawing/2010/main" val="0"/>
+              </a:ext>
+            </a:extLst>
+          </a:blip>
+          <a:stretch>
+            <a:fillRect/>
+          </a:stretch>
+        </p:blipFill>
+        <p:spPr>
+          <a:xfrm>
+            <a:off x="4891133" y="3839201"/>
+            <a:ext cx="723332" cy="748862"/>
+          </a:xfrm>
+          <a:prstGeom prst="rect">
+            <a:avLst/>
+          </a:prstGeom>
+        </p:spPr>
+      </p:pic>
+      <p:sp>
+        <p:nvSpPr>
+          <p:cNvPr id="57" name="직사각형 56">
+            <a:extLst>
+              <a:ext uri="{FF2B5EF4-FFF2-40B4-BE49-F238E27FC236}">
+                <a16:creationId xmlns:a16="http://schemas.microsoft.com/office/drawing/2014/main" id="{6DCA96C5-8EC0-4EBB-B4D5-CF824090CB68}"/>
+              </a:ext>
+            </a:extLst>
+          </p:cNvPr>
+          <p:cNvSpPr/>
+          <p:nvPr/>
+        </p:nvSpPr>
+        <p:spPr>
+          <a:xfrm>
+            <a:off x="4875296" y="4765311"/>
+            <a:ext cx="1339989" cy="558140"/>
+          </a:xfrm>
+          <a:prstGeom prst="rect">
+            <a:avLst/>
+          </a:prstGeom>
+        </p:spPr>
+        <p:style>
+          <a:lnRef idx="1">
+            <a:schemeClr val="dk1"/>
+          </a:lnRef>
+          <a:fillRef idx="2">
+            <a:schemeClr val="dk1"/>
+          </a:fillRef>
+          <a:effectRef idx="1">
+            <a:schemeClr val="dk1"/>
+          </a:effectRef>
+          <a:fontRef idx="minor">
+            <a:schemeClr val="dk1"/>
+          </a:fontRef>
+        </p:style>
+        <p:txBody>
+          <a:bodyPr rtlCol="0" anchor="ctr"/>
+          <a:lstStyle/>
+          <a:p>
+            <a:pPr algn="ctr"/>
+            <a:r>
+              <a:rPr lang="ko-KR" altLang="en-US" b="1" dirty="0"/>
+              <a:t>사용 기기</a:t>
+            </a:r>
+          </a:p>
+        </p:txBody>
+      </p:sp>
+      <p:sp>
+        <p:nvSpPr>
+          <p:cNvPr id="58" name="TextBox 57">
+            <a:extLst>
+              <a:ext uri="{FF2B5EF4-FFF2-40B4-BE49-F238E27FC236}">
+                <a16:creationId xmlns:a16="http://schemas.microsoft.com/office/drawing/2014/main" id="{4D35AF02-A163-4D5B-A0AD-B265C71957AC}"/>
+              </a:ext>
+            </a:extLst>
+          </p:cNvPr>
+          <p:cNvSpPr txBox="1"/>
+          <p:nvPr/>
+        </p:nvSpPr>
+        <p:spPr>
+          <a:xfrm>
+            <a:off x="5614465" y="4016449"/>
+            <a:ext cx="1766360" cy="369332"/>
+          </a:xfrm>
+          <a:prstGeom prst="rect">
+            <a:avLst/>
+          </a:prstGeom>
+          <a:noFill/>
+        </p:spPr>
+        <p:txBody>
+          <a:bodyPr wrap="square" rtlCol="0">
+            <a:spAutoFit/>
+          </a:bodyPr>
+          <a:lstStyle/>
+          <a:p>
+            <a:r>
+              <a:rPr lang="ko-KR" altLang="en-US" dirty="0"/>
+              <a:t>오늘 날씨 어때</a:t>
+            </a:r>
+            <a:r>
+              <a:rPr lang="en-US" altLang="ko-KR" dirty="0"/>
+              <a:t>?</a:t>
+            </a:r>
+            <a:endParaRPr lang="ko-KR" altLang="en-US" dirty="0"/>
+          </a:p>
+        </p:txBody>
+      </p:sp>
+      <p:pic>
+        <p:nvPicPr>
+          <p:cNvPr id="60" name="그림 59" descr="실내, 옅은, 전자, 닫기이(가) 표시된 사진&#10;&#10;자동 생성된 설명">
+            <a:extLst>
+              <a:ext uri="{FF2B5EF4-FFF2-40B4-BE49-F238E27FC236}">
+                <a16:creationId xmlns:a16="http://schemas.microsoft.com/office/drawing/2014/main" id="{F75A1EA5-151B-4AEB-952C-02B8D9D0A26D}"/>
+              </a:ext>
+            </a:extLst>
+          </p:cNvPr>
+          <p:cNvPicPr>
+            <a:picLocks noChangeAspect="1"/>
+          </p:cNvPicPr>
+          <p:nvPr/>
+        </p:nvPicPr>
+        <p:blipFill>
+          <a:blip r:embed="rId11">
+            <a:extLst>
+              <a:ext uri="{28A0092B-C50C-407E-A947-70E740481C1C}">
+                <a14:useLocalDpi xmlns:a14="http://schemas.microsoft.com/office/drawing/2010/main" val="0"/>
+              </a:ext>
+            </a:extLst>
+          </a:blip>
+          <a:stretch>
+            <a:fillRect/>
+          </a:stretch>
+        </p:blipFill>
+        <p:spPr>
+          <a:xfrm>
+            <a:off x="4891133" y="5445406"/>
+            <a:ext cx="783912" cy="1244600"/>
+          </a:xfrm>
+          <a:prstGeom prst="rect">
+            <a:avLst/>
+          </a:prstGeom>
+        </p:spPr>
+      </p:pic>
+      <p:pic>
+        <p:nvPicPr>
+          <p:cNvPr id="61" name="그림 60" descr="실내, 옅은, 전자, 닫기이(가) 표시된 사진&#10;&#10;자동 생성된 설명">
+            <a:extLst>
+              <a:ext uri="{FF2B5EF4-FFF2-40B4-BE49-F238E27FC236}">
+                <a16:creationId xmlns:a16="http://schemas.microsoft.com/office/drawing/2014/main" id="{B515EEC4-A8E5-4D01-9F0A-6E617CE25BD9}"/>
+              </a:ext>
+            </a:extLst>
+          </p:cNvPr>
+          <p:cNvPicPr>
+            <a:picLocks noChangeAspect="1"/>
+          </p:cNvPicPr>
+          <p:nvPr/>
+        </p:nvPicPr>
+        <p:blipFill>
+          <a:blip r:embed="rId11">
+            <a:extLst>
+              <a:ext uri="{28A0092B-C50C-407E-A947-70E740481C1C}">
+                <a14:useLocalDpi xmlns:a14="http://schemas.microsoft.com/office/drawing/2010/main" val="0"/>
+              </a:ext>
+            </a:extLst>
+          </a:blip>
+          <a:stretch>
+            <a:fillRect/>
+          </a:stretch>
+        </p:blipFill>
+        <p:spPr>
+          <a:xfrm>
+            <a:off x="5758134" y="5445406"/>
+            <a:ext cx="783912" cy="1244600"/>
+          </a:xfrm>
+          <a:prstGeom prst="rect">
+            <a:avLst/>
+          </a:prstGeom>
+        </p:spPr>
+      </p:pic>
+      <p:pic>
+        <p:nvPicPr>
+          <p:cNvPr id="63" name="그림 62" descr="잭이(가) 표시된 사진&#10;&#10;자동 생성된 설명">
+            <a:extLst>
+              <a:ext uri="{FF2B5EF4-FFF2-40B4-BE49-F238E27FC236}">
+                <a16:creationId xmlns:a16="http://schemas.microsoft.com/office/drawing/2014/main" id="{30EEFB83-D960-4F5B-80CC-7B594CA7352E}"/>
+              </a:ext>
+            </a:extLst>
+          </p:cNvPr>
+          <p:cNvPicPr>
+            <a:picLocks noChangeAspect="1"/>
+          </p:cNvPicPr>
+          <p:nvPr/>
+        </p:nvPicPr>
+        <p:blipFill>
+          <a:blip r:embed="rId12">
+            <a:extLst>
+              <a:ext uri="{28A0092B-C50C-407E-A947-70E740481C1C}">
+                <a14:useLocalDpi xmlns:a14="http://schemas.microsoft.com/office/drawing/2010/main" val="0"/>
+              </a:ext>
+            </a:extLst>
+          </a:blip>
+          <a:stretch>
+            <a:fillRect/>
+          </a:stretch>
+        </p:blipFill>
+        <p:spPr>
+          <a:xfrm>
+            <a:off x="6625135" y="5420209"/>
+            <a:ext cx="954909" cy="1244600"/>
+          </a:xfrm>
+          <a:prstGeom prst="rect">
+            <a:avLst/>
+          </a:prstGeom>
+        </p:spPr>
+      </p:pic>
+      <p:pic>
+        <p:nvPicPr>
+          <p:cNvPr id="65" name="그림 64" descr="실내, 접시이(가) 표시된 사진&#10;&#10;자동 생성된 설명">
+            <a:extLst>
+              <a:ext uri="{FF2B5EF4-FFF2-40B4-BE49-F238E27FC236}">
+                <a16:creationId xmlns:a16="http://schemas.microsoft.com/office/drawing/2014/main" id="{8EB012D8-4295-4D05-B62A-32CA35DAC0CF}"/>
+              </a:ext>
+            </a:extLst>
+          </p:cNvPr>
+          <p:cNvPicPr>
+            <a:picLocks noChangeAspect="1"/>
+          </p:cNvPicPr>
+          <p:nvPr/>
+        </p:nvPicPr>
+        <p:blipFill>
+          <a:blip r:embed="rId13">
+            <a:extLst>
+              <a:ext uri="{28A0092B-C50C-407E-A947-70E740481C1C}">
+                <a14:useLocalDpi xmlns:a14="http://schemas.microsoft.com/office/drawing/2010/main" val="0"/>
+              </a:ext>
+            </a:extLst>
+          </a:blip>
+          <a:stretch>
+            <a:fillRect/>
+          </a:stretch>
+        </p:blipFill>
+        <p:spPr>
+          <a:xfrm>
+            <a:off x="7663133" y="5420208"/>
+            <a:ext cx="1230350" cy="1244601"/>
+          </a:xfrm>
+          <a:prstGeom prst="rect">
+            <a:avLst/>
+          </a:prstGeom>
+        </p:spPr>
+      </p:pic>
+      <p:sp>
+        <p:nvSpPr>
+          <p:cNvPr id="66" name="직사각형 65">
+            <a:extLst>
+              <a:ext uri="{FF2B5EF4-FFF2-40B4-BE49-F238E27FC236}">
+                <a16:creationId xmlns:a16="http://schemas.microsoft.com/office/drawing/2014/main" id="{08D93B6B-75E4-4E5E-9F2E-41BA65F2EAAD}"/>
+              </a:ext>
+            </a:extLst>
+          </p:cNvPr>
+          <p:cNvSpPr/>
+          <p:nvPr/>
+        </p:nvSpPr>
+        <p:spPr>
+          <a:xfrm>
+            <a:off x="8976572" y="5445406"/>
+            <a:ext cx="2273085" cy="1164944"/>
+          </a:xfrm>
+          <a:prstGeom prst="rect">
+            <a:avLst/>
+          </a:prstGeom>
+          <a:noFill/>
+          <a:ln>
+            <a:noFill/>
+          </a:ln>
+        </p:spPr>
+        <p:style>
+          <a:lnRef idx="0">
+            <a:scrgbClr r="0" g="0" b="0"/>
+          </a:lnRef>
+          <a:fillRef idx="0">
+            <a:scrgbClr r="0" g="0" b="0"/>
+          </a:fillRef>
+          <a:effectRef idx="0">
+            <a:scrgbClr r="0" g="0" b="0"/>
+          </a:effectRef>
+          <a:fontRef idx="minor">
+            <a:schemeClr val="dk1"/>
+          </a:fontRef>
+        </p:style>
+        <p:txBody>
+          <a:bodyPr rtlCol="0" anchor="ctr"/>
+          <a:lstStyle/>
+          <a:p>
+            <a:r>
+              <a:rPr lang="ko-KR" altLang="en-US" sz="2400" dirty="0"/>
+              <a:t>전구 </a:t>
+            </a:r>
+            <a:r>
+              <a:rPr lang="en-US" altLang="ko-KR" sz="2400" dirty="0"/>
+              <a:t>2</a:t>
+            </a:r>
+            <a:r>
+              <a:rPr lang="ko-KR" altLang="en-US" sz="2400" dirty="0"/>
+              <a:t>개</a:t>
+            </a:r>
+            <a:endParaRPr lang="en-US" altLang="ko-KR" sz="2400" dirty="0"/>
+          </a:p>
+          <a:p>
+            <a:r>
+              <a:rPr lang="ko-KR" altLang="en-US" sz="2400" dirty="0"/>
+              <a:t>플러그 </a:t>
+            </a:r>
+            <a:r>
+              <a:rPr lang="en-US" altLang="ko-KR" sz="2400" dirty="0"/>
+              <a:t>1</a:t>
+            </a:r>
+            <a:r>
+              <a:rPr lang="ko-KR" altLang="en-US" sz="2400" dirty="0"/>
+              <a:t>개</a:t>
+            </a:r>
+            <a:endParaRPr lang="en-US" altLang="ko-KR" sz="2400" dirty="0"/>
+          </a:p>
+          <a:p>
+            <a:r>
+              <a:rPr lang="ko-KR" altLang="en-US" sz="2400" dirty="0"/>
+              <a:t>가습기 </a:t>
+            </a:r>
+            <a:r>
+              <a:rPr lang="en-US" altLang="ko-KR" sz="2400" dirty="0"/>
+              <a:t>1</a:t>
+            </a:r>
+            <a:r>
+              <a:rPr lang="ko-KR" altLang="en-US" sz="2400" dirty="0"/>
+              <a:t>개</a:t>
+            </a:r>
+          </a:p>
+        </p:txBody>
+      </p:sp>
+    </p:spTree>
+    <p:extLst>
+      <p:ext uri="{BB962C8B-B14F-4D97-AF65-F5344CB8AC3E}">
+        <p14:creationId xmlns:p14="http://schemas.microsoft.com/office/powerpoint/2010/main" val="2287977946"/>
+      </p:ext>
+    </p:extLst>
+  </p:cSld>
+  <p:clrMapOvr>
+    <a:masterClrMapping/>
+  </p:clrMapOvr>
+</p:sld>
+</file>
+
+<file path=ppt/slides/slide9.xml><?xml version="1.0" encoding="utf-8"?>
 <p:sld xmlns:a="http://schemas.openxmlformats.org/drawingml/2006/main" xmlns:r="http://schemas.openxmlformats.org/officeDocument/2006/relationships" xmlns:p="http://schemas.openxmlformats.org/presentationml/2006/main">
   <p:cSld>
     <p:bg>
@@ -19032,369 +21103,6 @@
     <p:extLst>
       <p:ext uri="{BB962C8B-B14F-4D97-AF65-F5344CB8AC3E}">
         <p14:creationId xmlns:p14="http://schemas.microsoft.com/office/powerpoint/2010/main" val="2294191460"/>
-      </p:ext>
-    </p:extLst>
-  </p:cSld>
-  <p:clrMapOvr>
-    <a:masterClrMapping/>
-  </p:clrMapOvr>
-</p:sld>
-</file>
-
-<file path=ppt/slides/slide9.xml><?xml version="1.0" encoding="utf-8"?>
-<p:sld xmlns:a="http://schemas.openxmlformats.org/drawingml/2006/main" xmlns:r="http://schemas.openxmlformats.org/officeDocument/2006/relationships" xmlns:p="http://schemas.openxmlformats.org/presentationml/2006/main">
-  <p:cSld>
-    <p:bg>
-      <p:bgPr>
-        <a:solidFill>
-          <a:schemeClr val="bg1"/>
-        </a:solidFill>
-        <a:effectLst/>
-      </p:bgPr>
-    </p:bg>
-    <p:spTree>
-      <p:nvGrpSpPr>
-        <p:cNvPr id="1" name=""/>
-        <p:cNvGrpSpPr/>
-        <p:nvPr/>
-      </p:nvGrpSpPr>
-      <p:grpSpPr>
-        <a:xfrm>
-          <a:off x="0" y="0"/>
-          <a:ext cx="0" cy="0"/>
-          <a:chOff x="0" y="0"/>
-          <a:chExt cx="0" cy="0"/>
-        </a:xfrm>
-      </p:grpSpPr>
-      <p:sp>
-        <p:nvSpPr>
-          <p:cNvPr id="11" name="Rectangle 10">
-            <a:extLst>
-              <a:ext uri="{FF2B5EF4-FFF2-40B4-BE49-F238E27FC236}">
-                <a16:creationId xmlns:a16="http://schemas.microsoft.com/office/drawing/2014/main" id="{95023A33-56DF-491A-AC86-C91A560AE75A}"/>
-              </a:ext>
-              <a:ext uri="{C183D7F6-B498-43B3-948B-1728B52AA6E4}">
-                <adec:decorative xmlns:adec="http://schemas.microsoft.com/office/drawing/2017/decorative" val="1"/>
-              </a:ext>
-            </a:extLst>
-          </p:cNvPr>
-          <p:cNvSpPr>
-            <a:spLocks noGrp="1" noRot="1" noChangeAspect="1" noMove="1" noResize="1" noEditPoints="1" noAdjustHandles="1" noChangeArrowheads="1" noChangeShapeType="1" noTextEdit="1"/>
-          </p:cNvSpPr>
-          <p:nvPr>
-            <p:extLst>
-              <p:ext uri="{386F3935-93C4-4BCD-93E2-E3B085C9AB24}">
-                <p16:designElem xmlns:p16="http://schemas.microsoft.com/office/powerpoint/2015/main" val="1"/>
-              </p:ext>
-            </p:extLst>
-          </p:nvPr>
-        </p:nvSpPr>
-        <p:spPr>
-          <a:xfrm>
-            <a:off x="0" y="0"/>
-            <a:ext cx="12192000" cy="2654490"/>
-          </a:xfrm>
-          <a:prstGeom prst="rect">
-            <a:avLst/>
-          </a:prstGeom>
-          <a:solidFill>
-            <a:schemeClr val="tx1">
-              <a:lumMod val="75000"/>
-              <a:lumOff val="25000"/>
-            </a:schemeClr>
-          </a:solidFill>
-          <a:ln>
-            <a:noFill/>
-          </a:ln>
-        </p:spPr>
-        <p:style>
-          <a:lnRef idx="2">
-            <a:schemeClr val="accent1">
-              <a:shade val="50000"/>
-            </a:schemeClr>
-          </a:lnRef>
-          <a:fillRef idx="1">
-            <a:schemeClr val="accent1"/>
-          </a:fillRef>
-          <a:effectRef idx="0">
-            <a:schemeClr val="accent1"/>
-          </a:effectRef>
-          <a:fontRef idx="minor">
-            <a:schemeClr val="lt1"/>
-          </a:fontRef>
-        </p:style>
-        <p:txBody>
-          <a:bodyPr rtlCol="0" anchor="ctr"/>
-          <a:lstStyle/>
-          <a:p>
-            <a:pPr algn="ctr"/>
-            <a:endParaRPr lang="en-US"/>
-          </a:p>
-        </p:txBody>
-      </p:sp>
-      <p:sp>
-        <p:nvSpPr>
-          <p:cNvPr id="2" name="제목 1">
-            <a:extLst>
-              <a:ext uri="{FF2B5EF4-FFF2-40B4-BE49-F238E27FC236}">
-                <a16:creationId xmlns:a16="http://schemas.microsoft.com/office/drawing/2014/main" id="{89D6095A-447A-4689-A5A2-88EEF163B1C6}"/>
-              </a:ext>
-            </a:extLst>
-          </p:cNvPr>
-          <p:cNvSpPr>
-            <a:spLocks noGrp="1"/>
-          </p:cNvSpPr>
-          <p:nvPr>
-            <p:ph type="title"/>
-          </p:nvPr>
-        </p:nvSpPr>
-        <p:spPr>
-          <a:xfrm>
-            <a:off x="586935" y="499377"/>
-            <a:ext cx="11017892" cy="1197864"/>
-          </a:xfrm>
-        </p:spPr>
-        <p:txBody>
-          <a:bodyPr vert="horz" lIns="91440" tIns="45720" rIns="91440" bIns="45720" rtlCol="0" anchor="b">
-            <a:normAutofit fontScale="90000"/>
-          </a:bodyPr>
-          <a:lstStyle/>
-          <a:p>
-            <a:pPr algn="ctr" latinLnBrk="0"/>
-            <a:r>
-              <a:rPr lang="ko-KR" altLang="en-US" sz="5300" dirty="0">
-                <a:solidFill>
-                  <a:schemeClr val="bg1"/>
-                </a:solidFill>
-              </a:rPr>
-              <a:t>개발 환경 및 개발 방법</a:t>
-            </a:r>
-            <a:r>
-              <a:rPr lang="en-US" altLang="ko-KR" dirty="0">
-                <a:solidFill>
-                  <a:schemeClr val="bg1"/>
-                </a:solidFill>
-              </a:rPr>
-              <a:t>(</a:t>
-            </a:r>
-            <a:r>
-              <a:rPr lang="ko-KR" altLang="en-US" dirty="0">
-                <a:solidFill>
-                  <a:schemeClr val="bg1"/>
-                </a:solidFill>
-              </a:rPr>
-              <a:t>어플리케이션 개발</a:t>
-            </a:r>
-            <a:r>
-              <a:rPr lang="en-US" altLang="ko-KR" dirty="0">
-                <a:solidFill>
-                  <a:schemeClr val="bg1"/>
-                </a:solidFill>
-              </a:rPr>
-              <a:t>)</a:t>
-            </a:r>
-          </a:p>
-        </p:txBody>
-      </p:sp>
-      <p:pic>
-        <p:nvPicPr>
-          <p:cNvPr id="5" name="Google Shape;135;p13">
-            <a:extLst>
-              <a:ext uri="{FF2B5EF4-FFF2-40B4-BE49-F238E27FC236}">
-                <a16:creationId xmlns:a16="http://schemas.microsoft.com/office/drawing/2014/main" id="{8FBA9694-C872-4727-BF45-F992E2763FCF}"/>
-              </a:ext>
-            </a:extLst>
-          </p:cNvPr>
-          <p:cNvPicPr preferRelativeResize="0"/>
-          <p:nvPr/>
-        </p:nvPicPr>
-        <p:blipFill>
-          <a:blip r:embed="rId2"/>
-          <a:stretch>
-            <a:fillRect/>
-          </a:stretch>
-        </p:blipFill>
-        <p:spPr>
-          <a:xfrm>
-            <a:off x="586935" y="2975212"/>
-            <a:ext cx="3272687" cy="3272687"/>
-          </a:xfrm>
-          <a:prstGeom prst="rect">
-            <a:avLst/>
-          </a:prstGeom>
-          <a:noFill/>
-        </p:spPr>
-      </p:pic>
-      <p:pic>
-        <p:nvPicPr>
-          <p:cNvPr id="4" name="Google Shape;134;p13">
-            <a:extLst>
-              <a:ext uri="{FF2B5EF4-FFF2-40B4-BE49-F238E27FC236}">
-                <a16:creationId xmlns:a16="http://schemas.microsoft.com/office/drawing/2014/main" id="{265DD0B9-534B-4955-9174-53AE0E4657A6}"/>
-              </a:ext>
-            </a:extLst>
-          </p:cNvPr>
-          <p:cNvPicPr preferRelativeResize="0"/>
-          <p:nvPr/>
-        </p:nvPicPr>
-        <p:blipFill>
-          <a:blip r:embed="rId3"/>
-          <a:stretch>
-            <a:fillRect/>
-          </a:stretch>
-        </p:blipFill>
-        <p:spPr>
-          <a:xfrm>
-            <a:off x="4458132" y="2975212"/>
-            <a:ext cx="3272687" cy="3272687"/>
-          </a:xfrm>
-          <a:prstGeom prst="rect">
-            <a:avLst/>
-          </a:prstGeom>
-          <a:noFill/>
-        </p:spPr>
-      </p:pic>
-      <p:pic>
-        <p:nvPicPr>
-          <p:cNvPr id="6" name="Google Shape;136;p13">
-            <a:extLst>
-              <a:ext uri="{FF2B5EF4-FFF2-40B4-BE49-F238E27FC236}">
-                <a16:creationId xmlns:a16="http://schemas.microsoft.com/office/drawing/2014/main" id="{2F6C9417-C0DC-453B-8A38-E8B0AF9CB8C1}"/>
-              </a:ext>
-            </a:extLst>
-          </p:cNvPr>
-          <p:cNvPicPr preferRelativeResize="0"/>
-          <p:nvPr/>
-        </p:nvPicPr>
-        <p:blipFill>
-          <a:blip r:embed="rId4"/>
-          <a:stretch>
-            <a:fillRect/>
-          </a:stretch>
-        </p:blipFill>
-        <p:spPr>
-          <a:xfrm>
-            <a:off x="8332140" y="2975212"/>
-            <a:ext cx="3272687" cy="3272687"/>
-          </a:xfrm>
-          <a:prstGeom prst="rect">
-            <a:avLst/>
-          </a:prstGeom>
-          <a:noFill/>
-        </p:spPr>
-      </p:pic>
-      <p:sp>
-        <p:nvSpPr>
-          <p:cNvPr id="8" name="TextBox 7">
-            <a:extLst>
-              <a:ext uri="{FF2B5EF4-FFF2-40B4-BE49-F238E27FC236}">
-                <a16:creationId xmlns:a16="http://schemas.microsoft.com/office/drawing/2014/main" id="{6ABA2D5B-924E-4451-B70A-53806C2E8DE1}"/>
-              </a:ext>
-            </a:extLst>
-          </p:cNvPr>
-          <p:cNvSpPr txBox="1"/>
-          <p:nvPr/>
-        </p:nvSpPr>
-        <p:spPr>
-          <a:xfrm>
-            <a:off x="1800733" y="6308523"/>
-            <a:ext cx="845089" cy="369332"/>
-          </a:xfrm>
-          <a:prstGeom prst="rect">
-            <a:avLst/>
-          </a:prstGeom>
-          <a:noFill/>
-        </p:spPr>
-        <p:txBody>
-          <a:bodyPr wrap="square" rtlCol="0">
-            <a:spAutoFit/>
-          </a:bodyPr>
-          <a:lstStyle/>
-          <a:p>
-            <a:r>
-              <a:rPr lang="en-US" altLang="ko-KR" dirty="0"/>
-              <a:t>Kotlin</a:t>
-            </a:r>
-            <a:endParaRPr lang="ko-KR" altLang="en-US" dirty="0"/>
-          </a:p>
-        </p:txBody>
-      </p:sp>
-      <p:sp>
-        <p:nvSpPr>
-          <p:cNvPr id="9" name="TextBox 8">
-            <a:extLst>
-              <a:ext uri="{FF2B5EF4-FFF2-40B4-BE49-F238E27FC236}">
-                <a16:creationId xmlns:a16="http://schemas.microsoft.com/office/drawing/2014/main" id="{E6FD17EC-56E2-4BB9-B5C2-B19353D6B8DB}"/>
-              </a:ext>
-            </a:extLst>
-          </p:cNvPr>
-          <p:cNvSpPr txBox="1"/>
-          <p:nvPr/>
-        </p:nvSpPr>
-        <p:spPr>
-          <a:xfrm>
-            <a:off x="5203646" y="6308523"/>
-            <a:ext cx="1781657" cy="369332"/>
-          </a:xfrm>
-          <a:prstGeom prst="rect">
-            <a:avLst/>
-          </a:prstGeom>
-          <a:noFill/>
-        </p:spPr>
-        <p:txBody>
-          <a:bodyPr wrap="square" rtlCol="0">
-            <a:spAutoFit/>
-          </a:bodyPr>
-          <a:lstStyle/>
-          <a:p>
-            <a:r>
-              <a:rPr lang="en-US" altLang="ko-KR" dirty="0"/>
-              <a:t>Android Studio</a:t>
-            </a:r>
-            <a:endParaRPr lang="ko-KR" altLang="en-US" dirty="0"/>
-          </a:p>
-        </p:txBody>
-      </p:sp>
-      <p:sp>
-        <p:nvSpPr>
-          <p:cNvPr id="10" name="TextBox 9">
-            <a:extLst>
-              <a:ext uri="{FF2B5EF4-FFF2-40B4-BE49-F238E27FC236}">
-                <a16:creationId xmlns:a16="http://schemas.microsoft.com/office/drawing/2014/main" id="{889E1D5D-F78D-457E-A4CA-F7C496B86DD8}"/>
-              </a:ext>
-            </a:extLst>
-          </p:cNvPr>
-          <p:cNvSpPr txBox="1"/>
-          <p:nvPr/>
-        </p:nvSpPr>
-        <p:spPr>
-          <a:xfrm>
-            <a:off x="9288441" y="6308523"/>
-            <a:ext cx="1360083" cy="369332"/>
-          </a:xfrm>
-          <a:prstGeom prst="rect">
-            <a:avLst/>
-          </a:prstGeom>
-          <a:noFill/>
-        </p:spPr>
-        <p:txBody>
-          <a:bodyPr wrap="square" rtlCol="0">
-            <a:spAutoFit/>
-          </a:bodyPr>
-          <a:lstStyle/>
-          <a:p>
-            <a:r>
-              <a:rPr lang="en-US" altLang="ko-KR" dirty="0"/>
-              <a:t>CLOVA API</a:t>
-            </a:r>
-            <a:endParaRPr lang="ko-KR" altLang="en-US" dirty="0"/>
-          </a:p>
-        </p:txBody>
-      </p:sp>
-    </p:spTree>
-    <p:extLst>
-      <p:ext uri="{BB962C8B-B14F-4D97-AF65-F5344CB8AC3E}">
-        <p14:creationId xmlns:p14="http://schemas.microsoft.com/office/powerpoint/2010/main" val="2969419807"/>
       </p:ext>
     </p:extLst>
   </p:cSld>

--- a/document/Zinzara(1차)종합설계_제안서.pptx
+++ b/document/Zinzara(1차)종합설계_제안서.pptx
@@ -5,7 +5,7 @@
     <p:sldMasterId id="2147483648" r:id="rId1"/>
   </p:sldMasterIdLst>
   <p:notesMasterIdLst>
-    <p:notesMasterId r:id="rId17"/>
+    <p:notesMasterId r:id="rId19"/>
   </p:notesMasterIdLst>
   <p:sldIdLst>
     <p:sldId id="256" r:id="rId2"/>
@@ -14,15 +14,17 @@
     <p:sldId id="259" r:id="rId5"/>
     <p:sldId id="260" r:id="rId6"/>
     <p:sldId id="261" r:id="rId7"/>
-    <p:sldId id="262" r:id="rId8"/>
-    <p:sldId id="271" r:id="rId9"/>
-    <p:sldId id="263" r:id="rId10"/>
-    <p:sldId id="264" r:id="rId11"/>
-    <p:sldId id="265" r:id="rId12"/>
-    <p:sldId id="270" r:id="rId13"/>
-    <p:sldId id="267" r:id="rId14"/>
-    <p:sldId id="268" r:id="rId15"/>
-    <p:sldId id="269" r:id="rId16"/>
+    <p:sldId id="272" r:id="rId8"/>
+    <p:sldId id="262" r:id="rId9"/>
+    <p:sldId id="273" r:id="rId10"/>
+    <p:sldId id="271" r:id="rId11"/>
+    <p:sldId id="263" r:id="rId12"/>
+    <p:sldId id="264" r:id="rId13"/>
+    <p:sldId id="265" r:id="rId14"/>
+    <p:sldId id="270" r:id="rId15"/>
+    <p:sldId id="267" r:id="rId16"/>
+    <p:sldId id="268" r:id="rId17"/>
+    <p:sldId id="269" r:id="rId18"/>
   </p:sldIdLst>
   <p:sldSz cx="12192000" cy="6858000"/>
   <p:notesSz cx="6858000" cy="9144000"/>
@@ -3932,7 +3934,7 @@
           <a:p>
             <a:fld id="{11DE9305-D30F-4D20-B176-D789201F1D9D}" type="datetimeFigureOut">
               <a:rPr lang="ko-KR" altLang="en-US" smtClean="0"/>
-              <a:t>2021-12-31</a:t>
+              <a:t>2022-01-06</a:t>
             </a:fld>
             <a:endParaRPr lang="ko-KR" altLang="en-US"/>
           </a:p>
@@ -4432,7 +4434,7 @@
           <a:p>
             <a:fld id="{170D734A-4AC4-421A-99A3-53117CB132C9}" type="slidenum">
               <a:rPr lang="ko-KR" altLang="en-US" smtClean="0"/>
-              <a:t>8</a:t>
+              <a:t>10</a:t>
             </a:fld>
             <a:endParaRPr lang="ko-KR" altLang="en-US"/>
           </a:p>
@@ -4516,7 +4518,7 @@
           <a:p>
             <a:fld id="{170D734A-4AC4-421A-99A3-53117CB132C9}" type="slidenum">
               <a:rPr lang="ko-KR" altLang="en-US" smtClean="0"/>
-              <a:t>9</a:t>
+              <a:t>11</a:t>
             </a:fld>
             <a:endParaRPr lang="ko-KR" altLang="en-US"/>
           </a:p>
@@ -4682,7 +4684,7 @@
           <a:p>
             <a:fld id="{EF6173CE-A2A0-4AB7-819F-1C6B3512C8F3}" type="datetimeFigureOut">
               <a:rPr lang="ko-KR" altLang="en-US" smtClean="0"/>
-              <a:t>2021-12-31</a:t>
+              <a:t>2022-01-06</a:t>
             </a:fld>
             <a:endParaRPr lang="ko-KR" altLang="en-US"/>
           </a:p>
@@ -4880,7 +4882,7 @@
           <a:p>
             <a:fld id="{EF6173CE-A2A0-4AB7-819F-1C6B3512C8F3}" type="datetimeFigureOut">
               <a:rPr lang="ko-KR" altLang="en-US" smtClean="0"/>
-              <a:t>2021-12-31</a:t>
+              <a:t>2022-01-06</a:t>
             </a:fld>
             <a:endParaRPr lang="ko-KR" altLang="en-US"/>
           </a:p>
@@ -5088,7 +5090,7 @@
           <a:p>
             <a:fld id="{EF6173CE-A2A0-4AB7-819F-1C6B3512C8F3}" type="datetimeFigureOut">
               <a:rPr lang="ko-KR" altLang="en-US" smtClean="0"/>
-              <a:t>2021-12-31</a:t>
+              <a:t>2022-01-06</a:t>
             </a:fld>
             <a:endParaRPr lang="ko-KR" altLang="en-US"/>
           </a:p>
@@ -5286,7 +5288,7 @@
           <a:p>
             <a:fld id="{EF6173CE-A2A0-4AB7-819F-1C6B3512C8F3}" type="datetimeFigureOut">
               <a:rPr lang="ko-KR" altLang="en-US" smtClean="0"/>
-              <a:t>2021-12-31</a:t>
+              <a:t>2022-01-06</a:t>
             </a:fld>
             <a:endParaRPr lang="ko-KR" altLang="en-US"/>
           </a:p>
@@ -5561,7 +5563,7 @@
           <a:p>
             <a:fld id="{EF6173CE-A2A0-4AB7-819F-1C6B3512C8F3}" type="datetimeFigureOut">
               <a:rPr lang="ko-KR" altLang="en-US" smtClean="0"/>
-              <a:t>2021-12-31</a:t>
+              <a:t>2022-01-06</a:t>
             </a:fld>
             <a:endParaRPr lang="ko-KR" altLang="en-US"/>
           </a:p>
@@ -5826,7 +5828,7 @@
           <a:p>
             <a:fld id="{EF6173CE-A2A0-4AB7-819F-1C6B3512C8F3}" type="datetimeFigureOut">
               <a:rPr lang="ko-KR" altLang="en-US" smtClean="0"/>
-              <a:t>2021-12-31</a:t>
+              <a:t>2022-01-06</a:t>
             </a:fld>
             <a:endParaRPr lang="ko-KR" altLang="en-US"/>
           </a:p>
@@ -6238,7 +6240,7 @@
           <a:p>
             <a:fld id="{EF6173CE-A2A0-4AB7-819F-1C6B3512C8F3}" type="datetimeFigureOut">
               <a:rPr lang="ko-KR" altLang="en-US" smtClean="0"/>
-              <a:t>2021-12-31</a:t>
+              <a:t>2022-01-06</a:t>
             </a:fld>
             <a:endParaRPr lang="ko-KR" altLang="en-US"/>
           </a:p>
@@ -6379,7 +6381,7 @@
           <a:p>
             <a:fld id="{EF6173CE-A2A0-4AB7-819F-1C6B3512C8F3}" type="datetimeFigureOut">
               <a:rPr lang="ko-KR" altLang="en-US" smtClean="0"/>
-              <a:t>2021-12-31</a:t>
+              <a:t>2022-01-06</a:t>
             </a:fld>
             <a:endParaRPr lang="ko-KR" altLang="en-US"/>
           </a:p>
@@ -6492,7 +6494,7 @@
           <a:p>
             <a:fld id="{EF6173CE-A2A0-4AB7-819F-1C6B3512C8F3}" type="datetimeFigureOut">
               <a:rPr lang="ko-KR" altLang="en-US" smtClean="0"/>
-              <a:t>2021-12-31</a:t>
+              <a:t>2022-01-06</a:t>
             </a:fld>
             <a:endParaRPr lang="ko-KR" altLang="en-US"/>
           </a:p>
@@ -6803,7 +6805,7 @@
           <a:p>
             <a:fld id="{EF6173CE-A2A0-4AB7-819F-1C6B3512C8F3}" type="datetimeFigureOut">
               <a:rPr lang="ko-KR" altLang="en-US" smtClean="0"/>
-              <a:t>2021-12-31</a:t>
+              <a:t>2022-01-06</a:t>
             </a:fld>
             <a:endParaRPr lang="ko-KR" altLang="en-US"/>
           </a:p>
@@ -7091,7 +7093,7 @@
           <a:p>
             <a:fld id="{EF6173CE-A2A0-4AB7-819F-1C6B3512C8F3}" type="datetimeFigureOut">
               <a:rPr lang="ko-KR" altLang="en-US" smtClean="0"/>
-              <a:t>2021-12-31</a:t>
+              <a:t>2022-01-06</a:t>
             </a:fld>
             <a:endParaRPr lang="ko-KR" altLang="en-US"/>
           </a:p>
@@ -7332,7 +7334,7 @@
           <a:p>
             <a:fld id="{EF6173CE-A2A0-4AB7-819F-1C6B3512C8F3}" type="datetimeFigureOut">
               <a:rPr lang="ko-KR" altLang="en-US" smtClean="0"/>
-              <a:t>2021-12-31</a:t>
+              <a:t>2022-01-06</a:t>
             </a:fld>
             <a:endParaRPr lang="ko-KR" altLang="en-US"/>
           </a:p>
@@ -8904,6 +8906,1556 @@
           <a:chExt cx="0" cy="0"/>
         </a:xfrm>
       </p:grpSpPr>
+      <p:sp useBgFill="1">
+        <p:nvSpPr>
+          <p:cNvPr id="8" name="Rectangle 7">
+            <a:extLst>
+              <a:ext uri="{FF2B5EF4-FFF2-40B4-BE49-F238E27FC236}">
+                <a16:creationId xmlns:a16="http://schemas.microsoft.com/office/drawing/2014/main" id="{C7FA33FF-088D-4F16-95A2-2C64D353DEA8}"/>
+              </a:ext>
+              <a:ext uri="{C183D7F6-B498-43B3-948B-1728B52AA6E4}">
+                <adec:decorative xmlns:adec="http://schemas.microsoft.com/office/drawing/2017/decorative" val="1"/>
+              </a:ext>
+            </a:extLst>
+          </p:cNvPr>
+          <p:cNvSpPr>
+            <a:spLocks noGrp="1" noRot="1" noChangeAspect="1" noMove="1" noResize="1" noEditPoints="1" noAdjustHandles="1" noChangeArrowheads="1" noChangeShapeType="1" noTextEdit="1"/>
+          </p:cNvSpPr>
+          <p:nvPr>
+            <p:extLst>
+              <p:ext uri="{386F3935-93C4-4BCD-93E2-E3B085C9AB24}">
+                <p16:designElem xmlns:p16="http://schemas.microsoft.com/office/powerpoint/2015/main" val="1"/>
+              </p:ext>
+            </p:extLst>
+          </p:nvPr>
+        </p:nvSpPr>
+        <p:spPr>
+          <a:xfrm>
+            <a:off x="1524" y="0"/>
+            <a:ext cx="12188952" cy="6858000"/>
+          </a:xfrm>
+          <a:prstGeom prst="rect">
+            <a:avLst/>
+          </a:prstGeom>
+          <a:ln>
+            <a:noFill/>
+          </a:ln>
+        </p:spPr>
+        <p:style>
+          <a:lnRef idx="2">
+            <a:schemeClr val="accent1">
+              <a:shade val="50000"/>
+            </a:schemeClr>
+          </a:lnRef>
+          <a:fillRef idx="1">
+            <a:schemeClr val="accent1"/>
+          </a:fillRef>
+          <a:effectRef idx="0">
+            <a:schemeClr val="accent1"/>
+          </a:effectRef>
+          <a:fontRef idx="minor">
+            <a:schemeClr val="lt1"/>
+          </a:fontRef>
+        </p:style>
+        <p:txBody>
+          <a:bodyPr rtlCol="0" anchor="ctr"/>
+          <a:lstStyle/>
+          <a:p>
+            <a:pPr marL="0" marR="0" lvl="0" indent="0" algn="ctr" defTabSz="914400" rtl="0" eaLnBrk="1" fontAlgn="auto" latinLnBrk="0" hangingPunct="1">
+              <a:lnSpc>
+                <a:spcPct val="100000"/>
+              </a:lnSpc>
+              <a:spcBef>
+                <a:spcPts val="0"/>
+              </a:spcBef>
+              <a:spcAft>
+                <a:spcPts val="0"/>
+              </a:spcAft>
+              <a:buClrTx/>
+              <a:buSzTx/>
+              <a:buFontTx/>
+              <a:buNone/>
+              <a:tabLst/>
+              <a:defRPr/>
+            </a:pPr>
+            <a:endParaRPr kumimoji="0" lang="en-US" sz="1800" b="0" i="0" u="none" strike="noStrike" kern="1200" cap="none" spc="0" normalizeH="0" baseline="0" noProof="0">
+              <a:ln>
+                <a:noFill/>
+              </a:ln>
+              <a:solidFill>
+                <a:prstClr val="white"/>
+              </a:solidFill>
+              <a:effectLst/>
+              <a:uLnTx/>
+              <a:uFillTx/>
+              <a:latin typeface="Calibri" panose="020F0502020204030204"/>
+              <a:ea typeface="+mn-ea"/>
+              <a:cs typeface="+mn-cs"/>
+            </a:endParaRPr>
+          </a:p>
+        </p:txBody>
+      </p:sp>
+      <p:sp>
+        <p:nvSpPr>
+          <p:cNvPr id="10" name="Rectangle 9">
+            <a:extLst>
+              <a:ext uri="{FF2B5EF4-FFF2-40B4-BE49-F238E27FC236}">
+                <a16:creationId xmlns:a16="http://schemas.microsoft.com/office/drawing/2014/main" id="{A376EFB1-01CF-419F-ABF1-2AF02BBFCBD1}"/>
+              </a:ext>
+              <a:ext uri="{C183D7F6-B498-43B3-948B-1728B52AA6E4}">
+                <adec:decorative xmlns:adec="http://schemas.microsoft.com/office/drawing/2017/decorative" val="1"/>
+              </a:ext>
+            </a:extLst>
+          </p:cNvPr>
+          <p:cNvSpPr>
+            <a:spLocks noGrp="1" noRot="1" noChangeAspect="1" noMove="1" noResize="1" noEditPoints="1" noAdjustHandles="1" noChangeArrowheads="1" noChangeShapeType="1" noTextEdit="1"/>
+          </p:cNvSpPr>
+          <p:nvPr>
+            <p:extLst>
+              <p:ext uri="{386F3935-93C4-4BCD-93E2-E3B085C9AB24}">
+                <p16:designElem xmlns:p16="http://schemas.microsoft.com/office/powerpoint/2015/main" val="1"/>
+              </p:ext>
+            </p:extLst>
+          </p:nvPr>
+        </p:nvSpPr>
+        <p:spPr>
+          <a:xfrm>
+            <a:off x="0" y="0"/>
+            <a:ext cx="4709160" cy="6858000"/>
+          </a:xfrm>
+          <a:prstGeom prst="rect">
+            <a:avLst/>
+          </a:prstGeom>
+          <a:solidFill>
+            <a:schemeClr val="tx1">
+              <a:alpha val="81000"/>
+            </a:schemeClr>
+          </a:solidFill>
+          <a:ln>
+            <a:noFill/>
+          </a:ln>
+        </p:spPr>
+        <p:style>
+          <a:lnRef idx="2">
+            <a:schemeClr val="accent1">
+              <a:shade val="50000"/>
+            </a:schemeClr>
+          </a:lnRef>
+          <a:fillRef idx="1">
+            <a:schemeClr val="accent1"/>
+          </a:fillRef>
+          <a:effectRef idx="0">
+            <a:schemeClr val="accent1"/>
+          </a:effectRef>
+          <a:fontRef idx="minor">
+            <a:schemeClr val="lt1"/>
+          </a:fontRef>
+        </p:style>
+        <p:txBody>
+          <a:bodyPr rtlCol="0" anchor="ctr"/>
+          <a:lstStyle/>
+          <a:p>
+            <a:pPr marL="0" marR="0" lvl="0" indent="0" algn="ctr" defTabSz="914400" rtl="0" eaLnBrk="1" fontAlgn="auto" latinLnBrk="0" hangingPunct="1">
+              <a:lnSpc>
+                <a:spcPct val="100000"/>
+              </a:lnSpc>
+              <a:spcBef>
+                <a:spcPts val="0"/>
+              </a:spcBef>
+              <a:spcAft>
+                <a:spcPts val="0"/>
+              </a:spcAft>
+              <a:buClrTx/>
+              <a:buSzTx/>
+              <a:buFontTx/>
+              <a:buNone/>
+              <a:tabLst/>
+              <a:defRPr/>
+            </a:pPr>
+            <a:endParaRPr kumimoji="0" lang="en-US" sz="1800" b="0" i="0" u="none" strike="noStrike" kern="1200" cap="none" spc="0" normalizeH="0" baseline="0" noProof="0">
+              <a:ln>
+                <a:noFill/>
+              </a:ln>
+              <a:solidFill>
+                <a:prstClr val="white"/>
+              </a:solidFill>
+              <a:effectLst/>
+              <a:uLnTx/>
+              <a:uFillTx/>
+              <a:latin typeface="Calibri" panose="020F0502020204030204"/>
+              <a:ea typeface="+mn-ea"/>
+              <a:cs typeface="+mn-cs"/>
+            </a:endParaRPr>
+          </a:p>
+        </p:txBody>
+      </p:sp>
+      <p:sp>
+        <p:nvSpPr>
+          <p:cNvPr id="12" name="Freeform: Shape 11">
+            <a:extLst>
+              <a:ext uri="{FF2B5EF4-FFF2-40B4-BE49-F238E27FC236}">
+                <a16:creationId xmlns:a16="http://schemas.microsoft.com/office/drawing/2014/main" id="{FF9DEA15-78BD-4750-AA18-B9F28A6D5AB8}"/>
+              </a:ext>
+              <a:ext uri="{C183D7F6-B498-43B3-948B-1728B52AA6E4}">
+                <adec:decorative xmlns:adec="http://schemas.microsoft.com/office/drawing/2017/decorative" val="1"/>
+              </a:ext>
+            </a:extLst>
+          </p:cNvPr>
+          <p:cNvSpPr>
+            <a:spLocks noGrp="1" noRot="1" noChangeAspect="1" noMove="1" noResize="1" noEditPoints="1" noAdjustHandles="1" noChangeArrowheads="1" noChangeShapeType="1" noTextEdit="1"/>
+          </p:cNvSpPr>
+          <p:nvPr>
+            <p:extLst>
+              <p:ext uri="{386F3935-93C4-4BCD-93E2-E3B085C9AB24}">
+                <p16:designElem xmlns:p16="http://schemas.microsoft.com/office/powerpoint/2015/main" val="1"/>
+              </p:ext>
+            </p:extLst>
+          </p:nvPr>
+        </p:nvSpPr>
+        <p:spPr>
+          <a:xfrm>
+            <a:off x="0" y="0"/>
+            <a:ext cx="3284331" cy="6858000"/>
+          </a:xfrm>
+          <a:custGeom>
+            <a:avLst/>
+            <a:gdLst>
+              <a:gd name="connsiteX0" fmla="*/ 0 w 4319042"/>
+              <a:gd name="connsiteY0" fmla="*/ 0 h 6858000"/>
+              <a:gd name="connsiteX1" fmla="*/ 1142888 w 4319042"/>
+              <a:gd name="connsiteY1" fmla="*/ 0 h 6858000"/>
+              <a:gd name="connsiteX2" fmla="*/ 4319042 w 4319042"/>
+              <a:gd name="connsiteY2" fmla="*/ 6858000 h 6858000"/>
+              <a:gd name="connsiteX3" fmla="*/ 0 w 4319042"/>
+              <a:gd name="connsiteY3" fmla="*/ 6858000 h 6858000"/>
+            </a:gdLst>
+            <a:ahLst/>
+            <a:cxnLst>
+              <a:cxn ang="0">
+                <a:pos x="connsiteX0" y="connsiteY0"/>
+              </a:cxn>
+              <a:cxn ang="0">
+                <a:pos x="connsiteX1" y="connsiteY1"/>
+              </a:cxn>
+              <a:cxn ang="0">
+                <a:pos x="connsiteX2" y="connsiteY2"/>
+              </a:cxn>
+              <a:cxn ang="0">
+                <a:pos x="connsiteX3" y="connsiteY3"/>
+              </a:cxn>
+            </a:cxnLst>
+            <a:rect l="l" t="t" r="r" b="b"/>
+            <a:pathLst>
+              <a:path w="4319042" h="6858000">
+                <a:moveTo>
+                  <a:pt x="0" y="0"/>
+                </a:moveTo>
+                <a:lnTo>
+                  <a:pt x="1142888" y="0"/>
+                </a:lnTo>
+                <a:lnTo>
+                  <a:pt x="4319042" y="6858000"/>
+                </a:lnTo>
+                <a:lnTo>
+                  <a:pt x="0" y="6858000"/>
+                </a:lnTo>
+                <a:close/>
+              </a:path>
+            </a:pathLst>
+          </a:custGeom>
+          <a:solidFill>
+            <a:schemeClr val="tx1">
+              <a:alpha val="35000"/>
+            </a:schemeClr>
+          </a:solidFill>
+          <a:ln>
+            <a:noFill/>
+          </a:ln>
+        </p:spPr>
+        <p:style>
+          <a:lnRef idx="2">
+            <a:schemeClr val="accent1">
+              <a:shade val="50000"/>
+            </a:schemeClr>
+          </a:lnRef>
+          <a:fillRef idx="1">
+            <a:schemeClr val="accent1"/>
+          </a:fillRef>
+          <a:effectRef idx="0">
+            <a:schemeClr val="accent1"/>
+          </a:effectRef>
+          <a:fontRef idx="minor">
+            <a:schemeClr val="lt1"/>
+          </a:fontRef>
+        </p:style>
+        <p:txBody>
+          <a:bodyPr wrap="square" rtlCol="0" anchor="ctr">
+            <a:noAutofit/>
+          </a:bodyPr>
+          <a:lstStyle/>
+          <a:p>
+            <a:pPr marL="0" marR="0" lvl="0" indent="0" algn="ctr" defTabSz="914400" rtl="0" eaLnBrk="1" fontAlgn="auto" latinLnBrk="0" hangingPunct="1">
+              <a:lnSpc>
+                <a:spcPct val="100000"/>
+              </a:lnSpc>
+              <a:spcBef>
+                <a:spcPts val="0"/>
+              </a:spcBef>
+              <a:spcAft>
+                <a:spcPts val="0"/>
+              </a:spcAft>
+              <a:buClrTx/>
+              <a:buSzTx/>
+              <a:buFontTx/>
+              <a:buNone/>
+              <a:tabLst/>
+              <a:defRPr/>
+            </a:pPr>
+            <a:endParaRPr kumimoji="0" lang="en-US" sz="1800" b="0" i="0" u="none" strike="noStrike" kern="1200" cap="none" spc="0" normalizeH="0" baseline="0" noProof="0">
+              <a:ln>
+                <a:noFill/>
+              </a:ln>
+              <a:solidFill>
+                <a:prstClr val="white"/>
+              </a:solidFill>
+              <a:effectLst/>
+              <a:uLnTx/>
+              <a:uFillTx/>
+              <a:latin typeface="Calibri" panose="020F0502020204030204"/>
+              <a:ea typeface="+mn-ea"/>
+              <a:cs typeface="+mn-cs"/>
+            </a:endParaRPr>
+          </a:p>
+        </p:txBody>
+      </p:sp>
+      <p:sp>
+        <p:nvSpPr>
+          <p:cNvPr id="2" name="제목 1">
+            <a:extLst>
+              <a:ext uri="{FF2B5EF4-FFF2-40B4-BE49-F238E27FC236}">
+                <a16:creationId xmlns:a16="http://schemas.microsoft.com/office/drawing/2014/main" id="{97D2B83D-B996-4F16-B2FB-403856C578C5}"/>
+              </a:ext>
+            </a:extLst>
+          </p:cNvPr>
+          <p:cNvSpPr>
+            <a:spLocks noGrp="1"/>
+          </p:cNvSpPr>
+          <p:nvPr>
+            <p:ph type="title"/>
+          </p:nvPr>
+        </p:nvSpPr>
+        <p:spPr>
+          <a:xfrm>
+            <a:off x="0" y="640080"/>
+            <a:ext cx="4709160" cy="5257800"/>
+          </a:xfrm>
+        </p:spPr>
+        <p:txBody>
+          <a:bodyPr>
+            <a:normAutofit/>
+          </a:bodyPr>
+          <a:lstStyle/>
+          <a:p>
+            <a:r>
+              <a:rPr lang="ko-KR" altLang="en-US" sz="4600" dirty="0">
+                <a:solidFill>
+                  <a:schemeClr val="bg1"/>
+                </a:solidFill>
+              </a:rPr>
+              <a:t>제스처 명령어 및</a:t>
+            </a:r>
+            <a:br>
+              <a:rPr lang="en-US" altLang="ko-KR" sz="4600" dirty="0">
+                <a:solidFill>
+                  <a:schemeClr val="bg1"/>
+                </a:solidFill>
+              </a:rPr>
+            </a:br>
+            <a:r>
+              <a:rPr lang="ko-KR" altLang="en-US" sz="4600" dirty="0">
+                <a:solidFill>
+                  <a:schemeClr val="bg1"/>
+                </a:solidFill>
+              </a:rPr>
+              <a:t>사용 기기</a:t>
+            </a:r>
+          </a:p>
+        </p:txBody>
+      </p:sp>
+      <p:sp>
+        <p:nvSpPr>
+          <p:cNvPr id="3" name="직사각형 2">
+            <a:extLst>
+              <a:ext uri="{FF2B5EF4-FFF2-40B4-BE49-F238E27FC236}">
+                <a16:creationId xmlns:a16="http://schemas.microsoft.com/office/drawing/2014/main" id="{E21153CB-B223-48F8-B305-82248AA1927D}"/>
+              </a:ext>
+            </a:extLst>
+          </p:cNvPr>
+          <p:cNvSpPr/>
+          <p:nvPr/>
+        </p:nvSpPr>
+        <p:spPr>
+          <a:xfrm>
+            <a:off x="4864028" y="136173"/>
+            <a:ext cx="3474447" cy="558140"/>
+          </a:xfrm>
+          <a:prstGeom prst="rect">
+            <a:avLst/>
+          </a:prstGeom>
+        </p:spPr>
+        <p:style>
+          <a:lnRef idx="1">
+            <a:schemeClr val="dk1"/>
+          </a:lnRef>
+          <a:fillRef idx="2">
+            <a:schemeClr val="dk1"/>
+          </a:fillRef>
+          <a:effectRef idx="1">
+            <a:schemeClr val="dk1"/>
+          </a:effectRef>
+          <a:fontRef idx="minor">
+            <a:schemeClr val="dk1"/>
+          </a:fontRef>
+        </p:style>
+        <p:txBody>
+          <a:bodyPr rtlCol="0" anchor="ctr"/>
+          <a:lstStyle/>
+          <a:p>
+            <a:pPr algn="ctr"/>
+            <a:r>
+              <a:rPr lang="ko-KR" altLang="en-US" b="1" dirty="0"/>
+              <a:t>디바이스에게 명령을 내릴 경우</a:t>
+            </a:r>
+          </a:p>
+        </p:txBody>
+      </p:sp>
+      <p:pic>
+        <p:nvPicPr>
+          <p:cNvPr id="5" name="그림 4">
+            <a:extLst>
+              <a:ext uri="{FF2B5EF4-FFF2-40B4-BE49-F238E27FC236}">
+                <a16:creationId xmlns:a16="http://schemas.microsoft.com/office/drawing/2014/main" id="{60B623CE-10D4-473E-94E9-BDC4561394B3}"/>
+              </a:ext>
+            </a:extLst>
+          </p:cNvPr>
+          <p:cNvPicPr>
+            <a:picLocks noChangeAspect="1"/>
+          </p:cNvPicPr>
+          <p:nvPr/>
+        </p:nvPicPr>
+        <p:blipFill>
+          <a:blip r:embed="rId3">
+            <a:extLst>
+              <a:ext uri="{28A0092B-C50C-407E-A947-70E740481C1C}">
+                <a14:useLocalDpi xmlns:a14="http://schemas.microsoft.com/office/drawing/2010/main" val="0"/>
+              </a:ext>
+            </a:extLst>
+          </a:blip>
+          <a:stretch>
+            <a:fillRect/>
+          </a:stretch>
+        </p:blipFill>
+        <p:spPr>
+          <a:xfrm>
+            <a:off x="4891133" y="1437791"/>
+            <a:ext cx="625481" cy="971621"/>
+          </a:xfrm>
+          <a:prstGeom prst="rect">
+            <a:avLst/>
+          </a:prstGeom>
+        </p:spPr>
+      </p:pic>
+      <p:pic>
+        <p:nvPicPr>
+          <p:cNvPr id="7" name="그림 6">
+            <a:extLst>
+              <a:ext uri="{FF2B5EF4-FFF2-40B4-BE49-F238E27FC236}">
+                <a16:creationId xmlns:a16="http://schemas.microsoft.com/office/drawing/2014/main" id="{D45FB364-257C-4FB9-B955-5D986D24A00C}"/>
+              </a:ext>
+            </a:extLst>
+          </p:cNvPr>
+          <p:cNvPicPr>
+            <a:picLocks noChangeAspect="1"/>
+          </p:cNvPicPr>
+          <p:nvPr/>
+        </p:nvPicPr>
+        <p:blipFill>
+          <a:blip r:embed="rId4">
+            <a:extLst>
+              <a:ext uri="{28A0092B-C50C-407E-A947-70E740481C1C}">
+                <a14:useLocalDpi xmlns:a14="http://schemas.microsoft.com/office/drawing/2010/main" val="0"/>
+              </a:ext>
+            </a:extLst>
+          </a:blip>
+          <a:stretch>
+            <a:fillRect/>
+          </a:stretch>
+        </p:blipFill>
+        <p:spPr>
+          <a:xfrm>
+            <a:off x="5574062" y="1437791"/>
+            <a:ext cx="559604" cy="971620"/>
+          </a:xfrm>
+          <a:prstGeom prst="rect">
+            <a:avLst/>
+          </a:prstGeom>
+        </p:spPr>
+      </p:pic>
+      <p:pic>
+        <p:nvPicPr>
+          <p:cNvPr id="11" name="그림 10">
+            <a:extLst>
+              <a:ext uri="{FF2B5EF4-FFF2-40B4-BE49-F238E27FC236}">
+                <a16:creationId xmlns:a16="http://schemas.microsoft.com/office/drawing/2014/main" id="{7DA2BE55-BB7B-4DAE-9F33-A6B395EBFD3C}"/>
+              </a:ext>
+            </a:extLst>
+          </p:cNvPr>
+          <p:cNvPicPr>
+            <a:picLocks noChangeAspect="1"/>
+          </p:cNvPicPr>
+          <p:nvPr/>
+        </p:nvPicPr>
+        <p:blipFill>
+          <a:blip r:embed="rId5">
+            <a:extLst>
+              <a:ext uri="{28A0092B-C50C-407E-A947-70E740481C1C}">
+                <a14:useLocalDpi xmlns:a14="http://schemas.microsoft.com/office/drawing/2010/main" val="0"/>
+              </a:ext>
+            </a:extLst>
+          </a:blip>
+          <a:stretch>
+            <a:fillRect/>
+          </a:stretch>
+        </p:blipFill>
+        <p:spPr>
+          <a:xfrm>
+            <a:off x="6201925" y="1437791"/>
+            <a:ext cx="539131" cy="971621"/>
+          </a:xfrm>
+          <a:prstGeom prst="rect">
+            <a:avLst/>
+          </a:prstGeom>
+        </p:spPr>
+      </p:pic>
+      <p:pic>
+        <p:nvPicPr>
+          <p:cNvPr id="14" name="그림 13">
+            <a:extLst>
+              <a:ext uri="{FF2B5EF4-FFF2-40B4-BE49-F238E27FC236}">
+                <a16:creationId xmlns:a16="http://schemas.microsoft.com/office/drawing/2014/main" id="{F6D0B258-C2F1-429F-BB63-BD363D217F8C}"/>
+              </a:ext>
+            </a:extLst>
+          </p:cNvPr>
+          <p:cNvPicPr>
+            <a:picLocks noChangeAspect="1"/>
+          </p:cNvPicPr>
+          <p:nvPr/>
+        </p:nvPicPr>
+        <p:blipFill>
+          <a:blip r:embed="rId6">
+            <a:extLst>
+              <a:ext uri="{28A0092B-C50C-407E-A947-70E740481C1C}">
+                <a14:useLocalDpi xmlns:a14="http://schemas.microsoft.com/office/drawing/2010/main" val="0"/>
+              </a:ext>
+            </a:extLst>
+          </a:blip>
+          <a:stretch>
+            <a:fillRect/>
+          </a:stretch>
+        </p:blipFill>
+        <p:spPr>
+          <a:xfrm>
+            <a:off x="6774272" y="1384352"/>
+            <a:ext cx="766127" cy="1039744"/>
+          </a:xfrm>
+          <a:prstGeom prst="rect">
+            <a:avLst/>
+          </a:prstGeom>
+        </p:spPr>
+      </p:pic>
+      <p:pic>
+        <p:nvPicPr>
+          <p:cNvPr id="16" name="그림 15">
+            <a:extLst>
+              <a:ext uri="{FF2B5EF4-FFF2-40B4-BE49-F238E27FC236}">
+                <a16:creationId xmlns:a16="http://schemas.microsoft.com/office/drawing/2014/main" id="{90AF4E60-73E5-4BF0-94BE-5F47726181F9}"/>
+              </a:ext>
+            </a:extLst>
+          </p:cNvPr>
+          <p:cNvPicPr>
+            <a:picLocks noChangeAspect="1"/>
+          </p:cNvPicPr>
+          <p:nvPr/>
+        </p:nvPicPr>
+        <p:blipFill>
+          <a:blip r:embed="rId7">
+            <a:extLst>
+              <a:ext uri="{28A0092B-C50C-407E-A947-70E740481C1C}">
+                <a14:useLocalDpi xmlns:a14="http://schemas.microsoft.com/office/drawing/2010/main" val="0"/>
+              </a:ext>
+            </a:extLst>
+          </a:blip>
+          <a:stretch>
+            <a:fillRect/>
+          </a:stretch>
+        </p:blipFill>
+        <p:spPr>
+          <a:xfrm>
+            <a:off x="7526540" y="1368669"/>
+            <a:ext cx="922354" cy="1039744"/>
+          </a:xfrm>
+          <a:prstGeom prst="rect">
+            <a:avLst/>
+          </a:prstGeom>
+        </p:spPr>
+      </p:pic>
+      <p:pic>
+        <p:nvPicPr>
+          <p:cNvPr id="18" name="그림 17">
+            <a:extLst>
+              <a:ext uri="{FF2B5EF4-FFF2-40B4-BE49-F238E27FC236}">
+                <a16:creationId xmlns:a16="http://schemas.microsoft.com/office/drawing/2014/main" id="{27B7F232-3CF3-4C9E-91D3-98197A404041}"/>
+              </a:ext>
+            </a:extLst>
+          </p:cNvPr>
+          <p:cNvPicPr>
+            <a:picLocks noChangeAspect="1"/>
+          </p:cNvPicPr>
+          <p:nvPr/>
+        </p:nvPicPr>
+        <p:blipFill>
+          <a:blip r:embed="rId8">
+            <a:extLst>
+              <a:ext uri="{28A0092B-C50C-407E-A947-70E740481C1C}">
+                <a14:useLocalDpi xmlns:a14="http://schemas.microsoft.com/office/drawing/2010/main" val="0"/>
+              </a:ext>
+            </a:extLst>
+          </a:blip>
+          <a:stretch>
+            <a:fillRect/>
+          </a:stretch>
+        </p:blipFill>
+        <p:spPr>
+          <a:xfrm>
+            <a:off x="9717213" y="1159206"/>
+            <a:ext cx="548774" cy="658529"/>
+          </a:xfrm>
+          <a:prstGeom prst="rect">
+            <a:avLst/>
+          </a:prstGeom>
+        </p:spPr>
+      </p:pic>
+      <p:pic>
+        <p:nvPicPr>
+          <p:cNvPr id="20" name="그림 19">
+            <a:extLst>
+              <a:ext uri="{FF2B5EF4-FFF2-40B4-BE49-F238E27FC236}">
+                <a16:creationId xmlns:a16="http://schemas.microsoft.com/office/drawing/2014/main" id="{CF76A3DC-725D-4048-8681-0B93F49D89A7}"/>
+              </a:ext>
+            </a:extLst>
+          </p:cNvPr>
+          <p:cNvPicPr>
+            <a:picLocks noChangeAspect="1"/>
+          </p:cNvPicPr>
+          <p:nvPr/>
+        </p:nvPicPr>
+        <p:blipFill>
+          <a:blip r:embed="rId7">
+            <a:extLst>
+              <a:ext uri="{28A0092B-C50C-407E-A947-70E740481C1C}">
+                <a14:useLocalDpi xmlns:a14="http://schemas.microsoft.com/office/drawing/2010/main" val="0"/>
+              </a:ext>
+            </a:extLst>
+          </a:blip>
+          <a:stretch>
+            <a:fillRect/>
+          </a:stretch>
+        </p:blipFill>
+        <p:spPr>
+          <a:xfrm>
+            <a:off x="9717214" y="1735039"/>
+            <a:ext cx="584180" cy="658530"/>
+          </a:xfrm>
+          <a:prstGeom prst="rect">
+            <a:avLst/>
+          </a:prstGeom>
+        </p:spPr>
+      </p:pic>
+      <p:sp>
+        <p:nvSpPr>
+          <p:cNvPr id="21" name="TextBox 20">
+            <a:extLst>
+              <a:ext uri="{FF2B5EF4-FFF2-40B4-BE49-F238E27FC236}">
+                <a16:creationId xmlns:a16="http://schemas.microsoft.com/office/drawing/2014/main" id="{E796980B-E4F6-4C4A-8259-34FE5E11B42B}"/>
+              </a:ext>
+            </a:extLst>
+          </p:cNvPr>
+          <p:cNvSpPr txBox="1"/>
+          <p:nvPr/>
+        </p:nvSpPr>
+        <p:spPr>
+          <a:xfrm>
+            <a:off x="4875296" y="806049"/>
+            <a:ext cx="2440658" cy="369332"/>
+          </a:xfrm>
+          <a:prstGeom prst="rect">
+            <a:avLst/>
+          </a:prstGeom>
+          <a:noFill/>
+        </p:spPr>
+        <p:txBody>
+          <a:bodyPr wrap="square" rtlCol="0">
+            <a:spAutoFit/>
+          </a:bodyPr>
+          <a:lstStyle/>
+          <a:p>
+            <a:r>
+              <a:rPr lang="en-US" altLang="ko-KR" dirty="0"/>
+              <a:t>1. </a:t>
+            </a:r>
+            <a:r>
+              <a:rPr lang="ko-KR" altLang="en-US" dirty="0"/>
+              <a:t>디바이스 번호 인식</a:t>
+            </a:r>
+          </a:p>
+        </p:txBody>
+      </p:sp>
+      <p:sp>
+        <p:nvSpPr>
+          <p:cNvPr id="22" name="TextBox 21">
+            <a:extLst>
+              <a:ext uri="{FF2B5EF4-FFF2-40B4-BE49-F238E27FC236}">
+                <a16:creationId xmlns:a16="http://schemas.microsoft.com/office/drawing/2014/main" id="{5083DD7C-BE01-45CA-86F3-4225CAFC861A}"/>
+              </a:ext>
+            </a:extLst>
+          </p:cNvPr>
+          <p:cNvSpPr txBox="1"/>
+          <p:nvPr/>
+        </p:nvSpPr>
+        <p:spPr>
+          <a:xfrm>
+            <a:off x="9713863" y="810188"/>
+            <a:ext cx="2476476" cy="369332"/>
+          </a:xfrm>
+          <a:prstGeom prst="rect">
+            <a:avLst/>
+          </a:prstGeom>
+          <a:noFill/>
+        </p:spPr>
+        <p:txBody>
+          <a:bodyPr wrap="square" rtlCol="0">
+            <a:spAutoFit/>
+          </a:bodyPr>
+          <a:lstStyle/>
+          <a:p>
+            <a:r>
+              <a:rPr lang="en-US" altLang="ko-KR" dirty="0"/>
+              <a:t>2. </a:t>
+            </a:r>
+            <a:r>
+              <a:rPr lang="ko-KR" altLang="en-US" dirty="0"/>
+              <a:t>명령어 전달</a:t>
+            </a:r>
+          </a:p>
+        </p:txBody>
+      </p:sp>
+      <p:cxnSp>
+        <p:nvCxnSpPr>
+          <p:cNvPr id="24" name="직선 화살표 연결선 23">
+            <a:extLst>
+              <a:ext uri="{FF2B5EF4-FFF2-40B4-BE49-F238E27FC236}">
+                <a16:creationId xmlns:a16="http://schemas.microsoft.com/office/drawing/2014/main" id="{9B0250E4-4DD1-4758-8428-45F6AFDEEBA7}"/>
+              </a:ext>
+            </a:extLst>
+          </p:cNvPr>
+          <p:cNvCxnSpPr>
+            <a:cxnSpLocks/>
+            <a:endCxn id="18" idx="1"/>
+          </p:cNvCxnSpPr>
+          <p:nvPr/>
+        </p:nvCxnSpPr>
+        <p:spPr>
+          <a:xfrm flipV="1">
+            <a:off x="8448894" y="1488471"/>
+            <a:ext cx="1268319" cy="209570"/>
+          </a:xfrm>
+          <a:prstGeom prst="straightConnector1">
+            <a:avLst/>
+          </a:prstGeom>
+          <a:ln>
+            <a:tailEnd type="triangle"/>
+          </a:ln>
+        </p:spPr>
+        <p:style>
+          <a:lnRef idx="3">
+            <a:schemeClr val="dk1"/>
+          </a:lnRef>
+          <a:fillRef idx="0">
+            <a:schemeClr val="dk1"/>
+          </a:fillRef>
+          <a:effectRef idx="2">
+            <a:schemeClr val="dk1"/>
+          </a:effectRef>
+          <a:fontRef idx="minor">
+            <a:schemeClr val="tx1"/>
+          </a:fontRef>
+        </p:style>
+      </p:cxnSp>
+      <p:cxnSp>
+        <p:nvCxnSpPr>
+          <p:cNvPr id="26" name="직선 화살표 연결선 25">
+            <a:extLst>
+              <a:ext uri="{FF2B5EF4-FFF2-40B4-BE49-F238E27FC236}">
+                <a16:creationId xmlns:a16="http://schemas.microsoft.com/office/drawing/2014/main" id="{644DCB09-7AF4-4825-B76C-543F8D347FA9}"/>
+              </a:ext>
+            </a:extLst>
+          </p:cNvPr>
+          <p:cNvCxnSpPr>
+            <a:cxnSpLocks/>
+            <a:endCxn id="20" idx="1"/>
+          </p:cNvCxnSpPr>
+          <p:nvPr/>
+        </p:nvCxnSpPr>
+        <p:spPr>
+          <a:xfrm>
+            <a:off x="8448894" y="1698041"/>
+            <a:ext cx="1268320" cy="366263"/>
+          </a:xfrm>
+          <a:prstGeom prst="straightConnector1">
+            <a:avLst/>
+          </a:prstGeom>
+          <a:ln>
+            <a:tailEnd type="triangle"/>
+          </a:ln>
+        </p:spPr>
+        <p:style>
+          <a:lnRef idx="3">
+            <a:schemeClr val="dk1"/>
+          </a:lnRef>
+          <a:fillRef idx="0">
+            <a:schemeClr val="dk1"/>
+          </a:fillRef>
+          <a:effectRef idx="2">
+            <a:schemeClr val="dk1"/>
+          </a:effectRef>
+          <a:fontRef idx="minor">
+            <a:schemeClr val="tx1"/>
+          </a:fontRef>
+        </p:style>
+      </p:cxnSp>
+      <p:pic>
+        <p:nvPicPr>
+          <p:cNvPr id="30" name="그림 29">
+            <a:extLst>
+              <a:ext uri="{FF2B5EF4-FFF2-40B4-BE49-F238E27FC236}">
+                <a16:creationId xmlns:a16="http://schemas.microsoft.com/office/drawing/2014/main" id="{95839E08-CAEE-4E40-A82D-77D435570E4D}"/>
+              </a:ext>
+            </a:extLst>
+          </p:cNvPr>
+          <p:cNvPicPr>
+            <a:picLocks noChangeAspect="1"/>
+          </p:cNvPicPr>
+          <p:nvPr/>
+        </p:nvPicPr>
+        <p:blipFill>
+          <a:blip r:embed="rId9">
+            <a:extLst>
+              <a:ext uri="{28A0092B-C50C-407E-A947-70E740481C1C}">
+                <a14:useLocalDpi xmlns:a14="http://schemas.microsoft.com/office/drawing/2010/main" val="0"/>
+              </a:ext>
+            </a:extLst>
+          </a:blip>
+          <a:stretch>
+            <a:fillRect/>
+          </a:stretch>
+        </p:blipFill>
+        <p:spPr>
+          <a:xfrm>
+            <a:off x="9717214" y="2406711"/>
+            <a:ext cx="613425" cy="562691"/>
+          </a:xfrm>
+          <a:prstGeom prst="rect">
+            <a:avLst/>
+          </a:prstGeom>
+        </p:spPr>
+      </p:pic>
+      <p:cxnSp>
+        <p:nvCxnSpPr>
+          <p:cNvPr id="32" name="직선 화살표 연결선 31">
+            <a:extLst>
+              <a:ext uri="{FF2B5EF4-FFF2-40B4-BE49-F238E27FC236}">
+                <a16:creationId xmlns:a16="http://schemas.microsoft.com/office/drawing/2014/main" id="{1AEB1F58-F2DA-4182-AB19-7CC6A0D8EB0B}"/>
+              </a:ext>
+            </a:extLst>
+          </p:cNvPr>
+          <p:cNvCxnSpPr>
+            <a:cxnSpLocks/>
+            <a:endCxn id="30" idx="1"/>
+          </p:cNvCxnSpPr>
+          <p:nvPr/>
+        </p:nvCxnSpPr>
+        <p:spPr>
+          <a:xfrm>
+            <a:off x="8448894" y="1698041"/>
+            <a:ext cx="1268320" cy="990016"/>
+          </a:xfrm>
+          <a:prstGeom prst="straightConnector1">
+            <a:avLst/>
+          </a:prstGeom>
+          <a:ln>
+            <a:tailEnd type="triangle"/>
+          </a:ln>
+        </p:spPr>
+        <p:style>
+          <a:lnRef idx="3">
+            <a:schemeClr val="dk1"/>
+          </a:lnRef>
+          <a:fillRef idx="0">
+            <a:schemeClr val="dk1"/>
+          </a:fillRef>
+          <a:effectRef idx="2">
+            <a:schemeClr val="dk1"/>
+          </a:effectRef>
+          <a:fontRef idx="minor">
+            <a:schemeClr val="tx1"/>
+          </a:fontRef>
+        </p:style>
+      </p:cxnSp>
+      <p:cxnSp>
+        <p:nvCxnSpPr>
+          <p:cNvPr id="34" name="직선 화살표 연결선 33">
+            <a:extLst>
+              <a:ext uri="{FF2B5EF4-FFF2-40B4-BE49-F238E27FC236}">
+                <a16:creationId xmlns:a16="http://schemas.microsoft.com/office/drawing/2014/main" id="{E463E080-0714-45B6-A5DE-12EC8FBD00BE}"/>
+              </a:ext>
+            </a:extLst>
+          </p:cNvPr>
+          <p:cNvCxnSpPr>
+            <a:cxnSpLocks/>
+          </p:cNvCxnSpPr>
+          <p:nvPr/>
+        </p:nvCxnSpPr>
+        <p:spPr>
+          <a:xfrm flipV="1">
+            <a:off x="9849271" y="2545722"/>
+            <a:ext cx="0" cy="142335"/>
+          </a:xfrm>
+          <a:prstGeom prst="straightConnector1">
+            <a:avLst/>
+          </a:prstGeom>
+          <a:ln>
+            <a:tailEnd type="triangle"/>
+          </a:ln>
+        </p:spPr>
+        <p:style>
+          <a:lnRef idx="1">
+            <a:schemeClr val="dk1"/>
+          </a:lnRef>
+          <a:fillRef idx="0">
+            <a:schemeClr val="dk1"/>
+          </a:fillRef>
+          <a:effectRef idx="0">
+            <a:schemeClr val="dk1"/>
+          </a:effectRef>
+          <a:fontRef idx="minor">
+            <a:schemeClr val="tx1"/>
+          </a:fontRef>
+        </p:style>
+      </p:cxnSp>
+      <p:cxnSp>
+        <p:nvCxnSpPr>
+          <p:cNvPr id="37" name="직선 화살표 연결선 36">
+            <a:extLst>
+              <a:ext uri="{FF2B5EF4-FFF2-40B4-BE49-F238E27FC236}">
+                <a16:creationId xmlns:a16="http://schemas.microsoft.com/office/drawing/2014/main" id="{17ECEC12-F339-4544-A0E6-07E0D6BC752D}"/>
+              </a:ext>
+            </a:extLst>
+          </p:cNvPr>
+          <p:cNvCxnSpPr>
+            <a:cxnSpLocks/>
+          </p:cNvCxnSpPr>
+          <p:nvPr/>
+        </p:nvCxnSpPr>
+        <p:spPr>
+          <a:xfrm>
+            <a:off x="9768013" y="2545722"/>
+            <a:ext cx="0" cy="142335"/>
+          </a:xfrm>
+          <a:prstGeom prst="straightConnector1">
+            <a:avLst/>
+          </a:prstGeom>
+          <a:ln>
+            <a:tailEnd type="triangle"/>
+          </a:ln>
+        </p:spPr>
+        <p:style>
+          <a:lnRef idx="1">
+            <a:schemeClr val="dk1"/>
+          </a:lnRef>
+          <a:fillRef idx="0">
+            <a:schemeClr val="dk1"/>
+          </a:fillRef>
+          <a:effectRef idx="0">
+            <a:schemeClr val="dk1"/>
+          </a:effectRef>
+          <a:fontRef idx="minor">
+            <a:schemeClr val="tx1"/>
+          </a:fontRef>
+        </p:style>
+      </p:cxnSp>
+      <p:sp>
+        <p:nvSpPr>
+          <p:cNvPr id="43" name="TextBox 42">
+            <a:extLst>
+              <a:ext uri="{FF2B5EF4-FFF2-40B4-BE49-F238E27FC236}">
+                <a16:creationId xmlns:a16="http://schemas.microsoft.com/office/drawing/2014/main" id="{C907AD58-606B-4CA6-9570-EAA64C0AB2EA}"/>
+              </a:ext>
+            </a:extLst>
+          </p:cNvPr>
+          <p:cNvSpPr txBox="1"/>
+          <p:nvPr/>
+        </p:nvSpPr>
+        <p:spPr>
+          <a:xfrm>
+            <a:off x="10326626" y="1257166"/>
+            <a:ext cx="1250950" cy="369332"/>
+          </a:xfrm>
+          <a:prstGeom prst="rect">
+            <a:avLst/>
+          </a:prstGeom>
+          <a:noFill/>
+        </p:spPr>
+        <p:txBody>
+          <a:bodyPr wrap="square" rtlCol="0">
+            <a:spAutoFit/>
+          </a:bodyPr>
+          <a:lstStyle/>
+          <a:p>
+            <a:r>
+              <a:rPr lang="ko-KR" altLang="en-US" dirty="0"/>
+              <a:t>전원 끄기</a:t>
+            </a:r>
+          </a:p>
+        </p:txBody>
+      </p:sp>
+      <p:sp>
+        <p:nvSpPr>
+          <p:cNvPr id="44" name="TextBox 43">
+            <a:extLst>
+              <a:ext uri="{FF2B5EF4-FFF2-40B4-BE49-F238E27FC236}">
+                <a16:creationId xmlns:a16="http://schemas.microsoft.com/office/drawing/2014/main" id="{EAD7BE3B-E0A4-4B8D-A29C-5DA026DAAEBC}"/>
+              </a:ext>
+            </a:extLst>
+          </p:cNvPr>
+          <p:cNvSpPr txBox="1"/>
+          <p:nvPr/>
+        </p:nvSpPr>
+        <p:spPr>
+          <a:xfrm>
+            <a:off x="10328370" y="1817735"/>
+            <a:ext cx="1250950" cy="369332"/>
+          </a:xfrm>
+          <a:prstGeom prst="rect">
+            <a:avLst/>
+          </a:prstGeom>
+          <a:noFill/>
+        </p:spPr>
+        <p:txBody>
+          <a:bodyPr wrap="square" rtlCol="0">
+            <a:spAutoFit/>
+          </a:bodyPr>
+          <a:lstStyle/>
+          <a:p>
+            <a:r>
+              <a:rPr lang="ko-KR" altLang="en-US" dirty="0"/>
+              <a:t>전원 켜기</a:t>
+            </a:r>
+          </a:p>
+        </p:txBody>
+      </p:sp>
+      <p:sp>
+        <p:nvSpPr>
+          <p:cNvPr id="45" name="TextBox 44">
+            <a:extLst>
+              <a:ext uri="{FF2B5EF4-FFF2-40B4-BE49-F238E27FC236}">
+                <a16:creationId xmlns:a16="http://schemas.microsoft.com/office/drawing/2014/main" id="{F98D8950-A29D-49A2-A930-2C799C27A0D6}"/>
+              </a:ext>
+            </a:extLst>
+          </p:cNvPr>
+          <p:cNvSpPr txBox="1"/>
+          <p:nvPr/>
+        </p:nvSpPr>
+        <p:spPr>
+          <a:xfrm>
+            <a:off x="10305117" y="2455306"/>
+            <a:ext cx="1889081" cy="323165"/>
+          </a:xfrm>
+          <a:prstGeom prst="rect">
+            <a:avLst/>
+          </a:prstGeom>
+          <a:noFill/>
+        </p:spPr>
+        <p:txBody>
+          <a:bodyPr wrap="square" rtlCol="0">
+            <a:spAutoFit/>
+          </a:bodyPr>
+          <a:lstStyle/>
+          <a:p>
+            <a:r>
+              <a:rPr lang="ko-KR" altLang="en-US" sz="1500" dirty="0"/>
+              <a:t>밝기 올리기</a:t>
+            </a:r>
+            <a:r>
+              <a:rPr lang="en-US" altLang="ko-KR" sz="1500" dirty="0"/>
+              <a:t>/</a:t>
+            </a:r>
+            <a:r>
+              <a:rPr lang="ko-KR" altLang="en-US" sz="1500" dirty="0"/>
+              <a:t>내리기</a:t>
+            </a:r>
+          </a:p>
+        </p:txBody>
+      </p:sp>
+      <p:sp>
+        <p:nvSpPr>
+          <p:cNvPr id="46" name="직사각형 45">
+            <a:extLst>
+              <a:ext uri="{FF2B5EF4-FFF2-40B4-BE49-F238E27FC236}">
+                <a16:creationId xmlns:a16="http://schemas.microsoft.com/office/drawing/2014/main" id="{DA385A52-09E9-480A-A6CD-A0AE2DF1E2FF}"/>
+              </a:ext>
+            </a:extLst>
+          </p:cNvPr>
+          <p:cNvSpPr/>
+          <p:nvPr/>
+        </p:nvSpPr>
+        <p:spPr>
+          <a:xfrm>
+            <a:off x="4891133" y="3195092"/>
+            <a:ext cx="4221117" cy="558140"/>
+          </a:xfrm>
+          <a:prstGeom prst="rect">
+            <a:avLst/>
+          </a:prstGeom>
+        </p:spPr>
+        <p:style>
+          <a:lnRef idx="1">
+            <a:schemeClr val="dk1"/>
+          </a:lnRef>
+          <a:fillRef idx="2">
+            <a:schemeClr val="dk1"/>
+          </a:fillRef>
+          <a:effectRef idx="1">
+            <a:schemeClr val="dk1"/>
+          </a:effectRef>
+          <a:fontRef idx="minor">
+            <a:schemeClr val="dk1"/>
+          </a:fontRef>
+        </p:style>
+        <p:txBody>
+          <a:bodyPr rtlCol="0" anchor="ctr"/>
+          <a:lstStyle/>
+          <a:p>
+            <a:pPr algn="ctr"/>
+            <a:r>
+              <a:rPr lang="ko-KR" altLang="en-US" b="1" dirty="0"/>
+              <a:t>디바이스에게 명령을 내리지 않을 경우</a:t>
+            </a:r>
+          </a:p>
+        </p:txBody>
+      </p:sp>
+      <p:pic>
+        <p:nvPicPr>
+          <p:cNvPr id="49" name="그림 48">
+            <a:extLst>
+              <a:ext uri="{FF2B5EF4-FFF2-40B4-BE49-F238E27FC236}">
+                <a16:creationId xmlns:a16="http://schemas.microsoft.com/office/drawing/2014/main" id="{E47F1B54-FB4B-4E28-9A3B-B6B467051B75}"/>
+              </a:ext>
+            </a:extLst>
+          </p:cNvPr>
+          <p:cNvPicPr>
+            <a:picLocks noChangeAspect="1"/>
+          </p:cNvPicPr>
+          <p:nvPr/>
+        </p:nvPicPr>
+        <p:blipFill>
+          <a:blip r:embed="rId10">
+            <a:extLst>
+              <a:ext uri="{28A0092B-C50C-407E-A947-70E740481C1C}">
+                <a14:useLocalDpi xmlns:a14="http://schemas.microsoft.com/office/drawing/2010/main" val="0"/>
+              </a:ext>
+            </a:extLst>
+          </a:blip>
+          <a:stretch>
+            <a:fillRect/>
+          </a:stretch>
+        </p:blipFill>
+        <p:spPr>
+          <a:xfrm>
+            <a:off x="4891133" y="3839201"/>
+            <a:ext cx="723332" cy="748862"/>
+          </a:xfrm>
+          <a:prstGeom prst="rect">
+            <a:avLst/>
+          </a:prstGeom>
+        </p:spPr>
+      </p:pic>
+      <p:sp>
+        <p:nvSpPr>
+          <p:cNvPr id="57" name="직사각형 56">
+            <a:extLst>
+              <a:ext uri="{FF2B5EF4-FFF2-40B4-BE49-F238E27FC236}">
+                <a16:creationId xmlns:a16="http://schemas.microsoft.com/office/drawing/2014/main" id="{6DCA96C5-8EC0-4EBB-B4D5-CF824090CB68}"/>
+              </a:ext>
+            </a:extLst>
+          </p:cNvPr>
+          <p:cNvSpPr/>
+          <p:nvPr/>
+        </p:nvSpPr>
+        <p:spPr>
+          <a:xfrm>
+            <a:off x="4875296" y="4765311"/>
+            <a:ext cx="1339989" cy="558140"/>
+          </a:xfrm>
+          <a:prstGeom prst="rect">
+            <a:avLst/>
+          </a:prstGeom>
+        </p:spPr>
+        <p:style>
+          <a:lnRef idx="1">
+            <a:schemeClr val="dk1"/>
+          </a:lnRef>
+          <a:fillRef idx="2">
+            <a:schemeClr val="dk1"/>
+          </a:fillRef>
+          <a:effectRef idx="1">
+            <a:schemeClr val="dk1"/>
+          </a:effectRef>
+          <a:fontRef idx="minor">
+            <a:schemeClr val="dk1"/>
+          </a:fontRef>
+        </p:style>
+        <p:txBody>
+          <a:bodyPr rtlCol="0" anchor="ctr"/>
+          <a:lstStyle/>
+          <a:p>
+            <a:pPr algn="ctr"/>
+            <a:r>
+              <a:rPr lang="ko-KR" altLang="en-US" b="1" dirty="0"/>
+              <a:t>사용 기기</a:t>
+            </a:r>
+          </a:p>
+        </p:txBody>
+      </p:sp>
+      <p:sp>
+        <p:nvSpPr>
+          <p:cNvPr id="58" name="TextBox 57">
+            <a:extLst>
+              <a:ext uri="{FF2B5EF4-FFF2-40B4-BE49-F238E27FC236}">
+                <a16:creationId xmlns:a16="http://schemas.microsoft.com/office/drawing/2014/main" id="{4D35AF02-A163-4D5B-A0AD-B265C71957AC}"/>
+              </a:ext>
+            </a:extLst>
+          </p:cNvPr>
+          <p:cNvSpPr txBox="1"/>
+          <p:nvPr/>
+        </p:nvSpPr>
+        <p:spPr>
+          <a:xfrm>
+            <a:off x="5614465" y="4016449"/>
+            <a:ext cx="1766360" cy="369332"/>
+          </a:xfrm>
+          <a:prstGeom prst="rect">
+            <a:avLst/>
+          </a:prstGeom>
+          <a:noFill/>
+        </p:spPr>
+        <p:txBody>
+          <a:bodyPr wrap="square" rtlCol="0">
+            <a:spAutoFit/>
+          </a:bodyPr>
+          <a:lstStyle/>
+          <a:p>
+            <a:r>
+              <a:rPr lang="ko-KR" altLang="en-US" dirty="0"/>
+              <a:t>오늘 날씨 어때</a:t>
+            </a:r>
+            <a:r>
+              <a:rPr lang="en-US" altLang="ko-KR" dirty="0"/>
+              <a:t>?</a:t>
+            </a:r>
+            <a:endParaRPr lang="ko-KR" altLang="en-US" dirty="0"/>
+          </a:p>
+        </p:txBody>
+      </p:sp>
+      <p:pic>
+        <p:nvPicPr>
+          <p:cNvPr id="60" name="그림 59" descr="실내, 옅은, 전자, 닫기이(가) 표시된 사진&#10;&#10;자동 생성된 설명">
+            <a:extLst>
+              <a:ext uri="{FF2B5EF4-FFF2-40B4-BE49-F238E27FC236}">
+                <a16:creationId xmlns:a16="http://schemas.microsoft.com/office/drawing/2014/main" id="{F75A1EA5-151B-4AEB-952C-02B8D9D0A26D}"/>
+              </a:ext>
+            </a:extLst>
+          </p:cNvPr>
+          <p:cNvPicPr>
+            <a:picLocks noChangeAspect="1"/>
+          </p:cNvPicPr>
+          <p:nvPr/>
+        </p:nvPicPr>
+        <p:blipFill>
+          <a:blip r:embed="rId11">
+            <a:extLst>
+              <a:ext uri="{28A0092B-C50C-407E-A947-70E740481C1C}">
+                <a14:useLocalDpi xmlns:a14="http://schemas.microsoft.com/office/drawing/2010/main" val="0"/>
+              </a:ext>
+            </a:extLst>
+          </a:blip>
+          <a:stretch>
+            <a:fillRect/>
+          </a:stretch>
+        </p:blipFill>
+        <p:spPr>
+          <a:xfrm>
+            <a:off x="4891133" y="5445406"/>
+            <a:ext cx="783912" cy="1244600"/>
+          </a:xfrm>
+          <a:prstGeom prst="rect">
+            <a:avLst/>
+          </a:prstGeom>
+        </p:spPr>
+      </p:pic>
+      <p:pic>
+        <p:nvPicPr>
+          <p:cNvPr id="61" name="그림 60" descr="실내, 옅은, 전자, 닫기이(가) 표시된 사진&#10;&#10;자동 생성된 설명">
+            <a:extLst>
+              <a:ext uri="{FF2B5EF4-FFF2-40B4-BE49-F238E27FC236}">
+                <a16:creationId xmlns:a16="http://schemas.microsoft.com/office/drawing/2014/main" id="{B515EEC4-A8E5-4D01-9F0A-6E617CE25BD9}"/>
+              </a:ext>
+            </a:extLst>
+          </p:cNvPr>
+          <p:cNvPicPr>
+            <a:picLocks noChangeAspect="1"/>
+          </p:cNvPicPr>
+          <p:nvPr/>
+        </p:nvPicPr>
+        <p:blipFill>
+          <a:blip r:embed="rId11">
+            <a:extLst>
+              <a:ext uri="{28A0092B-C50C-407E-A947-70E740481C1C}">
+                <a14:useLocalDpi xmlns:a14="http://schemas.microsoft.com/office/drawing/2010/main" val="0"/>
+              </a:ext>
+            </a:extLst>
+          </a:blip>
+          <a:stretch>
+            <a:fillRect/>
+          </a:stretch>
+        </p:blipFill>
+        <p:spPr>
+          <a:xfrm>
+            <a:off x="5758134" y="5445406"/>
+            <a:ext cx="783912" cy="1244600"/>
+          </a:xfrm>
+          <a:prstGeom prst="rect">
+            <a:avLst/>
+          </a:prstGeom>
+        </p:spPr>
+      </p:pic>
+      <p:pic>
+        <p:nvPicPr>
+          <p:cNvPr id="63" name="그림 62" descr="잭이(가) 표시된 사진&#10;&#10;자동 생성된 설명">
+            <a:extLst>
+              <a:ext uri="{FF2B5EF4-FFF2-40B4-BE49-F238E27FC236}">
+                <a16:creationId xmlns:a16="http://schemas.microsoft.com/office/drawing/2014/main" id="{30EEFB83-D960-4F5B-80CC-7B594CA7352E}"/>
+              </a:ext>
+            </a:extLst>
+          </p:cNvPr>
+          <p:cNvPicPr>
+            <a:picLocks noChangeAspect="1"/>
+          </p:cNvPicPr>
+          <p:nvPr/>
+        </p:nvPicPr>
+        <p:blipFill>
+          <a:blip r:embed="rId12">
+            <a:extLst>
+              <a:ext uri="{28A0092B-C50C-407E-A947-70E740481C1C}">
+                <a14:useLocalDpi xmlns:a14="http://schemas.microsoft.com/office/drawing/2010/main" val="0"/>
+              </a:ext>
+            </a:extLst>
+          </a:blip>
+          <a:stretch>
+            <a:fillRect/>
+          </a:stretch>
+        </p:blipFill>
+        <p:spPr>
+          <a:xfrm>
+            <a:off x="6625135" y="5420209"/>
+            <a:ext cx="954909" cy="1244600"/>
+          </a:xfrm>
+          <a:prstGeom prst="rect">
+            <a:avLst/>
+          </a:prstGeom>
+        </p:spPr>
+      </p:pic>
+      <p:pic>
+        <p:nvPicPr>
+          <p:cNvPr id="65" name="그림 64" descr="실내, 접시이(가) 표시된 사진&#10;&#10;자동 생성된 설명">
+            <a:extLst>
+              <a:ext uri="{FF2B5EF4-FFF2-40B4-BE49-F238E27FC236}">
+                <a16:creationId xmlns:a16="http://schemas.microsoft.com/office/drawing/2014/main" id="{8EB012D8-4295-4D05-B62A-32CA35DAC0CF}"/>
+              </a:ext>
+            </a:extLst>
+          </p:cNvPr>
+          <p:cNvPicPr>
+            <a:picLocks noChangeAspect="1"/>
+          </p:cNvPicPr>
+          <p:nvPr/>
+        </p:nvPicPr>
+        <p:blipFill>
+          <a:blip r:embed="rId13">
+            <a:extLst>
+              <a:ext uri="{28A0092B-C50C-407E-A947-70E740481C1C}">
+                <a14:useLocalDpi xmlns:a14="http://schemas.microsoft.com/office/drawing/2010/main" val="0"/>
+              </a:ext>
+            </a:extLst>
+          </a:blip>
+          <a:stretch>
+            <a:fillRect/>
+          </a:stretch>
+        </p:blipFill>
+        <p:spPr>
+          <a:xfrm>
+            <a:off x="7663133" y="5420208"/>
+            <a:ext cx="1230350" cy="1244601"/>
+          </a:xfrm>
+          <a:prstGeom prst="rect">
+            <a:avLst/>
+          </a:prstGeom>
+        </p:spPr>
+      </p:pic>
+      <p:sp>
+        <p:nvSpPr>
+          <p:cNvPr id="66" name="직사각형 65">
+            <a:extLst>
+              <a:ext uri="{FF2B5EF4-FFF2-40B4-BE49-F238E27FC236}">
+                <a16:creationId xmlns:a16="http://schemas.microsoft.com/office/drawing/2014/main" id="{08D93B6B-75E4-4E5E-9F2E-41BA65F2EAAD}"/>
+              </a:ext>
+            </a:extLst>
+          </p:cNvPr>
+          <p:cNvSpPr/>
+          <p:nvPr/>
+        </p:nvSpPr>
+        <p:spPr>
+          <a:xfrm>
+            <a:off x="8976572" y="5445406"/>
+            <a:ext cx="2273085" cy="1164944"/>
+          </a:xfrm>
+          <a:prstGeom prst="rect">
+            <a:avLst/>
+          </a:prstGeom>
+          <a:noFill/>
+          <a:ln>
+            <a:noFill/>
+          </a:ln>
+        </p:spPr>
+        <p:style>
+          <a:lnRef idx="0">
+            <a:scrgbClr r="0" g="0" b="0"/>
+          </a:lnRef>
+          <a:fillRef idx="0">
+            <a:scrgbClr r="0" g="0" b="0"/>
+          </a:fillRef>
+          <a:effectRef idx="0">
+            <a:scrgbClr r="0" g="0" b="0"/>
+          </a:effectRef>
+          <a:fontRef idx="minor">
+            <a:schemeClr val="dk1"/>
+          </a:fontRef>
+        </p:style>
+        <p:txBody>
+          <a:bodyPr rtlCol="0" anchor="ctr"/>
+          <a:lstStyle/>
+          <a:p>
+            <a:r>
+              <a:rPr lang="ko-KR" altLang="en-US" sz="2400" dirty="0"/>
+              <a:t>전구 </a:t>
+            </a:r>
+            <a:r>
+              <a:rPr lang="en-US" altLang="ko-KR" sz="2400" dirty="0"/>
+              <a:t>2</a:t>
+            </a:r>
+            <a:r>
+              <a:rPr lang="ko-KR" altLang="en-US" sz="2400" dirty="0"/>
+              <a:t>개</a:t>
+            </a:r>
+            <a:endParaRPr lang="en-US" altLang="ko-KR" sz="2400" dirty="0"/>
+          </a:p>
+          <a:p>
+            <a:r>
+              <a:rPr lang="ko-KR" altLang="en-US" sz="2400" dirty="0"/>
+              <a:t>플러그 </a:t>
+            </a:r>
+            <a:r>
+              <a:rPr lang="en-US" altLang="ko-KR" sz="2400" dirty="0"/>
+              <a:t>1</a:t>
+            </a:r>
+            <a:r>
+              <a:rPr lang="ko-KR" altLang="en-US" sz="2400" dirty="0"/>
+              <a:t>개</a:t>
+            </a:r>
+            <a:endParaRPr lang="en-US" altLang="ko-KR" sz="2400" dirty="0"/>
+          </a:p>
+          <a:p>
+            <a:r>
+              <a:rPr lang="ko-KR" altLang="en-US" sz="2400" dirty="0"/>
+              <a:t>가습기 </a:t>
+            </a:r>
+            <a:r>
+              <a:rPr lang="en-US" altLang="ko-KR" sz="2400" dirty="0"/>
+              <a:t>1</a:t>
+            </a:r>
+            <a:r>
+              <a:rPr lang="ko-KR" altLang="en-US" sz="2400" dirty="0"/>
+              <a:t>개</a:t>
+            </a:r>
+          </a:p>
+        </p:txBody>
+      </p:sp>
+    </p:spTree>
+    <p:extLst>
+      <p:ext uri="{BB962C8B-B14F-4D97-AF65-F5344CB8AC3E}">
+        <p14:creationId xmlns:p14="http://schemas.microsoft.com/office/powerpoint/2010/main" val="2287977946"/>
+      </p:ext>
+    </p:extLst>
+  </p:cSld>
+  <p:clrMapOvr>
+    <a:masterClrMapping/>
+  </p:clrMapOvr>
+</p:sld>
+</file>
+
+<file path=ppt/slides/slide11.xml><?xml version="1.0" encoding="utf-8"?>
+<p:sld xmlns:a="http://schemas.openxmlformats.org/drawingml/2006/main" xmlns:r="http://schemas.openxmlformats.org/officeDocument/2006/relationships" xmlns:p="http://schemas.openxmlformats.org/presentationml/2006/main">
+  <p:cSld>
+    <p:bg>
+      <p:bgPr>
+        <a:solidFill>
+          <a:schemeClr val="bg1"/>
+        </a:solidFill>
+        <a:effectLst/>
+      </p:bgPr>
+    </p:bg>
+    <p:spTree>
+      <p:nvGrpSpPr>
+        <p:cNvPr id="1" name=""/>
+        <p:cNvGrpSpPr/>
+        <p:nvPr/>
+      </p:nvGrpSpPr>
+      <p:grpSpPr>
+        <a:xfrm>
+          <a:off x="0" y="0"/>
+          <a:ext cx="0" cy="0"/>
+          <a:chOff x="0" y="0"/>
+          <a:chExt cx="0" cy="0"/>
+        </a:xfrm>
+      </p:grpSpPr>
       <p:sp>
         <p:nvSpPr>
           <p:cNvPr id="11" name="Rectangle 10">
@@ -8975,6 +10527,369 @@
           <p:cNvPr id="2" name="제목 1">
             <a:extLst>
               <a:ext uri="{FF2B5EF4-FFF2-40B4-BE49-F238E27FC236}">
+                <a16:creationId xmlns:a16="http://schemas.microsoft.com/office/drawing/2014/main" id="{3F4ECA0E-6DF1-4404-B506-6E1035E8391B}"/>
+              </a:ext>
+            </a:extLst>
+          </p:cNvPr>
+          <p:cNvSpPr>
+            <a:spLocks noGrp="1"/>
+          </p:cNvSpPr>
+          <p:nvPr>
+            <p:ph type="title"/>
+          </p:nvPr>
+        </p:nvSpPr>
+        <p:spPr>
+          <a:xfrm>
+            <a:off x="841248" y="499377"/>
+            <a:ext cx="10506456" cy="1197864"/>
+          </a:xfrm>
+        </p:spPr>
+        <p:txBody>
+          <a:bodyPr vert="horz" lIns="91440" tIns="45720" rIns="91440" bIns="45720" rtlCol="0" anchor="b">
+            <a:normAutofit/>
+          </a:bodyPr>
+          <a:lstStyle/>
+          <a:p>
+            <a:pPr algn="ctr" latinLnBrk="0"/>
+            <a:r>
+              <a:rPr lang="ko-KR" altLang="en-US" sz="5000" dirty="0">
+                <a:solidFill>
+                  <a:schemeClr val="bg1"/>
+                </a:solidFill>
+              </a:rPr>
+              <a:t>개발 환경 및 개발 방법</a:t>
+            </a:r>
+            <a:r>
+              <a:rPr lang="en-US" altLang="ko-KR" sz="4000" dirty="0">
+                <a:solidFill>
+                  <a:schemeClr val="bg1"/>
+                </a:solidFill>
+              </a:rPr>
+              <a:t>(</a:t>
+            </a:r>
+            <a:r>
+              <a:rPr lang="ko-KR" altLang="en-US" sz="4000" dirty="0">
+                <a:solidFill>
+                  <a:schemeClr val="bg1"/>
+                </a:solidFill>
+              </a:rPr>
+              <a:t>모델 개발</a:t>
+            </a:r>
+            <a:r>
+              <a:rPr lang="en-US" altLang="ko-KR" sz="4000" dirty="0">
+                <a:solidFill>
+                  <a:schemeClr val="bg1"/>
+                </a:solidFill>
+              </a:rPr>
+              <a:t>)</a:t>
+            </a:r>
+          </a:p>
+        </p:txBody>
+      </p:sp>
+      <p:pic>
+        <p:nvPicPr>
+          <p:cNvPr id="5" name="Google Shape;119;p12">
+            <a:extLst>
+              <a:ext uri="{FF2B5EF4-FFF2-40B4-BE49-F238E27FC236}">
+                <a16:creationId xmlns:a16="http://schemas.microsoft.com/office/drawing/2014/main" id="{079D4693-4840-42B0-8069-D498C1F2AE4A}"/>
+              </a:ext>
+            </a:extLst>
+          </p:cNvPr>
+          <p:cNvPicPr preferRelativeResize="0"/>
+          <p:nvPr/>
+        </p:nvPicPr>
+        <p:blipFill>
+          <a:blip r:embed="rId3"/>
+          <a:stretch>
+            <a:fillRect/>
+          </a:stretch>
+        </p:blipFill>
+        <p:spPr>
+          <a:xfrm>
+            <a:off x="586935" y="2975212"/>
+            <a:ext cx="3272687" cy="3272687"/>
+          </a:xfrm>
+          <a:prstGeom prst="rect">
+            <a:avLst/>
+          </a:prstGeom>
+          <a:noFill/>
+        </p:spPr>
+      </p:pic>
+      <p:pic>
+        <p:nvPicPr>
+          <p:cNvPr id="6" name="Google Shape;122;p12">
+            <a:extLst>
+              <a:ext uri="{FF2B5EF4-FFF2-40B4-BE49-F238E27FC236}">
+                <a16:creationId xmlns:a16="http://schemas.microsoft.com/office/drawing/2014/main" id="{210AC987-8371-44BC-B1AA-0CE00C6800F2}"/>
+              </a:ext>
+            </a:extLst>
+          </p:cNvPr>
+          <p:cNvPicPr preferRelativeResize="0"/>
+          <p:nvPr/>
+        </p:nvPicPr>
+        <p:blipFill>
+          <a:blip r:embed="rId4"/>
+          <a:stretch>
+            <a:fillRect/>
+          </a:stretch>
+        </p:blipFill>
+        <p:spPr>
+          <a:xfrm>
+            <a:off x="4764947" y="2975212"/>
+            <a:ext cx="2659057" cy="3272687"/>
+          </a:xfrm>
+          <a:prstGeom prst="rect">
+            <a:avLst/>
+          </a:prstGeom>
+          <a:noFill/>
+        </p:spPr>
+      </p:pic>
+      <p:pic>
+        <p:nvPicPr>
+          <p:cNvPr id="4" name="Google Shape;118;p12">
+            <a:extLst>
+              <a:ext uri="{FF2B5EF4-FFF2-40B4-BE49-F238E27FC236}">
+                <a16:creationId xmlns:a16="http://schemas.microsoft.com/office/drawing/2014/main" id="{56B9E530-E7EA-4511-A726-3F9D4F0C7401}"/>
+              </a:ext>
+            </a:extLst>
+          </p:cNvPr>
+          <p:cNvPicPr preferRelativeResize="0"/>
+          <p:nvPr/>
+        </p:nvPicPr>
+        <p:blipFill>
+          <a:blip r:embed="rId5"/>
+          <a:stretch>
+            <a:fillRect/>
+          </a:stretch>
+        </p:blipFill>
+        <p:spPr>
+          <a:xfrm>
+            <a:off x="8438503" y="2975212"/>
+            <a:ext cx="3059961" cy="3272687"/>
+          </a:xfrm>
+          <a:prstGeom prst="rect">
+            <a:avLst/>
+          </a:prstGeom>
+          <a:noFill/>
+        </p:spPr>
+      </p:pic>
+      <p:sp>
+        <p:nvSpPr>
+          <p:cNvPr id="9" name="TextBox 8">
+            <a:extLst>
+              <a:ext uri="{FF2B5EF4-FFF2-40B4-BE49-F238E27FC236}">
+                <a16:creationId xmlns:a16="http://schemas.microsoft.com/office/drawing/2014/main" id="{088826D6-E7EE-49BF-8C4F-85E6614F1590}"/>
+              </a:ext>
+            </a:extLst>
+          </p:cNvPr>
+          <p:cNvSpPr txBox="1"/>
+          <p:nvPr/>
+        </p:nvSpPr>
+        <p:spPr>
+          <a:xfrm>
+            <a:off x="1755607" y="6284772"/>
+            <a:ext cx="935341" cy="369332"/>
+          </a:xfrm>
+          <a:prstGeom prst="rect">
+            <a:avLst/>
+          </a:prstGeom>
+          <a:noFill/>
+        </p:spPr>
+        <p:txBody>
+          <a:bodyPr wrap="square" rtlCol="0">
+            <a:spAutoFit/>
+          </a:bodyPr>
+          <a:lstStyle/>
+          <a:p>
+            <a:r>
+              <a:rPr lang="en-US" altLang="ko-KR" dirty="0"/>
+              <a:t>Python</a:t>
+            </a:r>
+            <a:endParaRPr lang="ko-KR" altLang="en-US" dirty="0"/>
+          </a:p>
+        </p:txBody>
+      </p:sp>
+      <p:sp>
+        <p:nvSpPr>
+          <p:cNvPr id="18" name="TextBox 17">
+            <a:extLst>
+              <a:ext uri="{FF2B5EF4-FFF2-40B4-BE49-F238E27FC236}">
+                <a16:creationId xmlns:a16="http://schemas.microsoft.com/office/drawing/2014/main" id="{D8A9FCD2-0C2F-4970-8D7E-A606A71C5987}"/>
+              </a:ext>
+            </a:extLst>
+          </p:cNvPr>
+          <p:cNvSpPr txBox="1"/>
+          <p:nvPr/>
+        </p:nvSpPr>
+        <p:spPr>
+          <a:xfrm>
+            <a:off x="5552931" y="6284772"/>
+            <a:ext cx="1083087" cy="369332"/>
+          </a:xfrm>
+          <a:prstGeom prst="rect">
+            <a:avLst/>
+          </a:prstGeom>
+          <a:noFill/>
+        </p:spPr>
+        <p:txBody>
+          <a:bodyPr wrap="square" rtlCol="0">
+            <a:spAutoFit/>
+          </a:bodyPr>
+          <a:lstStyle/>
+          <a:p>
+            <a:r>
+              <a:rPr lang="en-US" altLang="ko-KR" dirty="0"/>
+              <a:t>OpenCV</a:t>
+            </a:r>
+            <a:endParaRPr lang="ko-KR" altLang="en-US" dirty="0"/>
+          </a:p>
+        </p:txBody>
+      </p:sp>
+      <p:sp>
+        <p:nvSpPr>
+          <p:cNvPr id="20" name="TextBox 19">
+            <a:extLst>
+              <a:ext uri="{FF2B5EF4-FFF2-40B4-BE49-F238E27FC236}">
+                <a16:creationId xmlns:a16="http://schemas.microsoft.com/office/drawing/2014/main" id="{730062C9-C1D3-4FE2-976D-7D0A24A622DC}"/>
+              </a:ext>
+            </a:extLst>
+          </p:cNvPr>
+          <p:cNvSpPr txBox="1"/>
+          <p:nvPr/>
+        </p:nvSpPr>
+        <p:spPr>
+          <a:xfrm>
+            <a:off x="9290396" y="6284772"/>
+            <a:ext cx="1356174" cy="369332"/>
+          </a:xfrm>
+          <a:prstGeom prst="rect">
+            <a:avLst/>
+          </a:prstGeom>
+          <a:noFill/>
+        </p:spPr>
+        <p:txBody>
+          <a:bodyPr wrap="square" rtlCol="0">
+            <a:spAutoFit/>
+          </a:bodyPr>
+          <a:lstStyle/>
+          <a:p>
+            <a:r>
+              <a:rPr lang="en-US" altLang="ko-KR" dirty="0"/>
+              <a:t>TensorFlow</a:t>
+            </a:r>
+            <a:endParaRPr lang="ko-KR" altLang="en-US" dirty="0"/>
+          </a:p>
+        </p:txBody>
+      </p:sp>
+    </p:spTree>
+    <p:extLst>
+      <p:ext uri="{BB962C8B-B14F-4D97-AF65-F5344CB8AC3E}">
+        <p14:creationId xmlns:p14="http://schemas.microsoft.com/office/powerpoint/2010/main" val="2294191460"/>
+      </p:ext>
+    </p:extLst>
+  </p:cSld>
+  <p:clrMapOvr>
+    <a:masterClrMapping/>
+  </p:clrMapOvr>
+</p:sld>
+</file>
+
+<file path=ppt/slides/slide12.xml><?xml version="1.0" encoding="utf-8"?>
+<p:sld xmlns:a="http://schemas.openxmlformats.org/drawingml/2006/main" xmlns:r="http://schemas.openxmlformats.org/officeDocument/2006/relationships" xmlns:p="http://schemas.openxmlformats.org/presentationml/2006/main">
+  <p:cSld>
+    <p:bg>
+      <p:bgPr>
+        <a:solidFill>
+          <a:schemeClr val="bg1"/>
+        </a:solidFill>
+        <a:effectLst/>
+      </p:bgPr>
+    </p:bg>
+    <p:spTree>
+      <p:nvGrpSpPr>
+        <p:cNvPr id="1" name=""/>
+        <p:cNvGrpSpPr/>
+        <p:nvPr/>
+      </p:nvGrpSpPr>
+      <p:grpSpPr>
+        <a:xfrm>
+          <a:off x="0" y="0"/>
+          <a:ext cx="0" cy="0"/>
+          <a:chOff x="0" y="0"/>
+          <a:chExt cx="0" cy="0"/>
+        </a:xfrm>
+      </p:grpSpPr>
+      <p:sp>
+        <p:nvSpPr>
+          <p:cNvPr id="11" name="Rectangle 10">
+            <a:extLst>
+              <a:ext uri="{FF2B5EF4-FFF2-40B4-BE49-F238E27FC236}">
+                <a16:creationId xmlns:a16="http://schemas.microsoft.com/office/drawing/2014/main" id="{95023A33-56DF-491A-AC86-C91A560AE75A}"/>
+              </a:ext>
+              <a:ext uri="{C183D7F6-B498-43B3-948B-1728B52AA6E4}">
+                <adec:decorative xmlns:adec="http://schemas.microsoft.com/office/drawing/2017/decorative" val="1"/>
+              </a:ext>
+            </a:extLst>
+          </p:cNvPr>
+          <p:cNvSpPr>
+            <a:spLocks noGrp="1" noRot="1" noChangeAspect="1" noMove="1" noResize="1" noEditPoints="1" noAdjustHandles="1" noChangeArrowheads="1" noChangeShapeType="1" noTextEdit="1"/>
+          </p:cNvSpPr>
+          <p:nvPr>
+            <p:extLst>
+              <p:ext uri="{386F3935-93C4-4BCD-93E2-E3B085C9AB24}">
+                <p16:designElem xmlns:p16="http://schemas.microsoft.com/office/powerpoint/2015/main" val="1"/>
+              </p:ext>
+            </p:extLst>
+          </p:nvPr>
+        </p:nvSpPr>
+        <p:spPr>
+          <a:xfrm>
+            <a:off x="0" y="0"/>
+            <a:ext cx="12192000" cy="2654490"/>
+          </a:xfrm>
+          <a:prstGeom prst="rect">
+            <a:avLst/>
+          </a:prstGeom>
+          <a:solidFill>
+            <a:schemeClr val="tx1">
+              <a:lumMod val="75000"/>
+              <a:lumOff val="25000"/>
+            </a:schemeClr>
+          </a:solidFill>
+          <a:ln>
+            <a:noFill/>
+          </a:ln>
+        </p:spPr>
+        <p:style>
+          <a:lnRef idx="2">
+            <a:schemeClr val="accent1">
+              <a:shade val="50000"/>
+            </a:schemeClr>
+          </a:lnRef>
+          <a:fillRef idx="1">
+            <a:schemeClr val="accent1"/>
+          </a:fillRef>
+          <a:effectRef idx="0">
+            <a:schemeClr val="accent1"/>
+          </a:effectRef>
+          <a:fontRef idx="minor">
+            <a:schemeClr val="lt1"/>
+          </a:fontRef>
+        </p:style>
+        <p:txBody>
+          <a:bodyPr rtlCol="0" anchor="ctr"/>
+          <a:lstStyle/>
+          <a:p>
+            <a:pPr algn="ctr"/>
+            <a:endParaRPr lang="en-US"/>
+          </a:p>
+        </p:txBody>
+      </p:sp>
+      <p:sp>
+        <p:nvSpPr>
+          <p:cNvPr id="2" name="제목 1">
+            <a:extLst>
+              <a:ext uri="{FF2B5EF4-FFF2-40B4-BE49-F238E27FC236}">
                 <a16:creationId xmlns:a16="http://schemas.microsoft.com/office/drawing/2014/main" id="{89D6095A-447A-4689-A5A2-88EEF163B1C6}"/>
               </a:ext>
             </a:extLst>
@@ -9242,7 +11157,7 @@
 </p:sld>
 </file>
 
-<file path=ppt/slides/slide11.xml><?xml version="1.0" encoding="utf-8"?>
+<file path=ppt/slides/slide13.xml><?xml version="1.0" encoding="utf-8"?>
 <p:sld xmlns:a="http://schemas.openxmlformats.org/drawingml/2006/main" xmlns:r="http://schemas.openxmlformats.org/officeDocument/2006/relationships" xmlns:p="http://schemas.openxmlformats.org/presentationml/2006/main">
   <p:cSld>
     <p:bg>
@@ -10549,7 +12464,7 @@
 </p:sld>
 </file>
 
-<file path=ppt/slides/slide12.xml><?xml version="1.0" encoding="utf-8"?>
+<file path=ppt/slides/slide14.xml><?xml version="1.0" encoding="utf-8"?>
 <p:sld xmlns:a="http://schemas.openxmlformats.org/drawingml/2006/main" xmlns:r="http://schemas.openxmlformats.org/officeDocument/2006/relationships" xmlns:p="http://schemas.openxmlformats.org/presentationml/2006/main">
   <p:cSld>
     <p:bg>
@@ -14396,7 +16311,7 @@
 </p:sld>
 </file>
 
-<file path=ppt/slides/slide13.xml><?xml version="1.0" encoding="utf-8"?>
+<file path=ppt/slides/slide15.xml><?xml version="1.0" encoding="utf-8"?>
 <p:sld xmlns:a="http://schemas.openxmlformats.org/drawingml/2006/main" xmlns:r="http://schemas.openxmlformats.org/officeDocument/2006/relationships" xmlns:p="http://schemas.openxmlformats.org/presentationml/2006/main">
   <p:cSld>
     <p:bg>
@@ -15129,7 +17044,7 @@
 </p:sld>
 </file>
 
-<file path=ppt/slides/slide14.xml><?xml version="1.0" encoding="utf-8"?>
+<file path=ppt/slides/slide16.xml><?xml version="1.0" encoding="utf-8"?>
 <p:sld xmlns:a="http://schemas.openxmlformats.org/drawingml/2006/main" xmlns:r="http://schemas.openxmlformats.org/officeDocument/2006/relationships" xmlns:p="http://schemas.openxmlformats.org/presentationml/2006/main">
   <p:cSld>
     <p:bg>
@@ -15458,7 +17373,7 @@
 </p:sld>
 </file>
 
-<file path=ppt/slides/slide15.xml><?xml version="1.0" encoding="utf-8"?>
+<file path=ppt/slides/slide17.xml><?xml version="1.0" encoding="utf-8"?>
 <p:sld xmlns:a="http://schemas.openxmlformats.org/drawingml/2006/main" xmlns:r="http://schemas.openxmlformats.org/officeDocument/2006/relationships" xmlns:p="http://schemas.openxmlformats.org/presentationml/2006/main">
   <p:cSld>
     <p:bg>
@@ -18767,6 +20682,854 @@
 <file path=ppt/slides/slide7.xml><?xml version="1.0" encoding="utf-8"?>
 <p:sld xmlns:a="http://schemas.openxmlformats.org/drawingml/2006/main" xmlns:r="http://schemas.openxmlformats.org/officeDocument/2006/relationships" xmlns:p="http://schemas.openxmlformats.org/presentationml/2006/main">
   <p:cSld>
+    <p:spTree>
+      <p:nvGrpSpPr>
+        <p:cNvPr id="1" name=""/>
+        <p:cNvGrpSpPr/>
+        <p:nvPr/>
+      </p:nvGrpSpPr>
+      <p:grpSpPr>
+        <a:xfrm>
+          <a:off x="0" y="0"/>
+          <a:ext cx="0" cy="0"/>
+          <a:chOff x="0" y="0"/>
+          <a:chExt cx="0" cy="0"/>
+        </a:xfrm>
+      </p:grpSpPr>
+      <p:sp>
+        <p:nvSpPr>
+          <p:cNvPr id="2" name="제목 1">
+            <a:extLst>
+              <a:ext uri="{FF2B5EF4-FFF2-40B4-BE49-F238E27FC236}">
+                <a16:creationId xmlns:a16="http://schemas.microsoft.com/office/drawing/2014/main" id="{A1C8492E-1520-44C6-A9FF-7DD15E193823}"/>
+              </a:ext>
+            </a:extLst>
+          </p:cNvPr>
+          <p:cNvSpPr>
+            <a:spLocks noGrp="1"/>
+          </p:cNvSpPr>
+          <p:nvPr>
+            <p:ph type="title"/>
+          </p:nvPr>
+        </p:nvSpPr>
+        <p:spPr>
+          <a:xfrm>
+            <a:off x="0" y="0"/>
+            <a:ext cx="11353800" cy="1436914"/>
+          </a:xfrm>
+        </p:spPr>
+        <p:txBody>
+          <a:bodyPr/>
+          <a:lstStyle/>
+          <a:p>
+            <a:r>
+              <a:rPr lang="ko-KR" altLang="en-US" dirty="0"/>
+              <a:t>시스템 수행 시나리오</a:t>
+            </a:r>
+          </a:p>
+        </p:txBody>
+      </p:sp>
+      <p:pic>
+        <p:nvPicPr>
+          <p:cNvPr id="5" name="그림 4">
+            <a:extLst>
+              <a:ext uri="{FF2B5EF4-FFF2-40B4-BE49-F238E27FC236}">
+                <a16:creationId xmlns:a16="http://schemas.microsoft.com/office/drawing/2014/main" id="{DB9A3748-98FC-4A2C-B839-81BDBEB3BAF0}"/>
+              </a:ext>
+            </a:extLst>
+          </p:cNvPr>
+          <p:cNvPicPr>
+            <a:picLocks noChangeAspect="1"/>
+          </p:cNvPicPr>
+          <p:nvPr/>
+        </p:nvPicPr>
+        <p:blipFill>
+          <a:blip r:embed="rId2">
+            <a:extLst>
+              <a:ext uri="{28A0092B-C50C-407E-A947-70E740481C1C}">
+                <a14:useLocalDpi xmlns:a14="http://schemas.microsoft.com/office/drawing/2010/main" val="0"/>
+              </a:ext>
+            </a:extLst>
+          </a:blip>
+          <a:stretch>
+            <a:fillRect/>
+          </a:stretch>
+        </p:blipFill>
+        <p:spPr>
+          <a:xfrm>
+            <a:off x="1072377" y="1705801"/>
+            <a:ext cx="958899" cy="1003352"/>
+          </a:xfrm>
+          <a:prstGeom prst="rect">
+            <a:avLst/>
+          </a:prstGeom>
+        </p:spPr>
+      </p:pic>
+      <p:pic>
+        <p:nvPicPr>
+          <p:cNvPr id="7" name="그림 6" descr="텍스트, 클립아트이(가) 표시된 사진&#10;&#10;자동 생성된 설명">
+            <a:extLst>
+              <a:ext uri="{FF2B5EF4-FFF2-40B4-BE49-F238E27FC236}">
+                <a16:creationId xmlns:a16="http://schemas.microsoft.com/office/drawing/2014/main" id="{87E96F62-C2B4-452E-BE95-635AA14BE05F}"/>
+              </a:ext>
+            </a:extLst>
+          </p:cNvPr>
+          <p:cNvPicPr>
+            <a:picLocks noChangeAspect="1"/>
+          </p:cNvPicPr>
+          <p:nvPr/>
+        </p:nvPicPr>
+        <p:blipFill>
+          <a:blip r:embed="rId3">
+            <a:extLst>
+              <a:ext uri="{28A0092B-C50C-407E-A947-70E740481C1C}">
+                <a14:useLocalDpi xmlns:a14="http://schemas.microsoft.com/office/drawing/2010/main" val="0"/>
+              </a:ext>
+            </a:extLst>
+          </a:blip>
+          <a:stretch>
+            <a:fillRect/>
+          </a:stretch>
+        </p:blipFill>
+        <p:spPr>
+          <a:xfrm>
+            <a:off x="1072377" y="3301108"/>
+            <a:ext cx="958899" cy="971600"/>
+          </a:xfrm>
+          <a:prstGeom prst="rect">
+            <a:avLst/>
+          </a:prstGeom>
+        </p:spPr>
+      </p:pic>
+      <p:pic>
+        <p:nvPicPr>
+          <p:cNvPr id="9" name="그림 8" descr="광장이(가) 표시된 사진&#10;&#10;자동 생성된 설명">
+            <a:extLst>
+              <a:ext uri="{FF2B5EF4-FFF2-40B4-BE49-F238E27FC236}">
+                <a16:creationId xmlns:a16="http://schemas.microsoft.com/office/drawing/2014/main" id="{D7FDE835-67F0-4A17-BCC9-19B0F4760DD6}"/>
+              </a:ext>
+            </a:extLst>
+          </p:cNvPr>
+          <p:cNvPicPr>
+            <a:picLocks noChangeAspect="1"/>
+          </p:cNvPicPr>
+          <p:nvPr/>
+        </p:nvPicPr>
+        <p:blipFill>
+          <a:blip r:embed="rId4">
+            <a:extLst>
+              <a:ext uri="{28A0092B-C50C-407E-A947-70E740481C1C}">
+                <a14:useLocalDpi xmlns:a14="http://schemas.microsoft.com/office/drawing/2010/main" val="0"/>
+              </a:ext>
+            </a:extLst>
+          </a:blip>
+          <a:stretch>
+            <a:fillRect/>
+          </a:stretch>
+        </p:blipFill>
+        <p:spPr>
+          <a:xfrm>
+            <a:off x="3470863" y="1705801"/>
+            <a:ext cx="1606633" cy="2566907"/>
+          </a:xfrm>
+          <a:prstGeom prst="rect">
+            <a:avLst/>
+          </a:prstGeom>
+        </p:spPr>
+      </p:pic>
+      <p:pic>
+        <p:nvPicPr>
+          <p:cNvPr id="11" name="그림 10" descr="텍스트, 클립아트이(가) 표시된 사진&#10;&#10;자동 생성된 설명">
+            <a:extLst>
+              <a:ext uri="{FF2B5EF4-FFF2-40B4-BE49-F238E27FC236}">
+                <a16:creationId xmlns:a16="http://schemas.microsoft.com/office/drawing/2014/main" id="{ED01561A-C161-4954-99C8-ED2B2ECC1133}"/>
+              </a:ext>
+            </a:extLst>
+          </p:cNvPr>
+          <p:cNvPicPr>
+            <a:picLocks noChangeAspect="1"/>
+          </p:cNvPicPr>
+          <p:nvPr/>
+        </p:nvPicPr>
+        <p:blipFill>
+          <a:blip r:embed="rId5">
+            <a:extLst>
+              <a:ext uri="{28A0092B-C50C-407E-A947-70E740481C1C}">
+                <a14:useLocalDpi xmlns:a14="http://schemas.microsoft.com/office/drawing/2010/main" val="0"/>
+              </a:ext>
+            </a:extLst>
+          </a:blip>
+          <a:stretch>
+            <a:fillRect/>
+          </a:stretch>
+        </p:blipFill>
+        <p:spPr>
+          <a:xfrm>
+            <a:off x="6203606" y="2237989"/>
+            <a:ext cx="2646060" cy="942321"/>
+          </a:xfrm>
+          <a:prstGeom prst="rect">
+            <a:avLst/>
+          </a:prstGeom>
+        </p:spPr>
+      </p:pic>
+      <p:pic>
+        <p:nvPicPr>
+          <p:cNvPr id="13" name="그림 12">
+            <a:extLst>
+              <a:ext uri="{FF2B5EF4-FFF2-40B4-BE49-F238E27FC236}">
+                <a16:creationId xmlns:a16="http://schemas.microsoft.com/office/drawing/2014/main" id="{797C94AC-769B-4E8B-B23D-86B2A2861C0F}"/>
+              </a:ext>
+            </a:extLst>
+          </p:cNvPr>
+          <p:cNvPicPr>
+            <a:picLocks noChangeAspect="1"/>
+          </p:cNvPicPr>
+          <p:nvPr/>
+        </p:nvPicPr>
+        <p:blipFill>
+          <a:blip r:embed="rId6">
+            <a:extLst>
+              <a:ext uri="{28A0092B-C50C-407E-A947-70E740481C1C}">
+                <a14:useLocalDpi xmlns:a14="http://schemas.microsoft.com/office/drawing/2010/main" val="0"/>
+              </a:ext>
+            </a:extLst>
+          </a:blip>
+          <a:stretch>
+            <a:fillRect/>
+          </a:stretch>
+        </p:blipFill>
+        <p:spPr>
+          <a:xfrm>
+            <a:off x="9542373" y="2059477"/>
+            <a:ext cx="2526052" cy="1299343"/>
+          </a:xfrm>
+          <a:prstGeom prst="rect">
+            <a:avLst/>
+          </a:prstGeom>
+        </p:spPr>
+      </p:pic>
+      <p:pic>
+        <p:nvPicPr>
+          <p:cNvPr id="15" name="그림 14">
+            <a:extLst>
+              <a:ext uri="{FF2B5EF4-FFF2-40B4-BE49-F238E27FC236}">
+                <a16:creationId xmlns:a16="http://schemas.microsoft.com/office/drawing/2014/main" id="{099EB278-F99F-4683-9EC4-B90189FE72E3}"/>
+              </a:ext>
+            </a:extLst>
+          </p:cNvPr>
+          <p:cNvPicPr>
+            <a:picLocks noChangeAspect="1"/>
+          </p:cNvPicPr>
+          <p:nvPr/>
+        </p:nvPicPr>
+        <p:blipFill>
+          <a:blip r:embed="rId7">
+            <a:extLst>
+              <a:ext uri="{28A0092B-C50C-407E-A947-70E740481C1C}">
+                <a14:useLocalDpi xmlns:a14="http://schemas.microsoft.com/office/drawing/2010/main" val="0"/>
+              </a:ext>
+            </a:extLst>
+          </a:blip>
+          <a:stretch>
+            <a:fillRect/>
+          </a:stretch>
+        </p:blipFill>
+        <p:spPr>
+          <a:xfrm>
+            <a:off x="3537541" y="5059938"/>
+            <a:ext cx="1473276" cy="1384371"/>
+          </a:xfrm>
+          <a:prstGeom prst="rect">
+            <a:avLst/>
+          </a:prstGeom>
+        </p:spPr>
+      </p:pic>
+      <p:sp>
+        <p:nvSpPr>
+          <p:cNvPr id="19" name="TextBox 18">
+            <a:extLst>
+              <a:ext uri="{FF2B5EF4-FFF2-40B4-BE49-F238E27FC236}">
+                <a16:creationId xmlns:a16="http://schemas.microsoft.com/office/drawing/2014/main" id="{4CF18720-B672-4FC5-8ED9-79B9884D5EF5}"/>
+              </a:ext>
+            </a:extLst>
+          </p:cNvPr>
+          <p:cNvSpPr txBox="1"/>
+          <p:nvPr/>
+        </p:nvSpPr>
+        <p:spPr>
+          <a:xfrm>
+            <a:off x="2010202" y="1944731"/>
+            <a:ext cx="1410494" cy="276999"/>
+          </a:xfrm>
+          <a:prstGeom prst="rect">
+            <a:avLst/>
+          </a:prstGeom>
+          <a:noFill/>
+        </p:spPr>
+        <p:txBody>
+          <a:bodyPr wrap="square" rtlCol="0">
+            <a:spAutoFit/>
+          </a:bodyPr>
+          <a:lstStyle/>
+          <a:p>
+            <a:r>
+              <a:rPr lang="ko-KR" altLang="en-US" sz="1200" dirty="0"/>
+              <a:t>사용자 음성 입력</a:t>
+            </a:r>
+          </a:p>
+        </p:txBody>
+      </p:sp>
+      <p:cxnSp>
+        <p:nvCxnSpPr>
+          <p:cNvPr id="21" name="직선 화살표 연결선 20">
+            <a:extLst>
+              <a:ext uri="{FF2B5EF4-FFF2-40B4-BE49-F238E27FC236}">
+                <a16:creationId xmlns:a16="http://schemas.microsoft.com/office/drawing/2014/main" id="{C284FCA5-78D2-4CEB-B60F-16CBE6F28F8B}"/>
+              </a:ext>
+            </a:extLst>
+          </p:cNvPr>
+          <p:cNvCxnSpPr/>
+          <p:nvPr/>
+        </p:nvCxnSpPr>
+        <p:spPr>
+          <a:xfrm>
+            <a:off x="2105202" y="2226618"/>
+            <a:ext cx="1249577" cy="0"/>
+          </a:xfrm>
+          <a:prstGeom prst="straightConnector1">
+            <a:avLst/>
+          </a:prstGeom>
+          <a:ln>
+            <a:tailEnd type="triangle"/>
+          </a:ln>
+        </p:spPr>
+        <p:style>
+          <a:lnRef idx="3">
+            <a:schemeClr val="dk1"/>
+          </a:lnRef>
+          <a:fillRef idx="0">
+            <a:schemeClr val="dk1"/>
+          </a:fillRef>
+          <a:effectRef idx="2">
+            <a:schemeClr val="dk1"/>
+          </a:effectRef>
+          <a:fontRef idx="minor">
+            <a:schemeClr val="tx1"/>
+          </a:fontRef>
+        </p:style>
+      </p:cxnSp>
+      <p:cxnSp>
+        <p:nvCxnSpPr>
+          <p:cNvPr id="22" name="직선 화살표 연결선 21">
+            <a:extLst>
+              <a:ext uri="{FF2B5EF4-FFF2-40B4-BE49-F238E27FC236}">
+                <a16:creationId xmlns:a16="http://schemas.microsoft.com/office/drawing/2014/main" id="{E50E63C4-3BAC-4D40-B7DC-FFCB866521D6}"/>
+              </a:ext>
+            </a:extLst>
+          </p:cNvPr>
+          <p:cNvCxnSpPr>
+            <a:cxnSpLocks/>
+          </p:cNvCxnSpPr>
+          <p:nvPr/>
+        </p:nvCxnSpPr>
+        <p:spPr>
+          <a:xfrm flipV="1">
+            <a:off x="2108570" y="3844228"/>
+            <a:ext cx="1245103" cy="426"/>
+          </a:xfrm>
+          <a:prstGeom prst="straightConnector1">
+            <a:avLst/>
+          </a:prstGeom>
+          <a:ln>
+            <a:tailEnd type="triangle"/>
+          </a:ln>
+        </p:spPr>
+        <p:style>
+          <a:lnRef idx="3">
+            <a:schemeClr val="dk1"/>
+          </a:lnRef>
+          <a:fillRef idx="0">
+            <a:schemeClr val="dk1"/>
+          </a:fillRef>
+          <a:effectRef idx="2">
+            <a:schemeClr val="dk1"/>
+          </a:effectRef>
+          <a:fontRef idx="minor">
+            <a:schemeClr val="tx1"/>
+          </a:fontRef>
+        </p:style>
+      </p:cxnSp>
+      <p:sp>
+        <p:nvSpPr>
+          <p:cNvPr id="23" name="TextBox 22">
+            <a:extLst>
+              <a:ext uri="{FF2B5EF4-FFF2-40B4-BE49-F238E27FC236}">
+                <a16:creationId xmlns:a16="http://schemas.microsoft.com/office/drawing/2014/main" id="{369A472A-B554-49A0-A47B-1FC6B82C5CF6}"/>
+              </a:ext>
+            </a:extLst>
+          </p:cNvPr>
+          <p:cNvSpPr txBox="1"/>
+          <p:nvPr/>
+        </p:nvSpPr>
+        <p:spPr>
+          <a:xfrm>
+            <a:off x="2008226" y="3557804"/>
+            <a:ext cx="1410494" cy="276999"/>
+          </a:xfrm>
+          <a:prstGeom prst="rect">
+            <a:avLst/>
+          </a:prstGeom>
+          <a:noFill/>
+        </p:spPr>
+        <p:txBody>
+          <a:bodyPr wrap="square" rtlCol="0">
+            <a:spAutoFit/>
+          </a:bodyPr>
+          <a:lstStyle/>
+          <a:p>
+            <a:r>
+              <a:rPr lang="ko-KR" altLang="en-US" sz="1200" dirty="0"/>
+              <a:t>사용자 모션 입력</a:t>
+            </a:r>
+          </a:p>
+        </p:txBody>
+      </p:sp>
+      <p:cxnSp>
+        <p:nvCxnSpPr>
+          <p:cNvPr id="25" name="직선 화살표 연결선 24">
+            <a:extLst>
+              <a:ext uri="{FF2B5EF4-FFF2-40B4-BE49-F238E27FC236}">
+                <a16:creationId xmlns:a16="http://schemas.microsoft.com/office/drawing/2014/main" id="{CC465AB7-C288-4618-8C7B-54347C754B88}"/>
+              </a:ext>
+            </a:extLst>
+          </p:cNvPr>
+          <p:cNvCxnSpPr/>
+          <p:nvPr/>
+        </p:nvCxnSpPr>
+        <p:spPr>
+          <a:xfrm>
+            <a:off x="5124203" y="2321626"/>
+            <a:ext cx="1079403" cy="0"/>
+          </a:xfrm>
+          <a:prstGeom prst="straightConnector1">
+            <a:avLst/>
+          </a:prstGeom>
+          <a:ln>
+            <a:tailEnd type="triangle"/>
+          </a:ln>
+        </p:spPr>
+        <p:style>
+          <a:lnRef idx="3">
+            <a:schemeClr val="dk1"/>
+          </a:lnRef>
+          <a:fillRef idx="0">
+            <a:schemeClr val="dk1"/>
+          </a:fillRef>
+          <a:effectRef idx="2">
+            <a:schemeClr val="dk1"/>
+          </a:effectRef>
+          <a:fontRef idx="minor">
+            <a:schemeClr val="tx1"/>
+          </a:fontRef>
+        </p:style>
+      </p:cxnSp>
+      <p:cxnSp>
+        <p:nvCxnSpPr>
+          <p:cNvPr id="26" name="직선 화살표 연결선 25">
+            <a:extLst>
+              <a:ext uri="{FF2B5EF4-FFF2-40B4-BE49-F238E27FC236}">
+                <a16:creationId xmlns:a16="http://schemas.microsoft.com/office/drawing/2014/main" id="{BB2F7780-59AC-4F9D-A28D-42F952D1C675}"/>
+              </a:ext>
+            </a:extLst>
+          </p:cNvPr>
+          <p:cNvCxnSpPr>
+            <a:cxnSpLocks/>
+          </p:cNvCxnSpPr>
+          <p:nvPr/>
+        </p:nvCxnSpPr>
+        <p:spPr>
+          <a:xfrm flipH="1">
+            <a:off x="5106388" y="3159135"/>
+            <a:ext cx="1079404" cy="0"/>
+          </a:xfrm>
+          <a:prstGeom prst="straightConnector1">
+            <a:avLst/>
+          </a:prstGeom>
+          <a:ln>
+            <a:tailEnd type="triangle"/>
+          </a:ln>
+        </p:spPr>
+        <p:style>
+          <a:lnRef idx="3">
+            <a:schemeClr val="dk1"/>
+          </a:lnRef>
+          <a:fillRef idx="0">
+            <a:schemeClr val="dk1"/>
+          </a:fillRef>
+          <a:effectRef idx="2">
+            <a:schemeClr val="dk1"/>
+          </a:effectRef>
+          <a:fontRef idx="minor">
+            <a:schemeClr val="tx1"/>
+          </a:fontRef>
+        </p:style>
+      </p:cxnSp>
+      <p:sp>
+        <p:nvSpPr>
+          <p:cNvPr id="28" name="TextBox 27">
+            <a:extLst>
+              <a:ext uri="{FF2B5EF4-FFF2-40B4-BE49-F238E27FC236}">
+                <a16:creationId xmlns:a16="http://schemas.microsoft.com/office/drawing/2014/main" id="{6FB53902-D6AE-4ACE-A1D8-6E00431F8B83}"/>
+              </a:ext>
+            </a:extLst>
+          </p:cNvPr>
+          <p:cNvSpPr txBox="1"/>
+          <p:nvPr/>
+        </p:nvSpPr>
+        <p:spPr>
+          <a:xfrm>
+            <a:off x="5182167" y="2056802"/>
+            <a:ext cx="895294" cy="276999"/>
+          </a:xfrm>
+          <a:prstGeom prst="rect">
+            <a:avLst/>
+          </a:prstGeom>
+          <a:noFill/>
+        </p:spPr>
+        <p:txBody>
+          <a:bodyPr wrap="square" rtlCol="0">
+            <a:spAutoFit/>
+          </a:bodyPr>
+          <a:lstStyle/>
+          <a:p>
+            <a:r>
+              <a:rPr lang="ko-KR" altLang="en-US" sz="1200" dirty="0"/>
+              <a:t>영상 전송</a:t>
+            </a:r>
+          </a:p>
+        </p:txBody>
+      </p:sp>
+      <p:sp>
+        <p:nvSpPr>
+          <p:cNvPr id="29" name="TextBox 28">
+            <a:extLst>
+              <a:ext uri="{FF2B5EF4-FFF2-40B4-BE49-F238E27FC236}">
+                <a16:creationId xmlns:a16="http://schemas.microsoft.com/office/drawing/2014/main" id="{FAE82C33-5CE2-4FC6-997C-76C748DB7B10}"/>
+              </a:ext>
+            </a:extLst>
+          </p:cNvPr>
+          <p:cNvSpPr txBox="1"/>
+          <p:nvPr/>
+        </p:nvSpPr>
+        <p:spPr>
+          <a:xfrm>
+            <a:off x="5040507" y="2867392"/>
+            <a:ext cx="1235530" cy="276999"/>
+          </a:xfrm>
+          <a:prstGeom prst="rect">
+            <a:avLst/>
+          </a:prstGeom>
+          <a:noFill/>
+        </p:spPr>
+        <p:txBody>
+          <a:bodyPr wrap="square" rtlCol="0">
+            <a:spAutoFit/>
+          </a:bodyPr>
+          <a:lstStyle/>
+          <a:p>
+            <a:r>
+              <a:rPr lang="ko-KR" altLang="en-US" sz="1200" dirty="0"/>
+              <a:t>인식 결과 전송</a:t>
+            </a:r>
+          </a:p>
+        </p:txBody>
+      </p:sp>
+      <p:cxnSp>
+        <p:nvCxnSpPr>
+          <p:cNvPr id="39" name="직선 화살표 연결선 38">
+            <a:extLst>
+              <a:ext uri="{FF2B5EF4-FFF2-40B4-BE49-F238E27FC236}">
+                <a16:creationId xmlns:a16="http://schemas.microsoft.com/office/drawing/2014/main" id="{A8C81B75-A637-47C3-98F1-4593E254D484}"/>
+              </a:ext>
+            </a:extLst>
+          </p:cNvPr>
+          <p:cNvCxnSpPr>
+            <a:stCxn id="11" idx="3"/>
+          </p:cNvCxnSpPr>
+          <p:nvPr/>
+        </p:nvCxnSpPr>
+        <p:spPr>
+          <a:xfrm flipV="1">
+            <a:off x="8849666" y="2709148"/>
+            <a:ext cx="846537" cy="2"/>
+          </a:xfrm>
+          <a:prstGeom prst="straightConnector1">
+            <a:avLst/>
+          </a:prstGeom>
+          <a:ln>
+            <a:tailEnd type="triangle"/>
+          </a:ln>
+        </p:spPr>
+        <p:style>
+          <a:lnRef idx="3">
+            <a:schemeClr val="dk1"/>
+          </a:lnRef>
+          <a:fillRef idx="0">
+            <a:schemeClr val="dk1"/>
+          </a:fillRef>
+          <a:effectRef idx="2">
+            <a:schemeClr val="dk1"/>
+          </a:effectRef>
+          <a:fontRef idx="minor">
+            <a:schemeClr val="tx1"/>
+          </a:fontRef>
+        </p:style>
+      </p:cxnSp>
+      <p:cxnSp>
+        <p:nvCxnSpPr>
+          <p:cNvPr id="41" name="직선 화살표 연결선 40">
+            <a:extLst>
+              <a:ext uri="{FF2B5EF4-FFF2-40B4-BE49-F238E27FC236}">
+                <a16:creationId xmlns:a16="http://schemas.microsoft.com/office/drawing/2014/main" id="{2199FFF8-9AA2-41FA-AF46-2FE5AFB61BD8}"/>
+              </a:ext>
+            </a:extLst>
+          </p:cNvPr>
+          <p:cNvCxnSpPr>
+            <a:endCxn id="11" idx="3"/>
+          </p:cNvCxnSpPr>
+          <p:nvPr/>
+        </p:nvCxnSpPr>
+        <p:spPr>
+          <a:xfrm flipH="1">
+            <a:off x="8849666" y="2709148"/>
+            <a:ext cx="846537" cy="2"/>
+          </a:xfrm>
+          <a:prstGeom prst="straightConnector1">
+            <a:avLst/>
+          </a:prstGeom>
+          <a:ln>
+            <a:tailEnd type="triangle"/>
+          </a:ln>
+        </p:spPr>
+        <p:style>
+          <a:lnRef idx="3">
+            <a:schemeClr val="dk1"/>
+          </a:lnRef>
+          <a:fillRef idx="0">
+            <a:schemeClr val="dk1"/>
+          </a:fillRef>
+          <a:effectRef idx="2">
+            <a:schemeClr val="dk1"/>
+          </a:effectRef>
+          <a:fontRef idx="minor">
+            <a:schemeClr val="tx1"/>
+          </a:fontRef>
+        </p:style>
+      </p:cxnSp>
+      <p:sp>
+        <p:nvSpPr>
+          <p:cNvPr id="42" name="TextBox 41">
+            <a:extLst>
+              <a:ext uri="{FF2B5EF4-FFF2-40B4-BE49-F238E27FC236}">
+                <a16:creationId xmlns:a16="http://schemas.microsoft.com/office/drawing/2014/main" id="{B5AFA53F-3D74-4942-9BB9-C7A516C2F661}"/>
+              </a:ext>
+            </a:extLst>
+          </p:cNvPr>
+          <p:cNvSpPr txBox="1"/>
+          <p:nvPr/>
+        </p:nvSpPr>
+        <p:spPr>
+          <a:xfrm>
+            <a:off x="8772752" y="2435542"/>
+            <a:ext cx="1000919" cy="276999"/>
+          </a:xfrm>
+          <a:prstGeom prst="rect">
+            <a:avLst/>
+          </a:prstGeom>
+          <a:noFill/>
+        </p:spPr>
+        <p:txBody>
+          <a:bodyPr wrap="square" rtlCol="0">
+            <a:spAutoFit/>
+          </a:bodyPr>
+          <a:lstStyle/>
+          <a:p>
+            <a:r>
+              <a:rPr lang="ko-KR" altLang="en-US" sz="1200"/>
+              <a:t>데이터 전송</a:t>
+            </a:r>
+            <a:endParaRPr lang="ko-KR" altLang="en-US" sz="1200" dirty="0"/>
+          </a:p>
+        </p:txBody>
+      </p:sp>
+      <p:cxnSp>
+        <p:nvCxnSpPr>
+          <p:cNvPr id="44" name="직선 화살표 연결선 43">
+            <a:extLst>
+              <a:ext uri="{FF2B5EF4-FFF2-40B4-BE49-F238E27FC236}">
+                <a16:creationId xmlns:a16="http://schemas.microsoft.com/office/drawing/2014/main" id="{B23F8F39-E516-4A2A-B8E0-6C7D4543786B}"/>
+              </a:ext>
+            </a:extLst>
+          </p:cNvPr>
+          <p:cNvCxnSpPr/>
+          <p:nvPr/>
+        </p:nvCxnSpPr>
+        <p:spPr>
+          <a:xfrm>
+            <a:off x="4566062" y="4334494"/>
+            <a:ext cx="0" cy="611579"/>
+          </a:xfrm>
+          <a:prstGeom prst="straightConnector1">
+            <a:avLst/>
+          </a:prstGeom>
+          <a:ln>
+            <a:tailEnd type="triangle"/>
+          </a:ln>
+        </p:spPr>
+        <p:style>
+          <a:lnRef idx="3">
+            <a:schemeClr val="dk1"/>
+          </a:lnRef>
+          <a:fillRef idx="0">
+            <a:schemeClr val="dk1"/>
+          </a:fillRef>
+          <a:effectRef idx="2">
+            <a:schemeClr val="dk1"/>
+          </a:effectRef>
+          <a:fontRef idx="minor">
+            <a:schemeClr val="tx1"/>
+          </a:fontRef>
+        </p:style>
+      </p:cxnSp>
+      <p:cxnSp>
+        <p:nvCxnSpPr>
+          <p:cNvPr id="45" name="직선 화살표 연결선 44">
+            <a:extLst>
+              <a:ext uri="{FF2B5EF4-FFF2-40B4-BE49-F238E27FC236}">
+                <a16:creationId xmlns:a16="http://schemas.microsoft.com/office/drawing/2014/main" id="{7828D390-1AEC-4A4E-990B-747157548B83}"/>
+              </a:ext>
+            </a:extLst>
+          </p:cNvPr>
+          <p:cNvCxnSpPr>
+            <a:cxnSpLocks/>
+          </p:cNvCxnSpPr>
+          <p:nvPr/>
+        </p:nvCxnSpPr>
+        <p:spPr>
+          <a:xfrm flipV="1">
+            <a:off x="3978233" y="4334494"/>
+            <a:ext cx="0" cy="611578"/>
+          </a:xfrm>
+          <a:prstGeom prst="straightConnector1">
+            <a:avLst/>
+          </a:prstGeom>
+          <a:ln>
+            <a:tailEnd type="triangle"/>
+          </a:ln>
+        </p:spPr>
+        <p:style>
+          <a:lnRef idx="3">
+            <a:schemeClr val="dk1"/>
+          </a:lnRef>
+          <a:fillRef idx="0">
+            <a:schemeClr val="dk1"/>
+          </a:fillRef>
+          <a:effectRef idx="2">
+            <a:schemeClr val="dk1"/>
+          </a:effectRef>
+          <a:fontRef idx="minor">
+            <a:schemeClr val="tx1"/>
+          </a:fontRef>
+        </p:style>
+      </p:cxnSp>
+      <p:sp>
+        <p:nvSpPr>
+          <p:cNvPr id="48" name="TextBox 47">
+            <a:extLst>
+              <a:ext uri="{FF2B5EF4-FFF2-40B4-BE49-F238E27FC236}">
+                <a16:creationId xmlns:a16="http://schemas.microsoft.com/office/drawing/2014/main" id="{D514E8CA-AD3A-4400-97DE-5B72CC1BDF3F}"/>
+              </a:ext>
+            </a:extLst>
+          </p:cNvPr>
+          <p:cNvSpPr txBox="1"/>
+          <p:nvPr/>
+        </p:nvSpPr>
+        <p:spPr>
+          <a:xfrm>
+            <a:off x="4565818" y="4501783"/>
+            <a:ext cx="1181839" cy="276999"/>
+          </a:xfrm>
+          <a:prstGeom prst="rect">
+            <a:avLst/>
+          </a:prstGeom>
+          <a:noFill/>
+        </p:spPr>
+        <p:txBody>
+          <a:bodyPr wrap="square" rtlCol="0">
+            <a:spAutoFit/>
+          </a:bodyPr>
+          <a:lstStyle/>
+          <a:p>
+            <a:r>
+              <a:rPr lang="ko-KR" altLang="en-US" sz="1200" dirty="0"/>
+              <a:t>디바이스 제어</a:t>
+            </a:r>
+          </a:p>
+        </p:txBody>
+      </p:sp>
+      <p:sp>
+        <p:nvSpPr>
+          <p:cNvPr id="49" name="TextBox 48">
+            <a:extLst>
+              <a:ext uri="{FF2B5EF4-FFF2-40B4-BE49-F238E27FC236}">
+                <a16:creationId xmlns:a16="http://schemas.microsoft.com/office/drawing/2014/main" id="{C309C93F-7123-4D33-BD4B-CA273CB1CD6E}"/>
+              </a:ext>
+            </a:extLst>
+          </p:cNvPr>
+          <p:cNvSpPr txBox="1"/>
+          <p:nvPr/>
+        </p:nvSpPr>
+        <p:spPr>
+          <a:xfrm>
+            <a:off x="2735045" y="4504071"/>
+            <a:ext cx="1237256" cy="276999"/>
+          </a:xfrm>
+          <a:prstGeom prst="rect">
+            <a:avLst/>
+          </a:prstGeom>
+          <a:noFill/>
+        </p:spPr>
+        <p:txBody>
+          <a:bodyPr wrap="square" rtlCol="0">
+            <a:spAutoFit/>
+          </a:bodyPr>
+          <a:lstStyle/>
+          <a:p>
+            <a:r>
+              <a:rPr lang="ko-KR" altLang="en-US" sz="1200"/>
+              <a:t>제어 결과 전송</a:t>
+            </a:r>
+            <a:endParaRPr lang="ko-KR" altLang="en-US" sz="1200" dirty="0"/>
+          </a:p>
+        </p:txBody>
+      </p:sp>
+    </p:spTree>
+    <p:extLst>
+      <p:ext uri="{BB962C8B-B14F-4D97-AF65-F5344CB8AC3E}">
+        <p14:creationId xmlns:p14="http://schemas.microsoft.com/office/powerpoint/2010/main" val="4209001809"/>
+      </p:ext>
+    </p:extLst>
+  </p:cSld>
+  <p:clrMapOvr>
+    <a:masterClrMapping/>
+  </p:clrMapOvr>
+</p:sld>
+</file>
+
+<file path=ppt/slides/slide8.xml><?xml version="1.0" encoding="utf-8"?>
+<p:sld xmlns:a="http://schemas.openxmlformats.org/drawingml/2006/main" xmlns:r="http://schemas.openxmlformats.org/officeDocument/2006/relationships" xmlns:p="http://schemas.openxmlformats.org/presentationml/2006/main">
+  <p:cSld>
     <p:bg>
       <p:bgPr>
         <a:solidFill>
@@ -19199,17 +21962,9 @@
 </p:sld>
 </file>
 
-<file path=ppt/slides/slide8.xml><?xml version="1.0" encoding="utf-8"?>
+<file path=ppt/slides/slide9.xml><?xml version="1.0" encoding="utf-8"?>
 <p:sld xmlns:a="http://schemas.openxmlformats.org/drawingml/2006/main" xmlns:r="http://schemas.openxmlformats.org/officeDocument/2006/relationships" xmlns:p="http://schemas.openxmlformats.org/presentationml/2006/main">
   <p:cSld>
-    <p:bg>
-      <p:bgPr>
-        <a:solidFill>
-          <a:schemeClr val="bg1"/>
-        </a:solidFill>
-        <a:effectLst/>
-      </p:bgPr>
-    </p:bg>
     <p:spTree>
       <p:nvGrpSpPr>
         <p:cNvPr id="1" name=""/>
@@ -19224,334 +21979,12 @@
           <a:chExt cx="0" cy="0"/>
         </a:xfrm>
       </p:grpSpPr>
-      <p:sp useBgFill="1">
-        <p:nvSpPr>
-          <p:cNvPr id="8" name="Rectangle 7">
-            <a:extLst>
-              <a:ext uri="{FF2B5EF4-FFF2-40B4-BE49-F238E27FC236}">
-                <a16:creationId xmlns:a16="http://schemas.microsoft.com/office/drawing/2014/main" id="{C7FA33FF-088D-4F16-95A2-2C64D353DEA8}"/>
-              </a:ext>
-              <a:ext uri="{C183D7F6-B498-43B3-948B-1728B52AA6E4}">
-                <adec:decorative xmlns:adec="http://schemas.microsoft.com/office/drawing/2017/decorative" val="1"/>
-              </a:ext>
-            </a:extLst>
-          </p:cNvPr>
-          <p:cNvSpPr>
-            <a:spLocks noGrp="1" noRot="1" noChangeAspect="1" noMove="1" noResize="1" noEditPoints="1" noAdjustHandles="1" noChangeArrowheads="1" noChangeShapeType="1" noTextEdit="1"/>
-          </p:cNvSpPr>
-          <p:nvPr>
-            <p:extLst>
-              <p:ext uri="{386F3935-93C4-4BCD-93E2-E3B085C9AB24}">
-                <p16:designElem xmlns:p16="http://schemas.microsoft.com/office/powerpoint/2015/main" val="1"/>
-              </p:ext>
-            </p:extLst>
-          </p:nvPr>
-        </p:nvSpPr>
-        <p:spPr>
-          <a:xfrm>
-            <a:off x="1524" y="0"/>
-            <a:ext cx="12188952" cy="6858000"/>
-          </a:xfrm>
-          <a:prstGeom prst="rect">
-            <a:avLst/>
-          </a:prstGeom>
-          <a:ln>
-            <a:noFill/>
-          </a:ln>
-        </p:spPr>
-        <p:style>
-          <a:lnRef idx="2">
-            <a:schemeClr val="accent1">
-              <a:shade val="50000"/>
-            </a:schemeClr>
-          </a:lnRef>
-          <a:fillRef idx="1">
-            <a:schemeClr val="accent1"/>
-          </a:fillRef>
-          <a:effectRef idx="0">
-            <a:schemeClr val="accent1"/>
-          </a:effectRef>
-          <a:fontRef idx="minor">
-            <a:schemeClr val="lt1"/>
-          </a:fontRef>
-        </p:style>
-        <p:txBody>
-          <a:bodyPr rtlCol="0" anchor="ctr"/>
-          <a:lstStyle/>
-          <a:p>
-            <a:pPr marL="0" marR="0" lvl="0" indent="0" algn="ctr" defTabSz="914400" rtl="0" eaLnBrk="1" fontAlgn="auto" latinLnBrk="0" hangingPunct="1">
-              <a:lnSpc>
-                <a:spcPct val="100000"/>
-              </a:lnSpc>
-              <a:spcBef>
-                <a:spcPts val="0"/>
-              </a:spcBef>
-              <a:spcAft>
-                <a:spcPts val="0"/>
-              </a:spcAft>
-              <a:buClrTx/>
-              <a:buSzTx/>
-              <a:buFontTx/>
-              <a:buNone/>
-              <a:tabLst/>
-              <a:defRPr/>
-            </a:pPr>
-            <a:endParaRPr kumimoji="0" lang="en-US" sz="1800" b="0" i="0" u="none" strike="noStrike" kern="1200" cap="none" spc="0" normalizeH="0" baseline="0" noProof="0">
-              <a:ln>
-                <a:noFill/>
-              </a:ln>
-              <a:solidFill>
-                <a:prstClr val="white"/>
-              </a:solidFill>
-              <a:effectLst/>
-              <a:uLnTx/>
-              <a:uFillTx/>
-              <a:latin typeface="Calibri" panose="020F0502020204030204"/>
-              <a:ea typeface="+mn-ea"/>
-              <a:cs typeface="+mn-cs"/>
-            </a:endParaRPr>
-          </a:p>
-        </p:txBody>
-      </p:sp>
-      <p:sp>
-        <p:nvSpPr>
-          <p:cNvPr id="10" name="Rectangle 9">
-            <a:extLst>
-              <a:ext uri="{FF2B5EF4-FFF2-40B4-BE49-F238E27FC236}">
-                <a16:creationId xmlns:a16="http://schemas.microsoft.com/office/drawing/2014/main" id="{A376EFB1-01CF-419F-ABF1-2AF02BBFCBD1}"/>
-              </a:ext>
-              <a:ext uri="{C183D7F6-B498-43B3-948B-1728B52AA6E4}">
-                <adec:decorative xmlns:adec="http://schemas.microsoft.com/office/drawing/2017/decorative" val="1"/>
-              </a:ext>
-            </a:extLst>
-          </p:cNvPr>
-          <p:cNvSpPr>
-            <a:spLocks noGrp="1" noRot="1" noChangeAspect="1" noMove="1" noResize="1" noEditPoints="1" noAdjustHandles="1" noChangeArrowheads="1" noChangeShapeType="1" noTextEdit="1"/>
-          </p:cNvSpPr>
-          <p:nvPr>
-            <p:extLst>
-              <p:ext uri="{386F3935-93C4-4BCD-93E2-E3B085C9AB24}">
-                <p16:designElem xmlns:p16="http://schemas.microsoft.com/office/powerpoint/2015/main" val="1"/>
-              </p:ext>
-            </p:extLst>
-          </p:nvPr>
-        </p:nvSpPr>
-        <p:spPr>
-          <a:xfrm>
-            <a:off x="0" y="0"/>
-            <a:ext cx="4709160" cy="6858000"/>
-          </a:xfrm>
-          <a:prstGeom prst="rect">
-            <a:avLst/>
-          </a:prstGeom>
-          <a:solidFill>
-            <a:schemeClr val="tx1">
-              <a:alpha val="81000"/>
-            </a:schemeClr>
-          </a:solidFill>
-          <a:ln>
-            <a:noFill/>
-          </a:ln>
-        </p:spPr>
-        <p:style>
-          <a:lnRef idx="2">
-            <a:schemeClr val="accent1">
-              <a:shade val="50000"/>
-            </a:schemeClr>
-          </a:lnRef>
-          <a:fillRef idx="1">
-            <a:schemeClr val="accent1"/>
-          </a:fillRef>
-          <a:effectRef idx="0">
-            <a:schemeClr val="accent1"/>
-          </a:effectRef>
-          <a:fontRef idx="minor">
-            <a:schemeClr val="lt1"/>
-          </a:fontRef>
-        </p:style>
-        <p:txBody>
-          <a:bodyPr rtlCol="0" anchor="ctr"/>
-          <a:lstStyle/>
-          <a:p>
-            <a:pPr marL="0" marR="0" lvl="0" indent="0" algn="ctr" defTabSz="914400" rtl="0" eaLnBrk="1" fontAlgn="auto" latinLnBrk="0" hangingPunct="1">
-              <a:lnSpc>
-                <a:spcPct val="100000"/>
-              </a:lnSpc>
-              <a:spcBef>
-                <a:spcPts val="0"/>
-              </a:spcBef>
-              <a:spcAft>
-                <a:spcPts val="0"/>
-              </a:spcAft>
-              <a:buClrTx/>
-              <a:buSzTx/>
-              <a:buFontTx/>
-              <a:buNone/>
-              <a:tabLst/>
-              <a:defRPr/>
-            </a:pPr>
-            <a:endParaRPr kumimoji="0" lang="en-US" sz="1800" b="0" i="0" u="none" strike="noStrike" kern="1200" cap="none" spc="0" normalizeH="0" baseline="0" noProof="0">
-              <a:ln>
-                <a:noFill/>
-              </a:ln>
-              <a:solidFill>
-                <a:prstClr val="white"/>
-              </a:solidFill>
-              <a:effectLst/>
-              <a:uLnTx/>
-              <a:uFillTx/>
-              <a:latin typeface="Calibri" panose="020F0502020204030204"/>
-              <a:ea typeface="+mn-ea"/>
-              <a:cs typeface="+mn-cs"/>
-            </a:endParaRPr>
-          </a:p>
-        </p:txBody>
-      </p:sp>
-      <p:sp>
-        <p:nvSpPr>
-          <p:cNvPr id="12" name="Freeform: Shape 11">
-            <a:extLst>
-              <a:ext uri="{FF2B5EF4-FFF2-40B4-BE49-F238E27FC236}">
-                <a16:creationId xmlns:a16="http://schemas.microsoft.com/office/drawing/2014/main" id="{FF9DEA15-78BD-4750-AA18-B9F28A6D5AB8}"/>
-              </a:ext>
-              <a:ext uri="{C183D7F6-B498-43B3-948B-1728B52AA6E4}">
-                <adec:decorative xmlns:adec="http://schemas.microsoft.com/office/drawing/2017/decorative" val="1"/>
-              </a:ext>
-            </a:extLst>
-          </p:cNvPr>
-          <p:cNvSpPr>
-            <a:spLocks noGrp="1" noRot="1" noChangeAspect="1" noMove="1" noResize="1" noEditPoints="1" noAdjustHandles="1" noChangeArrowheads="1" noChangeShapeType="1" noTextEdit="1"/>
-          </p:cNvSpPr>
-          <p:nvPr>
-            <p:extLst>
-              <p:ext uri="{386F3935-93C4-4BCD-93E2-E3B085C9AB24}">
-                <p16:designElem xmlns:p16="http://schemas.microsoft.com/office/powerpoint/2015/main" val="1"/>
-              </p:ext>
-            </p:extLst>
-          </p:nvPr>
-        </p:nvSpPr>
-        <p:spPr>
-          <a:xfrm>
-            <a:off x="0" y="0"/>
-            <a:ext cx="3284331" cy="6858000"/>
-          </a:xfrm>
-          <a:custGeom>
-            <a:avLst/>
-            <a:gdLst>
-              <a:gd name="connsiteX0" fmla="*/ 0 w 4319042"/>
-              <a:gd name="connsiteY0" fmla="*/ 0 h 6858000"/>
-              <a:gd name="connsiteX1" fmla="*/ 1142888 w 4319042"/>
-              <a:gd name="connsiteY1" fmla="*/ 0 h 6858000"/>
-              <a:gd name="connsiteX2" fmla="*/ 4319042 w 4319042"/>
-              <a:gd name="connsiteY2" fmla="*/ 6858000 h 6858000"/>
-              <a:gd name="connsiteX3" fmla="*/ 0 w 4319042"/>
-              <a:gd name="connsiteY3" fmla="*/ 6858000 h 6858000"/>
-            </a:gdLst>
-            <a:ahLst/>
-            <a:cxnLst>
-              <a:cxn ang="0">
-                <a:pos x="connsiteX0" y="connsiteY0"/>
-              </a:cxn>
-              <a:cxn ang="0">
-                <a:pos x="connsiteX1" y="connsiteY1"/>
-              </a:cxn>
-              <a:cxn ang="0">
-                <a:pos x="connsiteX2" y="connsiteY2"/>
-              </a:cxn>
-              <a:cxn ang="0">
-                <a:pos x="connsiteX3" y="connsiteY3"/>
-              </a:cxn>
-            </a:cxnLst>
-            <a:rect l="l" t="t" r="r" b="b"/>
-            <a:pathLst>
-              <a:path w="4319042" h="6858000">
-                <a:moveTo>
-                  <a:pt x="0" y="0"/>
-                </a:moveTo>
-                <a:lnTo>
-                  <a:pt x="1142888" y="0"/>
-                </a:lnTo>
-                <a:lnTo>
-                  <a:pt x="4319042" y="6858000"/>
-                </a:lnTo>
-                <a:lnTo>
-                  <a:pt x="0" y="6858000"/>
-                </a:lnTo>
-                <a:close/>
-              </a:path>
-            </a:pathLst>
-          </a:custGeom>
-          <a:solidFill>
-            <a:schemeClr val="tx1">
-              <a:alpha val="35000"/>
-            </a:schemeClr>
-          </a:solidFill>
-          <a:ln>
-            <a:noFill/>
-          </a:ln>
-        </p:spPr>
-        <p:style>
-          <a:lnRef idx="2">
-            <a:schemeClr val="accent1">
-              <a:shade val="50000"/>
-            </a:schemeClr>
-          </a:lnRef>
-          <a:fillRef idx="1">
-            <a:schemeClr val="accent1"/>
-          </a:fillRef>
-          <a:effectRef idx="0">
-            <a:schemeClr val="accent1"/>
-          </a:effectRef>
-          <a:fontRef idx="minor">
-            <a:schemeClr val="lt1"/>
-          </a:fontRef>
-        </p:style>
-        <p:txBody>
-          <a:bodyPr wrap="square" rtlCol="0" anchor="ctr">
-            <a:noAutofit/>
-          </a:bodyPr>
-          <a:lstStyle/>
-          <a:p>
-            <a:pPr marL="0" marR="0" lvl="0" indent="0" algn="ctr" defTabSz="914400" rtl="0" eaLnBrk="1" fontAlgn="auto" latinLnBrk="0" hangingPunct="1">
-              <a:lnSpc>
-                <a:spcPct val="100000"/>
-              </a:lnSpc>
-              <a:spcBef>
-                <a:spcPts val="0"/>
-              </a:spcBef>
-              <a:spcAft>
-                <a:spcPts val="0"/>
-              </a:spcAft>
-              <a:buClrTx/>
-              <a:buSzTx/>
-              <a:buFontTx/>
-              <a:buNone/>
-              <a:tabLst/>
-              <a:defRPr/>
-            </a:pPr>
-            <a:endParaRPr kumimoji="0" lang="en-US" sz="1800" b="0" i="0" u="none" strike="noStrike" kern="1200" cap="none" spc="0" normalizeH="0" baseline="0" noProof="0">
-              <a:ln>
-                <a:noFill/>
-              </a:ln>
-              <a:solidFill>
-                <a:prstClr val="white"/>
-              </a:solidFill>
-              <a:effectLst/>
-              <a:uLnTx/>
-              <a:uFillTx/>
-              <a:latin typeface="Calibri" panose="020F0502020204030204"/>
-              <a:ea typeface="+mn-ea"/>
-              <a:cs typeface="+mn-cs"/>
-            </a:endParaRPr>
-          </a:p>
-        </p:txBody>
-      </p:sp>
       <p:sp>
         <p:nvSpPr>
           <p:cNvPr id="2" name="제목 1">
             <a:extLst>
               <a:ext uri="{FF2B5EF4-FFF2-40B4-BE49-F238E27FC236}">
-                <a16:creationId xmlns:a16="http://schemas.microsoft.com/office/drawing/2014/main" id="{97D2B83D-B996-4F16-B2FB-403856C578C5}"/>
+                <a16:creationId xmlns:a16="http://schemas.microsoft.com/office/drawing/2014/main" id="{BE4282CF-EEE1-49C3-9E21-6C2AE6F7FBB2}"/>
               </a:ext>
             </a:extLst>
           </p:cNvPr>
@@ -19564,48 +21997,27 @@
         </p:nvSpPr>
         <p:spPr>
           <a:xfrm>
-            <a:off x="0" y="640080"/>
-            <a:ext cx="4709160" cy="5257800"/>
+            <a:off x="0" y="1"/>
+            <a:ext cx="4215740" cy="907862"/>
           </a:xfrm>
         </p:spPr>
         <p:txBody>
-          <a:bodyPr>
-            <a:normAutofit/>
-          </a:bodyPr>
+          <a:bodyPr/>
           <a:lstStyle/>
           <a:p>
             <a:r>
-              <a:rPr lang="ko-KR" altLang="en-US" sz="4600" dirty="0">
-                <a:solidFill>
-                  <a:schemeClr val="bg1"/>
-                </a:solidFill>
-              </a:rPr>
-              <a:t>제스처 명령어 및</a:t>
-            </a:r>
-            <a:br>
-              <a:rPr lang="en-US" altLang="ko-KR" sz="4600" dirty="0">
-                <a:solidFill>
-                  <a:schemeClr val="bg1"/>
-                </a:solidFill>
-              </a:rPr>
-            </a:br>
-            <a:r>
-              <a:rPr lang="ko-KR" altLang="en-US" sz="4600" dirty="0">
-                <a:solidFill>
-                  <a:schemeClr val="bg1"/>
-                </a:solidFill>
-              </a:rPr>
-              <a:t>사용 기기</a:t>
+              <a:rPr lang="ko-KR" altLang="en-US" dirty="0"/>
+              <a:t>시스템 구성도</a:t>
             </a:r>
           </a:p>
         </p:txBody>
       </p:sp>
       <p:sp>
         <p:nvSpPr>
-          <p:cNvPr id="3" name="직사각형 2">
+          <p:cNvPr id="4" name="직사각형 3">
             <a:extLst>
               <a:ext uri="{FF2B5EF4-FFF2-40B4-BE49-F238E27FC236}">
-                <a16:creationId xmlns:a16="http://schemas.microsoft.com/office/drawing/2014/main" id="{E21153CB-B223-48F8-B305-82248AA1927D}"/>
+                <a16:creationId xmlns:a16="http://schemas.microsoft.com/office/drawing/2014/main" id="{B0B02D4D-95BA-4BF2-8746-2F7E867F30F1}"/>
               </a:ext>
             </a:extLst>
           </p:cNvPr>
@@ -19614,21 +22026,21 @@
         </p:nvSpPr>
         <p:spPr>
           <a:xfrm>
-            <a:off x="4864028" y="136173"/>
-            <a:ext cx="3474447" cy="558140"/>
+            <a:off x="442355" y="1380501"/>
+            <a:ext cx="2802579" cy="3918858"/>
           </a:xfrm>
           <a:prstGeom prst="rect">
             <a:avLst/>
           </a:prstGeom>
         </p:spPr>
         <p:style>
-          <a:lnRef idx="1">
+          <a:lnRef idx="2">
             <a:schemeClr val="dk1"/>
           </a:lnRef>
-          <a:fillRef idx="2">
-            <a:schemeClr val="dk1"/>
+          <a:fillRef idx="1">
+            <a:schemeClr val="lt1"/>
           </a:fillRef>
-          <a:effectRef idx="1">
+          <a:effectRef idx="0">
             <a:schemeClr val="dk1"/>
           </a:effectRef>
           <a:fontRef idx="minor">
@@ -19640,271 +22052,16 @@
           <a:lstStyle/>
           <a:p>
             <a:pPr algn="ctr"/>
-            <a:r>
-              <a:rPr lang="ko-KR" altLang="en-US" b="1" dirty="0"/>
-              <a:t>디바이스에게 명령을 내릴 경우</a:t>
-            </a:r>
+            <a:endParaRPr lang="ko-KR" altLang="en-US" dirty="0"/>
           </a:p>
         </p:txBody>
       </p:sp>
-      <p:pic>
-        <p:nvPicPr>
-          <p:cNvPr id="5" name="그림 4">
-            <a:extLst>
-              <a:ext uri="{FF2B5EF4-FFF2-40B4-BE49-F238E27FC236}">
-                <a16:creationId xmlns:a16="http://schemas.microsoft.com/office/drawing/2014/main" id="{60B623CE-10D4-473E-94E9-BDC4561394B3}"/>
-              </a:ext>
-            </a:extLst>
-          </p:cNvPr>
-          <p:cNvPicPr>
-            <a:picLocks noChangeAspect="1"/>
-          </p:cNvPicPr>
-          <p:nvPr/>
-        </p:nvPicPr>
-        <p:blipFill>
-          <a:blip r:embed="rId3">
-            <a:extLst>
-              <a:ext uri="{28A0092B-C50C-407E-A947-70E740481C1C}">
-                <a14:useLocalDpi xmlns:a14="http://schemas.microsoft.com/office/drawing/2010/main" val="0"/>
-              </a:ext>
-            </a:extLst>
-          </a:blip>
-          <a:stretch>
-            <a:fillRect/>
-          </a:stretch>
-        </p:blipFill>
-        <p:spPr>
-          <a:xfrm>
-            <a:off x="4891133" y="1437791"/>
-            <a:ext cx="625481" cy="971621"/>
-          </a:xfrm>
-          <a:prstGeom prst="rect">
-            <a:avLst/>
-          </a:prstGeom>
-        </p:spPr>
-      </p:pic>
-      <p:pic>
-        <p:nvPicPr>
-          <p:cNvPr id="7" name="그림 6">
-            <a:extLst>
-              <a:ext uri="{FF2B5EF4-FFF2-40B4-BE49-F238E27FC236}">
-                <a16:creationId xmlns:a16="http://schemas.microsoft.com/office/drawing/2014/main" id="{D45FB364-257C-4FB9-B955-5D986D24A00C}"/>
-              </a:ext>
-            </a:extLst>
-          </p:cNvPr>
-          <p:cNvPicPr>
-            <a:picLocks noChangeAspect="1"/>
-          </p:cNvPicPr>
-          <p:nvPr/>
-        </p:nvPicPr>
-        <p:blipFill>
-          <a:blip r:embed="rId4">
-            <a:extLst>
-              <a:ext uri="{28A0092B-C50C-407E-A947-70E740481C1C}">
-                <a14:useLocalDpi xmlns:a14="http://schemas.microsoft.com/office/drawing/2010/main" val="0"/>
-              </a:ext>
-            </a:extLst>
-          </a:blip>
-          <a:stretch>
-            <a:fillRect/>
-          </a:stretch>
-        </p:blipFill>
-        <p:spPr>
-          <a:xfrm>
-            <a:off x="5574062" y="1437791"/>
-            <a:ext cx="559604" cy="971620"/>
-          </a:xfrm>
-          <a:prstGeom prst="rect">
-            <a:avLst/>
-          </a:prstGeom>
-        </p:spPr>
-      </p:pic>
-      <p:pic>
-        <p:nvPicPr>
-          <p:cNvPr id="11" name="그림 10">
-            <a:extLst>
-              <a:ext uri="{FF2B5EF4-FFF2-40B4-BE49-F238E27FC236}">
-                <a16:creationId xmlns:a16="http://schemas.microsoft.com/office/drawing/2014/main" id="{7DA2BE55-BB7B-4DAE-9F33-A6B395EBFD3C}"/>
-              </a:ext>
-            </a:extLst>
-          </p:cNvPr>
-          <p:cNvPicPr>
-            <a:picLocks noChangeAspect="1"/>
-          </p:cNvPicPr>
-          <p:nvPr/>
-        </p:nvPicPr>
-        <p:blipFill>
-          <a:blip r:embed="rId5">
-            <a:extLst>
-              <a:ext uri="{28A0092B-C50C-407E-A947-70E740481C1C}">
-                <a14:useLocalDpi xmlns:a14="http://schemas.microsoft.com/office/drawing/2010/main" val="0"/>
-              </a:ext>
-            </a:extLst>
-          </a:blip>
-          <a:stretch>
-            <a:fillRect/>
-          </a:stretch>
-        </p:blipFill>
-        <p:spPr>
-          <a:xfrm>
-            <a:off x="6201925" y="1437791"/>
-            <a:ext cx="539131" cy="971621"/>
-          </a:xfrm>
-          <a:prstGeom prst="rect">
-            <a:avLst/>
-          </a:prstGeom>
-        </p:spPr>
-      </p:pic>
-      <p:pic>
-        <p:nvPicPr>
-          <p:cNvPr id="14" name="그림 13">
-            <a:extLst>
-              <a:ext uri="{FF2B5EF4-FFF2-40B4-BE49-F238E27FC236}">
-                <a16:creationId xmlns:a16="http://schemas.microsoft.com/office/drawing/2014/main" id="{F6D0B258-C2F1-429F-BB63-BD363D217F8C}"/>
-              </a:ext>
-            </a:extLst>
-          </p:cNvPr>
-          <p:cNvPicPr>
-            <a:picLocks noChangeAspect="1"/>
-          </p:cNvPicPr>
-          <p:nvPr/>
-        </p:nvPicPr>
-        <p:blipFill>
-          <a:blip r:embed="rId6">
-            <a:extLst>
-              <a:ext uri="{28A0092B-C50C-407E-A947-70E740481C1C}">
-                <a14:useLocalDpi xmlns:a14="http://schemas.microsoft.com/office/drawing/2010/main" val="0"/>
-              </a:ext>
-            </a:extLst>
-          </a:blip>
-          <a:stretch>
-            <a:fillRect/>
-          </a:stretch>
-        </p:blipFill>
-        <p:spPr>
-          <a:xfrm>
-            <a:off x="6774272" y="1384352"/>
-            <a:ext cx="766127" cy="1039744"/>
-          </a:xfrm>
-          <a:prstGeom prst="rect">
-            <a:avLst/>
-          </a:prstGeom>
-        </p:spPr>
-      </p:pic>
-      <p:pic>
-        <p:nvPicPr>
-          <p:cNvPr id="16" name="그림 15">
-            <a:extLst>
-              <a:ext uri="{FF2B5EF4-FFF2-40B4-BE49-F238E27FC236}">
-                <a16:creationId xmlns:a16="http://schemas.microsoft.com/office/drawing/2014/main" id="{90AF4E60-73E5-4BF0-94BE-5F47726181F9}"/>
-              </a:ext>
-            </a:extLst>
-          </p:cNvPr>
-          <p:cNvPicPr>
-            <a:picLocks noChangeAspect="1"/>
-          </p:cNvPicPr>
-          <p:nvPr/>
-        </p:nvPicPr>
-        <p:blipFill>
-          <a:blip r:embed="rId7">
-            <a:extLst>
-              <a:ext uri="{28A0092B-C50C-407E-A947-70E740481C1C}">
-                <a14:useLocalDpi xmlns:a14="http://schemas.microsoft.com/office/drawing/2010/main" val="0"/>
-              </a:ext>
-            </a:extLst>
-          </a:blip>
-          <a:stretch>
-            <a:fillRect/>
-          </a:stretch>
-        </p:blipFill>
-        <p:spPr>
-          <a:xfrm>
-            <a:off x="7526540" y="1368669"/>
-            <a:ext cx="922354" cy="1039744"/>
-          </a:xfrm>
-          <a:prstGeom prst="rect">
-            <a:avLst/>
-          </a:prstGeom>
-        </p:spPr>
-      </p:pic>
-      <p:pic>
-        <p:nvPicPr>
-          <p:cNvPr id="18" name="그림 17">
-            <a:extLst>
-              <a:ext uri="{FF2B5EF4-FFF2-40B4-BE49-F238E27FC236}">
-                <a16:creationId xmlns:a16="http://schemas.microsoft.com/office/drawing/2014/main" id="{27B7F232-3CF3-4C9E-91D3-98197A404041}"/>
-              </a:ext>
-            </a:extLst>
-          </p:cNvPr>
-          <p:cNvPicPr>
-            <a:picLocks noChangeAspect="1"/>
-          </p:cNvPicPr>
-          <p:nvPr/>
-        </p:nvPicPr>
-        <p:blipFill>
-          <a:blip r:embed="rId8">
-            <a:extLst>
-              <a:ext uri="{28A0092B-C50C-407E-A947-70E740481C1C}">
-                <a14:useLocalDpi xmlns:a14="http://schemas.microsoft.com/office/drawing/2010/main" val="0"/>
-              </a:ext>
-            </a:extLst>
-          </a:blip>
-          <a:stretch>
-            <a:fillRect/>
-          </a:stretch>
-        </p:blipFill>
-        <p:spPr>
-          <a:xfrm>
-            <a:off x="9717213" y="1159206"/>
-            <a:ext cx="548774" cy="658529"/>
-          </a:xfrm>
-          <a:prstGeom prst="rect">
-            <a:avLst/>
-          </a:prstGeom>
-        </p:spPr>
-      </p:pic>
-      <p:pic>
-        <p:nvPicPr>
-          <p:cNvPr id="20" name="그림 19">
-            <a:extLst>
-              <a:ext uri="{FF2B5EF4-FFF2-40B4-BE49-F238E27FC236}">
-                <a16:creationId xmlns:a16="http://schemas.microsoft.com/office/drawing/2014/main" id="{CF76A3DC-725D-4048-8681-0B93F49D89A7}"/>
-              </a:ext>
-            </a:extLst>
-          </p:cNvPr>
-          <p:cNvPicPr>
-            <a:picLocks noChangeAspect="1"/>
-          </p:cNvPicPr>
-          <p:nvPr/>
-        </p:nvPicPr>
-        <p:blipFill>
-          <a:blip r:embed="rId7">
-            <a:extLst>
-              <a:ext uri="{28A0092B-C50C-407E-A947-70E740481C1C}">
-                <a14:useLocalDpi xmlns:a14="http://schemas.microsoft.com/office/drawing/2010/main" val="0"/>
-              </a:ext>
-            </a:extLst>
-          </a:blip>
-          <a:stretch>
-            <a:fillRect/>
-          </a:stretch>
-        </p:blipFill>
-        <p:spPr>
-          <a:xfrm>
-            <a:off x="9717214" y="1735039"/>
-            <a:ext cx="584180" cy="658530"/>
-          </a:xfrm>
-          <a:prstGeom prst="rect">
-            <a:avLst/>
-          </a:prstGeom>
-        </p:spPr>
-      </p:pic>
       <p:sp>
         <p:nvSpPr>
-          <p:cNvPr id="21" name="TextBox 20">
+          <p:cNvPr id="5" name="TextBox 4">
             <a:extLst>
               <a:ext uri="{FF2B5EF4-FFF2-40B4-BE49-F238E27FC236}">
-                <a16:creationId xmlns:a16="http://schemas.microsoft.com/office/drawing/2014/main" id="{E796980B-E4F6-4C4A-8259-34FE5E11B42B}"/>
+                <a16:creationId xmlns:a16="http://schemas.microsoft.com/office/drawing/2014/main" id="{AF922AE8-B345-4394-9873-119B01243D4D}"/>
               </a:ext>
             </a:extLst>
           </p:cNvPr>
@@ -19913,8 +22070,8 @@
         </p:nvSpPr>
         <p:spPr>
           <a:xfrm>
-            <a:off x="4875296" y="806049"/>
-            <a:ext cx="2440658" cy="369332"/>
+            <a:off x="926272" y="955360"/>
+            <a:ext cx="1838634" cy="369332"/>
           </a:xfrm>
           <a:prstGeom prst="rect">
             <a:avLst/>
@@ -19928,22 +22085,161 @@
           <a:lstStyle/>
           <a:p>
             <a:r>
+              <a:rPr lang="ko-KR" altLang="en-US" dirty="0"/>
+              <a:t>안드로이드 </a:t>
+            </a:r>
+            <a:r>
               <a:rPr lang="en-US" altLang="ko-KR" dirty="0"/>
-              <a:t>1. </a:t>
-            </a:r>
-            <a:r>
-              <a:rPr lang="ko-KR" altLang="en-US" dirty="0"/>
-              <a:t>디바이스 번호 인식</a:t>
-            </a:r>
+              <a:t>App</a:t>
+            </a:r>
+            <a:endParaRPr lang="ko-KR" altLang="en-US" dirty="0"/>
           </a:p>
         </p:txBody>
       </p:sp>
       <p:sp>
         <p:nvSpPr>
-          <p:cNvPr id="22" name="TextBox 21">
+          <p:cNvPr id="6" name="직사각형 5">
             <a:extLst>
               <a:ext uri="{FF2B5EF4-FFF2-40B4-BE49-F238E27FC236}">
-                <a16:creationId xmlns:a16="http://schemas.microsoft.com/office/drawing/2014/main" id="{5083DD7C-BE01-45CA-86F3-4225CAFC861A}"/>
+                <a16:creationId xmlns:a16="http://schemas.microsoft.com/office/drawing/2014/main" id="{27CC571A-3623-4768-BC7C-6912AFDD2ED9}"/>
+              </a:ext>
+            </a:extLst>
+          </p:cNvPr>
+          <p:cNvSpPr/>
+          <p:nvPr/>
+        </p:nvSpPr>
+        <p:spPr>
+          <a:xfrm>
+            <a:off x="581891" y="1710041"/>
+            <a:ext cx="2505693" cy="1484416"/>
+          </a:xfrm>
+          <a:prstGeom prst="rect">
+            <a:avLst/>
+          </a:prstGeom>
+        </p:spPr>
+        <p:style>
+          <a:lnRef idx="2">
+            <a:schemeClr val="dk1"/>
+          </a:lnRef>
+          <a:fillRef idx="1">
+            <a:schemeClr val="lt1"/>
+          </a:fillRef>
+          <a:effectRef idx="0">
+            <a:schemeClr val="dk1"/>
+          </a:effectRef>
+          <a:fontRef idx="minor">
+            <a:schemeClr val="dk1"/>
+          </a:fontRef>
+        </p:style>
+        <p:txBody>
+          <a:bodyPr rtlCol="0" anchor="ctr"/>
+          <a:lstStyle/>
+          <a:p>
+            <a:pPr algn="ctr"/>
+            <a:endParaRPr lang="ko-KR" altLang="en-US"/>
+          </a:p>
+        </p:txBody>
+      </p:sp>
+      <p:sp>
+        <p:nvSpPr>
+          <p:cNvPr id="7" name="직사각형 6">
+            <a:extLst>
+              <a:ext uri="{FF2B5EF4-FFF2-40B4-BE49-F238E27FC236}">
+                <a16:creationId xmlns:a16="http://schemas.microsoft.com/office/drawing/2014/main" id="{CB42A947-AAD4-4B44-BE07-A20AD9DC2A52}"/>
+              </a:ext>
+            </a:extLst>
+          </p:cNvPr>
+          <p:cNvSpPr/>
+          <p:nvPr/>
+        </p:nvSpPr>
+        <p:spPr>
+          <a:xfrm>
+            <a:off x="736269" y="1810982"/>
+            <a:ext cx="2196935" cy="504701"/>
+          </a:xfrm>
+          <a:prstGeom prst="rect">
+            <a:avLst/>
+          </a:prstGeom>
+        </p:spPr>
+        <p:style>
+          <a:lnRef idx="2">
+            <a:schemeClr val="dk1"/>
+          </a:lnRef>
+          <a:fillRef idx="1">
+            <a:schemeClr val="lt1"/>
+          </a:fillRef>
+          <a:effectRef idx="0">
+            <a:schemeClr val="dk1"/>
+          </a:effectRef>
+          <a:fontRef idx="minor">
+            <a:schemeClr val="dk1"/>
+          </a:fontRef>
+        </p:style>
+        <p:txBody>
+          <a:bodyPr rtlCol="0" anchor="ctr"/>
+          <a:lstStyle/>
+          <a:p>
+            <a:pPr algn="ctr"/>
+            <a:r>
+              <a:rPr lang="ko-KR" altLang="en-US" dirty="0"/>
+              <a:t>언어 재활 프로그램</a:t>
+            </a:r>
+          </a:p>
+        </p:txBody>
+      </p:sp>
+      <p:sp>
+        <p:nvSpPr>
+          <p:cNvPr id="8" name="직사각형 7">
+            <a:extLst>
+              <a:ext uri="{FF2B5EF4-FFF2-40B4-BE49-F238E27FC236}">
+                <a16:creationId xmlns:a16="http://schemas.microsoft.com/office/drawing/2014/main" id="{4474DC20-038A-4CF4-A02E-6F0AC468AA4A}"/>
+              </a:ext>
+            </a:extLst>
+          </p:cNvPr>
+          <p:cNvSpPr/>
+          <p:nvPr/>
+        </p:nvSpPr>
+        <p:spPr>
+          <a:xfrm>
+            <a:off x="747121" y="2452249"/>
+            <a:ext cx="2196935" cy="504701"/>
+          </a:xfrm>
+          <a:prstGeom prst="rect">
+            <a:avLst/>
+          </a:prstGeom>
+        </p:spPr>
+        <p:style>
+          <a:lnRef idx="2">
+            <a:schemeClr val="dk1"/>
+          </a:lnRef>
+          <a:fillRef idx="1">
+            <a:schemeClr val="lt1"/>
+          </a:fillRef>
+          <a:effectRef idx="0">
+            <a:schemeClr val="dk1"/>
+          </a:effectRef>
+          <a:fontRef idx="minor">
+            <a:schemeClr val="dk1"/>
+          </a:fontRef>
+        </p:style>
+        <p:txBody>
+          <a:bodyPr rtlCol="0" anchor="ctr"/>
+          <a:lstStyle/>
+          <a:p>
+            <a:pPr algn="ctr"/>
+            <a:r>
+              <a:rPr lang="ko-KR" altLang="en-US" dirty="0"/>
+              <a:t>운동 재활 프로그램</a:t>
+            </a:r>
+          </a:p>
+        </p:txBody>
+      </p:sp>
+      <p:sp>
+        <p:nvSpPr>
+          <p:cNvPr id="10" name="TextBox 9">
+            <a:extLst>
+              <a:ext uri="{FF2B5EF4-FFF2-40B4-BE49-F238E27FC236}">
+                <a16:creationId xmlns:a16="http://schemas.microsoft.com/office/drawing/2014/main" id="{666ACE12-881B-4435-94F5-E6C44C42C1BF}"/>
               </a:ext>
             </a:extLst>
           </p:cNvPr>
@@ -19952,8 +22248,8 @@
         </p:nvSpPr>
         <p:spPr>
           <a:xfrm>
-            <a:off x="9713863" y="810188"/>
-            <a:ext cx="2476476" cy="369332"/>
+            <a:off x="1110344" y="1407658"/>
+            <a:ext cx="1466602" cy="323165"/>
           </a:xfrm>
           <a:prstGeom prst="rect">
             <a:avLst/>
@@ -19967,35 +22263,320 @@
           <a:lstStyle/>
           <a:p>
             <a:r>
+              <a:rPr lang="ko-KR" altLang="en-US" sz="1500" dirty="0"/>
+              <a:t>재활 프로그램</a:t>
+            </a:r>
+          </a:p>
+        </p:txBody>
+      </p:sp>
+      <p:sp>
+        <p:nvSpPr>
+          <p:cNvPr id="12" name="직사각형 11">
+            <a:extLst>
+              <a:ext uri="{FF2B5EF4-FFF2-40B4-BE49-F238E27FC236}">
+                <a16:creationId xmlns:a16="http://schemas.microsoft.com/office/drawing/2014/main" id="{0381AFF6-D87B-4CF2-B921-142437DF639F}"/>
+              </a:ext>
+            </a:extLst>
+          </p:cNvPr>
+          <p:cNvSpPr/>
+          <p:nvPr/>
+        </p:nvSpPr>
+        <p:spPr>
+          <a:xfrm>
+            <a:off x="579910" y="3715000"/>
+            <a:ext cx="2505693" cy="1484416"/>
+          </a:xfrm>
+          <a:prstGeom prst="rect">
+            <a:avLst/>
+          </a:prstGeom>
+        </p:spPr>
+        <p:style>
+          <a:lnRef idx="2">
+            <a:schemeClr val="dk1"/>
+          </a:lnRef>
+          <a:fillRef idx="1">
+            <a:schemeClr val="lt1"/>
+          </a:fillRef>
+          <a:effectRef idx="0">
+            <a:schemeClr val="dk1"/>
+          </a:effectRef>
+          <a:fontRef idx="minor">
+            <a:schemeClr val="dk1"/>
+          </a:fontRef>
+        </p:style>
+        <p:txBody>
+          <a:bodyPr rtlCol="0" anchor="ctr"/>
+          <a:lstStyle/>
+          <a:p>
+            <a:pPr algn="ctr"/>
+            <a:endParaRPr lang="ko-KR" altLang="en-US"/>
+          </a:p>
+        </p:txBody>
+      </p:sp>
+      <p:sp>
+        <p:nvSpPr>
+          <p:cNvPr id="13" name="직사각형 12">
+            <a:extLst>
+              <a:ext uri="{FF2B5EF4-FFF2-40B4-BE49-F238E27FC236}">
+                <a16:creationId xmlns:a16="http://schemas.microsoft.com/office/drawing/2014/main" id="{7A272D3E-B4A5-44B7-83BF-E474A4911D87}"/>
+              </a:ext>
+            </a:extLst>
+          </p:cNvPr>
+          <p:cNvSpPr/>
+          <p:nvPr/>
+        </p:nvSpPr>
+        <p:spPr>
+          <a:xfrm>
+            <a:off x="734288" y="3815941"/>
+            <a:ext cx="2196935" cy="504701"/>
+          </a:xfrm>
+          <a:prstGeom prst="rect">
+            <a:avLst/>
+          </a:prstGeom>
+        </p:spPr>
+        <p:style>
+          <a:lnRef idx="2">
+            <a:schemeClr val="dk1"/>
+          </a:lnRef>
+          <a:fillRef idx="1">
+            <a:schemeClr val="lt1"/>
+          </a:fillRef>
+          <a:effectRef idx="0">
+            <a:schemeClr val="dk1"/>
+          </a:effectRef>
+          <a:fontRef idx="minor">
+            <a:schemeClr val="dk1"/>
+          </a:fontRef>
+        </p:style>
+        <p:txBody>
+          <a:bodyPr rtlCol="0" anchor="ctr"/>
+          <a:lstStyle/>
+          <a:p>
+            <a:pPr algn="ctr"/>
+            <a:r>
               <a:rPr lang="en-US" altLang="ko-KR" dirty="0"/>
-              <a:t>2. </a:t>
-            </a:r>
+              <a:t>CSR</a:t>
+            </a:r>
+          </a:p>
+          <a:p>
+            <a:pPr algn="ctr"/>
+            <a:r>
+              <a:rPr lang="en-US" altLang="ko-KR" sz="1200" dirty="0"/>
+              <a:t>(CLOVA Speech Recognition)</a:t>
+            </a:r>
+            <a:endParaRPr lang="ko-KR" altLang="en-US" sz="1200" dirty="0"/>
+          </a:p>
+        </p:txBody>
+      </p:sp>
+      <p:sp>
+        <p:nvSpPr>
+          <p:cNvPr id="14" name="직사각형 13">
+            <a:extLst>
+              <a:ext uri="{FF2B5EF4-FFF2-40B4-BE49-F238E27FC236}">
+                <a16:creationId xmlns:a16="http://schemas.microsoft.com/office/drawing/2014/main" id="{830B61A4-F4E5-4442-921F-FBAC94DA4D1F}"/>
+              </a:ext>
+            </a:extLst>
+          </p:cNvPr>
+          <p:cNvSpPr/>
+          <p:nvPr/>
+        </p:nvSpPr>
+        <p:spPr>
+          <a:xfrm>
+            <a:off x="745140" y="4457208"/>
+            <a:ext cx="2196935" cy="504701"/>
+          </a:xfrm>
+          <a:prstGeom prst="rect">
+            <a:avLst/>
+          </a:prstGeom>
+        </p:spPr>
+        <p:style>
+          <a:lnRef idx="2">
+            <a:schemeClr val="dk1"/>
+          </a:lnRef>
+          <a:fillRef idx="1">
+            <a:schemeClr val="lt1"/>
+          </a:fillRef>
+          <a:effectRef idx="0">
+            <a:schemeClr val="dk1"/>
+          </a:effectRef>
+          <a:fontRef idx="minor">
+            <a:schemeClr val="dk1"/>
+          </a:fontRef>
+        </p:style>
+        <p:txBody>
+          <a:bodyPr rtlCol="0" anchor="ctr"/>
+          <a:lstStyle/>
+          <a:p>
+            <a:pPr algn="ctr"/>
             <a:r>
               <a:rPr lang="ko-KR" altLang="en-US" dirty="0"/>
-              <a:t>명령어 전달</a:t>
-            </a:r>
+              <a:t>모션 인식</a:t>
+            </a:r>
+          </a:p>
+        </p:txBody>
+      </p:sp>
+      <p:sp>
+        <p:nvSpPr>
+          <p:cNvPr id="15" name="TextBox 14">
+            <a:extLst>
+              <a:ext uri="{FF2B5EF4-FFF2-40B4-BE49-F238E27FC236}">
+                <a16:creationId xmlns:a16="http://schemas.microsoft.com/office/drawing/2014/main" id="{9277DD03-1798-4551-B745-1505DE1BE131}"/>
+              </a:ext>
+            </a:extLst>
+          </p:cNvPr>
+          <p:cNvSpPr txBox="1"/>
+          <p:nvPr/>
+        </p:nvSpPr>
+        <p:spPr>
+          <a:xfrm>
+            <a:off x="1229092" y="3424493"/>
+            <a:ext cx="1207325" cy="323165"/>
+          </a:xfrm>
+          <a:prstGeom prst="rect">
+            <a:avLst/>
+          </a:prstGeom>
+          <a:noFill/>
+        </p:spPr>
+        <p:txBody>
+          <a:bodyPr wrap="square" rtlCol="0">
+            <a:spAutoFit/>
+          </a:bodyPr>
+          <a:lstStyle/>
+          <a:p>
+            <a:r>
+              <a:rPr lang="ko-KR" altLang="en-US" sz="1500"/>
+              <a:t>명령어 실행</a:t>
+            </a:r>
+            <a:endParaRPr lang="ko-KR" altLang="en-US" sz="1500" dirty="0"/>
+          </a:p>
+        </p:txBody>
+      </p:sp>
+      <p:pic>
+        <p:nvPicPr>
+          <p:cNvPr id="16" name="그림 15" descr="텍스트, 클립아트이(가) 표시된 사진&#10;&#10;자동 생성된 설명">
+            <a:extLst>
+              <a:ext uri="{FF2B5EF4-FFF2-40B4-BE49-F238E27FC236}">
+                <a16:creationId xmlns:a16="http://schemas.microsoft.com/office/drawing/2014/main" id="{FF1690DC-0AAD-4391-8609-D6BC58C1B6DB}"/>
+              </a:ext>
+            </a:extLst>
+          </p:cNvPr>
+          <p:cNvPicPr>
+            <a:picLocks noChangeAspect="1"/>
+          </p:cNvPicPr>
+          <p:nvPr/>
+        </p:nvPicPr>
+        <p:blipFill>
+          <a:blip r:embed="rId2">
+            <a:extLst>
+              <a:ext uri="{28A0092B-C50C-407E-A947-70E740481C1C}">
+                <a14:useLocalDpi xmlns:a14="http://schemas.microsoft.com/office/drawing/2010/main" val="0"/>
+              </a:ext>
+            </a:extLst>
+          </a:blip>
+          <a:stretch>
+            <a:fillRect/>
+          </a:stretch>
+        </p:blipFill>
+        <p:spPr>
+          <a:xfrm>
+            <a:off x="4772970" y="1238880"/>
+            <a:ext cx="2646060" cy="942321"/>
+          </a:xfrm>
+          <a:prstGeom prst="rect">
+            <a:avLst/>
+          </a:prstGeom>
+        </p:spPr>
+      </p:pic>
+      <p:pic>
+        <p:nvPicPr>
+          <p:cNvPr id="17" name="그림 16">
+            <a:extLst>
+              <a:ext uri="{FF2B5EF4-FFF2-40B4-BE49-F238E27FC236}">
+                <a16:creationId xmlns:a16="http://schemas.microsoft.com/office/drawing/2014/main" id="{4961D9D5-0111-4CDA-87B7-42B33EE24D22}"/>
+              </a:ext>
+            </a:extLst>
+          </p:cNvPr>
+          <p:cNvPicPr>
+            <a:picLocks noChangeAspect="1"/>
+          </p:cNvPicPr>
+          <p:nvPr/>
+        </p:nvPicPr>
+        <p:blipFill>
+          <a:blip r:embed="rId3">
+            <a:extLst>
+              <a:ext uri="{28A0092B-C50C-407E-A947-70E740481C1C}">
+                <a14:useLocalDpi xmlns:a14="http://schemas.microsoft.com/office/drawing/2010/main" val="0"/>
+              </a:ext>
+            </a:extLst>
+          </a:blip>
+          <a:stretch>
+            <a:fillRect/>
+          </a:stretch>
+        </p:blipFill>
+        <p:spPr>
+          <a:xfrm>
+            <a:off x="8947065" y="881858"/>
+            <a:ext cx="2526052" cy="1299343"/>
+          </a:xfrm>
+          <a:prstGeom prst="rect">
+            <a:avLst/>
+          </a:prstGeom>
+        </p:spPr>
+      </p:pic>
+      <p:sp>
+        <p:nvSpPr>
+          <p:cNvPr id="20" name="TextBox 19">
+            <a:extLst>
+              <a:ext uri="{FF2B5EF4-FFF2-40B4-BE49-F238E27FC236}">
+                <a16:creationId xmlns:a16="http://schemas.microsoft.com/office/drawing/2014/main" id="{33212DDF-23A6-4A5C-A5F7-98E692FAA8D2}"/>
+              </a:ext>
+            </a:extLst>
+          </p:cNvPr>
+          <p:cNvSpPr txBox="1"/>
+          <p:nvPr/>
+        </p:nvSpPr>
+        <p:spPr>
+          <a:xfrm>
+            <a:off x="7674997" y="2707871"/>
+            <a:ext cx="1000919" cy="276999"/>
+          </a:xfrm>
+          <a:prstGeom prst="rect">
+            <a:avLst/>
+          </a:prstGeom>
+          <a:noFill/>
+        </p:spPr>
+        <p:txBody>
+          <a:bodyPr wrap="square" rtlCol="0">
+            <a:spAutoFit/>
+          </a:bodyPr>
+          <a:lstStyle/>
+          <a:p>
+            <a:r>
+              <a:rPr lang="ko-KR" altLang="en-US" sz="1200"/>
+              <a:t>데이터 전송</a:t>
+            </a:r>
+            <a:endParaRPr lang="ko-KR" altLang="en-US" sz="1200" dirty="0"/>
           </a:p>
         </p:txBody>
       </p:sp>
       <p:cxnSp>
         <p:nvCxnSpPr>
-          <p:cNvPr id="24" name="직선 화살표 연결선 23">
+          <p:cNvPr id="21" name="직선 화살표 연결선 20">
             <a:extLst>
               <a:ext uri="{FF2B5EF4-FFF2-40B4-BE49-F238E27FC236}">
-                <a16:creationId xmlns:a16="http://schemas.microsoft.com/office/drawing/2014/main" id="{9B0250E4-4DD1-4758-8428-45F6AFDEEBA7}"/>
+                <a16:creationId xmlns:a16="http://schemas.microsoft.com/office/drawing/2014/main" id="{4CB52F51-9AAC-4C4C-9B57-87E7453F3F44}"/>
               </a:ext>
             </a:extLst>
           </p:cNvPr>
           <p:cNvCxnSpPr>
             <a:cxnSpLocks/>
-            <a:endCxn id="18" idx="1"/>
           </p:cNvCxnSpPr>
           <p:nvPr/>
         </p:nvCxnSpPr>
         <p:spPr>
-          <a:xfrm flipV="1">
-            <a:off x="8448894" y="1488471"/>
-            <a:ext cx="1268319" cy="209570"/>
+          <a:xfrm>
+            <a:off x="3535274" y="2654130"/>
+            <a:ext cx="1079403" cy="0"/>
           </a:xfrm>
           <a:prstGeom prst="straightConnector1">
             <a:avLst/>
@@ -20021,23 +22602,22 @@
       </p:cxnSp>
       <p:cxnSp>
         <p:nvCxnSpPr>
-          <p:cNvPr id="26" name="직선 화살표 연결선 25">
+          <p:cNvPr id="22" name="직선 화살표 연결선 21">
             <a:extLst>
               <a:ext uri="{FF2B5EF4-FFF2-40B4-BE49-F238E27FC236}">
-                <a16:creationId xmlns:a16="http://schemas.microsoft.com/office/drawing/2014/main" id="{644DCB09-7AF4-4825-B76C-543F8D347FA9}"/>
+                <a16:creationId xmlns:a16="http://schemas.microsoft.com/office/drawing/2014/main" id="{00041B83-FA58-4806-86EF-0BF77F8EA5CE}"/>
               </a:ext>
             </a:extLst>
           </p:cNvPr>
           <p:cNvCxnSpPr>
             <a:cxnSpLocks/>
-            <a:endCxn id="20" idx="1"/>
           </p:cNvCxnSpPr>
           <p:nvPr/>
         </p:nvCxnSpPr>
         <p:spPr>
-          <a:xfrm>
-            <a:off x="8448894" y="1698041"/>
-            <a:ext cx="1268320" cy="366263"/>
+          <a:xfrm flipH="1">
+            <a:off x="3517459" y="3491639"/>
+            <a:ext cx="1079404" cy="0"/>
           </a:xfrm>
           <a:prstGeom prst="straightConnector1">
             <a:avLst/>
@@ -20061,61 +22641,323 @@
           </a:fontRef>
         </p:style>
       </p:cxnSp>
-      <p:pic>
-        <p:nvPicPr>
-          <p:cNvPr id="30" name="그림 29">
+      <p:sp>
+        <p:nvSpPr>
+          <p:cNvPr id="23" name="TextBox 22">
             <a:extLst>
               <a:ext uri="{FF2B5EF4-FFF2-40B4-BE49-F238E27FC236}">
-                <a16:creationId xmlns:a16="http://schemas.microsoft.com/office/drawing/2014/main" id="{95839E08-CAEE-4E40-A82D-77D435570E4D}"/>
+                <a16:creationId xmlns:a16="http://schemas.microsoft.com/office/drawing/2014/main" id="{8043D1FF-CE10-4C58-8A04-1DDB23AD71FE}"/>
               </a:ext>
             </a:extLst>
           </p:cNvPr>
-          <p:cNvPicPr>
-            <a:picLocks noChangeAspect="1"/>
-          </p:cNvPicPr>
+          <p:cNvSpPr txBox="1"/>
           <p:nvPr/>
-        </p:nvPicPr>
-        <p:blipFill>
-          <a:blip r:embed="rId9">
-            <a:extLst>
-              <a:ext uri="{28A0092B-C50C-407E-A947-70E740481C1C}">
-                <a14:useLocalDpi xmlns:a14="http://schemas.microsoft.com/office/drawing/2010/main" val="0"/>
-              </a:ext>
-            </a:extLst>
-          </a:blip>
-          <a:stretch>
-            <a:fillRect/>
-          </a:stretch>
-        </p:blipFill>
+        </p:nvSpPr>
         <p:spPr>
           <a:xfrm>
-            <a:off x="9717214" y="2406711"/>
-            <a:ext cx="613425" cy="562691"/>
+            <a:off x="3593238" y="2389306"/>
+            <a:ext cx="895294" cy="276999"/>
+          </a:xfrm>
+          <a:prstGeom prst="rect">
+            <a:avLst/>
+          </a:prstGeom>
+          <a:noFill/>
+        </p:spPr>
+        <p:txBody>
+          <a:bodyPr wrap="square" rtlCol="0">
+            <a:spAutoFit/>
+          </a:bodyPr>
+          <a:lstStyle/>
+          <a:p>
+            <a:r>
+              <a:rPr lang="ko-KR" altLang="en-US" sz="1200" dirty="0"/>
+              <a:t>영상 전송</a:t>
+            </a:r>
+          </a:p>
+        </p:txBody>
+      </p:sp>
+      <p:sp>
+        <p:nvSpPr>
+          <p:cNvPr id="24" name="TextBox 23">
+            <a:extLst>
+              <a:ext uri="{FF2B5EF4-FFF2-40B4-BE49-F238E27FC236}">
+                <a16:creationId xmlns:a16="http://schemas.microsoft.com/office/drawing/2014/main" id="{97039C72-4C62-4062-9F1C-4B65002144C2}"/>
+              </a:ext>
+            </a:extLst>
+          </p:cNvPr>
+          <p:cNvSpPr txBox="1"/>
+          <p:nvPr/>
+        </p:nvSpPr>
+        <p:spPr>
+          <a:xfrm>
+            <a:off x="3451578" y="3199896"/>
+            <a:ext cx="1235530" cy="276999"/>
+          </a:xfrm>
+          <a:prstGeom prst="rect">
+            <a:avLst/>
+          </a:prstGeom>
+          <a:noFill/>
+        </p:spPr>
+        <p:txBody>
+          <a:bodyPr wrap="square" rtlCol="0">
+            <a:spAutoFit/>
+          </a:bodyPr>
+          <a:lstStyle/>
+          <a:p>
+            <a:r>
+              <a:rPr lang="ko-KR" altLang="en-US" sz="1200" dirty="0"/>
+              <a:t>인식 결과 전송</a:t>
+            </a:r>
+          </a:p>
+        </p:txBody>
+      </p:sp>
+      <p:sp>
+        <p:nvSpPr>
+          <p:cNvPr id="25" name="직사각형 24">
+            <a:extLst>
+              <a:ext uri="{FF2B5EF4-FFF2-40B4-BE49-F238E27FC236}">
+                <a16:creationId xmlns:a16="http://schemas.microsoft.com/office/drawing/2014/main" id="{5692079A-4E09-41E7-91FA-914A29DDDBFE}"/>
+              </a:ext>
+            </a:extLst>
+          </p:cNvPr>
+          <p:cNvSpPr/>
+          <p:nvPr/>
+        </p:nvSpPr>
+        <p:spPr>
+          <a:xfrm>
+            <a:off x="4893753" y="2315683"/>
+            <a:ext cx="2290818" cy="2048491"/>
           </a:xfrm>
           <a:prstGeom prst="rect">
             <a:avLst/>
           </a:prstGeom>
         </p:spPr>
-      </p:pic>
+        <p:style>
+          <a:lnRef idx="2">
+            <a:schemeClr val="dk1"/>
+          </a:lnRef>
+          <a:fillRef idx="1">
+            <a:schemeClr val="lt1"/>
+          </a:fillRef>
+          <a:effectRef idx="0">
+            <a:schemeClr val="dk1"/>
+          </a:effectRef>
+          <a:fontRef idx="minor">
+            <a:schemeClr val="dk1"/>
+          </a:fontRef>
+        </p:style>
+        <p:txBody>
+          <a:bodyPr rtlCol="0" anchor="ctr"/>
+          <a:lstStyle/>
+          <a:p>
+            <a:pPr algn="ctr"/>
+            <a:endParaRPr lang="ko-KR" altLang="en-US"/>
+          </a:p>
+        </p:txBody>
+      </p:sp>
+      <p:sp>
+        <p:nvSpPr>
+          <p:cNvPr id="26" name="직사각형 25">
+            <a:extLst>
+              <a:ext uri="{FF2B5EF4-FFF2-40B4-BE49-F238E27FC236}">
+                <a16:creationId xmlns:a16="http://schemas.microsoft.com/office/drawing/2014/main" id="{091954B8-E777-4D30-8061-4E53A2D83B73}"/>
+              </a:ext>
+            </a:extLst>
+          </p:cNvPr>
+          <p:cNvSpPr/>
+          <p:nvPr/>
+        </p:nvSpPr>
+        <p:spPr>
+          <a:xfrm>
+            <a:off x="5086167" y="2654130"/>
+            <a:ext cx="1905990" cy="451262"/>
+          </a:xfrm>
+          <a:prstGeom prst="rect">
+            <a:avLst/>
+          </a:prstGeom>
+        </p:spPr>
+        <p:style>
+          <a:lnRef idx="2">
+            <a:schemeClr val="dk1"/>
+          </a:lnRef>
+          <a:fillRef idx="1">
+            <a:schemeClr val="lt1"/>
+          </a:fillRef>
+          <a:effectRef idx="0">
+            <a:schemeClr val="dk1"/>
+          </a:effectRef>
+          <a:fontRef idx="minor">
+            <a:schemeClr val="dk1"/>
+          </a:fontRef>
+        </p:style>
+        <p:txBody>
+          <a:bodyPr rtlCol="0" anchor="ctr"/>
+          <a:lstStyle/>
+          <a:p>
+            <a:pPr algn="ctr"/>
+            <a:r>
+              <a:rPr lang="ko-KR" altLang="en-US" dirty="0"/>
+              <a:t>모션 인식 모델</a:t>
+            </a:r>
+          </a:p>
+        </p:txBody>
+      </p:sp>
+      <p:sp>
+        <p:nvSpPr>
+          <p:cNvPr id="27" name="직사각형 26">
+            <a:extLst>
+              <a:ext uri="{FF2B5EF4-FFF2-40B4-BE49-F238E27FC236}">
+                <a16:creationId xmlns:a16="http://schemas.microsoft.com/office/drawing/2014/main" id="{774B2BF0-8C0B-4433-9BB3-9762277E252C}"/>
+              </a:ext>
+            </a:extLst>
+          </p:cNvPr>
+          <p:cNvSpPr/>
+          <p:nvPr/>
+        </p:nvSpPr>
+        <p:spPr>
+          <a:xfrm>
+            <a:off x="5086167" y="3491639"/>
+            <a:ext cx="1905990" cy="451262"/>
+          </a:xfrm>
+          <a:prstGeom prst="rect">
+            <a:avLst/>
+          </a:prstGeom>
+        </p:spPr>
+        <p:style>
+          <a:lnRef idx="2">
+            <a:schemeClr val="dk1"/>
+          </a:lnRef>
+          <a:fillRef idx="1">
+            <a:schemeClr val="lt1"/>
+          </a:fillRef>
+          <a:effectRef idx="0">
+            <a:schemeClr val="dk1"/>
+          </a:effectRef>
+          <a:fontRef idx="minor">
+            <a:schemeClr val="dk1"/>
+          </a:fontRef>
+        </p:style>
+        <p:txBody>
+          <a:bodyPr rtlCol="0" anchor="ctr"/>
+          <a:lstStyle/>
+          <a:p>
+            <a:pPr algn="ctr"/>
+            <a:r>
+              <a:rPr lang="ko-KR" altLang="en-US" dirty="0"/>
+              <a:t>데이터 전달</a:t>
+            </a:r>
+          </a:p>
+        </p:txBody>
+      </p:sp>
+      <p:sp>
+        <p:nvSpPr>
+          <p:cNvPr id="28" name="직사각형 27">
+            <a:extLst>
+              <a:ext uri="{FF2B5EF4-FFF2-40B4-BE49-F238E27FC236}">
+                <a16:creationId xmlns:a16="http://schemas.microsoft.com/office/drawing/2014/main" id="{6F3076CA-EC5F-462F-B23A-7D11CA03D379}"/>
+              </a:ext>
+            </a:extLst>
+          </p:cNvPr>
+          <p:cNvSpPr/>
+          <p:nvPr/>
+        </p:nvSpPr>
+        <p:spPr>
+          <a:xfrm>
+            <a:off x="9322130" y="2315683"/>
+            <a:ext cx="1775361" cy="2004959"/>
+          </a:xfrm>
+          <a:prstGeom prst="rect">
+            <a:avLst/>
+          </a:prstGeom>
+        </p:spPr>
+        <p:style>
+          <a:lnRef idx="2">
+            <a:schemeClr val="dk1"/>
+          </a:lnRef>
+          <a:fillRef idx="1">
+            <a:schemeClr val="lt1"/>
+          </a:fillRef>
+          <a:effectRef idx="0">
+            <a:schemeClr val="dk1"/>
+          </a:effectRef>
+          <a:fontRef idx="minor">
+            <a:schemeClr val="dk1"/>
+          </a:fontRef>
+        </p:style>
+        <p:txBody>
+          <a:bodyPr rtlCol="0" anchor="ctr"/>
+          <a:lstStyle/>
+          <a:p>
+            <a:pPr algn="ctr"/>
+            <a:endParaRPr lang="ko-KR" altLang="en-US"/>
+          </a:p>
+        </p:txBody>
+      </p:sp>
+      <p:sp>
+        <p:nvSpPr>
+          <p:cNvPr id="29" name="직사각형 28">
+            <a:extLst>
+              <a:ext uri="{FF2B5EF4-FFF2-40B4-BE49-F238E27FC236}">
+                <a16:creationId xmlns:a16="http://schemas.microsoft.com/office/drawing/2014/main" id="{C524CD84-4215-45DF-93D4-D682F574B9AF}"/>
+              </a:ext>
+            </a:extLst>
+          </p:cNvPr>
+          <p:cNvSpPr/>
+          <p:nvPr/>
+        </p:nvSpPr>
+        <p:spPr>
+          <a:xfrm>
+            <a:off x="9413603" y="2547251"/>
+            <a:ext cx="1592414" cy="451262"/>
+          </a:xfrm>
+          <a:prstGeom prst="rect">
+            <a:avLst/>
+          </a:prstGeom>
+        </p:spPr>
+        <p:style>
+          <a:lnRef idx="2">
+            <a:schemeClr val="dk1"/>
+          </a:lnRef>
+          <a:fillRef idx="1">
+            <a:schemeClr val="lt1"/>
+          </a:fillRef>
+          <a:effectRef idx="0">
+            <a:schemeClr val="dk1"/>
+          </a:effectRef>
+          <a:fontRef idx="minor">
+            <a:schemeClr val="dk1"/>
+          </a:fontRef>
+        </p:style>
+        <p:txBody>
+          <a:bodyPr rtlCol="0" anchor="ctr"/>
+          <a:lstStyle/>
+          <a:p>
+            <a:pPr algn="ctr"/>
+            <a:r>
+              <a:rPr lang="ko-KR" altLang="en-US" sz="1600" dirty="0"/>
+              <a:t>모션 인식 정보</a:t>
+            </a:r>
+          </a:p>
+        </p:txBody>
+      </p:sp>
       <p:cxnSp>
         <p:nvCxnSpPr>
-          <p:cNvPr id="32" name="직선 화살표 연결선 31">
+          <p:cNvPr id="31" name="직선 화살표 연결선 30">
             <a:extLst>
               <a:ext uri="{FF2B5EF4-FFF2-40B4-BE49-F238E27FC236}">
-                <a16:creationId xmlns:a16="http://schemas.microsoft.com/office/drawing/2014/main" id="{1AEB1F58-F2DA-4182-AB19-7CC6A0D8EB0B}"/>
+                <a16:creationId xmlns:a16="http://schemas.microsoft.com/office/drawing/2014/main" id="{94F8FAE2-CA07-4B4C-B907-46C4E989071B}"/>
               </a:ext>
             </a:extLst>
           </p:cNvPr>
           <p:cNvCxnSpPr>
             <a:cxnSpLocks/>
-            <a:endCxn id="30" idx="1"/>
           </p:cNvCxnSpPr>
           <p:nvPr/>
         </p:nvCxnSpPr>
         <p:spPr>
           <a:xfrm>
-            <a:off x="8448894" y="1698041"/>
-            <a:ext cx="1268320" cy="990016"/>
+            <a:off x="7419030" y="2998516"/>
+            <a:ext cx="1683406" cy="0"/>
           </a:xfrm>
           <a:prstGeom prst="straightConnector1">
             <a:avLst/>
@@ -20141,10 +22983,10 @@
       </p:cxnSp>
       <p:cxnSp>
         <p:nvCxnSpPr>
-          <p:cNvPr id="34" name="직선 화살표 연결선 33">
+          <p:cNvPr id="32" name="직선 화살표 연결선 31">
             <a:extLst>
               <a:ext uri="{FF2B5EF4-FFF2-40B4-BE49-F238E27FC236}">
-                <a16:creationId xmlns:a16="http://schemas.microsoft.com/office/drawing/2014/main" id="{E463E080-0714-45B6-A5DE-12EC8FBD00BE}"/>
+                <a16:creationId xmlns:a16="http://schemas.microsoft.com/office/drawing/2014/main" id="{5828522E-32B1-44F9-B0B2-F4422B376C93}"/>
               </a:ext>
             </a:extLst>
           </p:cNvPr>
@@ -20154,9 +22996,9 @@
           <p:nvPr/>
         </p:nvCxnSpPr>
         <p:spPr>
-          <a:xfrm flipV="1">
-            <a:off x="9849271" y="2545722"/>
-            <a:ext cx="0" cy="142335"/>
+          <a:xfrm flipH="1">
+            <a:off x="7376985" y="2990598"/>
+            <a:ext cx="1677387" cy="7918"/>
           </a:xfrm>
           <a:prstGeom prst="straightConnector1">
             <a:avLst/>
@@ -20166,13 +23008,184 @@
           </a:ln>
         </p:spPr>
         <p:style>
-          <a:lnRef idx="1">
+          <a:lnRef idx="3">
             <a:schemeClr val="dk1"/>
           </a:lnRef>
           <a:fillRef idx="0">
             <a:schemeClr val="dk1"/>
           </a:fillRef>
+          <a:effectRef idx="2">
+            <a:schemeClr val="dk1"/>
+          </a:effectRef>
+          <a:fontRef idx="minor">
+            <a:schemeClr val="tx1"/>
+          </a:fontRef>
+        </p:style>
+      </p:cxnSp>
+      <p:sp>
+        <p:nvSpPr>
+          <p:cNvPr id="35" name="직사각형 34">
+            <a:extLst>
+              <a:ext uri="{FF2B5EF4-FFF2-40B4-BE49-F238E27FC236}">
+                <a16:creationId xmlns:a16="http://schemas.microsoft.com/office/drawing/2014/main" id="{14244C26-938B-40AC-A802-BA217E206C16}"/>
+              </a:ext>
+            </a:extLst>
+          </p:cNvPr>
+          <p:cNvSpPr/>
+          <p:nvPr/>
+        </p:nvSpPr>
+        <p:spPr>
+          <a:xfrm>
+            <a:off x="9413603" y="3139045"/>
+            <a:ext cx="1592414" cy="451262"/>
+          </a:xfrm>
+          <a:prstGeom prst="rect">
+            <a:avLst/>
+          </a:prstGeom>
+        </p:spPr>
+        <p:style>
+          <a:lnRef idx="2">
+            <a:schemeClr val="dk1"/>
+          </a:lnRef>
+          <a:fillRef idx="1">
+            <a:schemeClr val="lt1"/>
+          </a:fillRef>
           <a:effectRef idx="0">
+            <a:schemeClr val="dk1"/>
+          </a:effectRef>
+          <a:fontRef idx="minor">
+            <a:schemeClr val="dk1"/>
+          </a:fontRef>
+        </p:style>
+        <p:txBody>
+          <a:bodyPr rtlCol="0" anchor="ctr"/>
+          <a:lstStyle/>
+          <a:p>
+            <a:pPr algn="ctr"/>
+            <a:r>
+              <a:rPr lang="ko-KR" altLang="en-US" sz="1600" dirty="0"/>
+              <a:t>재활 프로그램</a:t>
+            </a:r>
+          </a:p>
+        </p:txBody>
+      </p:sp>
+      <p:sp>
+        <p:nvSpPr>
+          <p:cNvPr id="36" name="직사각형 35">
+            <a:extLst>
+              <a:ext uri="{FF2B5EF4-FFF2-40B4-BE49-F238E27FC236}">
+                <a16:creationId xmlns:a16="http://schemas.microsoft.com/office/drawing/2014/main" id="{CCA45C0B-75DB-4FF8-AD72-98BD8E321A26}"/>
+              </a:ext>
+            </a:extLst>
+          </p:cNvPr>
+          <p:cNvSpPr/>
+          <p:nvPr/>
+        </p:nvSpPr>
+        <p:spPr>
+          <a:xfrm>
+            <a:off x="9413603" y="3736781"/>
+            <a:ext cx="1592414" cy="451262"/>
+          </a:xfrm>
+          <a:prstGeom prst="rect">
+            <a:avLst/>
+          </a:prstGeom>
+        </p:spPr>
+        <p:style>
+          <a:lnRef idx="2">
+            <a:schemeClr val="dk1"/>
+          </a:lnRef>
+          <a:fillRef idx="1">
+            <a:schemeClr val="lt1"/>
+          </a:fillRef>
+          <a:effectRef idx="0">
+            <a:schemeClr val="dk1"/>
+          </a:effectRef>
+          <a:fontRef idx="minor">
+            <a:schemeClr val="dk1"/>
+          </a:fontRef>
+        </p:style>
+        <p:txBody>
+          <a:bodyPr rtlCol="0" anchor="ctr"/>
+          <a:lstStyle/>
+          <a:p>
+            <a:pPr algn="ctr"/>
+            <a:r>
+              <a:rPr lang="ko-KR" altLang="en-US" sz="1400" dirty="0"/>
+              <a:t>연결된 기기 관리</a:t>
+            </a:r>
+          </a:p>
+        </p:txBody>
+      </p:sp>
+      <p:pic>
+        <p:nvPicPr>
+          <p:cNvPr id="37" name="그림 36">
+            <a:extLst>
+              <a:ext uri="{FF2B5EF4-FFF2-40B4-BE49-F238E27FC236}">
+                <a16:creationId xmlns:a16="http://schemas.microsoft.com/office/drawing/2014/main" id="{019919DC-4A55-495F-8291-4CCCFB6C0712}"/>
+              </a:ext>
+            </a:extLst>
+          </p:cNvPr>
+          <p:cNvPicPr>
+            <a:picLocks noChangeAspect="1"/>
+          </p:cNvPicPr>
+          <p:nvPr/>
+        </p:nvPicPr>
+        <p:blipFill>
+          <a:blip r:embed="rId4">
+            <a:extLst>
+              <a:ext uri="{28A0092B-C50C-407E-A947-70E740481C1C}">
+                <a14:useLocalDpi xmlns:a14="http://schemas.microsoft.com/office/drawing/2010/main" val="0"/>
+              </a:ext>
+            </a:extLst>
+          </a:blip>
+          <a:stretch>
+            <a:fillRect/>
+          </a:stretch>
+        </p:blipFill>
+        <p:spPr>
+          <a:xfrm>
+            <a:off x="1501825" y="6082157"/>
+            <a:ext cx="683563" cy="642313"/>
+          </a:xfrm>
+          <a:prstGeom prst="rect">
+            <a:avLst/>
+          </a:prstGeom>
+        </p:spPr>
+      </p:pic>
+      <p:cxnSp>
+        <p:nvCxnSpPr>
+          <p:cNvPr id="38" name="직선 화살표 연결선 37">
+            <a:extLst>
+              <a:ext uri="{FF2B5EF4-FFF2-40B4-BE49-F238E27FC236}">
+                <a16:creationId xmlns:a16="http://schemas.microsoft.com/office/drawing/2014/main" id="{2E0256FC-35A9-4B2C-8BDB-6F925E653F10}"/>
+              </a:ext>
+            </a:extLst>
+          </p:cNvPr>
+          <p:cNvCxnSpPr>
+            <a:cxnSpLocks/>
+          </p:cNvCxnSpPr>
+          <p:nvPr/>
+        </p:nvCxnSpPr>
+        <p:spPr>
+          <a:xfrm>
+            <a:off x="1942917" y="5361667"/>
+            <a:ext cx="0" cy="611579"/>
+          </a:xfrm>
+          <a:prstGeom prst="straightConnector1">
+            <a:avLst/>
+          </a:prstGeom>
+          <a:ln>
+            <a:tailEnd type="triangle"/>
+          </a:ln>
+        </p:spPr>
+        <p:style>
+          <a:lnRef idx="3">
+            <a:schemeClr val="dk1"/>
+          </a:lnRef>
+          <a:fillRef idx="0">
+            <a:schemeClr val="dk1"/>
+          </a:fillRef>
+          <a:effectRef idx="2">
             <a:schemeClr val="dk1"/>
           </a:effectRef>
           <a:fontRef idx="minor">
@@ -20182,10 +23195,10 @@
       </p:cxnSp>
       <p:cxnSp>
         <p:nvCxnSpPr>
-          <p:cNvPr id="37" name="직선 화살표 연결선 36">
+          <p:cNvPr id="39" name="직선 화살표 연결선 38">
             <a:extLst>
               <a:ext uri="{FF2B5EF4-FFF2-40B4-BE49-F238E27FC236}">
-                <a16:creationId xmlns:a16="http://schemas.microsoft.com/office/drawing/2014/main" id="{17ECEC12-F339-4544-A0E6-07E0D6BC752D}"/>
+                <a16:creationId xmlns:a16="http://schemas.microsoft.com/office/drawing/2014/main" id="{0124FC7E-DB5C-42BC-BB2A-6F071FCF0B09}"/>
               </a:ext>
             </a:extLst>
           </p:cNvPr>
@@ -20195,9 +23208,9 @@
           <p:nvPr/>
         </p:nvCxnSpPr>
         <p:spPr>
-          <a:xfrm>
-            <a:off x="9768013" y="2545722"/>
-            <a:ext cx="0" cy="142335"/>
+          <a:xfrm flipV="1">
+            <a:off x="1669784" y="5361667"/>
+            <a:ext cx="0" cy="611578"/>
           </a:xfrm>
           <a:prstGeom prst="straightConnector1">
             <a:avLst/>
@@ -20207,13 +23220,13 @@
           </a:ln>
         </p:spPr>
         <p:style>
-          <a:lnRef idx="1">
+          <a:lnRef idx="3">
             <a:schemeClr val="dk1"/>
           </a:lnRef>
           <a:fillRef idx="0">
             <a:schemeClr val="dk1"/>
           </a:fillRef>
-          <a:effectRef idx="0">
+          <a:effectRef idx="2">
             <a:schemeClr val="dk1"/>
           </a:effectRef>
           <a:fontRef idx="minor">
@@ -20223,10 +23236,10 @@
       </p:cxnSp>
       <p:sp>
         <p:nvSpPr>
-          <p:cNvPr id="43" name="TextBox 42">
+          <p:cNvPr id="40" name="TextBox 39">
             <a:extLst>
               <a:ext uri="{FF2B5EF4-FFF2-40B4-BE49-F238E27FC236}">
-                <a16:creationId xmlns:a16="http://schemas.microsoft.com/office/drawing/2014/main" id="{C907AD58-606B-4CA6-9570-EAA64C0AB2EA}"/>
+                <a16:creationId xmlns:a16="http://schemas.microsoft.com/office/drawing/2014/main" id="{0975EAF3-DE55-417E-BB16-60A6E990524F}"/>
               </a:ext>
             </a:extLst>
           </p:cNvPr>
@@ -20235,8 +23248,8 @@
         </p:nvSpPr>
         <p:spPr>
           <a:xfrm>
-            <a:off x="10326626" y="1257166"/>
-            <a:ext cx="1250950" cy="369332"/>
+            <a:off x="1950398" y="5531617"/>
+            <a:ext cx="1181839" cy="276999"/>
           </a:xfrm>
           <a:prstGeom prst="rect">
             <a:avLst/>
@@ -20250,18 +23263,18 @@
           <a:lstStyle/>
           <a:p>
             <a:r>
-              <a:rPr lang="ko-KR" altLang="en-US" dirty="0"/>
-              <a:t>전원 끄기</a:t>
+              <a:rPr lang="ko-KR" altLang="en-US" sz="1200" dirty="0"/>
+              <a:t>디바이스 제어</a:t>
             </a:r>
           </a:p>
         </p:txBody>
       </p:sp>
       <p:sp>
         <p:nvSpPr>
-          <p:cNvPr id="44" name="TextBox 43">
+          <p:cNvPr id="41" name="TextBox 40">
             <a:extLst>
               <a:ext uri="{FF2B5EF4-FFF2-40B4-BE49-F238E27FC236}">
-                <a16:creationId xmlns:a16="http://schemas.microsoft.com/office/drawing/2014/main" id="{EAD7BE3B-E0A4-4B8D-A29C-5DA026DAAEBC}"/>
+                <a16:creationId xmlns:a16="http://schemas.microsoft.com/office/drawing/2014/main" id="{EE4AFD67-882C-4650-B71F-75BEF793AA95}"/>
               </a:ext>
             </a:extLst>
           </p:cNvPr>
@@ -20270,8 +23283,8 @@
         </p:nvSpPr>
         <p:spPr>
           <a:xfrm>
-            <a:off x="10328370" y="1817735"/>
-            <a:ext cx="1250950" cy="369332"/>
+            <a:off x="426596" y="5531244"/>
+            <a:ext cx="1237256" cy="276999"/>
           </a:xfrm>
           <a:prstGeom prst="rect">
             <a:avLst/>
@@ -20285,453 +23298,8 @@
           <a:lstStyle/>
           <a:p>
             <a:r>
-              <a:rPr lang="ko-KR" altLang="en-US" dirty="0"/>
-              <a:t>전원 켜기</a:t>
-            </a:r>
-          </a:p>
-        </p:txBody>
-      </p:sp>
-      <p:sp>
-        <p:nvSpPr>
-          <p:cNvPr id="45" name="TextBox 44">
-            <a:extLst>
-              <a:ext uri="{FF2B5EF4-FFF2-40B4-BE49-F238E27FC236}">
-                <a16:creationId xmlns:a16="http://schemas.microsoft.com/office/drawing/2014/main" id="{F98D8950-A29D-49A2-A930-2C799C27A0D6}"/>
-              </a:ext>
-            </a:extLst>
-          </p:cNvPr>
-          <p:cNvSpPr txBox="1"/>
-          <p:nvPr/>
-        </p:nvSpPr>
-        <p:spPr>
-          <a:xfrm>
-            <a:off x="10305117" y="2455306"/>
-            <a:ext cx="1889081" cy="323165"/>
-          </a:xfrm>
-          <a:prstGeom prst="rect">
-            <a:avLst/>
-          </a:prstGeom>
-          <a:noFill/>
-        </p:spPr>
-        <p:txBody>
-          <a:bodyPr wrap="square" rtlCol="0">
-            <a:spAutoFit/>
-          </a:bodyPr>
-          <a:lstStyle/>
-          <a:p>
-            <a:r>
-              <a:rPr lang="ko-KR" altLang="en-US" sz="1500" dirty="0"/>
-              <a:t>밝기 올리기</a:t>
-            </a:r>
-            <a:r>
-              <a:rPr lang="en-US" altLang="ko-KR" sz="1500" dirty="0"/>
-              <a:t>/</a:t>
-            </a:r>
-            <a:r>
-              <a:rPr lang="ko-KR" altLang="en-US" sz="1500" dirty="0"/>
-              <a:t>내리기</a:t>
-            </a:r>
-          </a:p>
-        </p:txBody>
-      </p:sp>
-      <p:sp>
-        <p:nvSpPr>
-          <p:cNvPr id="46" name="직사각형 45">
-            <a:extLst>
-              <a:ext uri="{FF2B5EF4-FFF2-40B4-BE49-F238E27FC236}">
-                <a16:creationId xmlns:a16="http://schemas.microsoft.com/office/drawing/2014/main" id="{DA385A52-09E9-480A-A6CD-A0AE2DF1E2FF}"/>
-              </a:ext>
-            </a:extLst>
-          </p:cNvPr>
-          <p:cNvSpPr/>
-          <p:nvPr/>
-        </p:nvSpPr>
-        <p:spPr>
-          <a:xfrm>
-            <a:off x="4891133" y="3195092"/>
-            <a:ext cx="4221117" cy="558140"/>
-          </a:xfrm>
-          <a:prstGeom prst="rect">
-            <a:avLst/>
-          </a:prstGeom>
-        </p:spPr>
-        <p:style>
-          <a:lnRef idx="1">
-            <a:schemeClr val="dk1"/>
-          </a:lnRef>
-          <a:fillRef idx="2">
-            <a:schemeClr val="dk1"/>
-          </a:fillRef>
-          <a:effectRef idx="1">
-            <a:schemeClr val="dk1"/>
-          </a:effectRef>
-          <a:fontRef idx="minor">
-            <a:schemeClr val="dk1"/>
-          </a:fontRef>
-        </p:style>
-        <p:txBody>
-          <a:bodyPr rtlCol="0" anchor="ctr"/>
-          <a:lstStyle/>
-          <a:p>
-            <a:pPr algn="ctr"/>
-            <a:r>
-              <a:rPr lang="ko-KR" altLang="en-US" b="1" dirty="0"/>
-              <a:t>디바이스에게 명령을 내리지 않을 경우</a:t>
-            </a:r>
-          </a:p>
-        </p:txBody>
-      </p:sp>
-      <p:pic>
-        <p:nvPicPr>
-          <p:cNvPr id="49" name="그림 48">
-            <a:extLst>
-              <a:ext uri="{FF2B5EF4-FFF2-40B4-BE49-F238E27FC236}">
-                <a16:creationId xmlns:a16="http://schemas.microsoft.com/office/drawing/2014/main" id="{E47F1B54-FB4B-4E28-9A3B-B6B467051B75}"/>
-              </a:ext>
-            </a:extLst>
-          </p:cNvPr>
-          <p:cNvPicPr>
-            <a:picLocks noChangeAspect="1"/>
-          </p:cNvPicPr>
-          <p:nvPr/>
-        </p:nvPicPr>
-        <p:blipFill>
-          <a:blip r:embed="rId10">
-            <a:extLst>
-              <a:ext uri="{28A0092B-C50C-407E-A947-70E740481C1C}">
-                <a14:useLocalDpi xmlns:a14="http://schemas.microsoft.com/office/drawing/2010/main" val="0"/>
-              </a:ext>
-            </a:extLst>
-          </a:blip>
-          <a:stretch>
-            <a:fillRect/>
-          </a:stretch>
-        </p:blipFill>
-        <p:spPr>
-          <a:xfrm>
-            <a:off x="4891133" y="3839201"/>
-            <a:ext cx="723332" cy="748862"/>
-          </a:xfrm>
-          <a:prstGeom prst="rect">
-            <a:avLst/>
-          </a:prstGeom>
-        </p:spPr>
-      </p:pic>
-      <p:sp>
-        <p:nvSpPr>
-          <p:cNvPr id="57" name="직사각형 56">
-            <a:extLst>
-              <a:ext uri="{FF2B5EF4-FFF2-40B4-BE49-F238E27FC236}">
-                <a16:creationId xmlns:a16="http://schemas.microsoft.com/office/drawing/2014/main" id="{6DCA96C5-8EC0-4EBB-B4D5-CF824090CB68}"/>
-              </a:ext>
-            </a:extLst>
-          </p:cNvPr>
-          <p:cNvSpPr/>
-          <p:nvPr/>
-        </p:nvSpPr>
-        <p:spPr>
-          <a:xfrm>
-            <a:off x="4875296" y="4765311"/>
-            <a:ext cx="1339989" cy="558140"/>
-          </a:xfrm>
-          <a:prstGeom prst="rect">
-            <a:avLst/>
-          </a:prstGeom>
-        </p:spPr>
-        <p:style>
-          <a:lnRef idx="1">
-            <a:schemeClr val="dk1"/>
-          </a:lnRef>
-          <a:fillRef idx="2">
-            <a:schemeClr val="dk1"/>
-          </a:fillRef>
-          <a:effectRef idx="1">
-            <a:schemeClr val="dk1"/>
-          </a:effectRef>
-          <a:fontRef idx="minor">
-            <a:schemeClr val="dk1"/>
-          </a:fontRef>
-        </p:style>
-        <p:txBody>
-          <a:bodyPr rtlCol="0" anchor="ctr"/>
-          <a:lstStyle/>
-          <a:p>
-            <a:pPr algn="ctr"/>
-            <a:r>
-              <a:rPr lang="ko-KR" altLang="en-US" b="1" dirty="0"/>
-              <a:t>사용 기기</a:t>
-            </a:r>
-          </a:p>
-        </p:txBody>
-      </p:sp>
-      <p:sp>
-        <p:nvSpPr>
-          <p:cNvPr id="58" name="TextBox 57">
-            <a:extLst>
-              <a:ext uri="{FF2B5EF4-FFF2-40B4-BE49-F238E27FC236}">
-                <a16:creationId xmlns:a16="http://schemas.microsoft.com/office/drawing/2014/main" id="{4D35AF02-A163-4D5B-A0AD-B265C71957AC}"/>
-              </a:ext>
-            </a:extLst>
-          </p:cNvPr>
-          <p:cNvSpPr txBox="1"/>
-          <p:nvPr/>
-        </p:nvSpPr>
-        <p:spPr>
-          <a:xfrm>
-            <a:off x="5614465" y="4016449"/>
-            <a:ext cx="1766360" cy="369332"/>
-          </a:xfrm>
-          <a:prstGeom prst="rect">
-            <a:avLst/>
-          </a:prstGeom>
-          <a:noFill/>
-        </p:spPr>
-        <p:txBody>
-          <a:bodyPr wrap="square" rtlCol="0">
-            <a:spAutoFit/>
-          </a:bodyPr>
-          <a:lstStyle/>
-          <a:p>
-            <a:r>
-              <a:rPr lang="ko-KR" altLang="en-US" dirty="0"/>
-              <a:t>오늘 날씨 어때</a:t>
-            </a:r>
-            <a:r>
-              <a:rPr lang="en-US" altLang="ko-KR" dirty="0"/>
-              <a:t>?</a:t>
-            </a:r>
-            <a:endParaRPr lang="ko-KR" altLang="en-US" dirty="0"/>
-          </a:p>
-        </p:txBody>
-      </p:sp>
-      <p:pic>
-        <p:nvPicPr>
-          <p:cNvPr id="60" name="그림 59" descr="실내, 옅은, 전자, 닫기이(가) 표시된 사진&#10;&#10;자동 생성된 설명">
-            <a:extLst>
-              <a:ext uri="{FF2B5EF4-FFF2-40B4-BE49-F238E27FC236}">
-                <a16:creationId xmlns:a16="http://schemas.microsoft.com/office/drawing/2014/main" id="{F75A1EA5-151B-4AEB-952C-02B8D9D0A26D}"/>
-              </a:ext>
-            </a:extLst>
-          </p:cNvPr>
-          <p:cNvPicPr>
-            <a:picLocks noChangeAspect="1"/>
-          </p:cNvPicPr>
-          <p:nvPr/>
-        </p:nvPicPr>
-        <p:blipFill>
-          <a:blip r:embed="rId11">
-            <a:extLst>
-              <a:ext uri="{28A0092B-C50C-407E-A947-70E740481C1C}">
-                <a14:useLocalDpi xmlns:a14="http://schemas.microsoft.com/office/drawing/2010/main" val="0"/>
-              </a:ext>
-            </a:extLst>
-          </a:blip>
-          <a:stretch>
-            <a:fillRect/>
-          </a:stretch>
-        </p:blipFill>
-        <p:spPr>
-          <a:xfrm>
-            <a:off x="4891133" y="5445406"/>
-            <a:ext cx="783912" cy="1244600"/>
-          </a:xfrm>
-          <a:prstGeom prst="rect">
-            <a:avLst/>
-          </a:prstGeom>
-        </p:spPr>
-      </p:pic>
-      <p:pic>
-        <p:nvPicPr>
-          <p:cNvPr id="61" name="그림 60" descr="실내, 옅은, 전자, 닫기이(가) 표시된 사진&#10;&#10;자동 생성된 설명">
-            <a:extLst>
-              <a:ext uri="{FF2B5EF4-FFF2-40B4-BE49-F238E27FC236}">
-                <a16:creationId xmlns:a16="http://schemas.microsoft.com/office/drawing/2014/main" id="{B515EEC4-A8E5-4D01-9F0A-6E617CE25BD9}"/>
-              </a:ext>
-            </a:extLst>
-          </p:cNvPr>
-          <p:cNvPicPr>
-            <a:picLocks noChangeAspect="1"/>
-          </p:cNvPicPr>
-          <p:nvPr/>
-        </p:nvPicPr>
-        <p:blipFill>
-          <a:blip r:embed="rId11">
-            <a:extLst>
-              <a:ext uri="{28A0092B-C50C-407E-A947-70E740481C1C}">
-                <a14:useLocalDpi xmlns:a14="http://schemas.microsoft.com/office/drawing/2010/main" val="0"/>
-              </a:ext>
-            </a:extLst>
-          </a:blip>
-          <a:stretch>
-            <a:fillRect/>
-          </a:stretch>
-        </p:blipFill>
-        <p:spPr>
-          <a:xfrm>
-            <a:off x="5758134" y="5445406"/>
-            <a:ext cx="783912" cy="1244600"/>
-          </a:xfrm>
-          <a:prstGeom prst="rect">
-            <a:avLst/>
-          </a:prstGeom>
-        </p:spPr>
-      </p:pic>
-      <p:pic>
-        <p:nvPicPr>
-          <p:cNvPr id="63" name="그림 62" descr="잭이(가) 표시된 사진&#10;&#10;자동 생성된 설명">
-            <a:extLst>
-              <a:ext uri="{FF2B5EF4-FFF2-40B4-BE49-F238E27FC236}">
-                <a16:creationId xmlns:a16="http://schemas.microsoft.com/office/drawing/2014/main" id="{30EEFB83-D960-4F5B-80CC-7B594CA7352E}"/>
-              </a:ext>
-            </a:extLst>
-          </p:cNvPr>
-          <p:cNvPicPr>
-            <a:picLocks noChangeAspect="1"/>
-          </p:cNvPicPr>
-          <p:nvPr/>
-        </p:nvPicPr>
-        <p:blipFill>
-          <a:blip r:embed="rId12">
-            <a:extLst>
-              <a:ext uri="{28A0092B-C50C-407E-A947-70E740481C1C}">
-                <a14:useLocalDpi xmlns:a14="http://schemas.microsoft.com/office/drawing/2010/main" val="0"/>
-              </a:ext>
-            </a:extLst>
-          </a:blip>
-          <a:stretch>
-            <a:fillRect/>
-          </a:stretch>
-        </p:blipFill>
-        <p:spPr>
-          <a:xfrm>
-            <a:off x="6625135" y="5420209"/>
-            <a:ext cx="954909" cy="1244600"/>
-          </a:xfrm>
-          <a:prstGeom prst="rect">
-            <a:avLst/>
-          </a:prstGeom>
-        </p:spPr>
-      </p:pic>
-      <p:pic>
-        <p:nvPicPr>
-          <p:cNvPr id="65" name="그림 64" descr="실내, 접시이(가) 표시된 사진&#10;&#10;자동 생성된 설명">
-            <a:extLst>
-              <a:ext uri="{FF2B5EF4-FFF2-40B4-BE49-F238E27FC236}">
-                <a16:creationId xmlns:a16="http://schemas.microsoft.com/office/drawing/2014/main" id="{8EB012D8-4295-4D05-B62A-32CA35DAC0CF}"/>
-              </a:ext>
-            </a:extLst>
-          </p:cNvPr>
-          <p:cNvPicPr>
-            <a:picLocks noChangeAspect="1"/>
-          </p:cNvPicPr>
-          <p:nvPr/>
-        </p:nvPicPr>
-        <p:blipFill>
-          <a:blip r:embed="rId13">
-            <a:extLst>
-              <a:ext uri="{28A0092B-C50C-407E-A947-70E740481C1C}">
-                <a14:useLocalDpi xmlns:a14="http://schemas.microsoft.com/office/drawing/2010/main" val="0"/>
-              </a:ext>
-            </a:extLst>
-          </a:blip>
-          <a:stretch>
-            <a:fillRect/>
-          </a:stretch>
-        </p:blipFill>
-        <p:spPr>
-          <a:xfrm>
-            <a:off x="7663133" y="5420208"/>
-            <a:ext cx="1230350" cy="1244601"/>
-          </a:xfrm>
-          <a:prstGeom prst="rect">
-            <a:avLst/>
-          </a:prstGeom>
-        </p:spPr>
-      </p:pic>
-      <p:sp>
-        <p:nvSpPr>
-          <p:cNvPr id="66" name="직사각형 65">
-            <a:extLst>
-              <a:ext uri="{FF2B5EF4-FFF2-40B4-BE49-F238E27FC236}">
-                <a16:creationId xmlns:a16="http://schemas.microsoft.com/office/drawing/2014/main" id="{08D93B6B-75E4-4E5E-9F2E-41BA65F2EAAD}"/>
-              </a:ext>
-            </a:extLst>
-          </p:cNvPr>
-          <p:cNvSpPr/>
-          <p:nvPr/>
-        </p:nvSpPr>
-        <p:spPr>
-          <a:xfrm>
-            <a:off x="8976572" y="5445406"/>
-            <a:ext cx="2273085" cy="1164944"/>
-          </a:xfrm>
-          <a:prstGeom prst="rect">
-            <a:avLst/>
-          </a:prstGeom>
-          <a:noFill/>
-          <a:ln>
-            <a:noFill/>
-          </a:ln>
-        </p:spPr>
-        <p:style>
-          <a:lnRef idx="0">
-            <a:scrgbClr r="0" g="0" b="0"/>
-          </a:lnRef>
-          <a:fillRef idx="0">
-            <a:scrgbClr r="0" g="0" b="0"/>
-          </a:fillRef>
-          <a:effectRef idx="0">
-            <a:scrgbClr r="0" g="0" b="0"/>
-          </a:effectRef>
-          <a:fontRef idx="minor">
-            <a:schemeClr val="dk1"/>
-          </a:fontRef>
-        </p:style>
-        <p:txBody>
-          <a:bodyPr rtlCol="0" anchor="ctr"/>
-          <a:lstStyle/>
-          <a:p>
-            <a:r>
-              <a:rPr lang="ko-KR" altLang="en-US" sz="2400" dirty="0"/>
-              <a:t>전구 </a:t>
-            </a:r>
-            <a:r>
-              <a:rPr lang="en-US" altLang="ko-KR" sz="2400" dirty="0"/>
-              <a:t>2</a:t>
-            </a:r>
-            <a:r>
-              <a:rPr lang="ko-KR" altLang="en-US" sz="2400" dirty="0"/>
-              <a:t>개</a:t>
-            </a:r>
-            <a:endParaRPr lang="en-US" altLang="ko-KR" sz="2400" dirty="0"/>
-          </a:p>
-          <a:p>
-            <a:r>
-              <a:rPr lang="ko-KR" altLang="en-US" sz="2400" dirty="0"/>
-              <a:t>플러그 </a:t>
-            </a:r>
-            <a:r>
-              <a:rPr lang="en-US" altLang="ko-KR" sz="2400" dirty="0"/>
-              <a:t>1</a:t>
-            </a:r>
-            <a:r>
-              <a:rPr lang="ko-KR" altLang="en-US" sz="2400" dirty="0"/>
-              <a:t>개</a:t>
-            </a:r>
-            <a:endParaRPr lang="en-US" altLang="ko-KR" sz="2400" dirty="0"/>
-          </a:p>
-          <a:p>
-            <a:r>
-              <a:rPr lang="ko-KR" altLang="en-US" sz="2400" dirty="0"/>
-              <a:t>가습기 </a:t>
-            </a:r>
-            <a:r>
-              <a:rPr lang="en-US" altLang="ko-KR" sz="2400" dirty="0"/>
-              <a:t>1</a:t>
-            </a:r>
-            <a:r>
-              <a:rPr lang="ko-KR" altLang="en-US" sz="2400" dirty="0"/>
-              <a:t>개</a:t>
+              <a:rPr lang="ko-KR" altLang="en-US" sz="1200" dirty="0"/>
+              <a:t>제어 결과 전송</a:t>
             </a:r>
           </a:p>
         </p:txBody>
@@ -20739,370 +23307,7 @@
     </p:spTree>
     <p:extLst>
       <p:ext uri="{BB962C8B-B14F-4D97-AF65-F5344CB8AC3E}">
-        <p14:creationId xmlns:p14="http://schemas.microsoft.com/office/powerpoint/2010/main" val="2287977946"/>
-      </p:ext>
-    </p:extLst>
-  </p:cSld>
-  <p:clrMapOvr>
-    <a:masterClrMapping/>
-  </p:clrMapOvr>
-</p:sld>
-</file>
-
-<file path=ppt/slides/slide9.xml><?xml version="1.0" encoding="utf-8"?>
-<p:sld xmlns:a="http://schemas.openxmlformats.org/drawingml/2006/main" xmlns:r="http://schemas.openxmlformats.org/officeDocument/2006/relationships" xmlns:p="http://schemas.openxmlformats.org/presentationml/2006/main">
-  <p:cSld>
-    <p:bg>
-      <p:bgPr>
-        <a:solidFill>
-          <a:schemeClr val="bg1"/>
-        </a:solidFill>
-        <a:effectLst/>
-      </p:bgPr>
-    </p:bg>
-    <p:spTree>
-      <p:nvGrpSpPr>
-        <p:cNvPr id="1" name=""/>
-        <p:cNvGrpSpPr/>
-        <p:nvPr/>
-      </p:nvGrpSpPr>
-      <p:grpSpPr>
-        <a:xfrm>
-          <a:off x="0" y="0"/>
-          <a:ext cx="0" cy="0"/>
-          <a:chOff x="0" y="0"/>
-          <a:chExt cx="0" cy="0"/>
-        </a:xfrm>
-      </p:grpSpPr>
-      <p:sp>
-        <p:nvSpPr>
-          <p:cNvPr id="11" name="Rectangle 10">
-            <a:extLst>
-              <a:ext uri="{FF2B5EF4-FFF2-40B4-BE49-F238E27FC236}">
-                <a16:creationId xmlns:a16="http://schemas.microsoft.com/office/drawing/2014/main" id="{95023A33-56DF-491A-AC86-C91A560AE75A}"/>
-              </a:ext>
-              <a:ext uri="{C183D7F6-B498-43B3-948B-1728B52AA6E4}">
-                <adec:decorative xmlns:adec="http://schemas.microsoft.com/office/drawing/2017/decorative" val="1"/>
-              </a:ext>
-            </a:extLst>
-          </p:cNvPr>
-          <p:cNvSpPr>
-            <a:spLocks noGrp="1" noRot="1" noChangeAspect="1" noMove="1" noResize="1" noEditPoints="1" noAdjustHandles="1" noChangeArrowheads="1" noChangeShapeType="1" noTextEdit="1"/>
-          </p:cNvSpPr>
-          <p:nvPr>
-            <p:extLst>
-              <p:ext uri="{386F3935-93C4-4BCD-93E2-E3B085C9AB24}">
-                <p16:designElem xmlns:p16="http://schemas.microsoft.com/office/powerpoint/2015/main" val="1"/>
-              </p:ext>
-            </p:extLst>
-          </p:nvPr>
-        </p:nvSpPr>
-        <p:spPr>
-          <a:xfrm>
-            <a:off x="0" y="0"/>
-            <a:ext cx="12192000" cy="2654490"/>
-          </a:xfrm>
-          <a:prstGeom prst="rect">
-            <a:avLst/>
-          </a:prstGeom>
-          <a:solidFill>
-            <a:schemeClr val="tx1">
-              <a:lumMod val="75000"/>
-              <a:lumOff val="25000"/>
-            </a:schemeClr>
-          </a:solidFill>
-          <a:ln>
-            <a:noFill/>
-          </a:ln>
-        </p:spPr>
-        <p:style>
-          <a:lnRef idx="2">
-            <a:schemeClr val="accent1">
-              <a:shade val="50000"/>
-            </a:schemeClr>
-          </a:lnRef>
-          <a:fillRef idx="1">
-            <a:schemeClr val="accent1"/>
-          </a:fillRef>
-          <a:effectRef idx="0">
-            <a:schemeClr val="accent1"/>
-          </a:effectRef>
-          <a:fontRef idx="minor">
-            <a:schemeClr val="lt1"/>
-          </a:fontRef>
-        </p:style>
-        <p:txBody>
-          <a:bodyPr rtlCol="0" anchor="ctr"/>
-          <a:lstStyle/>
-          <a:p>
-            <a:pPr algn="ctr"/>
-            <a:endParaRPr lang="en-US"/>
-          </a:p>
-        </p:txBody>
-      </p:sp>
-      <p:sp>
-        <p:nvSpPr>
-          <p:cNvPr id="2" name="제목 1">
-            <a:extLst>
-              <a:ext uri="{FF2B5EF4-FFF2-40B4-BE49-F238E27FC236}">
-                <a16:creationId xmlns:a16="http://schemas.microsoft.com/office/drawing/2014/main" id="{3F4ECA0E-6DF1-4404-B506-6E1035E8391B}"/>
-              </a:ext>
-            </a:extLst>
-          </p:cNvPr>
-          <p:cNvSpPr>
-            <a:spLocks noGrp="1"/>
-          </p:cNvSpPr>
-          <p:nvPr>
-            <p:ph type="title"/>
-          </p:nvPr>
-        </p:nvSpPr>
-        <p:spPr>
-          <a:xfrm>
-            <a:off x="841248" y="499377"/>
-            <a:ext cx="10506456" cy="1197864"/>
-          </a:xfrm>
-        </p:spPr>
-        <p:txBody>
-          <a:bodyPr vert="horz" lIns="91440" tIns="45720" rIns="91440" bIns="45720" rtlCol="0" anchor="b">
-            <a:normAutofit/>
-          </a:bodyPr>
-          <a:lstStyle/>
-          <a:p>
-            <a:pPr algn="ctr" latinLnBrk="0"/>
-            <a:r>
-              <a:rPr lang="ko-KR" altLang="en-US" sz="5000" dirty="0">
-                <a:solidFill>
-                  <a:schemeClr val="bg1"/>
-                </a:solidFill>
-              </a:rPr>
-              <a:t>개발 환경 및 개발 방법</a:t>
-            </a:r>
-            <a:r>
-              <a:rPr lang="en-US" altLang="ko-KR" sz="4000" dirty="0">
-                <a:solidFill>
-                  <a:schemeClr val="bg1"/>
-                </a:solidFill>
-              </a:rPr>
-              <a:t>(</a:t>
-            </a:r>
-            <a:r>
-              <a:rPr lang="ko-KR" altLang="en-US" sz="4000" dirty="0">
-                <a:solidFill>
-                  <a:schemeClr val="bg1"/>
-                </a:solidFill>
-              </a:rPr>
-              <a:t>모델 개발</a:t>
-            </a:r>
-            <a:r>
-              <a:rPr lang="en-US" altLang="ko-KR" sz="4000" dirty="0">
-                <a:solidFill>
-                  <a:schemeClr val="bg1"/>
-                </a:solidFill>
-              </a:rPr>
-              <a:t>)</a:t>
-            </a:r>
-          </a:p>
-        </p:txBody>
-      </p:sp>
-      <p:pic>
-        <p:nvPicPr>
-          <p:cNvPr id="5" name="Google Shape;119;p12">
-            <a:extLst>
-              <a:ext uri="{FF2B5EF4-FFF2-40B4-BE49-F238E27FC236}">
-                <a16:creationId xmlns:a16="http://schemas.microsoft.com/office/drawing/2014/main" id="{079D4693-4840-42B0-8069-D498C1F2AE4A}"/>
-              </a:ext>
-            </a:extLst>
-          </p:cNvPr>
-          <p:cNvPicPr preferRelativeResize="0"/>
-          <p:nvPr/>
-        </p:nvPicPr>
-        <p:blipFill>
-          <a:blip r:embed="rId3"/>
-          <a:stretch>
-            <a:fillRect/>
-          </a:stretch>
-        </p:blipFill>
-        <p:spPr>
-          <a:xfrm>
-            <a:off x="586935" y="2975212"/>
-            <a:ext cx="3272687" cy="3272687"/>
-          </a:xfrm>
-          <a:prstGeom prst="rect">
-            <a:avLst/>
-          </a:prstGeom>
-          <a:noFill/>
-        </p:spPr>
-      </p:pic>
-      <p:pic>
-        <p:nvPicPr>
-          <p:cNvPr id="6" name="Google Shape;122;p12">
-            <a:extLst>
-              <a:ext uri="{FF2B5EF4-FFF2-40B4-BE49-F238E27FC236}">
-                <a16:creationId xmlns:a16="http://schemas.microsoft.com/office/drawing/2014/main" id="{210AC987-8371-44BC-B1AA-0CE00C6800F2}"/>
-              </a:ext>
-            </a:extLst>
-          </p:cNvPr>
-          <p:cNvPicPr preferRelativeResize="0"/>
-          <p:nvPr/>
-        </p:nvPicPr>
-        <p:blipFill>
-          <a:blip r:embed="rId4"/>
-          <a:stretch>
-            <a:fillRect/>
-          </a:stretch>
-        </p:blipFill>
-        <p:spPr>
-          <a:xfrm>
-            <a:off x="4764947" y="2975212"/>
-            <a:ext cx="2659057" cy="3272687"/>
-          </a:xfrm>
-          <a:prstGeom prst="rect">
-            <a:avLst/>
-          </a:prstGeom>
-          <a:noFill/>
-        </p:spPr>
-      </p:pic>
-      <p:pic>
-        <p:nvPicPr>
-          <p:cNvPr id="4" name="Google Shape;118;p12">
-            <a:extLst>
-              <a:ext uri="{FF2B5EF4-FFF2-40B4-BE49-F238E27FC236}">
-                <a16:creationId xmlns:a16="http://schemas.microsoft.com/office/drawing/2014/main" id="{56B9E530-E7EA-4511-A726-3F9D4F0C7401}"/>
-              </a:ext>
-            </a:extLst>
-          </p:cNvPr>
-          <p:cNvPicPr preferRelativeResize="0"/>
-          <p:nvPr/>
-        </p:nvPicPr>
-        <p:blipFill>
-          <a:blip r:embed="rId5"/>
-          <a:stretch>
-            <a:fillRect/>
-          </a:stretch>
-        </p:blipFill>
-        <p:spPr>
-          <a:xfrm>
-            <a:off x="8438503" y="2975212"/>
-            <a:ext cx="3059961" cy="3272687"/>
-          </a:xfrm>
-          <a:prstGeom prst="rect">
-            <a:avLst/>
-          </a:prstGeom>
-          <a:noFill/>
-        </p:spPr>
-      </p:pic>
-      <p:sp>
-        <p:nvSpPr>
-          <p:cNvPr id="9" name="TextBox 8">
-            <a:extLst>
-              <a:ext uri="{FF2B5EF4-FFF2-40B4-BE49-F238E27FC236}">
-                <a16:creationId xmlns:a16="http://schemas.microsoft.com/office/drawing/2014/main" id="{088826D6-E7EE-49BF-8C4F-85E6614F1590}"/>
-              </a:ext>
-            </a:extLst>
-          </p:cNvPr>
-          <p:cNvSpPr txBox="1"/>
-          <p:nvPr/>
-        </p:nvSpPr>
-        <p:spPr>
-          <a:xfrm>
-            <a:off x="1755607" y="6284772"/>
-            <a:ext cx="935341" cy="369332"/>
-          </a:xfrm>
-          <a:prstGeom prst="rect">
-            <a:avLst/>
-          </a:prstGeom>
-          <a:noFill/>
-        </p:spPr>
-        <p:txBody>
-          <a:bodyPr wrap="square" rtlCol="0">
-            <a:spAutoFit/>
-          </a:bodyPr>
-          <a:lstStyle/>
-          <a:p>
-            <a:r>
-              <a:rPr lang="en-US" altLang="ko-KR" dirty="0"/>
-              <a:t>Python</a:t>
-            </a:r>
-            <a:endParaRPr lang="ko-KR" altLang="en-US" dirty="0"/>
-          </a:p>
-        </p:txBody>
-      </p:sp>
-      <p:sp>
-        <p:nvSpPr>
-          <p:cNvPr id="18" name="TextBox 17">
-            <a:extLst>
-              <a:ext uri="{FF2B5EF4-FFF2-40B4-BE49-F238E27FC236}">
-                <a16:creationId xmlns:a16="http://schemas.microsoft.com/office/drawing/2014/main" id="{D8A9FCD2-0C2F-4970-8D7E-A606A71C5987}"/>
-              </a:ext>
-            </a:extLst>
-          </p:cNvPr>
-          <p:cNvSpPr txBox="1"/>
-          <p:nvPr/>
-        </p:nvSpPr>
-        <p:spPr>
-          <a:xfrm>
-            <a:off x="5552931" y="6284772"/>
-            <a:ext cx="1083087" cy="369332"/>
-          </a:xfrm>
-          <a:prstGeom prst="rect">
-            <a:avLst/>
-          </a:prstGeom>
-          <a:noFill/>
-        </p:spPr>
-        <p:txBody>
-          <a:bodyPr wrap="square" rtlCol="0">
-            <a:spAutoFit/>
-          </a:bodyPr>
-          <a:lstStyle/>
-          <a:p>
-            <a:r>
-              <a:rPr lang="en-US" altLang="ko-KR" dirty="0"/>
-              <a:t>OpenCV</a:t>
-            </a:r>
-            <a:endParaRPr lang="ko-KR" altLang="en-US" dirty="0"/>
-          </a:p>
-        </p:txBody>
-      </p:sp>
-      <p:sp>
-        <p:nvSpPr>
-          <p:cNvPr id="20" name="TextBox 19">
-            <a:extLst>
-              <a:ext uri="{FF2B5EF4-FFF2-40B4-BE49-F238E27FC236}">
-                <a16:creationId xmlns:a16="http://schemas.microsoft.com/office/drawing/2014/main" id="{730062C9-C1D3-4FE2-976D-7D0A24A622DC}"/>
-              </a:ext>
-            </a:extLst>
-          </p:cNvPr>
-          <p:cNvSpPr txBox="1"/>
-          <p:nvPr/>
-        </p:nvSpPr>
-        <p:spPr>
-          <a:xfrm>
-            <a:off x="9290396" y="6284772"/>
-            <a:ext cx="1356174" cy="369332"/>
-          </a:xfrm>
-          <a:prstGeom prst="rect">
-            <a:avLst/>
-          </a:prstGeom>
-          <a:noFill/>
-        </p:spPr>
-        <p:txBody>
-          <a:bodyPr wrap="square" rtlCol="0">
-            <a:spAutoFit/>
-          </a:bodyPr>
-          <a:lstStyle/>
-          <a:p>
-            <a:r>
-              <a:rPr lang="en-US" altLang="ko-KR" dirty="0"/>
-              <a:t>TensorFlow</a:t>
-            </a:r>
-            <a:endParaRPr lang="ko-KR" altLang="en-US" dirty="0"/>
-          </a:p>
-        </p:txBody>
-      </p:sp>
-    </p:spTree>
-    <p:extLst>
-      <p:ext uri="{BB962C8B-B14F-4D97-AF65-F5344CB8AC3E}">
-        <p14:creationId xmlns:p14="http://schemas.microsoft.com/office/powerpoint/2010/main" val="2294191460"/>
+        <p14:creationId xmlns:p14="http://schemas.microsoft.com/office/powerpoint/2010/main" val="3961682409"/>
       </p:ext>
     </p:extLst>
   </p:cSld>

--- a/document/Zinzara(1차)종합설계_제안서.pptx
+++ b/document/Zinzara(1차)종합설계_제안서.pptx
@@ -23111,8 +23111,13 @@
             <a:pPr algn="ctr"/>
             <a:r>
               <a:rPr lang="ko-KR" altLang="en-US" sz="1400" dirty="0"/>
-              <a:t>연결된 기기 관리</a:t>
-            </a:r>
+              <a:t>연결된 </a:t>
+            </a:r>
+            <a:r>
+              <a:rPr lang="ko-KR" altLang="en-US" sz="1400"/>
+              <a:t>기기 정보</a:t>
+            </a:r>
+            <a:endParaRPr lang="ko-KR" altLang="en-US" sz="1400" dirty="0"/>
           </a:p>
         </p:txBody>
       </p:sp>

--- a/document/Zinzara(1차)종합설계_제안서.pptx
+++ b/document/Zinzara(1차)종합설계_제안서.pptx
@@ -5,7 +5,7 @@
     <p:sldMasterId id="2147483648" r:id="rId1"/>
   </p:sldMasterIdLst>
   <p:notesMasterIdLst>
-    <p:notesMasterId r:id="rId19"/>
+    <p:notesMasterId r:id="rId20"/>
   </p:notesMasterIdLst>
   <p:sldIdLst>
     <p:sldId id="256" r:id="rId2"/>
@@ -17,14 +17,15 @@
     <p:sldId id="272" r:id="rId8"/>
     <p:sldId id="262" r:id="rId9"/>
     <p:sldId id="273" r:id="rId10"/>
-    <p:sldId id="271" r:id="rId11"/>
-    <p:sldId id="263" r:id="rId12"/>
-    <p:sldId id="264" r:id="rId13"/>
-    <p:sldId id="265" r:id="rId14"/>
-    <p:sldId id="270" r:id="rId15"/>
-    <p:sldId id="267" r:id="rId16"/>
-    <p:sldId id="268" r:id="rId17"/>
-    <p:sldId id="269" r:id="rId18"/>
+    <p:sldId id="274" r:id="rId11"/>
+    <p:sldId id="271" r:id="rId12"/>
+    <p:sldId id="263" r:id="rId13"/>
+    <p:sldId id="264" r:id="rId14"/>
+    <p:sldId id="265" r:id="rId15"/>
+    <p:sldId id="270" r:id="rId16"/>
+    <p:sldId id="267" r:id="rId17"/>
+    <p:sldId id="268" r:id="rId18"/>
+    <p:sldId id="269" r:id="rId19"/>
   </p:sldIdLst>
   <p:sldSz cx="12192000" cy="6858000"/>
   <p:notesSz cx="6858000" cy="9144000"/>
@@ -3934,7 +3935,7 @@
           <a:p>
             <a:fld id="{11DE9305-D30F-4D20-B176-D789201F1D9D}" type="datetimeFigureOut">
               <a:rPr lang="ko-KR" altLang="en-US" smtClean="0"/>
-              <a:t>2022-01-06</a:t>
+              <a:t>2022-02-25</a:t>
             </a:fld>
             <a:endParaRPr lang="ko-KR" altLang="en-US"/>
           </a:p>
@@ -4443,7 +4444,7 @@
     </p:spTree>
     <p:extLst>
       <p:ext uri="{BB962C8B-B14F-4D97-AF65-F5344CB8AC3E}">
-        <p14:creationId xmlns:p14="http://schemas.microsoft.com/office/powerpoint/2010/main" val="166389973"/>
+        <p14:creationId xmlns:p14="http://schemas.microsoft.com/office/powerpoint/2010/main" val="2912100295"/>
       </p:ext>
     </p:extLst>
   </p:cSld>
@@ -4519,6 +4520,90 @@
             <a:fld id="{170D734A-4AC4-421A-99A3-53117CB132C9}" type="slidenum">
               <a:rPr lang="ko-KR" altLang="en-US" smtClean="0"/>
               <a:t>11</a:t>
+            </a:fld>
+            <a:endParaRPr lang="ko-KR" altLang="en-US"/>
+          </a:p>
+        </p:txBody>
+      </p:sp>
+    </p:spTree>
+    <p:extLst>
+      <p:ext uri="{BB962C8B-B14F-4D97-AF65-F5344CB8AC3E}">
+        <p14:creationId xmlns:p14="http://schemas.microsoft.com/office/powerpoint/2010/main" val="166389973"/>
+      </p:ext>
+    </p:extLst>
+  </p:cSld>
+  <p:clrMapOvr>
+    <a:masterClrMapping/>
+  </p:clrMapOvr>
+</p:notes>
+</file>
+
+<file path=ppt/notesSlides/notesSlide5.xml><?xml version="1.0" encoding="utf-8"?>
+<p:notes xmlns:a="http://schemas.openxmlformats.org/drawingml/2006/main" xmlns:r="http://schemas.openxmlformats.org/officeDocument/2006/relationships" xmlns:p="http://schemas.openxmlformats.org/presentationml/2006/main">
+  <p:cSld>
+    <p:spTree>
+      <p:nvGrpSpPr>
+        <p:cNvPr id="1" name=""/>
+        <p:cNvGrpSpPr/>
+        <p:nvPr/>
+      </p:nvGrpSpPr>
+      <p:grpSpPr>
+        <a:xfrm>
+          <a:off x="0" y="0"/>
+          <a:ext cx="0" cy="0"/>
+          <a:chOff x="0" y="0"/>
+          <a:chExt cx="0" cy="0"/>
+        </a:xfrm>
+      </p:grpSpPr>
+      <p:sp>
+        <p:nvSpPr>
+          <p:cNvPr id="2" name="슬라이드 이미지 개체 틀 1"/>
+          <p:cNvSpPr>
+            <a:spLocks noGrp="1" noRot="1" noChangeAspect="1"/>
+          </p:cNvSpPr>
+          <p:nvPr>
+            <p:ph type="sldImg"/>
+          </p:nvPr>
+        </p:nvSpPr>
+        <p:spPr/>
+      </p:sp>
+      <p:sp>
+        <p:nvSpPr>
+          <p:cNvPr id="3" name="슬라이드 노트 개체 틀 2"/>
+          <p:cNvSpPr>
+            <a:spLocks noGrp="1"/>
+          </p:cNvSpPr>
+          <p:nvPr>
+            <p:ph type="body" idx="1"/>
+          </p:nvPr>
+        </p:nvSpPr>
+        <p:spPr/>
+        <p:txBody>
+          <a:bodyPr/>
+          <a:lstStyle/>
+          <a:p>
+            <a:endParaRPr lang="ko-KR" altLang="en-US" dirty="0"/>
+          </a:p>
+        </p:txBody>
+      </p:sp>
+      <p:sp>
+        <p:nvSpPr>
+          <p:cNvPr id="4" name="슬라이드 번호 개체 틀 3"/>
+          <p:cNvSpPr>
+            <a:spLocks noGrp="1"/>
+          </p:cNvSpPr>
+          <p:nvPr>
+            <p:ph type="sldNum" sz="quarter" idx="5"/>
+          </p:nvPr>
+        </p:nvSpPr>
+        <p:spPr/>
+        <p:txBody>
+          <a:bodyPr/>
+          <a:lstStyle/>
+          <a:p>
+            <a:fld id="{170D734A-4AC4-421A-99A3-53117CB132C9}" type="slidenum">
+              <a:rPr lang="ko-KR" altLang="en-US" smtClean="0"/>
+              <a:t>12</a:t>
             </a:fld>
             <a:endParaRPr lang="ko-KR" altLang="en-US"/>
           </a:p>
@@ -4684,7 +4769,7 @@
           <a:p>
             <a:fld id="{EF6173CE-A2A0-4AB7-819F-1C6B3512C8F3}" type="datetimeFigureOut">
               <a:rPr lang="ko-KR" altLang="en-US" smtClean="0"/>
-              <a:t>2022-01-06</a:t>
+              <a:t>2022-02-25</a:t>
             </a:fld>
             <a:endParaRPr lang="ko-KR" altLang="en-US"/>
           </a:p>
@@ -4882,7 +4967,7 @@
           <a:p>
             <a:fld id="{EF6173CE-A2A0-4AB7-819F-1C6B3512C8F3}" type="datetimeFigureOut">
               <a:rPr lang="ko-KR" altLang="en-US" smtClean="0"/>
-              <a:t>2022-01-06</a:t>
+              <a:t>2022-02-25</a:t>
             </a:fld>
             <a:endParaRPr lang="ko-KR" altLang="en-US"/>
           </a:p>
@@ -5090,7 +5175,7 @@
           <a:p>
             <a:fld id="{EF6173CE-A2A0-4AB7-819F-1C6B3512C8F3}" type="datetimeFigureOut">
               <a:rPr lang="ko-KR" altLang="en-US" smtClean="0"/>
-              <a:t>2022-01-06</a:t>
+              <a:t>2022-02-25</a:t>
             </a:fld>
             <a:endParaRPr lang="ko-KR" altLang="en-US"/>
           </a:p>
@@ -5288,7 +5373,7 @@
           <a:p>
             <a:fld id="{EF6173CE-A2A0-4AB7-819F-1C6B3512C8F3}" type="datetimeFigureOut">
               <a:rPr lang="ko-KR" altLang="en-US" smtClean="0"/>
-              <a:t>2022-01-06</a:t>
+              <a:t>2022-02-25</a:t>
             </a:fld>
             <a:endParaRPr lang="ko-KR" altLang="en-US"/>
           </a:p>
@@ -5563,7 +5648,7 @@
           <a:p>
             <a:fld id="{EF6173CE-A2A0-4AB7-819F-1C6B3512C8F3}" type="datetimeFigureOut">
               <a:rPr lang="ko-KR" altLang="en-US" smtClean="0"/>
-              <a:t>2022-01-06</a:t>
+              <a:t>2022-02-25</a:t>
             </a:fld>
             <a:endParaRPr lang="ko-KR" altLang="en-US"/>
           </a:p>
@@ -5828,7 +5913,7 @@
           <a:p>
             <a:fld id="{EF6173CE-A2A0-4AB7-819F-1C6B3512C8F3}" type="datetimeFigureOut">
               <a:rPr lang="ko-KR" altLang="en-US" smtClean="0"/>
-              <a:t>2022-01-06</a:t>
+              <a:t>2022-02-25</a:t>
             </a:fld>
             <a:endParaRPr lang="ko-KR" altLang="en-US"/>
           </a:p>
@@ -6240,7 +6325,7 @@
           <a:p>
             <a:fld id="{EF6173CE-A2A0-4AB7-819F-1C6B3512C8F3}" type="datetimeFigureOut">
               <a:rPr lang="ko-KR" altLang="en-US" smtClean="0"/>
-              <a:t>2022-01-06</a:t>
+              <a:t>2022-02-25</a:t>
             </a:fld>
             <a:endParaRPr lang="ko-KR" altLang="en-US"/>
           </a:p>
@@ -6381,7 +6466,7 @@
           <a:p>
             <a:fld id="{EF6173CE-A2A0-4AB7-819F-1C6B3512C8F3}" type="datetimeFigureOut">
               <a:rPr lang="ko-KR" altLang="en-US" smtClean="0"/>
-              <a:t>2022-01-06</a:t>
+              <a:t>2022-02-25</a:t>
             </a:fld>
             <a:endParaRPr lang="ko-KR" altLang="en-US"/>
           </a:p>
@@ -6494,7 +6579,7 @@
           <a:p>
             <a:fld id="{EF6173CE-A2A0-4AB7-819F-1C6B3512C8F3}" type="datetimeFigureOut">
               <a:rPr lang="ko-KR" altLang="en-US" smtClean="0"/>
-              <a:t>2022-01-06</a:t>
+              <a:t>2022-02-25</a:t>
             </a:fld>
             <a:endParaRPr lang="ko-KR" altLang="en-US"/>
           </a:p>
@@ -6805,7 +6890,7 @@
           <a:p>
             <a:fld id="{EF6173CE-A2A0-4AB7-819F-1C6B3512C8F3}" type="datetimeFigureOut">
               <a:rPr lang="ko-KR" altLang="en-US" smtClean="0"/>
-              <a:t>2022-01-06</a:t>
+              <a:t>2022-02-25</a:t>
             </a:fld>
             <a:endParaRPr lang="ko-KR" altLang="en-US"/>
           </a:p>
@@ -7093,7 +7178,7 @@
           <a:p>
             <a:fld id="{EF6173CE-A2A0-4AB7-819F-1C6B3512C8F3}" type="datetimeFigureOut">
               <a:rPr lang="ko-KR" altLang="en-US" smtClean="0"/>
-              <a:t>2022-01-06</a:t>
+              <a:t>2022-02-25</a:t>
             </a:fld>
             <a:endParaRPr lang="ko-KR" altLang="en-US"/>
           </a:p>
@@ -7334,7 +7419,7 @@
           <a:p>
             <a:fld id="{EF6173CE-A2A0-4AB7-819F-1C6B3512C8F3}" type="datetimeFigureOut">
               <a:rPr lang="ko-KR" altLang="en-US" smtClean="0"/>
-              <a:t>2022-01-06</a:t>
+              <a:t>2022-02-25</a:t>
             </a:fld>
             <a:endParaRPr lang="ko-KR" altLang="en-US"/>
           </a:p>
@@ -8884,6 +8969,2034 @@
 <file path=ppt/slides/slide10.xml><?xml version="1.0" encoding="utf-8"?>
 <p:sld xmlns:a="http://schemas.openxmlformats.org/drawingml/2006/main" xmlns:r="http://schemas.openxmlformats.org/officeDocument/2006/relationships" xmlns:p="http://schemas.openxmlformats.org/presentationml/2006/main">
   <p:cSld>
+    <p:spTree>
+      <p:nvGrpSpPr>
+        <p:cNvPr id="1" name=""/>
+        <p:cNvGrpSpPr/>
+        <p:nvPr/>
+      </p:nvGrpSpPr>
+      <p:grpSpPr>
+        <a:xfrm>
+          <a:off x="0" y="0"/>
+          <a:ext cx="0" cy="0"/>
+          <a:chOff x="0" y="0"/>
+          <a:chExt cx="0" cy="0"/>
+        </a:xfrm>
+      </p:grpSpPr>
+      <p:sp>
+        <p:nvSpPr>
+          <p:cNvPr id="4" name="직사각형 3">
+            <a:extLst>
+              <a:ext uri="{FF2B5EF4-FFF2-40B4-BE49-F238E27FC236}">
+                <a16:creationId xmlns:a16="http://schemas.microsoft.com/office/drawing/2014/main" id="{B0B02D4D-95BA-4BF2-8746-2F7E867F30F1}"/>
+              </a:ext>
+            </a:extLst>
+          </p:cNvPr>
+          <p:cNvSpPr/>
+          <p:nvPr/>
+        </p:nvSpPr>
+        <p:spPr>
+          <a:xfrm>
+            <a:off x="169218" y="1626432"/>
+            <a:ext cx="2802579" cy="3918858"/>
+          </a:xfrm>
+          <a:prstGeom prst="rect">
+            <a:avLst/>
+          </a:prstGeom>
+        </p:spPr>
+        <p:style>
+          <a:lnRef idx="2">
+            <a:schemeClr val="dk1"/>
+          </a:lnRef>
+          <a:fillRef idx="1">
+            <a:schemeClr val="lt1"/>
+          </a:fillRef>
+          <a:effectRef idx="0">
+            <a:schemeClr val="dk1"/>
+          </a:effectRef>
+          <a:fontRef idx="minor">
+            <a:schemeClr val="dk1"/>
+          </a:fontRef>
+        </p:style>
+        <p:txBody>
+          <a:bodyPr rtlCol="0" anchor="ctr"/>
+          <a:lstStyle/>
+          <a:p>
+            <a:pPr algn="ctr"/>
+            <a:endParaRPr lang="ko-KR" altLang="en-US" dirty="0"/>
+          </a:p>
+        </p:txBody>
+      </p:sp>
+      <p:sp>
+        <p:nvSpPr>
+          <p:cNvPr id="6" name="직사각형 5">
+            <a:extLst>
+              <a:ext uri="{FF2B5EF4-FFF2-40B4-BE49-F238E27FC236}">
+                <a16:creationId xmlns:a16="http://schemas.microsoft.com/office/drawing/2014/main" id="{27CC571A-3623-4768-BC7C-6912AFDD2ED9}"/>
+              </a:ext>
+            </a:extLst>
+          </p:cNvPr>
+          <p:cNvSpPr/>
+          <p:nvPr/>
+        </p:nvSpPr>
+        <p:spPr>
+          <a:xfrm>
+            <a:off x="308754" y="1955973"/>
+            <a:ext cx="2505693" cy="997830"/>
+          </a:xfrm>
+          <a:prstGeom prst="rect">
+            <a:avLst/>
+          </a:prstGeom>
+        </p:spPr>
+        <p:style>
+          <a:lnRef idx="2">
+            <a:schemeClr val="dk1"/>
+          </a:lnRef>
+          <a:fillRef idx="1">
+            <a:schemeClr val="lt1"/>
+          </a:fillRef>
+          <a:effectRef idx="0">
+            <a:schemeClr val="dk1"/>
+          </a:effectRef>
+          <a:fontRef idx="minor">
+            <a:schemeClr val="dk1"/>
+          </a:fontRef>
+        </p:style>
+        <p:txBody>
+          <a:bodyPr rtlCol="0" anchor="ctr"/>
+          <a:lstStyle/>
+          <a:p>
+            <a:pPr algn="ctr"/>
+            <a:endParaRPr lang="ko-KR" altLang="en-US"/>
+          </a:p>
+        </p:txBody>
+      </p:sp>
+      <p:sp>
+        <p:nvSpPr>
+          <p:cNvPr id="7" name="직사각형 6">
+            <a:extLst>
+              <a:ext uri="{FF2B5EF4-FFF2-40B4-BE49-F238E27FC236}">
+                <a16:creationId xmlns:a16="http://schemas.microsoft.com/office/drawing/2014/main" id="{CB42A947-AAD4-4B44-BE07-A20AD9DC2A52}"/>
+              </a:ext>
+            </a:extLst>
+          </p:cNvPr>
+          <p:cNvSpPr/>
+          <p:nvPr/>
+        </p:nvSpPr>
+        <p:spPr>
+          <a:xfrm>
+            <a:off x="463132" y="2056913"/>
+            <a:ext cx="2196935" cy="360000"/>
+          </a:xfrm>
+          <a:prstGeom prst="rect">
+            <a:avLst/>
+          </a:prstGeom>
+        </p:spPr>
+        <p:style>
+          <a:lnRef idx="2">
+            <a:schemeClr val="dk1"/>
+          </a:lnRef>
+          <a:fillRef idx="1">
+            <a:schemeClr val="lt1"/>
+          </a:fillRef>
+          <a:effectRef idx="0">
+            <a:schemeClr val="dk1"/>
+          </a:effectRef>
+          <a:fontRef idx="minor">
+            <a:schemeClr val="dk1"/>
+          </a:fontRef>
+        </p:style>
+        <p:txBody>
+          <a:bodyPr rtlCol="0" anchor="ctr"/>
+          <a:lstStyle/>
+          <a:p>
+            <a:pPr algn="ctr"/>
+            <a:r>
+              <a:rPr lang="en-US" altLang="ko-KR" dirty="0"/>
+              <a:t>STT</a:t>
+            </a:r>
+            <a:endParaRPr lang="ko-KR" altLang="en-US" dirty="0"/>
+          </a:p>
+        </p:txBody>
+      </p:sp>
+      <p:sp>
+        <p:nvSpPr>
+          <p:cNvPr id="8" name="직사각형 7">
+            <a:extLst>
+              <a:ext uri="{FF2B5EF4-FFF2-40B4-BE49-F238E27FC236}">
+                <a16:creationId xmlns:a16="http://schemas.microsoft.com/office/drawing/2014/main" id="{4474DC20-038A-4CF4-A02E-6F0AC468AA4A}"/>
+              </a:ext>
+            </a:extLst>
+          </p:cNvPr>
+          <p:cNvSpPr/>
+          <p:nvPr/>
+        </p:nvSpPr>
+        <p:spPr>
+          <a:xfrm>
+            <a:off x="462108" y="2490352"/>
+            <a:ext cx="2196935" cy="360000"/>
+          </a:xfrm>
+          <a:prstGeom prst="rect">
+            <a:avLst/>
+          </a:prstGeom>
+        </p:spPr>
+        <p:style>
+          <a:lnRef idx="2">
+            <a:schemeClr val="dk1"/>
+          </a:lnRef>
+          <a:fillRef idx="1">
+            <a:schemeClr val="lt1"/>
+          </a:fillRef>
+          <a:effectRef idx="0">
+            <a:schemeClr val="dk1"/>
+          </a:effectRef>
+          <a:fontRef idx="minor">
+            <a:schemeClr val="dk1"/>
+          </a:fontRef>
+        </p:style>
+        <p:txBody>
+          <a:bodyPr rtlCol="0" anchor="ctr"/>
+          <a:lstStyle/>
+          <a:p>
+            <a:pPr algn="ctr"/>
+            <a:r>
+              <a:rPr lang="ko-KR" altLang="en-US" dirty="0"/>
+              <a:t>모션 인식</a:t>
+            </a:r>
+          </a:p>
+        </p:txBody>
+      </p:sp>
+      <p:sp>
+        <p:nvSpPr>
+          <p:cNvPr id="10" name="TextBox 9">
+            <a:extLst>
+              <a:ext uri="{FF2B5EF4-FFF2-40B4-BE49-F238E27FC236}">
+                <a16:creationId xmlns:a16="http://schemas.microsoft.com/office/drawing/2014/main" id="{666ACE12-881B-4435-94F5-E6C44C42C1BF}"/>
+              </a:ext>
+            </a:extLst>
+          </p:cNvPr>
+          <p:cNvSpPr txBox="1"/>
+          <p:nvPr/>
+        </p:nvSpPr>
+        <p:spPr>
+          <a:xfrm>
+            <a:off x="837207" y="1653589"/>
+            <a:ext cx="1466602" cy="323165"/>
+          </a:xfrm>
+          <a:prstGeom prst="rect">
+            <a:avLst/>
+          </a:prstGeom>
+          <a:noFill/>
+        </p:spPr>
+        <p:txBody>
+          <a:bodyPr wrap="square" rtlCol="0">
+            <a:spAutoFit/>
+          </a:bodyPr>
+          <a:lstStyle/>
+          <a:p>
+            <a:r>
+              <a:rPr lang="ko-KR" altLang="en-US" sz="1500" dirty="0"/>
+              <a:t>명령어 실행</a:t>
+            </a:r>
+          </a:p>
+        </p:txBody>
+      </p:sp>
+      <p:sp>
+        <p:nvSpPr>
+          <p:cNvPr id="12" name="직사각형 11">
+            <a:extLst>
+              <a:ext uri="{FF2B5EF4-FFF2-40B4-BE49-F238E27FC236}">
+                <a16:creationId xmlns:a16="http://schemas.microsoft.com/office/drawing/2014/main" id="{0381AFF6-D87B-4CF2-B921-142437DF639F}"/>
+              </a:ext>
+            </a:extLst>
+          </p:cNvPr>
+          <p:cNvSpPr/>
+          <p:nvPr/>
+        </p:nvSpPr>
+        <p:spPr>
+          <a:xfrm>
+            <a:off x="306773" y="3426511"/>
+            <a:ext cx="2505693" cy="997831"/>
+          </a:xfrm>
+          <a:prstGeom prst="rect">
+            <a:avLst/>
+          </a:prstGeom>
+        </p:spPr>
+        <p:style>
+          <a:lnRef idx="2">
+            <a:schemeClr val="dk1"/>
+          </a:lnRef>
+          <a:fillRef idx="1">
+            <a:schemeClr val="lt1"/>
+          </a:fillRef>
+          <a:effectRef idx="0">
+            <a:schemeClr val="dk1"/>
+          </a:effectRef>
+          <a:fontRef idx="minor">
+            <a:schemeClr val="dk1"/>
+          </a:fontRef>
+        </p:style>
+        <p:txBody>
+          <a:bodyPr rtlCol="0" anchor="ctr"/>
+          <a:lstStyle/>
+          <a:p>
+            <a:pPr algn="ctr"/>
+            <a:endParaRPr lang="ko-KR" altLang="en-US"/>
+          </a:p>
+        </p:txBody>
+      </p:sp>
+      <p:sp>
+        <p:nvSpPr>
+          <p:cNvPr id="14" name="직사각형 13">
+            <a:extLst>
+              <a:ext uri="{FF2B5EF4-FFF2-40B4-BE49-F238E27FC236}">
+                <a16:creationId xmlns:a16="http://schemas.microsoft.com/office/drawing/2014/main" id="{830B61A4-F4E5-4442-921F-FBAC94DA4D1F}"/>
+              </a:ext>
+            </a:extLst>
+          </p:cNvPr>
+          <p:cNvSpPr/>
+          <p:nvPr/>
+        </p:nvSpPr>
+        <p:spPr>
+          <a:xfrm>
+            <a:off x="456170" y="3955390"/>
+            <a:ext cx="2196935" cy="360000"/>
+          </a:xfrm>
+          <a:prstGeom prst="rect">
+            <a:avLst/>
+          </a:prstGeom>
+        </p:spPr>
+        <p:style>
+          <a:lnRef idx="2">
+            <a:schemeClr val="dk1"/>
+          </a:lnRef>
+          <a:fillRef idx="1">
+            <a:schemeClr val="lt1"/>
+          </a:fillRef>
+          <a:effectRef idx="0">
+            <a:schemeClr val="dk1"/>
+          </a:effectRef>
+          <a:fontRef idx="minor">
+            <a:schemeClr val="dk1"/>
+          </a:fontRef>
+        </p:style>
+        <p:txBody>
+          <a:bodyPr rtlCol="0" anchor="ctr"/>
+          <a:lstStyle/>
+          <a:p>
+            <a:pPr algn="ctr"/>
+            <a:r>
+              <a:rPr lang="ko-KR" altLang="en-US" dirty="0"/>
+              <a:t>운동 재활 프로그램</a:t>
+            </a:r>
+          </a:p>
+        </p:txBody>
+      </p:sp>
+      <p:sp>
+        <p:nvSpPr>
+          <p:cNvPr id="15" name="TextBox 14">
+            <a:extLst>
+              <a:ext uri="{FF2B5EF4-FFF2-40B4-BE49-F238E27FC236}">
+                <a16:creationId xmlns:a16="http://schemas.microsoft.com/office/drawing/2014/main" id="{9277DD03-1798-4551-B745-1505DE1BE131}"/>
+              </a:ext>
+            </a:extLst>
+          </p:cNvPr>
+          <p:cNvSpPr txBox="1"/>
+          <p:nvPr/>
+        </p:nvSpPr>
+        <p:spPr>
+          <a:xfrm>
+            <a:off x="857822" y="3136004"/>
+            <a:ext cx="1393629" cy="323165"/>
+          </a:xfrm>
+          <a:prstGeom prst="rect">
+            <a:avLst/>
+          </a:prstGeom>
+          <a:noFill/>
+        </p:spPr>
+        <p:txBody>
+          <a:bodyPr wrap="square" rtlCol="0">
+            <a:spAutoFit/>
+          </a:bodyPr>
+          <a:lstStyle/>
+          <a:p>
+            <a:r>
+              <a:rPr lang="ko-KR" altLang="en-US" sz="1500" dirty="0"/>
+              <a:t>재활 프로그램</a:t>
+            </a:r>
+          </a:p>
+        </p:txBody>
+      </p:sp>
+      <p:pic>
+        <p:nvPicPr>
+          <p:cNvPr id="16" name="그림 15" descr="텍스트, 클립아트이(가) 표시된 사진&#10;&#10;자동 생성된 설명">
+            <a:extLst>
+              <a:ext uri="{FF2B5EF4-FFF2-40B4-BE49-F238E27FC236}">
+                <a16:creationId xmlns:a16="http://schemas.microsoft.com/office/drawing/2014/main" id="{FF1690DC-0AAD-4391-8609-D6BC58C1B6DB}"/>
+              </a:ext>
+            </a:extLst>
+          </p:cNvPr>
+          <p:cNvPicPr>
+            <a:picLocks noChangeAspect="1"/>
+          </p:cNvPicPr>
+          <p:nvPr/>
+        </p:nvPicPr>
+        <p:blipFill>
+          <a:blip r:embed="rId3">
+            <a:extLst>
+              <a:ext uri="{28A0092B-C50C-407E-A947-70E740481C1C}">
+                <a14:useLocalDpi xmlns:a14="http://schemas.microsoft.com/office/drawing/2010/main" val="0"/>
+              </a:ext>
+            </a:extLst>
+          </a:blip>
+          <a:stretch>
+            <a:fillRect/>
+          </a:stretch>
+        </p:blipFill>
+        <p:spPr>
+          <a:xfrm>
+            <a:off x="4206152" y="879377"/>
+            <a:ext cx="2034331" cy="705374"/>
+          </a:xfrm>
+          <a:prstGeom prst="rect">
+            <a:avLst/>
+          </a:prstGeom>
+        </p:spPr>
+      </p:pic>
+      <p:pic>
+        <p:nvPicPr>
+          <p:cNvPr id="17" name="그림 16">
+            <a:extLst>
+              <a:ext uri="{FF2B5EF4-FFF2-40B4-BE49-F238E27FC236}">
+                <a16:creationId xmlns:a16="http://schemas.microsoft.com/office/drawing/2014/main" id="{4961D9D5-0111-4CDA-87B7-42B33EE24D22}"/>
+              </a:ext>
+            </a:extLst>
+          </p:cNvPr>
+          <p:cNvPicPr>
+            <a:picLocks noChangeAspect="1"/>
+          </p:cNvPicPr>
+          <p:nvPr/>
+        </p:nvPicPr>
+        <p:blipFill rotWithShape="1">
+          <a:blip r:embed="rId4">
+            <a:extLst>
+              <a:ext uri="{28A0092B-C50C-407E-A947-70E740481C1C}">
+                <a14:useLocalDpi xmlns:a14="http://schemas.microsoft.com/office/drawing/2010/main" val="0"/>
+              </a:ext>
+            </a:extLst>
+          </a:blip>
+          <a:srcRect l="11839" r="10490"/>
+          <a:stretch/>
+        </p:blipFill>
+        <p:spPr>
+          <a:xfrm>
+            <a:off x="10208995" y="879377"/>
+            <a:ext cx="1676785" cy="656400"/>
+          </a:xfrm>
+          <a:prstGeom prst="rect">
+            <a:avLst/>
+          </a:prstGeom>
+        </p:spPr>
+      </p:pic>
+      <p:sp>
+        <p:nvSpPr>
+          <p:cNvPr id="20" name="TextBox 19">
+            <a:extLst>
+              <a:ext uri="{FF2B5EF4-FFF2-40B4-BE49-F238E27FC236}">
+                <a16:creationId xmlns:a16="http://schemas.microsoft.com/office/drawing/2014/main" id="{33212DDF-23A6-4A5C-A5F7-98E692FAA8D2}"/>
+              </a:ext>
+            </a:extLst>
+          </p:cNvPr>
+          <p:cNvSpPr txBox="1"/>
+          <p:nvPr/>
+        </p:nvSpPr>
+        <p:spPr>
+          <a:xfrm>
+            <a:off x="9109523" y="2045819"/>
+            <a:ext cx="1000919" cy="276999"/>
+          </a:xfrm>
+          <a:prstGeom prst="rect">
+            <a:avLst/>
+          </a:prstGeom>
+          <a:noFill/>
+        </p:spPr>
+        <p:txBody>
+          <a:bodyPr wrap="square" rtlCol="0">
+            <a:spAutoFit/>
+          </a:bodyPr>
+          <a:lstStyle/>
+          <a:p>
+            <a:r>
+              <a:rPr lang="ko-KR" altLang="en-US" sz="1200" dirty="0"/>
+              <a:t>데이터 전송</a:t>
+            </a:r>
+          </a:p>
+        </p:txBody>
+      </p:sp>
+      <p:cxnSp>
+        <p:nvCxnSpPr>
+          <p:cNvPr id="21" name="직선 화살표 연결선 20">
+            <a:extLst>
+              <a:ext uri="{FF2B5EF4-FFF2-40B4-BE49-F238E27FC236}">
+                <a16:creationId xmlns:a16="http://schemas.microsoft.com/office/drawing/2014/main" id="{4CB52F51-9AAC-4C4C-9B57-87E7453F3F44}"/>
+              </a:ext>
+            </a:extLst>
+          </p:cNvPr>
+          <p:cNvCxnSpPr>
+            <a:cxnSpLocks/>
+          </p:cNvCxnSpPr>
+          <p:nvPr/>
+        </p:nvCxnSpPr>
+        <p:spPr>
+          <a:xfrm>
+            <a:off x="3054318" y="2070437"/>
+            <a:ext cx="1079403" cy="0"/>
+          </a:xfrm>
+          <a:prstGeom prst="straightConnector1">
+            <a:avLst/>
+          </a:prstGeom>
+          <a:ln>
+            <a:tailEnd type="triangle"/>
+          </a:ln>
+        </p:spPr>
+        <p:style>
+          <a:lnRef idx="3">
+            <a:schemeClr val="dk1"/>
+          </a:lnRef>
+          <a:fillRef idx="0">
+            <a:schemeClr val="dk1"/>
+          </a:fillRef>
+          <a:effectRef idx="2">
+            <a:schemeClr val="dk1"/>
+          </a:effectRef>
+          <a:fontRef idx="minor">
+            <a:schemeClr val="tx1"/>
+          </a:fontRef>
+        </p:style>
+      </p:cxnSp>
+      <p:cxnSp>
+        <p:nvCxnSpPr>
+          <p:cNvPr id="22" name="직선 화살표 연결선 21">
+            <a:extLst>
+              <a:ext uri="{FF2B5EF4-FFF2-40B4-BE49-F238E27FC236}">
+                <a16:creationId xmlns:a16="http://schemas.microsoft.com/office/drawing/2014/main" id="{00041B83-FA58-4806-86EF-0BF77F8EA5CE}"/>
+              </a:ext>
+            </a:extLst>
+          </p:cNvPr>
+          <p:cNvCxnSpPr>
+            <a:cxnSpLocks/>
+          </p:cNvCxnSpPr>
+          <p:nvPr/>
+        </p:nvCxnSpPr>
+        <p:spPr>
+          <a:xfrm flipH="1">
+            <a:off x="3036503" y="2556712"/>
+            <a:ext cx="1079404" cy="0"/>
+          </a:xfrm>
+          <a:prstGeom prst="straightConnector1">
+            <a:avLst/>
+          </a:prstGeom>
+          <a:ln>
+            <a:tailEnd type="triangle"/>
+          </a:ln>
+        </p:spPr>
+        <p:style>
+          <a:lnRef idx="3">
+            <a:schemeClr val="dk1"/>
+          </a:lnRef>
+          <a:fillRef idx="0">
+            <a:schemeClr val="dk1"/>
+          </a:fillRef>
+          <a:effectRef idx="2">
+            <a:schemeClr val="dk1"/>
+          </a:effectRef>
+          <a:fontRef idx="minor">
+            <a:schemeClr val="tx1"/>
+          </a:fontRef>
+        </p:style>
+      </p:cxnSp>
+      <p:sp>
+        <p:nvSpPr>
+          <p:cNvPr id="23" name="TextBox 22">
+            <a:extLst>
+              <a:ext uri="{FF2B5EF4-FFF2-40B4-BE49-F238E27FC236}">
+                <a16:creationId xmlns:a16="http://schemas.microsoft.com/office/drawing/2014/main" id="{8043D1FF-CE10-4C58-8A04-1DDB23AD71FE}"/>
+              </a:ext>
+            </a:extLst>
+          </p:cNvPr>
+          <p:cNvSpPr txBox="1"/>
+          <p:nvPr/>
+        </p:nvSpPr>
+        <p:spPr>
+          <a:xfrm>
+            <a:off x="3112282" y="1805613"/>
+            <a:ext cx="895294" cy="276999"/>
+          </a:xfrm>
+          <a:prstGeom prst="rect">
+            <a:avLst/>
+          </a:prstGeom>
+          <a:noFill/>
+        </p:spPr>
+        <p:txBody>
+          <a:bodyPr wrap="square" rtlCol="0">
+            <a:spAutoFit/>
+          </a:bodyPr>
+          <a:lstStyle/>
+          <a:p>
+            <a:r>
+              <a:rPr lang="ko-KR" altLang="en-US" sz="1200" dirty="0"/>
+              <a:t>사진 전송</a:t>
+            </a:r>
+          </a:p>
+        </p:txBody>
+      </p:sp>
+      <p:sp>
+        <p:nvSpPr>
+          <p:cNvPr id="24" name="TextBox 23">
+            <a:extLst>
+              <a:ext uri="{FF2B5EF4-FFF2-40B4-BE49-F238E27FC236}">
+                <a16:creationId xmlns:a16="http://schemas.microsoft.com/office/drawing/2014/main" id="{97039C72-4C62-4062-9F1C-4B65002144C2}"/>
+              </a:ext>
+            </a:extLst>
+          </p:cNvPr>
+          <p:cNvSpPr txBox="1"/>
+          <p:nvPr/>
+        </p:nvSpPr>
+        <p:spPr>
+          <a:xfrm>
+            <a:off x="2970622" y="2264969"/>
+            <a:ext cx="1235530" cy="276999"/>
+          </a:xfrm>
+          <a:prstGeom prst="rect">
+            <a:avLst/>
+          </a:prstGeom>
+          <a:noFill/>
+        </p:spPr>
+        <p:txBody>
+          <a:bodyPr wrap="square" rtlCol="0">
+            <a:spAutoFit/>
+          </a:bodyPr>
+          <a:lstStyle/>
+          <a:p>
+            <a:r>
+              <a:rPr lang="ko-KR" altLang="en-US" sz="1200" dirty="0"/>
+              <a:t>인식 결과 전송</a:t>
+            </a:r>
+          </a:p>
+        </p:txBody>
+      </p:sp>
+      <p:sp>
+        <p:nvSpPr>
+          <p:cNvPr id="25" name="직사각형 24">
+            <a:extLst>
+              <a:ext uri="{FF2B5EF4-FFF2-40B4-BE49-F238E27FC236}">
+                <a16:creationId xmlns:a16="http://schemas.microsoft.com/office/drawing/2014/main" id="{5692079A-4E09-41E7-91FA-914A29DDDBFE}"/>
+              </a:ext>
+            </a:extLst>
+          </p:cNvPr>
+          <p:cNvSpPr/>
+          <p:nvPr/>
+        </p:nvSpPr>
+        <p:spPr>
+          <a:xfrm>
+            <a:off x="4236213" y="1626434"/>
+            <a:ext cx="1872000" cy="1065968"/>
+          </a:xfrm>
+          <a:prstGeom prst="rect">
+            <a:avLst/>
+          </a:prstGeom>
+        </p:spPr>
+        <p:style>
+          <a:lnRef idx="2">
+            <a:schemeClr val="dk1"/>
+          </a:lnRef>
+          <a:fillRef idx="1">
+            <a:schemeClr val="lt1"/>
+          </a:fillRef>
+          <a:effectRef idx="0">
+            <a:schemeClr val="dk1"/>
+          </a:effectRef>
+          <a:fontRef idx="minor">
+            <a:schemeClr val="dk1"/>
+          </a:fontRef>
+        </p:style>
+        <p:txBody>
+          <a:bodyPr rtlCol="0" anchor="ctr"/>
+          <a:lstStyle/>
+          <a:p>
+            <a:pPr algn="ctr"/>
+            <a:endParaRPr lang="ko-KR" altLang="en-US"/>
+          </a:p>
+        </p:txBody>
+      </p:sp>
+      <p:sp>
+        <p:nvSpPr>
+          <p:cNvPr id="27" name="직사각형 26">
+            <a:extLst>
+              <a:ext uri="{FF2B5EF4-FFF2-40B4-BE49-F238E27FC236}">
+                <a16:creationId xmlns:a16="http://schemas.microsoft.com/office/drawing/2014/main" id="{774B2BF0-8C0B-4433-9BB3-9762277E252C}"/>
+              </a:ext>
+            </a:extLst>
+          </p:cNvPr>
+          <p:cNvSpPr/>
+          <p:nvPr/>
+        </p:nvSpPr>
+        <p:spPr>
+          <a:xfrm>
+            <a:off x="4291785" y="1962116"/>
+            <a:ext cx="1728000" cy="451262"/>
+          </a:xfrm>
+          <a:prstGeom prst="rect">
+            <a:avLst/>
+          </a:prstGeom>
+        </p:spPr>
+        <p:style>
+          <a:lnRef idx="2">
+            <a:schemeClr val="dk1"/>
+          </a:lnRef>
+          <a:fillRef idx="1">
+            <a:schemeClr val="lt1"/>
+          </a:fillRef>
+          <a:effectRef idx="0">
+            <a:schemeClr val="dk1"/>
+          </a:effectRef>
+          <a:fontRef idx="minor">
+            <a:schemeClr val="dk1"/>
+          </a:fontRef>
+        </p:style>
+        <p:txBody>
+          <a:bodyPr rtlCol="0" anchor="ctr"/>
+          <a:lstStyle/>
+          <a:p>
+            <a:pPr algn="ctr"/>
+            <a:r>
+              <a:rPr lang="ko-KR" altLang="en-US" dirty="0"/>
+              <a:t>데이터 전달</a:t>
+            </a:r>
+          </a:p>
+        </p:txBody>
+      </p:sp>
+      <p:sp>
+        <p:nvSpPr>
+          <p:cNvPr id="28" name="직사각형 27">
+            <a:extLst>
+              <a:ext uri="{FF2B5EF4-FFF2-40B4-BE49-F238E27FC236}">
+                <a16:creationId xmlns:a16="http://schemas.microsoft.com/office/drawing/2014/main" id="{6F3076CA-EC5F-462F-B23A-7D11CA03D379}"/>
+              </a:ext>
+            </a:extLst>
+          </p:cNvPr>
+          <p:cNvSpPr/>
+          <p:nvPr/>
+        </p:nvSpPr>
+        <p:spPr>
+          <a:xfrm>
+            <a:off x="10170566" y="1626433"/>
+            <a:ext cx="1872000" cy="3218706"/>
+          </a:xfrm>
+          <a:prstGeom prst="rect">
+            <a:avLst/>
+          </a:prstGeom>
+        </p:spPr>
+        <p:style>
+          <a:lnRef idx="2">
+            <a:schemeClr val="dk1"/>
+          </a:lnRef>
+          <a:fillRef idx="1">
+            <a:schemeClr val="lt1"/>
+          </a:fillRef>
+          <a:effectRef idx="0">
+            <a:schemeClr val="dk1"/>
+          </a:effectRef>
+          <a:fontRef idx="minor">
+            <a:schemeClr val="dk1"/>
+          </a:fontRef>
+        </p:style>
+        <p:txBody>
+          <a:bodyPr rtlCol="0" anchor="ctr"/>
+          <a:lstStyle/>
+          <a:p>
+            <a:pPr algn="ctr"/>
+            <a:endParaRPr lang="ko-KR" altLang="en-US"/>
+          </a:p>
+        </p:txBody>
+      </p:sp>
+      <p:sp>
+        <p:nvSpPr>
+          <p:cNvPr id="29" name="직사각형 28">
+            <a:extLst>
+              <a:ext uri="{FF2B5EF4-FFF2-40B4-BE49-F238E27FC236}">
+                <a16:creationId xmlns:a16="http://schemas.microsoft.com/office/drawing/2014/main" id="{C524CD84-4215-45DF-93D4-D682F574B9AF}"/>
+              </a:ext>
+            </a:extLst>
+          </p:cNvPr>
+          <p:cNvSpPr/>
+          <p:nvPr/>
+        </p:nvSpPr>
+        <p:spPr>
+          <a:xfrm>
+            <a:off x="10242566" y="1955973"/>
+            <a:ext cx="1728000" cy="451262"/>
+          </a:xfrm>
+          <a:prstGeom prst="rect">
+            <a:avLst/>
+          </a:prstGeom>
+        </p:spPr>
+        <p:style>
+          <a:lnRef idx="2">
+            <a:schemeClr val="dk1"/>
+          </a:lnRef>
+          <a:fillRef idx="1">
+            <a:schemeClr val="lt1"/>
+          </a:fillRef>
+          <a:effectRef idx="0">
+            <a:schemeClr val="dk1"/>
+          </a:effectRef>
+          <a:fontRef idx="minor">
+            <a:schemeClr val="dk1"/>
+          </a:fontRef>
+        </p:style>
+        <p:txBody>
+          <a:bodyPr rtlCol="0" anchor="ctr"/>
+          <a:lstStyle/>
+          <a:p>
+            <a:pPr algn="ctr"/>
+            <a:r>
+              <a:rPr lang="ko-KR" altLang="en-US" sz="1600" dirty="0"/>
+              <a:t>사용자 정보</a:t>
+            </a:r>
+          </a:p>
+        </p:txBody>
+      </p:sp>
+      <p:sp>
+        <p:nvSpPr>
+          <p:cNvPr id="35" name="직사각형 34">
+            <a:extLst>
+              <a:ext uri="{FF2B5EF4-FFF2-40B4-BE49-F238E27FC236}">
+                <a16:creationId xmlns:a16="http://schemas.microsoft.com/office/drawing/2014/main" id="{14244C26-938B-40AC-A802-BA217E206C16}"/>
+              </a:ext>
+            </a:extLst>
+          </p:cNvPr>
+          <p:cNvSpPr/>
+          <p:nvPr/>
+        </p:nvSpPr>
+        <p:spPr>
+          <a:xfrm>
+            <a:off x="10242566" y="2670352"/>
+            <a:ext cx="1728000" cy="451262"/>
+          </a:xfrm>
+          <a:prstGeom prst="rect">
+            <a:avLst/>
+          </a:prstGeom>
+        </p:spPr>
+        <p:style>
+          <a:lnRef idx="2">
+            <a:schemeClr val="dk1"/>
+          </a:lnRef>
+          <a:fillRef idx="1">
+            <a:schemeClr val="lt1"/>
+          </a:fillRef>
+          <a:effectRef idx="0">
+            <a:schemeClr val="dk1"/>
+          </a:effectRef>
+          <a:fontRef idx="minor">
+            <a:schemeClr val="dk1"/>
+          </a:fontRef>
+        </p:style>
+        <p:txBody>
+          <a:bodyPr rtlCol="0" anchor="ctr"/>
+          <a:lstStyle/>
+          <a:p>
+            <a:pPr algn="ctr"/>
+            <a:r>
+              <a:rPr lang="ko-KR" altLang="en-US" sz="1600" dirty="0"/>
+              <a:t>재활 프로그램</a:t>
+            </a:r>
+          </a:p>
+        </p:txBody>
+      </p:sp>
+      <p:sp>
+        <p:nvSpPr>
+          <p:cNvPr id="36" name="직사각형 35">
+            <a:extLst>
+              <a:ext uri="{FF2B5EF4-FFF2-40B4-BE49-F238E27FC236}">
+                <a16:creationId xmlns:a16="http://schemas.microsoft.com/office/drawing/2014/main" id="{CCA45C0B-75DB-4FF8-AD72-98BD8E321A26}"/>
+              </a:ext>
+            </a:extLst>
+          </p:cNvPr>
+          <p:cNvSpPr/>
+          <p:nvPr/>
+        </p:nvSpPr>
+        <p:spPr>
+          <a:xfrm>
+            <a:off x="10242566" y="3364863"/>
+            <a:ext cx="1728000" cy="451262"/>
+          </a:xfrm>
+          <a:prstGeom prst="rect">
+            <a:avLst/>
+          </a:prstGeom>
+        </p:spPr>
+        <p:style>
+          <a:lnRef idx="2">
+            <a:schemeClr val="dk1"/>
+          </a:lnRef>
+          <a:fillRef idx="1">
+            <a:schemeClr val="lt1"/>
+          </a:fillRef>
+          <a:effectRef idx="0">
+            <a:schemeClr val="dk1"/>
+          </a:effectRef>
+          <a:fontRef idx="minor">
+            <a:schemeClr val="dk1"/>
+          </a:fontRef>
+        </p:style>
+        <p:txBody>
+          <a:bodyPr rtlCol="0" anchor="ctr"/>
+          <a:lstStyle/>
+          <a:p>
+            <a:pPr algn="ctr"/>
+            <a:r>
+              <a:rPr lang="ko-KR" altLang="en-US" sz="1400" dirty="0"/>
+              <a:t>연결된 기기 정보</a:t>
+            </a:r>
+          </a:p>
+        </p:txBody>
+      </p:sp>
+      <p:pic>
+        <p:nvPicPr>
+          <p:cNvPr id="37" name="그림 36">
+            <a:extLst>
+              <a:ext uri="{FF2B5EF4-FFF2-40B4-BE49-F238E27FC236}">
+                <a16:creationId xmlns:a16="http://schemas.microsoft.com/office/drawing/2014/main" id="{019919DC-4A55-495F-8291-4CCCFB6C0712}"/>
+              </a:ext>
+            </a:extLst>
+          </p:cNvPr>
+          <p:cNvPicPr>
+            <a:picLocks noChangeAspect="1"/>
+          </p:cNvPicPr>
+          <p:nvPr/>
+        </p:nvPicPr>
+        <p:blipFill>
+          <a:blip r:embed="rId5">
+            <a:extLst>
+              <a:ext uri="{28A0092B-C50C-407E-A947-70E740481C1C}">
+                <a14:useLocalDpi xmlns:a14="http://schemas.microsoft.com/office/drawing/2010/main" val="0"/>
+              </a:ext>
+            </a:extLst>
+          </a:blip>
+          <a:stretch>
+            <a:fillRect/>
+          </a:stretch>
+        </p:blipFill>
+        <p:spPr>
+          <a:xfrm>
+            <a:off x="1222632" y="6132678"/>
+            <a:ext cx="683563" cy="642313"/>
+          </a:xfrm>
+          <a:prstGeom prst="rect">
+            <a:avLst/>
+          </a:prstGeom>
+        </p:spPr>
+      </p:pic>
+      <p:cxnSp>
+        <p:nvCxnSpPr>
+          <p:cNvPr id="38" name="직선 화살표 연결선 37">
+            <a:extLst>
+              <a:ext uri="{FF2B5EF4-FFF2-40B4-BE49-F238E27FC236}">
+                <a16:creationId xmlns:a16="http://schemas.microsoft.com/office/drawing/2014/main" id="{2E0256FC-35A9-4B2C-8BDB-6F925E653F10}"/>
+              </a:ext>
+            </a:extLst>
+          </p:cNvPr>
+          <p:cNvCxnSpPr>
+            <a:cxnSpLocks/>
+          </p:cNvCxnSpPr>
+          <p:nvPr/>
+        </p:nvCxnSpPr>
+        <p:spPr>
+          <a:xfrm>
+            <a:off x="1669780" y="5607598"/>
+            <a:ext cx="0" cy="506238"/>
+          </a:xfrm>
+          <a:prstGeom prst="straightConnector1">
+            <a:avLst/>
+          </a:prstGeom>
+          <a:ln>
+            <a:tailEnd type="triangle"/>
+          </a:ln>
+        </p:spPr>
+        <p:style>
+          <a:lnRef idx="3">
+            <a:schemeClr val="dk1"/>
+          </a:lnRef>
+          <a:fillRef idx="0">
+            <a:schemeClr val="dk1"/>
+          </a:fillRef>
+          <a:effectRef idx="2">
+            <a:schemeClr val="dk1"/>
+          </a:effectRef>
+          <a:fontRef idx="minor">
+            <a:schemeClr val="tx1"/>
+          </a:fontRef>
+        </p:style>
+      </p:cxnSp>
+      <p:cxnSp>
+        <p:nvCxnSpPr>
+          <p:cNvPr id="39" name="직선 화살표 연결선 38">
+            <a:extLst>
+              <a:ext uri="{FF2B5EF4-FFF2-40B4-BE49-F238E27FC236}">
+                <a16:creationId xmlns:a16="http://schemas.microsoft.com/office/drawing/2014/main" id="{0124FC7E-DB5C-42BC-BB2A-6F071FCF0B09}"/>
+              </a:ext>
+            </a:extLst>
+          </p:cNvPr>
+          <p:cNvCxnSpPr>
+            <a:cxnSpLocks/>
+          </p:cNvCxnSpPr>
+          <p:nvPr/>
+        </p:nvCxnSpPr>
+        <p:spPr>
+          <a:xfrm flipV="1">
+            <a:off x="1396647" y="5607598"/>
+            <a:ext cx="0" cy="506238"/>
+          </a:xfrm>
+          <a:prstGeom prst="straightConnector1">
+            <a:avLst/>
+          </a:prstGeom>
+          <a:ln>
+            <a:tailEnd type="triangle"/>
+          </a:ln>
+        </p:spPr>
+        <p:style>
+          <a:lnRef idx="3">
+            <a:schemeClr val="dk1"/>
+          </a:lnRef>
+          <a:fillRef idx="0">
+            <a:schemeClr val="dk1"/>
+          </a:fillRef>
+          <a:effectRef idx="2">
+            <a:schemeClr val="dk1"/>
+          </a:effectRef>
+          <a:fontRef idx="minor">
+            <a:schemeClr val="tx1"/>
+          </a:fontRef>
+        </p:style>
+      </p:cxnSp>
+      <p:sp>
+        <p:nvSpPr>
+          <p:cNvPr id="40" name="TextBox 39">
+            <a:extLst>
+              <a:ext uri="{FF2B5EF4-FFF2-40B4-BE49-F238E27FC236}">
+                <a16:creationId xmlns:a16="http://schemas.microsoft.com/office/drawing/2014/main" id="{0975EAF3-DE55-417E-BB16-60A6E990524F}"/>
+              </a:ext>
+            </a:extLst>
+          </p:cNvPr>
+          <p:cNvSpPr txBox="1"/>
+          <p:nvPr/>
+        </p:nvSpPr>
+        <p:spPr>
+          <a:xfrm>
+            <a:off x="1677261" y="5741212"/>
+            <a:ext cx="1181839" cy="276999"/>
+          </a:xfrm>
+          <a:prstGeom prst="rect">
+            <a:avLst/>
+          </a:prstGeom>
+          <a:noFill/>
+        </p:spPr>
+        <p:txBody>
+          <a:bodyPr wrap="square" rtlCol="0">
+            <a:spAutoFit/>
+          </a:bodyPr>
+          <a:lstStyle/>
+          <a:p>
+            <a:r>
+              <a:rPr lang="ko-KR" altLang="en-US" sz="1200" dirty="0"/>
+              <a:t>디바이스 제어</a:t>
+            </a:r>
+          </a:p>
+        </p:txBody>
+      </p:sp>
+      <p:sp>
+        <p:nvSpPr>
+          <p:cNvPr id="41" name="TextBox 40">
+            <a:extLst>
+              <a:ext uri="{FF2B5EF4-FFF2-40B4-BE49-F238E27FC236}">
+                <a16:creationId xmlns:a16="http://schemas.microsoft.com/office/drawing/2014/main" id="{EE4AFD67-882C-4650-B71F-75BEF793AA95}"/>
+              </a:ext>
+            </a:extLst>
+          </p:cNvPr>
+          <p:cNvSpPr txBox="1"/>
+          <p:nvPr/>
+        </p:nvSpPr>
+        <p:spPr>
+          <a:xfrm>
+            <a:off x="153459" y="5716615"/>
+            <a:ext cx="1237256" cy="276999"/>
+          </a:xfrm>
+          <a:prstGeom prst="rect">
+            <a:avLst/>
+          </a:prstGeom>
+          <a:noFill/>
+        </p:spPr>
+        <p:txBody>
+          <a:bodyPr wrap="square" rtlCol="0">
+            <a:spAutoFit/>
+          </a:bodyPr>
+          <a:lstStyle/>
+          <a:p>
+            <a:r>
+              <a:rPr lang="ko-KR" altLang="en-US" sz="1200" dirty="0"/>
+              <a:t>제어 결과 전송</a:t>
+            </a:r>
+          </a:p>
+        </p:txBody>
+      </p:sp>
+      <p:sp>
+        <p:nvSpPr>
+          <p:cNvPr id="34" name="직사각형 33">
+            <a:extLst>
+              <a:ext uri="{FF2B5EF4-FFF2-40B4-BE49-F238E27FC236}">
+                <a16:creationId xmlns:a16="http://schemas.microsoft.com/office/drawing/2014/main" id="{CABC7192-338E-4FD1-AAC3-68F6E9D728C5}"/>
+              </a:ext>
+            </a:extLst>
+          </p:cNvPr>
+          <p:cNvSpPr/>
+          <p:nvPr/>
+        </p:nvSpPr>
+        <p:spPr>
+          <a:xfrm>
+            <a:off x="10242566" y="4059374"/>
+            <a:ext cx="1728000" cy="451262"/>
+          </a:xfrm>
+          <a:prstGeom prst="rect">
+            <a:avLst/>
+          </a:prstGeom>
+        </p:spPr>
+        <p:style>
+          <a:lnRef idx="2">
+            <a:schemeClr val="dk1"/>
+          </a:lnRef>
+          <a:fillRef idx="1">
+            <a:schemeClr val="lt1"/>
+          </a:fillRef>
+          <a:effectRef idx="0">
+            <a:schemeClr val="dk1"/>
+          </a:effectRef>
+          <a:fontRef idx="minor">
+            <a:schemeClr val="dk1"/>
+          </a:fontRef>
+        </p:style>
+        <p:txBody>
+          <a:bodyPr rtlCol="0" anchor="ctr"/>
+          <a:lstStyle/>
+          <a:p>
+            <a:pPr algn="ctr"/>
+            <a:r>
+              <a:rPr lang="ko-KR" altLang="en-US" sz="1400" dirty="0"/>
+              <a:t>모션 인식 정보</a:t>
+            </a:r>
+          </a:p>
+        </p:txBody>
+      </p:sp>
+      <p:sp>
+        <p:nvSpPr>
+          <p:cNvPr id="42" name="직사각형 41">
+            <a:extLst>
+              <a:ext uri="{FF2B5EF4-FFF2-40B4-BE49-F238E27FC236}">
+                <a16:creationId xmlns:a16="http://schemas.microsoft.com/office/drawing/2014/main" id="{EF1C9AC6-DE74-414F-8364-0E9F4E3E63FA}"/>
+              </a:ext>
+            </a:extLst>
+          </p:cNvPr>
+          <p:cNvSpPr/>
+          <p:nvPr/>
+        </p:nvSpPr>
+        <p:spPr>
+          <a:xfrm>
+            <a:off x="463128" y="3525386"/>
+            <a:ext cx="2196935" cy="360000"/>
+          </a:xfrm>
+          <a:prstGeom prst="rect">
+            <a:avLst/>
+          </a:prstGeom>
+        </p:spPr>
+        <p:style>
+          <a:lnRef idx="2">
+            <a:schemeClr val="dk1"/>
+          </a:lnRef>
+          <a:fillRef idx="1">
+            <a:schemeClr val="lt1"/>
+          </a:fillRef>
+          <a:effectRef idx="0">
+            <a:schemeClr val="dk1"/>
+          </a:effectRef>
+          <a:fontRef idx="minor">
+            <a:schemeClr val="dk1"/>
+          </a:fontRef>
+        </p:style>
+        <p:txBody>
+          <a:bodyPr rtlCol="0" anchor="ctr"/>
+          <a:lstStyle/>
+          <a:p>
+            <a:pPr algn="ctr"/>
+            <a:r>
+              <a:rPr lang="ko-KR" altLang="en-US" dirty="0"/>
+              <a:t>언어 재활 프로그램</a:t>
+            </a:r>
+          </a:p>
+        </p:txBody>
+      </p:sp>
+      <p:sp>
+        <p:nvSpPr>
+          <p:cNvPr id="43" name="직사각형 42">
+            <a:extLst>
+              <a:ext uri="{FF2B5EF4-FFF2-40B4-BE49-F238E27FC236}">
+                <a16:creationId xmlns:a16="http://schemas.microsoft.com/office/drawing/2014/main" id="{2C930642-CD30-495A-A4EF-0FFB0E1D6AE9}"/>
+              </a:ext>
+            </a:extLst>
+          </p:cNvPr>
+          <p:cNvSpPr/>
+          <p:nvPr/>
+        </p:nvSpPr>
+        <p:spPr>
+          <a:xfrm>
+            <a:off x="317621" y="5092248"/>
+            <a:ext cx="2505693" cy="360000"/>
+          </a:xfrm>
+          <a:prstGeom prst="rect">
+            <a:avLst/>
+          </a:prstGeom>
+        </p:spPr>
+        <p:style>
+          <a:lnRef idx="2">
+            <a:schemeClr val="dk1"/>
+          </a:lnRef>
+          <a:fillRef idx="1">
+            <a:schemeClr val="lt1"/>
+          </a:fillRef>
+          <a:effectRef idx="0">
+            <a:schemeClr val="dk1"/>
+          </a:effectRef>
+          <a:fontRef idx="minor">
+            <a:schemeClr val="dk1"/>
+          </a:fontRef>
+        </p:style>
+        <p:txBody>
+          <a:bodyPr rtlCol="0" anchor="ctr"/>
+          <a:lstStyle/>
+          <a:p>
+            <a:pPr algn="ctr"/>
+            <a:r>
+              <a:rPr lang="ko-KR" altLang="en-US" dirty="0"/>
+              <a:t>기기 관리</a:t>
+            </a:r>
+          </a:p>
+        </p:txBody>
+      </p:sp>
+      <p:pic>
+        <p:nvPicPr>
+          <p:cNvPr id="9" name="그림 8">
+            <a:extLst>
+              <a:ext uri="{FF2B5EF4-FFF2-40B4-BE49-F238E27FC236}">
+                <a16:creationId xmlns:a16="http://schemas.microsoft.com/office/drawing/2014/main" id="{682394CB-EF42-4F76-971A-BF965E3ACA9C}"/>
+              </a:ext>
+            </a:extLst>
+          </p:cNvPr>
+          <p:cNvPicPr>
+            <a:picLocks noChangeAspect="1"/>
+          </p:cNvPicPr>
+          <p:nvPr/>
+        </p:nvPicPr>
+        <p:blipFill>
+          <a:blip r:embed="rId6">
+            <a:extLst>
+              <a:ext uri="{28A0092B-C50C-407E-A947-70E740481C1C}">
+                <a14:useLocalDpi xmlns:a14="http://schemas.microsoft.com/office/drawing/2010/main" val="0"/>
+              </a:ext>
+            </a:extLst>
+          </a:blip>
+          <a:stretch>
+            <a:fillRect/>
+          </a:stretch>
+        </p:blipFill>
+        <p:spPr>
+          <a:xfrm>
+            <a:off x="901382" y="881999"/>
+            <a:ext cx="1308921" cy="705373"/>
+          </a:xfrm>
+          <a:prstGeom prst="rect">
+            <a:avLst/>
+          </a:prstGeom>
+        </p:spPr>
+      </p:pic>
+      <p:sp>
+        <p:nvSpPr>
+          <p:cNvPr id="44" name="직사각형 43">
+            <a:extLst>
+              <a:ext uri="{FF2B5EF4-FFF2-40B4-BE49-F238E27FC236}">
+                <a16:creationId xmlns:a16="http://schemas.microsoft.com/office/drawing/2014/main" id="{8BABA93A-550D-4EB0-91AC-6351DC132667}"/>
+              </a:ext>
+            </a:extLst>
+          </p:cNvPr>
+          <p:cNvSpPr/>
+          <p:nvPr/>
+        </p:nvSpPr>
+        <p:spPr>
+          <a:xfrm>
+            <a:off x="311678" y="4597317"/>
+            <a:ext cx="2505693" cy="360000"/>
+          </a:xfrm>
+          <a:prstGeom prst="rect">
+            <a:avLst/>
+          </a:prstGeom>
+        </p:spPr>
+        <p:style>
+          <a:lnRef idx="2">
+            <a:schemeClr val="dk1"/>
+          </a:lnRef>
+          <a:fillRef idx="1">
+            <a:schemeClr val="lt1"/>
+          </a:fillRef>
+          <a:effectRef idx="0">
+            <a:schemeClr val="dk1"/>
+          </a:effectRef>
+          <a:fontRef idx="minor">
+            <a:schemeClr val="dk1"/>
+          </a:fontRef>
+        </p:style>
+        <p:txBody>
+          <a:bodyPr rtlCol="0" anchor="ctr"/>
+          <a:lstStyle/>
+          <a:p>
+            <a:pPr algn="ctr"/>
+            <a:r>
+              <a:rPr lang="ko-KR" altLang="en-US" dirty="0"/>
+              <a:t>회원 </a:t>
+            </a:r>
+            <a:r>
+              <a:rPr lang="ko-KR" altLang="en-US"/>
+              <a:t>가입</a:t>
+            </a:r>
+            <a:r>
+              <a:rPr lang="en-US" altLang="ko-KR" dirty="0"/>
+              <a:t>, </a:t>
+            </a:r>
+            <a:r>
+              <a:rPr lang="ko-KR" altLang="en-US" dirty="0"/>
+              <a:t>로그인</a:t>
+            </a:r>
+          </a:p>
+        </p:txBody>
+      </p:sp>
+      <p:pic>
+        <p:nvPicPr>
+          <p:cNvPr id="19" name="그림 18" descr="텍스트, 클립아트, 표지판이(가) 표시된 사진&#10;&#10;자동 생성된 설명">
+            <a:extLst>
+              <a:ext uri="{FF2B5EF4-FFF2-40B4-BE49-F238E27FC236}">
+                <a16:creationId xmlns:a16="http://schemas.microsoft.com/office/drawing/2014/main" id="{4A094E97-F797-4D2D-9C84-2AE16CDB1626}"/>
+              </a:ext>
+            </a:extLst>
+          </p:cNvPr>
+          <p:cNvPicPr>
+            <a:picLocks noChangeAspect="1"/>
+          </p:cNvPicPr>
+          <p:nvPr/>
+        </p:nvPicPr>
+        <p:blipFill>
+          <a:blip r:embed="rId7">
+            <a:extLst>
+              <a:ext uri="{28A0092B-C50C-407E-A947-70E740481C1C}">
+                <a14:useLocalDpi xmlns:a14="http://schemas.microsoft.com/office/drawing/2010/main" val="0"/>
+              </a:ext>
+            </a:extLst>
+          </a:blip>
+          <a:stretch>
+            <a:fillRect/>
+          </a:stretch>
+        </p:blipFill>
+        <p:spPr>
+          <a:xfrm>
+            <a:off x="7225285" y="879378"/>
+            <a:ext cx="1848248" cy="705374"/>
+          </a:xfrm>
+          <a:prstGeom prst="rect">
+            <a:avLst/>
+          </a:prstGeom>
+        </p:spPr>
+      </p:pic>
+      <p:sp>
+        <p:nvSpPr>
+          <p:cNvPr id="45" name="직사각형 44">
+            <a:extLst>
+              <a:ext uri="{FF2B5EF4-FFF2-40B4-BE49-F238E27FC236}">
+                <a16:creationId xmlns:a16="http://schemas.microsoft.com/office/drawing/2014/main" id="{6B468C53-7DB2-431F-B0CE-27BB35DF3879}"/>
+              </a:ext>
+            </a:extLst>
+          </p:cNvPr>
+          <p:cNvSpPr/>
+          <p:nvPr/>
+        </p:nvSpPr>
+        <p:spPr>
+          <a:xfrm>
+            <a:off x="7201533" y="1626432"/>
+            <a:ext cx="1872000" cy="2542168"/>
+          </a:xfrm>
+          <a:prstGeom prst="rect">
+            <a:avLst/>
+          </a:prstGeom>
+        </p:spPr>
+        <p:style>
+          <a:lnRef idx="2">
+            <a:schemeClr val="dk1"/>
+          </a:lnRef>
+          <a:fillRef idx="1">
+            <a:schemeClr val="lt1"/>
+          </a:fillRef>
+          <a:effectRef idx="0">
+            <a:schemeClr val="dk1"/>
+          </a:effectRef>
+          <a:fontRef idx="minor">
+            <a:schemeClr val="dk1"/>
+          </a:fontRef>
+        </p:style>
+        <p:txBody>
+          <a:bodyPr rtlCol="0" anchor="ctr"/>
+          <a:lstStyle/>
+          <a:p>
+            <a:pPr algn="ctr"/>
+            <a:endParaRPr lang="ko-KR" altLang="en-US"/>
+          </a:p>
+        </p:txBody>
+      </p:sp>
+      <p:sp>
+        <p:nvSpPr>
+          <p:cNvPr id="46" name="직사각형 45">
+            <a:extLst>
+              <a:ext uri="{FF2B5EF4-FFF2-40B4-BE49-F238E27FC236}">
+                <a16:creationId xmlns:a16="http://schemas.microsoft.com/office/drawing/2014/main" id="{D76D7EA1-DEDF-4E8D-B2DC-E55D12FB0D23}"/>
+              </a:ext>
+            </a:extLst>
+          </p:cNvPr>
+          <p:cNvSpPr/>
+          <p:nvPr/>
+        </p:nvSpPr>
+        <p:spPr>
+          <a:xfrm>
+            <a:off x="7279716" y="1964137"/>
+            <a:ext cx="1728000" cy="451262"/>
+          </a:xfrm>
+          <a:prstGeom prst="rect">
+            <a:avLst/>
+          </a:prstGeom>
+        </p:spPr>
+        <p:style>
+          <a:lnRef idx="2">
+            <a:schemeClr val="dk1"/>
+          </a:lnRef>
+          <a:fillRef idx="1">
+            <a:schemeClr val="lt1"/>
+          </a:fillRef>
+          <a:effectRef idx="0">
+            <a:schemeClr val="dk1"/>
+          </a:effectRef>
+          <a:fontRef idx="minor">
+            <a:schemeClr val="dk1"/>
+          </a:fontRef>
+        </p:style>
+        <p:txBody>
+          <a:bodyPr rtlCol="0" anchor="ctr"/>
+          <a:lstStyle/>
+          <a:p>
+            <a:pPr algn="ctr"/>
+            <a:r>
+              <a:rPr lang="ko-KR" altLang="en-US" dirty="0"/>
+              <a:t>모션 인식 모델</a:t>
+            </a:r>
+          </a:p>
+        </p:txBody>
+      </p:sp>
+      <p:sp>
+        <p:nvSpPr>
+          <p:cNvPr id="47" name="직사각형 46">
+            <a:extLst>
+              <a:ext uri="{FF2B5EF4-FFF2-40B4-BE49-F238E27FC236}">
+                <a16:creationId xmlns:a16="http://schemas.microsoft.com/office/drawing/2014/main" id="{C376FCFC-DD88-4C56-879E-B6B9AC2119B8}"/>
+              </a:ext>
+            </a:extLst>
+          </p:cNvPr>
+          <p:cNvSpPr/>
+          <p:nvPr/>
+        </p:nvSpPr>
+        <p:spPr>
+          <a:xfrm>
+            <a:off x="7279716" y="2670352"/>
+            <a:ext cx="1728000" cy="451262"/>
+          </a:xfrm>
+          <a:prstGeom prst="rect">
+            <a:avLst/>
+          </a:prstGeom>
+        </p:spPr>
+        <p:style>
+          <a:lnRef idx="2">
+            <a:schemeClr val="dk1"/>
+          </a:lnRef>
+          <a:fillRef idx="1">
+            <a:schemeClr val="lt1"/>
+          </a:fillRef>
+          <a:effectRef idx="0">
+            <a:schemeClr val="dk1"/>
+          </a:effectRef>
+          <a:fontRef idx="minor">
+            <a:schemeClr val="dk1"/>
+          </a:fontRef>
+        </p:style>
+        <p:txBody>
+          <a:bodyPr rtlCol="0" anchor="ctr"/>
+          <a:lstStyle/>
+          <a:p>
+            <a:pPr algn="ctr"/>
+            <a:r>
+              <a:rPr lang="ko-KR" altLang="en-US" dirty="0"/>
+              <a:t>데이터 전달</a:t>
+            </a:r>
+          </a:p>
+        </p:txBody>
+      </p:sp>
+      <p:cxnSp>
+        <p:nvCxnSpPr>
+          <p:cNvPr id="49" name="직선 화살표 연결선 48">
+            <a:extLst>
+              <a:ext uri="{FF2B5EF4-FFF2-40B4-BE49-F238E27FC236}">
+                <a16:creationId xmlns:a16="http://schemas.microsoft.com/office/drawing/2014/main" id="{80A0D9D5-5536-42FE-8411-8A0600B5458C}"/>
+              </a:ext>
+            </a:extLst>
+          </p:cNvPr>
+          <p:cNvCxnSpPr/>
+          <p:nvPr/>
+        </p:nvCxnSpPr>
+        <p:spPr>
+          <a:xfrm>
+            <a:off x="9145342" y="2373281"/>
+            <a:ext cx="929282" cy="0"/>
+          </a:xfrm>
+          <a:prstGeom prst="straightConnector1">
+            <a:avLst/>
+          </a:prstGeom>
+          <a:ln>
+            <a:headEnd type="triangle"/>
+            <a:tailEnd type="triangle"/>
+          </a:ln>
+        </p:spPr>
+        <p:style>
+          <a:lnRef idx="3">
+            <a:schemeClr val="dk1"/>
+          </a:lnRef>
+          <a:fillRef idx="0">
+            <a:schemeClr val="dk1"/>
+          </a:fillRef>
+          <a:effectRef idx="2">
+            <a:schemeClr val="dk1"/>
+          </a:effectRef>
+          <a:fontRef idx="minor">
+            <a:schemeClr val="tx1"/>
+          </a:fontRef>
+        </p:style>
+      </p:cxnSp>
+      <p:sp>
+        <p:nvSpPr>
+          <p:cNvPr id="50" name="직사각형 49">
+            <a:extLst>
+              <a:ext uri="{FF2B5EF4-FFF2-40B4-BE49-F238E27FC236}">
+                <a16:creationId xmlns:a16="http://schemas.microsoft.com/office/drawing/2014/main" id="{2738302A-1397-4DA5-9AA5-7388497107E9}"/>
+              </a:ext>
+            </a:extLst>
+          </p:cNvPr>
+          <p:cNvSpPr/>
+          <p:nvPr/>
+        </p:nvSpPr>
+        <p:spPr>
+          <a:xfrm>
+            <a:off x="7279716" y="3376567"/>
+            <a:ext cx="1728000" cy="451262"/>
+          </a:xfrm>
+          <a:prstGeom prst="rect">
+            <a:avLst/>
+          </a:prstGeom>
+        </p:spPr>
+        <p:style>
+          <a:lnRef idx="2">
+            <a:schemeClr val="dk1"/>
+          </a:lnRef>
+          <a:fillRef idx="1">
+            <a:schemeClr val="lt1"/>
+          </a:fillRef>
+          <a:effectRef idx="0">
+            <a:schemeClr val="dk1"/>
+          </a:effectRef>
+          <a:fontRef idx="minor">
+            <a:schemeClr val="dk1"/>
+          </a:fontRef>
+        </p:style>
+        <p:txBody>
+          <a:bodyPr rtlCol="0" anchor="ctr"/>
+          <a:lstStyle/>
+          <a:p>
+            <a:pPr algn="ctr"/>
+            <a:r>
+              <a:rPr lang="ko-KR" altLang="en-US" dirty="0"/>
+              <a:t>데이터 처리</a:t>
+            </a:r>
+          </a:p>
+        </p:txBody>
+      </p:sp>
+      <p:sp>
+        <p:nvSpPr>
+          <p:cNvPr id="51" name="TextBox 50">
+            <a:extLst>
+              <a:ext uri="{FF2B5EF4-FFF2-40B4-BE49-F238E27FC236}">
+                <a16:creationId xmlns:a16="http://schemas.microsoft.com/office/drawing/2014/main" id="{3089CEEA-98B4-4053-AE9C-E6BB0A55DF46}"/>
+              </a:ext>
+            </a:extLst>
+          </p:cNvPr>
+          <p:cNvSpPr txBox="1"/>
+          <p:nvPr/>
+        </p:nvSpPr>
+        <p:spPr>
+          <a:xfrm>
+            <a:off x="6135296" y="2045819"/>
+            <a:ext cx="1000919" cy="276999"/>
+          </a:xfrm>
+          <a:prstGeom prst="rect">
+            <a:avLst/>
+          </a:prstGeom>
+          <a:noFill/>
+        </p:spPr>
+        <p:txBody>
+          <a:bodyPr wrap="square" rtlCol="0">
+            <a:spAutoFit/>
+          </a:bodyPr>
+          <a:lstStyle/>
+          <a:p>
+            <a:r>
+              <a:rPr lang="ko-KR" altLang="en-US" sz="1200" dirty="0"/>
+              <a:t>데이터 전송</a:t>
+            </a:r>
+          </a:p>
+        </p:txBody>
+      </p:sp>
+      <p:cxnSp>
+        <p:nvCxnSpPr>
+          <p:cNvPr id="52" name="직선 화살표 연결선 51">
+            <a:extLst>
+              <a:ext uri="{FF2B5EF4-FFF2-40B4-BE49-F238E27FC236}">
+                <a16:creationId xmlns:a16="http://schemas.microsoft.com/office/drawing/2014/main" id="{7C5B6A9E-4688-4061-9F0E-D52039B951AC}"/>
+              </a:ext>
+            </a:extLst>
+          </p:cNvPr>
+          <p:cNvCxnSpPr/>
+          <p:nvPr/>
+        </p:nvCxnSpPr>
+        <p:spPr>
+          <a:xfrm>
+            <a:off x="6171115" y="2373281"/>
+            <a:ext cx="929282" cy="0"/>
+          </a:xfrm>
+          <a:prstGeom prst="straightConnector1">
+            <a:avLst/>
+          </a:prstGeom>
+          <a:ln>
+            <a:headEnd type="triangle"/>
+            <a:tailEnd type="triangle"/>
+          </a:ln>
+        </p:spPr>
+        <p:style>
+          <a:lnRef idx="3">
+            <a:schemeClr val="dk1"/>
+          </a:lnRef>
+          <a:fillRef idx="0">
+            <a:schemeClr val="dk1"/>
+          </a:fillRef>
+          <a:effectRef idx="2">
+            <a:schemeClr val="dk1"/>
+          </a:effectRef>
+          <a:fontRef idx="minor">
+            <a:schemeClr val="tx1"/>
+          </a:fontRef>
+        </p:style>
+      </p:cxnSp>
+      <p:sp>
+        <p:nvSpPr>
+          <p:cNvPr id="18" name="직사각형 17">
+            <a:extLst>
+              <a:ext uri="{FF2B5EF4-FFF2-40B4-BE49-F238E27FC236}">
+                <a16:creationId xmlns:a16="http://schemas.microsoft.com/office/drawing/2014/main" id="{B2657F82-2E65-4711-9020-6A5033661F6C}"/>
+              </a:ext>
+            </a:extLst>
+          </p:cNvPr>
+          <p:cNvSpPr/>
+          <p:nvPr/>
+        </p:nvSpPr>
+        <p:spPr>
+          <a:xfrm>
+            <a:off x="4236213" y="564078"/>
+            <a:ext cx="1874778" cy="2128324"/>
+          </a:xfrm>
+          <a:prstGeom prst="rect">
+            <a:avLst/>
+          </a:prstGeom>
+          <a:noFill/>
+          <a:ln w="38100" cap="flat" cmpd="sng" algn="ctr">
+            <a:solidFill>
+              <a:schemeClr val="accent1"/>
+            </a:solidFill>
+            <a:prstDash val="solid"/>
+            <a:round/>
+            <a:headEnd type="none" w="med" len="med"/>
+            <a:tailEnd type="none" w="med" len="med"/>
+          </a:ln>
+        </p:spPr>
+        <p:style>
+          <a:lnRef idx="0">
+            <a:scrgbClr r="0" g="0" b="0"/>
+          </a:lnRef>
+          <a:fillRef idx="0">
+            <a:scrgbClr r="0" g="0" b="0"/>
+          </a:fillRef>
+          <a:effectRef idx="0">
+            <a:scrgbClr r="0" g="0" b="0"/>
+          </a:effectRef>
+          <a:fontRef idx="minor">
+            <a:schemeClr val="accent1"/>
+          </a:fontRef>
+        </p:style>
+        <p:txBody>
+          <a:bodyPr rtlCol="0" anchor="ctr"/>
+          <a:lstStyle/>
+          <a:p>
+            <a:pPr algn="ctr"/>
+            <a:endParaRPr lang="ko-KR" altLang="en-US"/>
+          </a:p>
+        </p:txBody>
+      </p:sp>
+      <p:sp>
+        <p:nvSpPr>
+          <p:cNvPr id="26" name="직사각형 25">
+            <a:extLst>
+              <a:ext uri="{FF2B5EF4-FFF2-40B4-BE49-F238E27FC236}">
+                <a16:creationId xmlns:a16="http://schemas.microsoft.com/office/drawing/2014/main" id="{05EAF412-E1BF-43F3-B912-794C11E0B9D8}"/>
+              </a:ext>
+            </a:extLst>
+          </p:cNvPr>
+          <p:cNvSpPr/>
+          <p:nvPr/>
+        </p:nvSpPr>
+        <p:spPr>
+          <a:xfrm>
+            <a:off x="7201533" y="564078"/>
+            <a:ext cx="1871809" cy="3604522"/>
+          </a:xfrm>
+          <a:prstGeom prst="rect">
+            <a:avLst/>
+          </a:prstGeom>
+          <a:noFill/>
+          <a:ln w="38100" cap="flat" cmpd="sng" algn="ctr">
+            <a:solidFill>
+              <a:schemeClr val="accent1"/>
+            </a:solidFill>
+            <a:prstDash val="solid"/>
+            <a:round/>
+            <a:headEnd type="none" w="med" len="med"/>
+            <a:tailEnd type="none" w="med" len="med"/>
+          </a:ln>
+        </p:spPr>
+        <p:style>
+          <a:lnRef idx="0">
+            <a:scrgbClr r="0" g="0" b="0"/>
+          </a:lnRef>
+          <a:fillRef idx="0">
+            <a:scrgbClr r="0" g="0" b="0"/>
+          </a:fillRef>
+          <a:effectRef idx="0">
+            <a:scrgbClr r="0" g="0" b="0"/>
+          </a:effectRef>
+          <a:fontRef idx="minor">
+            <a:schemeClr val="accent1"/>
+          </a:fontRef>
+        </p:style>
+        <p:txBody>
+          <a:bodyPr rtlCol="0" anchor="ctr"/>
+          <a:lstStyle/>
+          <a:p>
+            <a:pPr algn="ctr"/>
+            <a:endParaRPr lang="ko-KR" altLang="en-US"/>
+          </a:p>
+        </p:txBody>
+      </p:sp>
+      <p:sp>
+        <p:nvSpPr>
+          <p:cNvPr id="30" name="직사각형 29">
+            <a:extLst>
+              <a:ext uri="{FF2B5EF4-FFF2-40B4-BE49-F238E27FC236}">
+                <a16:creationId xmlns:a16="http://schemas.microsoft.com/office/drawing/2014/main" id="{6D6F9F98-E5C4-4EDB-97CF-0D7A2135E3A4}"/>
+              </a:ext>
+            </a:extLst>
+          </p:cNvPr>
+          <p:cNvSpPr/>
+          <p:nvPr/>
+        </p:nvSpPr>
+        <p:spPr>
+          <a:xfrm>
+            <a:off x="10170566" y="564078"/>
+            <a:ext cx="1871809" cy="4281061"/>
+          </a:xfrm>
+          <a:prstGeom prst="rect">
+            <a:avLst/>
+          </a:prstGeom>
+          <a:noFill/>
+          <a:ln w="38100" cap="flat" cmpd="sng" algn="ctr">
+            <a:solidFill>
+              <a:schemeClr val="accent1"/>
+            </a:solidFill>
+            <a:prstDash val="solid"/>
+            <a:round/>
+            <a:headEnd type="none" w="med" len="med"/>
+            <a:tailEnd type="none" w="med" len="med"/>
+          </a:ln>
+        </p:spPr>
+        <p:style>
+          <a:lnRef idx="0">
+            <a:scrgbClr r="0" g="0" b="0"/>
+          </a:lnRef>
+          <a:fillRef idx="0">
+            <a:scrgbClr r="0" g="0" b="0"/>
+          </a:fillRef>
+          <a:effectRef idx="0">
+            <a:scrgbClr r="0" g="0" b="0"/>
+          </a:effectRef>
+          <a:fontRef idx="minor">
+            <a:schemeClr val="accent1"/>
+          </a:fontRef>
+        </p:style>
+        <p:txBody>
+          <a:bodyPr rtlCol="0" anchor="ctr"/>
+          <a:lstStyle/>
+          <a:p>
+            <a:pPr algn="ctr"/>
+            <a:endParaRPr lang="ko-KR" altLang="en-US"/>
+          </a:p>
+        </p:txBody>
+      </p:sp>
+      <p:pic>
+        <p:nvPicPr>
+          <p:cNvPr id="32" name="그림 31">
+            <a:extLst>
+              <a:ext uri="{FF2B5EF4-FFF2-40B4-BE49-F238E27FC236}">
+                <a16:creationId xmlns:a16="http://schemas.microsoft.com/office/drawing/2014/main" id="{25BE4C00-FD82-4205-BF0E-CA5E622E3054}"/>
+              </a:ext>
+            </a:extLst>
+          </p:cNvPr>
+          <p:cNvPicPr>
+            <a:picLocks noChangeAspect="1"/>
+          </p:cNvPicPr>
+          <p:nvPr/>
+        </p:nvPicPr>
+        <p:blipFill>
+          <a:blip r:embed="rId8">
+            <a:extLst>
+              <a:ext uri="{28A0092B-C50C-407E-A947-70E740481C1C}">
+                <a14:useLocalDpi xmlns:a14="http://schemas.microsoft.com/office/drawing/2010/main" val="0"/>
+              </a:ext>
+            </a:extLst>
+          </a:blip>
+          <a:stretch>
+            <a:fillRect/>
+          </a:stretch>
+        </p:blipFill>
+        <p:spPr>
+          <a:xfrm>
+            <a:off x="4903621" y="331100"/>
+            <a:ext cx="537184" cy="465955"/>
+          </a:xfrm>
+          <a:prstGeom prst="rect">
+            <a:avLst/>
+          </a:prstGeom>
+        </p:spPr>
+      </p:pic>
+      <p:pic>
+        <p:nvPicPr>
+          <p:cNvPr id="55" name="그림 54">
+            <a:extLst>
+              <a:ext uri="{FF2B5EF4-FFF2-40B4-BE49-F238E27FC236}">
+                <a16:creationId xmlns:a16="http://schemas.microsoft.com/office/drawing/2014/main" id="{66D28795-9206-4A69-AD66-E2383C6BBB13}"/>
+              </a:ext>
+            </a:extLst>
+          </p:cNvPr>
+          <p:cNvPicPr>
+            <a:picLocks noChangeAspect="1"/>
+          </p:cNvPicPr>
+          <p:nvPr/>
+        </p:nvPicPr>
+        <p:blipFill>
+          <a:blip r:embed="rId8">
+            <a:extLst>
+              <a:ext uri="{28A0092B-C50C-407E-A947-70E740481C1C}">
+                <a14:useLocalDpi xmlns:a14="http://schemas.microsoft.com/office/drawing/2010/main" val="0"/>
+              </a:ext>
+            </a:extLst>
+          </a:blip>
+          <a:stretch>
+            <a:fillRect/>
+          </a:stretch>
+        </p:blipFill>
+        <p:spPr>
+          <a:xfrm>
+            <a:off x="7868309" y="331100"/>
+            <a:ext cx="537184" cy="465955"/>
+          </a:xfrm>
+          <a:prstGeom prst="rect">
+            <a:avLst/>
+          </a:prstGeom>
+        </p:spPr>
+      </p:pic>
+      <p:pic>
+        <p:nvPicPr>
+          <p:cNvPr id="56" name="그림 55">
+            <a:extLst>
+              <a:ext uri="{FF2B5EF4-FFF2-40B4-BE49-F238E27FC236}">
+                <a16:creationId xmlns:a16="http://schemas.microsoft.com/office/drawing/2014/main" id="{124894D9-4B41-4ED5-A80E-76B433B739CE}"/>
+              </a:ext>
+            </a:extLst>
+          </p:cNvPr>
+          <p:cNvPicPr>
+            <a:picLocks noChangeAspect="1"/>
+          </p:cNvPicPr>
+          <p:nvPr/>
+        </p:nvPicPr>
+        <p:blipFill>
+          <a:blip r:embed="rId8">
+            <a:extLst>
+              <a:ext uri="{28A0092B-C50C-407E-A947-70E740481C1C}">
+                <a14:useLocalDpi xmlns:a14="http://schemas.microsoft.com/office/drawing/2010/main" val="0"/>
+              </a:ext>
+            </a:extLst>
+          </a:blip>
+          <a:stretch>
+            <a:fillRect/>
+          </a:stretch>
+        </p:blipFill>
+        <p:spPr>
+          <a:xfrm>
+            <a:off x="10837878" y="331100"/>
+            <a:ext cx="537184" cy="465955"/>
+          </a:xfrm>
+          <a:prstGeom prst="rect">
+            <a:avLst/>
+          </a:prstGeom>
+        </p:spPr>
+      </p:pic>
+      <p:sp>
+        <p:nvSpPr>
+          <p:cNvPr id="57" name="직사각형 56">
+            <a:extLst>
+              <a:ext uri="{FF2B5EF4-FFF2-40B4-BE49-F238E27FC236}">
+                <a16:creationId xmlns:a16="http://schemas.microsoft.com/office/drawing/2014/main" id="{C0511E6C-7C95-42F1-AEB5-155912DB1A18}"/>
+              </a:ext>
+            </a:extLst>
+          </p:cNvPr>
+          <p:cNvSpPr/>
+          <p:nvPr/>
+        </p:nvSpPr>
+        <p:spPr>
+          <a:xfrm>
+            <a:off x="4133721" y="249382"/>
+            <a:ext cx="8002858" cy="5358210"/>
+          </a:xfrm>
+          <a:prstGeom prst="rect">
+            <a:avLst/>
+          </a:prstGeom>
+          <a:noFill/>
+          <a:ln w="28575" cap="flat" cmpd="sng" algn="ctr">
+            <a:solidFill>
+              <a:schemeClr val="accent2"/>
+            </a:solidFill>
+            <a:prstDash val="solid"/>
+            <a:round/>
+            <a:headEnd type="none" w="med" len="med"/>
+            <a:tailEnd type="none" w="med" len="med"/>
+          </a:ln>
+        </p:spPr>
+        <p:style>
+          <a:lnRef idx="0">
+            <a:scrgbClr r="0" g="0" b="0"/>
+          </a:lnRef>
+          <a:fillRef idx="0">
+            <a:scrgbClr r="0" g="0" b="0"/>
+          </a:fillRef>
+          <a:effectRef idx="0">
+            <a:scrgbClr r="0" g="0" b="0"/>
+          </a:effectRef>
+          <a:fontRef idx="minor">
+            <a:schemeClr val="accent2"/>
+          </a:fontRef>
+        </p:style>
+        <p:txBody>
+          <a:bodyPr rtlCol="0" anchor="ctr"/>
+          <a:lstStyle/>
+          <a:p>
+            <a:pPr algn="ctr"/>
+            <a:endParaRPr lang="ko-KR" altLang="en-US"/>
+          </a:p>
+        </p:txBody>
+      </p:sp>
+      <p:pic>
+        <p:nvPicPr>
+          <p:cNvPr id="48" name="그림 47" descr="텍스트, 클립아트이(가) 표시된 사진&#10;&#10;자동 생성된 설명">
+            <a:extLst>
+              <a:ext uri="{FF2B5EF4-FFF2-40B4-BE49-F238E27FC236}">
+                <a16:creationId xmlns:a16="http://schemas.microsoft.com/office/drawing/2014/main" id="{60F3D656-4937-46B0-B898-89CCBFE5D59A}"/>
+              </a:ext>
+            </a:extLst>
+          </p:cNvPr>
+          <p:cNvPicPr>
+            <a:picLocks noChangeAspect="1"/>
+          </p:cNvPicPr>
+          <p:nvPr/>
+        </p:nvPicPr>
+        <p:blipFill>
+          <a:blip r:embed="rId9">
+            <a:extLst>
+              <a:ext uri="{28A0092B-C50C-407E-A947-70E740481C1C}">
+                <a14:useLocalDpi xmlns:a14="http://schemas.microsoft.com/office/drawing/2010/main" val="0"/>
+              </a:ext>
+            </a:extLst>
+          </a:blip>
+          <a:stretch>
+            <a:fillRect/>
+          </a:stretch>
+        </p:blipFill>
+        <p:spPr>
+          <a:xfrm>
+            <a:off x="7881767" y="5290632"/>
+            <a:ext cx="1056533" cy="633920"/>
+          </a:xfrm>
+          <a:prstGeom prst="rect">
+            <a:avLst/>
+          </a:prstGeom>
+        </p:spPr>
+      </p:pic>
+    </p:spTree>
+    <p:extLst>
+      <p:ext uri="{BB962C8B-B14F-4D97-AF65-F5344CB8AC3E}">
+        <p14:creationId xmlns:p14="http://schemas.microsoft.com/office/powerpoint/2010/main" val="246519408"/>
+      </p:ext>
+    </p:extLst>
+  </p:cSld>
+  <p:clrMapOvr>
+    <a:masterClrMapping/>
+  </p:clrMapOvr>
+</p:sld>
+</file>
+
+<file path=ppt/slides/slide11.xml><?xml version="1.0" encoding="utf-8"?>
+<p:sld xmlns:a="http://schemas.openxmlformats.org/drawingml/2006/main" xmlns:r="http://schemas.openxmlformats.org/officeDocument/2006/relationships" xmlns:p="http://schemas.openxmlformats.org/presentationml/2006/main">
+  <p:cSld>
     <p:bg>
       <p:bgPr>
         <a:solidFill>
@@ -10431,7 +12544,7 @@
 </p:sld>
 </file>
 
-<file path=ppt/slides/slide11.xml><?xml version="1.0" encoding="utf-8"?>
+<file path=ppt/slides/slide12.xml><?xml version="1.0" encoding="utf-8"?>
 <p:sld xmlns:a="http://schemas.openxmlformats.org/drawingml/2006/main" xmlns:r="http://schemas.openxmlformats.org/officeDocument/2006/relationships" xmlns:p="http://schemas.openxmlformats.org/presentationml/2006/main">
   <p:cSld>
     <p:bg>
@@ -10794,7 +12907,7 @@
 </p:sld>
 </file>
 
-<file path=ppt/slides/slide12.xml><?xml version="1.0" encoding="utf-8"?>
+<file path=ppt/slides/slide13.xml><?xml version="1.0" encoding="utf-8"?>
 <p:sld xmlns:a="http://schemas.openxmlformats.org/drawingml/2006/main" xmlns:r="http://schemas.openxmlformats.org/officeDocument/2006/relationships" xmlns:p="http://schemas.openxmlformats.org/presentationml/2006/main">
   <p:cSld>
     <p:bg>
@@ -11157,7 +13270,7 @@
 </p:sld>
 </file>
 
-<file path=ppt/slides/slide13.xml><?xml version="1.0" encoding="utf-8"?>
+<file path=ppt/slides/slide14.xml><?xml version="1.0" encoding="utf-8"?>
 <p:sld xmlns:a="http://schemas.openxmlformats.org/drawingml/2006/main" xmlns:r="http://schemas.openxmlformats.org/officeDocument/2006/relationships" xmlns:p="http://schemas.openxmlformats.org/presentationml/2006/main">
   <p:cSld>
     <p:bg>
@@ -12464,7 +14577,7 @@
 </p:sld>
 </file>
 
-<file path=ppt/slides/slide14.xml><?xml version="1.0" encoding="utf-8"?>
+<file path=ppt/slides/slide15.xml><?xml version="1.0" encoding="utf-8"?>
 <p:sld xmlns:a="http://schemas.openxmlformats.org/drawingml/2006/main" xmlns:r="http://schemas.openxmlformats.org/officeDocument/2006/relationships" xmlns:p="http://schemas.openxmlformats.org/presentationml/2006/main">
   <p:cSld>
     <p:bg>
@@ -16311,7 +18424,7 @@
 </p:sld>
 </file>
 
-<file path=ppt/slides/slide15.xml><?xml version="1.0" encoding="utf-8"?>
+<file path=ppt/slides/slide16.xml><?xml version="1.0" encoding="utf-8"?>
 <p:sld xmlns:a="http://schemas.openxmlformats.org/drawingml/2006/main" xmlns:r="http://schemas.openxmlformats.org/officeDocument/2006/relationships" xmlns:p="http://schemas.openxmlformats.org/presentationml/2006/main">
   <p:cSld>
     <p:bg>
@@ -17044,7 +19157,7 @@
 </p:sld>
 </file>
 
-<file path=ppt/slides/slide16.xml><?xml version="1.0" encoding="utf-8"?>
+<file path=ppt/slides/slide17.xml><?xml version="1.0" encoding="utf-8"?>
 <p:sld xmlns:a="http://schemas.openxmlformats.org/drawingml/2006/main" xmlns:r="http://schemas.openxmlformats.org/officeDocument/2006/relationships" xmlns:p="http://schemas.openxmlformats.org/presentationml/2006/main">
   <p:cSld>
     <p:bg>
@@ -17373,7 +19486,7 @@
 </p:sld>
 </file>
 
-<file path=ppt/slides/slide17.xml><?xml version="1.0" encoding="utf-8"?>
+<file path=ppt/slides/slide18.xml><?xml version="1.0" encoding="utf-8"?>
 <p:sld xmlns:a="http://schemas.openxmlformats.org/drawingml/2006/main" xmlns:r="http://schemas.openxmlformats.org/officeDocument/2006/relationships" xmlns:p="http://schemas.openxmlformats.org/presentationml/2006/main">
   <p:cSld>
     <p:bg>
@@ -21997,7 +24110,7 @@
         </p:nvSpPr>
         <p:spPr>
           <a:xfrm>
-            <a:off x="0" y="1"/>
+            <a:off x="0" y="10"/>
             <a:ext cx="4215740" cy="907862"/>
           </a:xfrm>
         </p:spPr>
@@ -22026,7 +24139,7 @@
         </p:nvSpPr>
         <p:spPr>
           <a:xfrm>
-            <a:off x="442355" y="1380501"/>
+            <a:off x="169218" y="1626432"/>
             <a:ext cx="2802579" cy="3918858"/>
           </a:xfrm>
           <a:prstGeom prst="rect">
@@ -22058,46 +24171,6 @@
       </p:sp>
       <p:sp>
         <p:nvSpPr>
-          <p:cNvPr id="5" name="TextBox 4">
-            <a:extLst>
-              <a:ext uri="{FF2B5EF4-FFF2-40B4-BE49-F238E27FC236}">
-                <a16:creationId xmlns:a16="http://schemas.microsoft.com/office/drawing/2014/main" id="{AF922AE8-B345-4394-9873-119B01243D4D}"/>
-              </a:ext>
-            </a:extLst>
-          </p:cNvPr>
-          <p:cNvSpPr txBox="1"/>
-          <p:nvPr/>
-        </p:nvSpPr>
-        <p:spPr>
-          <a:xfrm>
-            <a:off x="926272" y="955360"/>
-            <a:ext cx="1838634" cy="369332"/>
-          </a:xfrm>
-          <a:prstGeom prst="rect">
-            <a:avLst/>
-          </a:prstGeom>
-          <a:noFill/>
-        </p:spPr>
-        <p:txBody>
-          <a:bodyPr wrap="square" rtlCol="0">
-            <a:spAutoFit/>
-          </a:bodyPr>
-          <a:lstStyle/>
-          <a:p>
-            <a:r>
-              <a:rPr lang="ko-KR" altLang="en-US" dirty="0"/>
-              <a:t>안드로이드 </a:t>
-            </a:r>
-            <a:r>
-              <a:rPr lang="en-US" altLang="ko-KR" dirty="0"/>
-              <a:t>App</a:t>
-            </a:r>
-            <a:endParaRPr lang="ko-KR" altLang="en-US" dirty="0"/>
-          </a:p>
-        </p:txBody>
-      </p:sp>
-      <p:sp>
-        <p:nvSpPr>
           <p:cNvPr id="6" name="직사각형 5">
             <a:extLst>
               <a:ext uri="{FF2B5EF4-FFF2-40B4-BE49-F238E27FC236}">
@@ -22110,8 +24183,8 @@
         </p:nvSpPr>
         <p:spPr>
           <a:xfrm>
-            <a:off x="581891" y="1710041"/>
-            <a:ext cx="2505693" cy="1484416"/>
+            <a:off x="308754" y="1955973"/>
+            <a:ext cx="2505693" cy="997830"/>
           </a:xfrm>
           <a:prstGeom prst="rect">
             <a:avLst/>
@@ -22154,8 +24227,8 @@
         </p:nvSpPr>
         <p:spPr>
           <a:xfrm>
-            <a:off x="736269" y="1810982"/>
-            <a:ext cx="2196935" cy="504701"/>
+            <a:off x="463132" y="2056913"/>
+            <a:ext cx="2196935" cy="360000"/>
           </a:xfrm>
           <a:prstGeom prst="rect">
             <a:avLst/>
@@ -22181,9 +24254,10 @@
           <a:p>
             <a:pPr algn="ctr"/>
             <a:r>
-              <a:rPr lang="ko-KR" altLang="en-US" dirty="0"/>
-              <a:t>언어 재활 프로그램</a:t>
-            </a:r>
+              <a:rPr lang="en-US" altLang="ko-KR" dirty="0"/>
+              <a:t>STT</a:t>
+            </a:r>
+            <a:endParaRPr lang="ko-KR" altLang="en-US" dirty="0"/>
           </a:p>
         </p:txBody>
       </p:sp>
@@ -22201,8 +24275,8 @@
         </p:nvSpPr>
         <p:spPr>
           <a:xfrm>
-            <a:off x="747121" y="2452249"/>
-            <a:ext cx="2196935" cy="504701"/>
+            <a:off x="462108" y="2490352"/>
+            <a:ext cx="2196935" cy="360000"/>
           </a:xfrm>
           <a:prstGeom prst="rect">
             <a:avLst/>
@@ -22229,7 +24303,7 @@
             <a:pPr algn="ctr"/>
             <a:r>
               <a:rPr lang="ko-KR" altLang="en-US" dirty="0"/>
-              <a:t>운동 재활 프로그램</a:t>
+              <a:t>모션 인식</a:t>
             </a:r>
           </a:p>
         </p:txBody>
@@ -22248,7 +24322,7 @@
         </p:nvSpPr>
         <p:spPr>
           <a:xfrm>
-            <a:off x="1110344" y="1407658"/>
+            <a:off x="837207" y="1653589"/>
             <a:ext cx="1466602" cy="323165"/>
           </a:xfrm>
           <a:prstGeom prst="rect">
@@ -22264,7 +24338,7 @@
           <a:p>
             <a:r>
               <a:rPr lang="ko-KR" altLang="en-US" sz="1500" dirty="0"/>
-              <a:t>재활 프로그램</a:t>
+              <a:t>명령어 실행</a:t>
             </a:r>
           </a:p>
         </p:txBody>
@@ -22283,8 +24357,8 @@
         </p:nvSpPr>
         <p:spPr>
           <a:xfrm>
-            <a:off x="579910" y="3715000"/>
-            <a:ext cx="2505693" cy="1484416"/>
+            <a:off x="306773" y="3426511"/>
+            <a:ext cx="2505693" cy="997831"/>
           </a:xfrm>
           <a:prstGeom prst="rect">
             <a:avLst/>
@@ -22315,10 +24389,10 @@
       </p:sp>
       <p:sp>
         <p:nvSpPr>
-          <p:cNvPr id="13" name="직사각형 12">
-            <a:extLst>
-              <a:ext uri="{FF2B5EF4-FFF2-40B4-BE49-F238E27FC236}">
-                <a16:creationId xmlns:a16="http://schemas.microsoft.com/office/drawing/2014/main" id="{7A272D3E-B4A5-44B7-83BF-E474A4911D87}"/>
+          <p:cNvPr id="14" name="직사각형 13">
+            <a:extLst>
+              <a:ext uri="{FF2B5EF4-FFF2-40B4-BE49-F238E27FC236}">
+                <a16:creationId xmlns:a16="http://schemas.microsoft.com/office/drawing/2014/main" id="{830B61A4-F4E5-4442-921F-FBAC94DA4D1F}"/>
               </a:ext>
             </a:extLst>
           </p:cNvPr>
@@ -22327,8 +24401,8 @@
         </p:nvSpPr>
         <p:spPr>
           <a:xfrm>
-            <a:off x="734288" y="3815941"/>
-            <a:ext cx="2196935" cy="504701"/>
+            <a:off x="456170" y="3955390"/>
+            <a:ext cx="2196935" cy="360000"/>
           </a:xfrm>
           <a:prstGeom prst="rect">
             <a:avLst/>
@@ -22354,63 +24428,8 @@
           <a:p>
             <a:pPr algn="ctr"/>
             <a:r>
-              <a:rPr lang="en-US" altLang="ko-KR" dirty="0"/>
-              <a:t>CSR</a:t>
-            </a:r>
-          </a:p>
-          <a:p>
-            <a:pPr algn="ctr"/>
-            <a:r>
-              <a:rPr lang="en-US" altLang="ko-KR" sz="1200" dirty="0"/>
-              <a:t>(CLOVA Speech Recognition)</a:t>
-            </a:r>
-            <a:endParaRPr lang="ko-KR" altLang="en-US" sz="1200" dirty="0"/>
-          </a:p>
-        </p:txBody>
-      </p:sp>
-      <p:sp>
-        <p:nvSpPr>
-          <p:cNvPr id="14" name="직사각형 13">
-            <a:extLst>
-              <a:ext uri="{FF2B5EF4-FFF2-40B4-BE49-F238E27FC236}">
-                <a16:creationId xmlns:a16="http://schemas.microsoft.com/office/drawing/2014/main" id="{830B61A4-F4E5-4442-921F-FBAC94DA4D1F}"/>
-              </a:ext>
-            </a:extLst>
-          </p:cNvPr>
-          <p:cNvSpPr/>
-          <p:nvPr/>
-        </p:nvSpPr>
-        <p:spPr>
-          <a:xfrm>
-            <a:off x="745140" y="4457208"/>
-            <a:ext cx="2196935" cy="504701"/>
-          </a:xfrm>
-          <a:prstGeom prst="rect">
-            <a:avLst/>
-          </a:prstGeom>
-        </p:spPr>
-        <p:style>
-          <a:lnRef idx="2">
-            <a:schemeClr val="dk1"/>
-          </a:lnRef>
-          <a:fillRef idx="1">
-            <a:schemeClr val="lt1"/>
-          </a:fillRef>
-          <a:effectRef idx="0">
-            <a:schemeClr val="dk1"/>
-          </a:effectRef>
-          <a:fontRef idx="minor">
-            <a:schemeClr val="dk1"/>
-          </a:fontRef>
-        </p:style>
-        <p:txBody>
-          <a:bodyPr rtlCol="0" anchor="ctr"/>
-          <a:lstStyle/>
-          <a:p>
-            <a:pPr algn="ctr"/>
-            <a:r>
               <a:rPr lang="ko-KR" altLang="en-US" dirty="0"/>
-              <a:t>모션 인식</a:t>
+              <a:t>운동 재활 프로그램</a:t>
             </a:r>
           </a:p>
         </p:txBody>
@@ -22429,8 +24448,8 @@
         </p:nvSpPr>
         <p:spPr>
           <a:xfrm>
-            <a:off x="1229092" y="3424493"/>
-            <a:ext cx="1207325" cy="323165"/>
+            <a:off x="857822" y="3136004"/>
+            <a:ext cx="1393629" cy="323165"/>
           </a:xfrm>
           <a:prstGeom prst="rect">
             <a:avLst/>
@@ -22444,10 +24463,9 @@
           <a:lstStyle/>
           <a:p>
             <a:r>
-              <a:rPr lang="ko-KR" altLang="en-US" sz="1500"/>
-              <a:t>명령어 실행</a:t>
-            </a:r>
-            <a:endParaRPr lang="ko-KR" altLang="en-US" sz="1500" dirty="0"/>
+              <a:rPr lang="ko-KR" altLang="en-US" sz="1500" dirty="0"/>
+              <a:t>재활 프로그램</a:t>
+            </a:r>
           </a:p>
         </p:txBody>
       </p:sp>
@@ -22479,8 +24497,8 @@
         </p:blipFill>
         <p:spPr>
           <a:xfrm>
-            <a:off x="4772970" y="1238880"/>
-            <a:ext cx="2646060" cy="942321"/>
+            <a:off x="4206152" y="879377"/>
+            <a:ext cx="2034331" cy="705374"/>
           </a:xfrm>
           <a:prstGeom prst="rect">
             <a:avLst/>
@@ -22501,7 +24519,7 @@
           </p:cNvPicPr>
           <p:nvPr/>
         </p:nvPicPr>
-        <p:blipFill>
+        <p:blipFill rotWithShape="1">
           <a:blip r:embed="rId3">
             <a:extLst>
               <a:ext uri="{28A0092B-C50C-407E-A947-70E740481C1C}">
@@ -22509,14 +24527,13 @@
               </a:ext>
             </a:extLst>
           </a:blip>
-          <a:stretch>
-            <a:fillRect/>
-          </a:stretch>
+          <a:srcRect l="11839" r="10490"/>
+          <a:stretch/>
         </p:blipFill>
         <p:spPr>
           <a:xfrm>
-            <a:off x="8947065" y="881858"/>
-            <a:ext cx="2526052" cy="1299343"/>
+            <a:off x="10208995" y="879377"/>
+            <a:ext cx="1676785" cy="656400"/>
           </a:xfrm>
           <a:prstGeom prst="rect">
             <a:avLst/>
@@ -22537,7 +24554,7 @@
         </p:nvSpPr>
         <p:spPr>
           <a:xfrm>
-            <a:off x="7674997" y="2707871"/>
+            <a:off x="9109523" y="2045819"/>
             <a:ext cx="1000919" cy="276999"/>
           </a:xfrm>
           <a:prstGeom prst="rect">
@@ -22552,10 +24569,9 @@
           <a:lstStyle/>
           <a:p>
             <a:r>
-              <a:rPr lang="ko-KR" altLang="en-US" sz="1200"/>
+              <a:rPr lang="ko-KR" altLang="en-US" sz="1200" dirty="0"/>
               <a:t>데이터 전송</a:t>
             </a:r>
-            <a:endParaRPr lang="ko-KR" altLang="en-US" sz="1200" dirty="0"/>
           </a:p>
         </p:txBody>
       </p:sp>
@@ -22575,7 +24591,7 @@
         </p:nvCxnSpPr>
         <p:spPr>
           <a:xfrm>
-            <a:off x="3535274" y="2654130"/>
+            <a:off x="3054318" y="2070437"/>
             <a:ext cx="1079403" cy="0"/>
           </a:xfrm>
           <a:prstGeom prst="straightConnector1">
@@ -22616,7 +24632,7 @@
         </p:nvCxnSpPr>
         <p:spPr>
           <a:xfrm flipH="1">
-            <a:off x="3517459" y="3491639"/>
+            <a:off x="3036503" y="2556712"/>
             <a:ext cx="1079404" cy="0"/>
           </a:xfrm>
           <a:prstGeom prst="straightConnector1">
@@ -22655,7 +24671,7 @@
         </p:nvSpPr>
         <p:spPr>
           <a:xfrm>
-            <a:off x="3593238" y="2389306"/>
+            <a:off x="3112282" y="1805613"/>
             <a:ext cx="895294" cy="276999"/>
           </a:xfrm>
           <a:prstGeom prst="rect">
@@ -22671,7 +24687,7 @@
           <a:p>
             <a:r>
               <a:rPr lang="ko-KR" altLang="en-US" sz="1200" dirty="0"/>
-              <a:t>영상 전송</a:t>
+              <a:t>사진 전송</a:t>
             </a:r>
           </a:p>
         </p:txBody>
@@ -22690,7 +24706,7 @@
         </p:nvSpPr>
         <p:spPr>
           <a:xfrm>
-            <a:off x="3451578" y="3199896"/>
+            <a:off x="2970622" y="2264969"/>
             <a:ext cx="1235530" cy="276999"/>
           </a:xfrm>
           <a:prstGeom prst="rect">
@@ -22725,8 +24741,8 @@
         </p:nvSpPr>
         <p:spPr>
           <a:xfrm>
-            <a:off x="4893753" y="2315683"/>
-            <a:ext cx="2290818" cy="2048491"/>
+            <a:off x="4236213" y="1626434"/>
+            <a:ext cx="1872000" cy="1065968"/>
           </a:xfrm>
           <a:prstGeom prst="rect">
             <a:avLst/>
@@ -22757,10 +24773,10 @@
       </p:sp>
       <p:sp>
         <p:nvSpPr>
-          <p:cNvPr id="26" name="직사각형 25">
-            <a:extLst>
-              <a:ext uri="{FF2B5EF4-FFF2-40B4-BE49-F238E27FC236}">
-                <a16:creationId xmlns:a16="http://schemas.microsoft.com/office/drawing/2014/main" id="{091954B8-E777-4D30-8061-4E53A2D83B73}"/>
+          <p:cNvPr id="27" name="직사각형 26">
+            <a:extLst>
+              <a:ext uri="{FF2B5EF4-FFF2-40B4-BE49-F238E27FC236}">
+                <a16:creationId xmlns:a16="http://schemas.microsoft.com/office/drawing/2014/main" id="{774B2BF0-8C0B-4433-9BB3-9762277E252C}"/>
               </a:ext>
             </a:extLst>
           </p:cNvPr>
@@ -22769,8 +24785,8 @@
         </p:nvSpPr>
         <p:spPr>
           <a:xfrm>
-            <a:off x="5086167" y="2654130"/>
-            <a:ext cx="1905990" cy="451262"/>
+            <a:off x="4291785" y="1962116"/>
+            <a:ext cx="1728000" cy="451262"/>
           </a:xfrm>
           <a:prstGeom prst="rect">
             <a:avLst/>
@@ -22797,17 +24813,17 @@
             <a:pPr algn="ctr"/>
             <a:r>
               <a:rPr lang="ko-KR" altLang="en-US" dirty="0"/>
-              <a:t>모션 인식 모델</a:t>
+              <a:t>데이터 전달</a:t>
             </a:r>
           </a:p>
         </p:txBody>
       </p:sp>
       <p:sp>
         <p:nvSpPr>
-          <p:cNvPr id="27" name="직사각형 26">
-            <a:extLst>
-              <a:ext uri="{FF2B5EF4-FFF2-40B4-BE49-F238E27FC236}">
-                <a16:creationId xmlns:a16="http://schemas.microsoft.com/office/drawing/2014/main" id="{774B2BF0-8C0B-4433-9BB3-9762277E252C}"/>
+          <p:cNvPr id="28" name="직사각형 27">
+            <a:extLst>
+              <a:ext uri="{FF2B5EF4-FFF2-40B4-BE49-F238E27FC236}">
+                <a16:creationId xmlns:a16="http://schemas.microsoft.com/office/drawing/2014/main" id="{6F3076CA-EC5F-462F-B23A-7D11CA03D379}"/>
               </a:ext>
             </a:extLst>
           </p:cNvPr>
@@ -22816,8 +24832,8 @@
         </p:nvSpPr>
         <p:spPr>
           <a:xfrm>
-            <a:off x="5086167" y="3491639"/>
-            <a:ext cx="1905990" cy="451262"/>
+            <a:off x="10170566" y="1626433"/>
+            <a:ext cx="1872000" cy="3218706"/>
           </a:xfrm>
           <a:prstGeom prst="rect">
             <a:avLst/>
@@ -22842,19 +24858,16 @@
           <a:lstStyle/>
           <a:p>
             <a:pPr algn="ctr"/>
-            <a:r>
-              <a:rPr lang="ko-KR" altLang="en-US" dirty="0"/>
-              <a:t>데이터 전달</a:t>
-            </a:r>
+            <a:endParaRPr lang="ko-KR" altLang="en-US"/>
           </a:p>
         </p:txBody>
       </p:sp>
       <p:sp>
         <p:nvSpPr>
-          <p:cNvPr id="28" name="직사각형 27">
-            <a:extLst>
-              <a:ext uri="{FF2B5EF4-FFF2-40B4-BE49-F238E27FC236}">
-                <a16:creationId xmlns:a16="http://schemas.microsoft.com/office/drawing/2014/main" id="{6F3076CA-EC5F-462F-B23A-7D11CA03D379}"/>
+          <p:cNvPr id="29" name="직사각형 28">
+            <a:extLst>
+              <a:ext uri="{FF2B5EF4-FFF2-40B4-BE49-F238E27FC236}">
+                <a16:creationId xmlns:a16="http://schemas.microsoft.com/office/drawing/2014/main" id="{C524CD84-4215-45DF-93D4-D682F574B9AF}"/>
               </a:ext>
             </a:extLst>
           </p:cNvPr>
@@ -22863,8 +24876,8 @@
         </p:nvSpPr>
         <p:spPr>
           <a:xfrm>
-            <a:off x="9322130" y="2315683"/>
-            <a:ext cx="1775361" cy="2004959"/>
+            <a:off x="10242566" y="1955973"/>
+            <a:ext cx="1728000" cy="451262"/>
           </a:xfrm>
           <a:prstGeom prst="rect">
             <a:avLst/>
@@ -22889,16 +24902,19 @@
           <a:lstStyle/>
           <a:p>
             <a:pPr algn="ctr"/>
-            <a:endParaRPr lang="ko-KR" altLang="en-US"/>
+            <a:r>
+              <a:rPr lang="ko-KR" altLang="en-US" sz="1600" dirty="0"/>
+              <a:t>사용자 정보</a:t>
+            </a:r>
           </a:p>
         </p:txBody>
       </p:sp>
       <p:sp>
         <p:nvSpPr>
-          <p:cNvPr id="29" name="직사각형 28">
-            <a:extLst>
-              <a:ext uri="{FF2B5EF4-FFF2-40B4-BE49-F238E27FC236}">
-                <a16:creationId xmlns:a16="http://schemas.microsoft.com/office/drawing/2014/main" id="{C524CD84-4215-45DF-93D4-D682F574B9AF}"/>
+          <p:cNvPr id="35" name="직사각형 34">
+            <a:extLst>
+              <a:ext uri="{FF2B5EF4-FFF2-40B4-BE49-F238E27FC236}">
+                <a16:creationId xmlns:a16="http://schemas.microsoft.com/office/drawing/2014/main" id="{14244C26-938B-40AC-A802-BA217E206C16}"/>
               </a:ext>
             </a:extLst>
           </p:cNvPr>
@@ -22907,8 +24923,8 @@
         </p:nvSpPr>
         <p:spPr>
           <a:xfrm>
-            <a:off x="9413603" y="2547251"/>
-            <a:ext cx="1592414" cy="451262"/>
+            <a:off x="10242566" y="2670352"/>
+            <a:ext cx="1728000" cy="451262"/>
           </a:xfrm>
           <a:prstGeom prst="rect">
             <a:avLst/>
@@ -22935,99 +24951,17 @@
             <a:pPr algn="ctr"/>
             <a:r>
               <a:rPr lang="ko-KR" altLang="en-US" sz="1600" dirty="0"/>
-              <a:t>모션 인식 정보</a:t>
+              <a:t>재활 프로그램</a:t>
             </a:r>
           </a:p>
         </p:txBody>
       </p:sp>
-      <p:cxnSp>
-        <p:nvCxnSpPr>
-          <p:cNvPr id="31" name="직선 화살표 연결선 30">
-            <a:extLst>
-              <a:ext uri="{FF2B5EF4-FFF2-40B4-BE49-F238E27FC236}">
-                <a16:creationId xmlns:a16="http://schemas.microsoft.com/office/drawing/2014/main" id="{94F8FAE2-CA07-4B4C-B907-46C4E989071B}"/>
-              </a:ext>
-            </a:extLst>
-          </p:cNvPr>
-          <p:cNvCxnSpPr>
-            <a:cxnSpLocks/>
-          </p:cNvCxnSpPr>
-          <p:nvPr/>
-        </p:nvCxnSpPr>
-        <p:spPr>
-          <a:xfrm>
-            <a:off x="7419030" y="2998516"/>
-            <a:ext cx="1683406" cy="0"/>
-          </a:xfrm>
-          <a:prstGeom prst="straightConnector1">
-            <a:avLst/>
-          </a:prstGeom>
-          <a:ln>
-            <a:tailEnd type="triangle"/>
-          </a:ln>
-        </p:spPr>
-        <p:style>
-          <a:lnRef idx="3">
-            <a:schemeClr val="dk1"/>
-          </a:lnRef>
-          <a:fillRef idx="0">
-            <a:schemeClr val="dk1"/>
-          </a:fillRef>
-          <a:effectRef idx="2">
-            <a:schemeClr val="dk1"/>
-          </a:effectRef>
-          <a:fontRef idx="minor">
-            <a:schemeClr val="tx1"/>
-          </a:fontRef>
-        </p:style>
-      </p:cxnSp>
-      <p:cxnSp>
-        <p:nvCxnSpPr>
-          <p:cNvPr id="32" name="직선 화살표 연결선 31">
-            <a:extLst>
-              <a:ext uri="{FF2B5EF4-FFF2-40B4-BE49-F238E27FC236}">
-                <a16:creationId xmlns:a16="http://schemas.microsoft.com/office/drawing/2014/main" id="{5828522E-32B1-44F9-B0B2-F4422B376C93}"/>
-              </a:ext>
-            </a:extLst>
-          </p:cNvPr>
-          <p:cNvCxnSpPr>
-            <a:cxnSpLocks/>
-          </p:cNvCxnSpPr>
-          <p:nvPr/>
-        </p:nvCxnSpPr>
-        <p:spPr>
-          <a:xfrm flipH="1">
-            <a:off x="7376985" y="2990598"/>
-            <a:ext cx="1677387" cy="7918"/>
-          </a:xfrm>
-          <a:prstGeom prst="straightConnector1">
-            <a:avLst/>
-          </a:prstGeom>
-          <a:ln>
-            <a:tailEnd type="triangle"/>
-          </a:ln>
-        </p:spPr>
-        <p:style>
-          <a:lnRef idx="3">
-            <a:schemeClr val="dk1"/>
-          </a:lnRef>
-          <a:fillRef idx="0">
-            <a:schemeClr val="dk1"/>
-          </a:fillRef>
-          <a:effectRef idx="2">
-            <a:schemeClr val="dk1"/>
-          </a:effectRef>
-          <a:fontRef idx="minor">
-            <a:schemeClr val="tx1"/>
-          </a:fontRef>
-        </p:style>
-      </p:cxnSp>
       <p:sp>
         <p:nvSpPr>
-          <p:cNvPr id="35" name="직사각형 34">
-            <a:extLst>
-              <a:ext uri="{FF2B5EF4-FFF2-40B4-BE49-F238E27FC236}">
-                <a16:creationId xmlns:a16="http://schemas.microsoft.com/office/drawing/2014/main" id="{14244C26-938B-40AC-A802-BA217E206C16}"/>
+          <p:cNvPr id="36" name="직사각형 35">
+            <a:extLst>
+              <a:ext uri="{FF2B5EF4-FFF2-40B4-BE49-F238E27FC236}">
+                <a16:creationId xmlns:a16="http://schemas.microsoft.com/office/drawing/2014/main" id="{CCA45C0B-75DB-4FF8-AD72-98BD8E321A26}"/>
               </a:ext>
             </a:extLst>
           </p:cNvPr>
@@ -23036,8 +24970,8 @@
         </p:nvSpPr>
         <p:spPr>
           <a:xfrm>
-            <a:off x="9413603" y="3139045"/>
-            <a:ext cx="1592414" cy="451262"/>
+            <a:off x="10242566" y="3364863"/>
+            <a:ext cx="1728000" cy="451262"/>
           </a:xfrm>
           <a:prstGeom prst="rect">
             <a:avLst/>
@@ -23063,61 +24997,9 @@
           <a:p>
             <a:pPr algn="ctr"/>
             <a:r>
-              <a:rPr lang="ko-KR" altLang="en-US" sz="1600" dirty="0"/>
-              <a:t>재활 프로그램</a:t>
-            </a:r>
-          </a:p>
-        </p:txBody>
-      </p:sp>
-      <p:sp>
-        <p:nvSpPr>
-          <p:cNvPr id="36" name="직사각형 35">
-            <a:extLst>
-              <a:ext uri="{FF2B5EF4-FFF2-40B4-BE49-F238E27FC236}">
-                <a16:creationId xmlns:a16="http://schemas.microsoft.com/office/drawing/2014/main" id="{CCA45C0B-75DB-4FF8-AD72-98BD8E321A26}"/>
-              </a:ext>
-            </a:extLst>
-          </p:cNvPr>
-          <p:cNvSpPr/>
-          <p:nvPr/>
-        </p:nvSpPr>
-        <p:spPr>
-          <a:xfrm>
-            <a:off x="9413603" y="3736781"/>
-            <a:ext cx="1592414" cy="451262"/>
-          </a:xfrm>
-          <a:prstGeom prst="rect">
-            <a:avLst/>
-          </a:prstGeom>
-        </p:spPr>
-        <p:style>
-          <a:lnRef idx="2">
-            <a:schemeClr val="dk1"/>
-          </a:lnRef>
-          <a:fillRef idx="1">
-            <a:schemeClr val="lt1"/>
-          </a:fillRef>
-          <a:effectRef idx="0">
-            <a:schemeClr val="dk1"/>
-          </a:effectRef>
-          <a:fontRef idx="minor">
-            <a:schemeClr val="dk1"/>
-          </a:fontRef>
-        </p:style>
-        <p:txBody>
-          <a:bodyPr rtlCol="0" anchor="ctr"/>
-          <a:lstStyle/>
-          <a:p>
-            <a:pPr algn="ctr"/>
-            <a:r>
               <a:rPr lang="ko-KR" altLang="en-US" sz="1400" dirty="0"/>
-              <a:t>연결된 </a:t>
-            </a:r>
-            <a:r>
-              <a:rPr lang="ko-KR" altLang="en-US" sz="1400"/>
-              <a:t>기기 정보</a:t>
-            </a:r>
-            <a:endParaRPr lang="ko-KR" altLang="en-US" sz="1400" dirty="0"/>
+              <a:t>연결된 기기 정보</a:t>
+            </a:r>
           </a:p>
         </p:txBody>
       </p:sp>
@@ -23149,7 +25031,7 @@
         </p:blipFill>
         <p:spPr>
           <a:xfrm>
-            <a:off x="1501825" y="6082157"/>
+            <a:off x="1222632" y="6132678"/>
             <a:ext cx="683563" cy="642313"/>
           </a:xfrm>
           <a:prstGeom prst="rect">
@@ -23173,8 +25055,8 @@
         </p:nvCxnSpPr>
         <p:spPr>
           <a:xfrm>
-            <a:off x="1942917" y="5361667"/>
-            <a:ext cx="0" cy="611579"/>
+            <a:off x="1669780" y="5607598"/>
+            <a:ext cx="0" cy="506238"/>
           </a:xfrm>
           <a:prstGeom prst="straightConnector1">
             <a:avLst/>
@@ -23214,8 +25096,8 @@
         </p:nvCxnSpPr>
         <p:spPr>
           <a:xfrm flipV="1">
-            <a:off x="1669784" y="5361667"/>
-            <a:ext cx="0" cy="611578"/>
+            <a:off x="1396647" y="5607598"/>
+            <a:ext cx="0" cy="506238"/>
           </a:xfrm>
           <a:prstGeom prst="straightConnector1">
             <a:avLst/>
@@ -23253,7 +25135,7 @@
         </p:nvSpPr>
         <p:spPr>
           <a:xfrm>
-            <a:off x="1950398" y="5531617"/>
+            <a:off x="1677261" y="5741212"/>
             <a:ext cx="1181839" cy="276999"/>
           </a:xfrm>
           <a:prstGeom prst="rect">
@@ -23288,7 +25170,7 @@
         </p:nvSpPr>
         <p:spPr>
           <a:xfrm>
-            <a:off x="426596" y="5531244"/>
+            <a:off x="153459" y="5716615"/>
             <a:ext cx="1237256" cy="276999"/>
           </a:xfrm>
           <a:prstGeom prst="rect">
@@ -23309,6 +25191,578 @@
           </a:p>
         </p:txBody>
       </p:sp>
+      <p:sp>
+        <p:nvSpPr>
+          <p:cNvPr id="34" name="직사각형 33">
+            <a:extLst>
+              <a:ext uri="{FF2B5EF4-FFF2-40B4-BE49-F238E27FC236}">
+                <a16:creationId xmlns:a16="http://schemas.microsoft.com/office/drawing/2014/main" id="{CABC7192-338E-4FD1-AAC3-68F6E9D728C5}"/>
+              </a:ext>
+            </a:extLst>
+          </p:cNvPr>
+          <p:cNvSpPr/>
+          <p:nvPr/>
+        </p:nvSpPr>
+        <p:spPr>
+          <a:xfrm>
+            <a:off x="10242566" y="4059374"/>
+            <a:ext cx="1728000" cy="451262"/>
+          </a:xfrm>
+          <a:prstGeom prst="rect">
+            <a:avLst/>
+          </a:prstGeom>
+        </p:spPr>
+        <p:style>
+          <a:lnRef idx="2">
+            <a:schemeClr val="dk1"/>
+          </a:lnRef>
+          <a:fillRef idx="1">
+            <a:schemeClr val="lt1"/>
+          </a:fillRef>
+          <a:effectRef idx="0">
+            <a:schemeClr val="dk1"/>
+          </a:effectRef>
+          <a:fontRef idx="minor">
+            <a:schemeClr val="dk1"/>
+          </a:fontRef>
+        </p:style>
+        <p:txBody>
+          <a:bodyPr rtlCol="0" anchor="ctr"/>
+          <a:lstStyle/>
+          <a:p>
+            <a:pPr algn="ctr"/>
+            <a:r>
+              <a:rPr lang="ko-KR" altLang="en-US" sz="1400" dirty="0"/>
+              <a:t>모션 인식 정보</a:t>
+            </a:r>
+          </a:p>
+        </p:txBody>
+      </p:sp>
+      <p:sp>
+        <p:nvSpPr>
+          <p:cNvPr id="42" name="직사각형 41">
+            <a:extLst>
+              <a:ext uri="{FF2B5EF4-FFF2-40B4-BE49-F238E27FC236}">
+                <a16:creationId xmlns:a16="http://schemas.microsoft.com/office/drawing/2014/main" id="{EF1C9AC6-DE74-414F-8364-0E9F4E3E63FA}"/>
+              </a:ext>
+            </a:extLst>
+          </p:cNvPr>
+          <p:cNvSpPr/>
+          <p:nvPr/>
+        </p:nvSpPr>
+        <p:spPr>
+          <a:xfrm>
+            <a:off x="463128" y="3525386"/>
+            <a:ext cx="2196935" cy="360000"/>
+          </a:xfrm>
+          <a:prstGeom prst="rect">
+            <a:avLst/>
+          </a:prstGeom>
+        </p:spPr>
+        <p:style>
+          <a:lnRef idx="2">
+            <a:schemeClr val="dk1"/>
+          </a:lnRef>
+          <a:fillRef idx="1">
+            <a:schemeClr val="lt1"/>
+          </a:fillRef>
+          <a:effectRef idx="0">
+            <a:schemeClr val="dk1"/>
+          </a:effectRef>
+          <a:fontRef idx="minor">
+            <a:schemeClr val="dk1"/>
+          </a:fontRef>
+        </p:style>
+        <p:txBody>
+          <a:bodyPr rtlCol="0" anchor="ctr"/>
+          <a:lstStyle/>
+          <a:p>
+            <a:pPr algn="ctr"/>
+            <a:r>
+              <a:rPr lang="ko-KR" altLang="en-US" dirty="0"/>
+              <a:t>언어 재활 프로그램</a:t>
+            </a:r>
+          </a:p>
+        </p:txBody>
+      </p:sp>
+      <p:sp>
+        <p:nvSpPr>
+          <p:cNvPr id="43" name="직사각형 42">
+            <a:extLst>
+              <a:ext uri="{FF2B5EF4-FFF2-40B4-BE49-F238E27FC236}">
+                <a16:creationId xmlns:a16="http://schemas.microsoft.com/office/drawing/2014/main" id="{2C930642-CD30-495A-A4EF-0FFB0E1D6AE9}"/>
+              </a:ext>
+            </a:extLst>
+          </p:cNvPr>
+          <p:cNvSpPr/>
+          <p:nvPr/>
+        </p:nvSpPr>
+        <p:spPr>
+          <a:xfrm>
+            <a:off x="317621" y="5092248"/>
+            <a:ext cx="2505693" cy="360000"/>
+          </a:xfrm>
+          <a:prstGeom prst="rect">
+            <a:avLst/>
+          </a:prstGeom>
+        </p:spPr>
+        <p:style>
+          <a:lnRef idx="2">
+            <a:schemeClr val="dk1"/>
+          </a:lnRef>
+          <a:fillRef idx="1">
+            <a:schemeClr val="lt1"/>
+          </a:fillRef>
+          <a:effectRef idx="0">
+            <a:schemeClr val="dk1"/>
+          </a:effectRef>
+          <a:fontRef idx="minor">
+            <a:schemeClr val="dk1"/>
+          </a:fontRef>
+        </p:style>
+        <p:txBody>
+          <a:bodyPr rtlCol="0" anchor="ctr"/>
+          <a:lstStyle/>
+          <a:p>
+            <a:pPr algn="ctr"/>
+            <a:r>
+              <a:rPr lang="ko-KR" altLang="en-US" dirty="0"/>
+              <a:t>기기 관리</a:t>
+            </a:r>
+          </a:p>
+        </p:txBody>
+      </p:sp>
+      <p:pic>
+        <p:nvPicPr>
+          <p:cNvPr id="9" name="그림 8">
+            <a:extLst>
+              <a:ext uri="{FF2B5EF4-FFF2-40B4-BE49-F238E27FC236}">
+                <a16:creationId xmlns:a16="http://schemas.microsoft.com/office/drawing/2014/main" id="{682394CB-EF42-4F76-971A-BF965E3ACA9C}"/>
+              </a:ext>
+            </a:extLst>
+          </p:cNvPr>
+          <p:cNvPicPr>
+            <a:picLocks noChangeAspect="1"/>
+          </p:cNvPicPr>
+          <p:nvPr/>
+        </p:nvPicPr>
+        <p:blipFill>
+          <a:blip r:embed="rId5">
+            <a:extLst>
+              <a:ext uri="{28A0092B-C50C-407E-A947-70E740481C1C}">
+                <a14:useLocalDpi xmlns:a14="http://schemas.microsoft.com/office/drawing/2010/main" val="0"/>
+              </a:ext>
+            </a:extLst>
+          </a:blip>
+          <a:stretch>
+            <a:fillRect/>
+          </a:stretch>
+        </p:blipFill>
+        <p:spPr>
+          <a:xfrm>
+            <a:off x="901382" y="881999"/>
+            <a:ext cx="1308921" cy="705373"/>
+          </a:xfrm>
+          <a:prstGeom prst="rect">
+            <a:avLst/>
+          </a:prstGeom>
+        </p:spPr>
+      </p:pic>
+      <p:sp>
+        <p:nvSpPr>
+          <p:cNvPr id="44" name="직사각형 43">
+            <a:extLst>
+              <a:ext uri="{FF2B5EF4-FFF2-40B4-BE49-F238E27FC236}">
+                <a16:creationId xmlns:a16="http://schemas.microsoft.com/office/drawing/2014/main" id="{8BABA93A-550D-4EB0-91AC-6351DC132667}"/>
+              </a:ext>
+            </a:extLst>
+          </p:cNvPr>
+          <p:cNvSpPr/>
+          <p:nvPr/>
+        </p:nvSpPr>
+        <p:spPr>
+          <a:xfrm>
+            <a:off x="311678" y="4597317"/>
+            <a:ext cx="2505693" cy="360000"/>
+          </a:xfrm>
+          <a:prstGeom prst="rect">
+            <a:avLst/>
+          </a:prstGeom>
+        </p:spPr>
+        <p:style>
+          <a:lnRef idx="2">
+            <a:schemeClr val="dk1"/>
+          </a:lnRef>
+          <a:fillRef idx="1">
+            <a:schemeClr val="lt1"/>
+          </a:fillRef>
+          <a:effectRef idx="0">
+            <a:schemeClr val="dk1"/>
+          </a:effectRef>
+          <a:fontRef idx="minor">
+            <a:schemeClr val="dk1"/>
+          </a:fontRef>
+        </p:style>
+        <p:txBody>
+          <a:bodyPr rtlCol="0" anchor="ctr"/>
+          <a:lstStyle/>
+          <a:p>
+            <a:pPr algn="ctr"/>
+            <a:r>
+              <a:rPr lang="ko-KR" altLang="en-US" dirty="0"/>
+              <a:t>회원 </a:t>
+            </a:r>
+            <a:r>
+              <a:rPr lang="ko-KR" altLang="en-US"/>
+              <a:t>가입</a:t>
+            </a:r>
+            <a:r>
+              <a:rPr lang="en-US" altLang="ko-KR" dirty="0"/>
+              <a:t>, </a:t>
+            </a:r>
+            <a:r>
+              <a:rPr lang="ko-KR" altLang="en-US" dirty="0"/>
+              <a:t>로그인</a:t>
+            </a:r>
+          </a:p>
+        </p:txBody>
+      </p:sp>
+      <p:pic>
+        <p:nvPicPr>
+          <p:cNvPr id="19" name="그림 18" descr="텍스트, 클립아트, 표지판이(가) 표시된 사진&#10;&#10;자동 생성된 설명">
+            <a:extLst>
+              <a:ext uri="{FF2B5EF4-FFF2-40B4-BE49-F238E27FC236}">
+                <a16:creationId xmlns:a16="http://schemas.microsoft.com/office/drawing/2014/main" id="{4A094E97-F797-4D2D-9C84-2AE16CDB1626}"/>
+              </a:ext>
+            </a:extLst>
+          </p:cNvPr>
+          <p:cNvPicPr>
+            <a:picLocks noChangeAspect="1"/>
+          </p:cNvPicPr>
+          <p:nvPr/>
+        </p:nvPicPr>
+        <p:blipFill>
+          <a:blip r:embed="rId6">
+            <a:extLst>
+              <a:ext uri="{28A0092B-C50C-407E-A947-70E740481C1C}">
+                <a14:useLocalDpi xmlns:a14="http://schemas.microsoft.com/office/drawing/2010/main" val="0"/>
+              </a:ext>
+            </a:extLst>
+          </a:blip>
+          <a:stretch>
+            <a:fillRect/>
+          </a:stretch>
+        </p:blipFill>
+        <p:spPr>
+          <a:xfrm>
+            <a:off x="7225285" y="879378"/>
+            <a:ext cx="1848248" cy="705374"/>
+          </a:xfrm>
+          <a:prstGeom prst="rect">
+            <a:avLst/>
+          </a:prstGeom>
+        </p:spPr>
+      </p:pic>
+      <p:sp>
+        <p:nvSpPr>
+          <p:cNvPr id="45" name="직사각형 44">
+            <a:extLst>
+              <a:ext uri="{FF2B5EF4-FFF2-40B4-BE49-F238E27FC236}">
+                <a16:creationId xmlns:a16="http://schemas.microsoft.com/office/drawing/2014/main" id="{6B468C53-7DB2-431F-B0CE-27BB35DF3879}"/>
+              </a:ext>
+            </a:extLst>
+          </p:cNvPr>
+          <p:cNvSpPr/>
+          <p:nvPr/>
+        </p:nvSpPr>
+        <p:spPr>
+          <a:xfrm>
+            <a:off x="7201533" y="1626432"/>
+            <a:ext cx="1872000" cy="2542168"/>
+          </a:xfrm>
+          <a:prstGeom prst="rect">
+            <a:avLst/>
+          </a:prstGeom>
+        </p:spPr>
+        <p:style>
+          <a:lnRef idx="2">
+            <a:schemeClr val="dk1"/>
+          </a:lnRef>
+          <a:fillRef idx="1">
+            <a:schemeClr val="lt1"/>
+          </a:fillRef>
+          <a:effectRef idx="0">
+            <a:schemeClr val="dk1"/>
+          </a:effectRef>
+          <a:fontRef idx="minor">
+            <a:schemeClr val="dk1"/>
+          </a:fontRef>
+        </p:style>
+        <p:txBody>
+          <a:bodyPr rtlCol="0" anchor="ctr"/>
+          <a:lstStyle/>
+          <a:p>
+            <a:pPr algn="ctr"/>
+            <a:endParaRPr lang="ko-KR" altLang="en-US"/>
+          </a:p>
+        </p:txBody>
+      </p:sp>
+      <p:sp>
+        <p:nvSpPr>
+          <p:cNvPr id="46" name="직사각형 45">
+            <a:extLst>
+              <a:ext uri="{FF2B5EF4-FFF2-40B4-BE49-F238E27FC236}">
+                <a16:creationId xmlns:a16="http://schemas.microsoft.com/office/drawing/2014/main" id="{D76D7EA1-DEDF-4E8D-B2DC-E55D12FB0D23}"/>
+              </a:ext>
+            </a:extLst>
+          </p:cNvPr>
+          <p:cNvSpPr/>
+          <p:nvPr/>
+        </p:nvSpPr>
+        <p:spPr>
+          <a:xfrm>
+            <a:off x="7279716" y="1964137"/>
+            <a:ext cx="1728000" cy="451262"/>
+          </a:xfrm>
+          <a:prstGeom prst="rect">
+            <a:avLst/>
+          </a:prstGeom>
+        </p:spPr>
+        <p:style>
+          <a:lnRef idx="2">
+            <a:schemeClr val="dk1"/>
+          </a:lnRef>
+          <a:fillRef idx="1">
+            <a:schemeClr val="lt1"/>
+          </a:fillRef>
+          <a:effectRef idx="0">
+            <a:schemeClr val="dk1"/>
+          </a:effectRef>
+          <a:fontRef idx="minor">
+            <a:schemeClr val="dk1"/>
+          </a:fontRef>
+        </p:style>
+        <p:txBody>
+          <a:bodyPr rtlCol="0" anchor="ctr"/>
+          <a:lstStyle/>
+          <a:p>
+            <a:pPr algn="ctr"/>
+            <a:r>
+              <a:rPr lang="ko-KR" altLang="en-US" dirty="0"/>
+              <a:t>모션 인식 모델</a:t>
+            </a:r>
+          </a:p>
+        </p:txBody>
+      </p:sp>
+      <p:sp>
+        <p:nvSpPr>
+          <p:cNvPr id="47" name="직사각형 46">
+            <a:extLst>
+              <a:ext uri="{FF2B5EF4-FFF2-40B4-BE49-F238E27FC236}">
+                <a16:creationId xmlns:a16="http://schemas.microsoft.com/office/drawing/2014/main" id="{C376FCFC-DD88-4C56-879E-B6B9AC2119B8}"/>
+              </a:ext>
+            </a:extLst>
+          </p:cNvPr>
+          <p:cNvSpPr/>
+          <p:nvPr/>
+        </p:nvSpPr>
+        <p:spPr>
+          <a:xfrm>
+            <a:off x="7279716" y="2670352"/>
+            <a:ext cx="1728000" cy="451262"/>
+          </a:xfrm>
+          <a:prstGeom prst="rect">
+            <a:avLst/>
+          </a:prstGeom>
+        </p:spPr>
+        <p:style>
+          <a:lnRef idx="2">
+            <a:schemeClr val="dk1"/>
+          </a:lnRef>
+          <a:fillRef idx="1">
+            <a:schemeClr val="lt1"/>
+          </a:fillRef>
+          <a:effectRef idx="0">
+            <a:schemeClr val="dk1"/>
+          </a:effectRef>
+          <a:fontRef idx="minor">
+            <a:schemeClr val="dk1"/>
+          </a:fontRef>
+        </p:style>
+        <p:txBody>
+          <a:bodyPr rtlCol="0" anchor="ctr"/>
+          <a:lstStyle/>
+          <a:p>
+            <a:pPr algn="ctr"/>
+            <a:r>
+              <a:rPr lang="ko-KR" altLang="en-US" dirty="0"/>
+              <a:t>데이터 전달</a:t>
+            </a:r>
+          </a:p>
+        </p:txBody>
+      </p:sp>
+      <p:cxnSp>
+        <p:nvCxnSpPr>
+          <p:cNvPr id="49" name="직선 화살표 연결선 48">
+            <a:extLst>
+              <a:ext uri="{FF2B5EF4-FFF2-40B4-BE49-F238E27FC236}">
+                <a16:creationId xmlns:a16="http://schemas.microsoft.com/office/drawing/2014/main" id="{80A0D9D5-5536-42FE-8411-8A0600B5458C}"/>
+              </a:ext>
+            </a:extLst>
+          </p:cNvPr>
+          <p:cNvCxnSpPr/>
+          <p:nvPr/>
+        </p:nvCxnSpPr>
+        <p:spPr>
+          <a:xfrm>
+            <a:off x="9145342" y="2373281"/>
+            <a:ext cx="929282" cy="0"/>
+          </a:xfrm>
+          <a:prstGeom prst="straightConnector1">
+            <a:avLst/>
+          </a:prstGeom>
+          <a:ln>
+            <a:headEnd type="triangle"/>
+            <a:tailEnd type="triangle"/>
+          </a:ln>
+        </p:spPr>
+        <p:style>
+          <a:lnRef idx="3">
+            <a:schemeClr val="dk1"/>
+          </a:lnRef>
+          <a:fillRef idx="0">
+            <a:schemeClr val="dk1"/>
+          </a:fillRef>
+          <a:effectRef idx="2">
+            <a:schemeClr val="dk1"/>
+          </a:effectRef>
+          <a:fontRef idx="minor">
+            <a:schemeClr val="tx1"/>
+          </a:fontRef>
+        </p:style>
+      </p:cxnSp>
+      <p:sp>
+        <p:nvSpPr>
+          <p:cNvPr id="50" name="직사각형 49">
+            <a:extLst>
+              <a:ext uri="{FF2B5EF4-FFF2-40B4-BE49-F238E27FC236}">
+                <a16:creationId xmlns:a16="http://schemas.microsoft.com/office/drawing/2014/main" id="{2738302A-1397-4DA5-9AA5-7388497107E9}"/>
+              </a:ext>
+            </a:extLst>
+          </p:cNvPr>
+          <p:cNvSpPr/>
+          <p:nvPr/>
+        </p:nvSpPr>
+        <p:spPr>
+          <a:xfrm>
+            <a:off x="7279716" y="3376567"/>
+            <a:ext cx="1728000" cy="451262"/>
+          </a:xfrm>
+          <a:prstGeom prst="rect">
+            <a:avLst/>
+          </a:prstGeom>
+        </p:spPr>
+        <p:style>
+          <a:lnRef idx="2">
+            <a:schemeClr val="dk1"/>
+          </a:lnRef>
+          <a:fillRef idx="1">
+            <a:schemeClr val="lt1"/>
+          </a:fillRef>
+          <a:effectRef idx="0">
+            <a:schemeClr val="dk1"/>
+          </a:effectRef>
+          <a:fontRef idx="minor">
+            <a:schemeClr val="dk1"/>
+          </a:fontRef>
+        </p:style>
+        <p:txBody>
+          <a:bodyPr rtlCol="0" anchor="ctr"/>
+          <a:lstStyle/>
+          <a:p>
+            <a:pPr algn="ctr"/>
+            <a:r>
+              <a:rPr lang="ko-KR" altLang="en-US" dirty="0"/>
+              <a:t>데이터 처리</a:t>
+            </a:r>
+          </a:p>
+        </p:txBody>
+      </p:sp>
+      <p:sp>
+        <p:nvSpPr>
+          <p:cNvPr id="51" name="TextBox 50">
+            <a:extLst>
+              <a:ext uri="{FF2B5EF4-FFF2-40B4-BE49-F238E27FC236}">
+                <a16:creationId xmlns:a16="http://schemas.microsoft.com/office/drawing/2014/main" id="{3089CEEA-98B4-4053-AE9C-E6BB0A55DF46}"/>
+              </a:ext>
+            </a:extLst>
+          </p:cNvPr>
+          <p:cNvSpPr txBox="1"/>
+          <p:nvPr/>
+        </p:nvSpPr>
+        <p:spPr>
+          <a:xfrm>
+            <a:off x="6135296" y="2045819"/>
+            <a:ext cx="1000919" cy="276999"/>
+          </a:xfrm>
+          <a:prstGeom prst="rect">
+            <a:avLst/>
+          </a:prstGeom>
+          <a:noFill/>
+        </p:spPr>
+        <p:txBody>
+          <a:bodyPr wrap="square" rtlCol="0">
+            <a:spAutoFit/>
+          </a:bodyPr>
+          <a:lstStyle/>
+          <a:p>
+            <a:r>
+              <a:rPr lang="ko-KR" altLang="en-US" sz="1200" dirty="0"/>
+              <a:t>데이터 전송</a:t>
+            </a:r>
+          </a:p>
+        </p:txBody>
+      </p:sp>
+      <p:cxnSp>
+        <p:nvCxnSpPr>
+          <p:cNvPr id="52" name="직선 화살표 연결선 51">
+            <a:extLst>
+              <a:ext uri="{FF2B5EF4-FFF2-40B4-BE49-F238E27FC236}">
+                <a16:creationId xmlns:a16="http://schemas.microsoft.com/office/drawing/2014/main" id="{7C5B6A9E-4688-4061-9F0E-D52039B951AC}"/>
+              </a:ext>
+            </a:extLst>
+          </p:cNvPr>
+          <p:cNvCxnSpPr/>
+          <p:nvPr/>
+        </p:nvCxnSpPr>
+        <p:spPr>
+          <a:xfrm>
+            <a:off x="6171115" y="2373281"/>
+            <a:ext cx="929282" cy="0"/>
+          </a:xfrm>
+          <a:prstGeom prst="straightConnector1">
+            <a:avLst/>
+          </a:prstGeom>
+          <a:ln>
+            <a:headEnd type="triangle"/>
+            <a:tailEnd type="triangle"/>
+          </a:ln>
+        </p:spPr>
+        <p:style>
+          <a:lnRef idx="3">
+            <a:schemeClr val="dk1"/>
+          </a:lnRef>
+          <a:fillRef idx="0">
+            <a:schemeClr val="dk1"/>
+          </a:fillRef>
+          <a:effectRef idx="2">
+            <a:schemeClr val="dk1"/>
+          </a:effectRef>
+          <a:fontRef idx="minor">
+            <a:schemeClr val="tx1"/>
+          </a:fontRef>
+        </p:style>
+      </p:cxnSp>
     </p:spTree>
     <p:extLst>
       <p:ext uri="{BB962C8B-B14F-4D97-AF65-F5344CB8AC3E}">
